--- a/docs/Scene/SceneExplanation.pptx
+++ b/docs/Scene/SceneExplanation.pptx
@@ -141,6 +141,9 @@
         </p15:guide>
       </p15:sldGuideLst>
     </p:ext>
+    <p:ext uri="{2D200454-40CA-4A62-9FC3-DE9A4176ACB9}">
+      <p15:notesGuideLst xmlns:p15="http://schemas.microsoft.com/office/powerpoint/2012/main"/>
+    </p:ext>
   </p:extLst>
 </p:presentation>
 </file>
@@ -243,7 +246,7 @@
           <a:p>
             <a:fld id="{6D7FE9F8-2CA7-468D-9335-DE6E4EE2CFE0}" type="datetimeFigureOut">
               <a:rPr lang="zh-CN" altLang="en-US" smtClean="0"/>
-              <a:t>2017/10/11</a:t>
+              <a:t>2017/10/13</a:t>
             </a:fld>
             <a:endParaRPr lang="zh-CN" altLang="en-US"/>
           </a:p>
@@ -420,7 +423,7 @@
           <a:p>
             <a:fld id="{2E3B1B48-C3D3-44FD-8F18-EE819032FA56}" type="datetimeFigureOut">
               <a:rPr lang="zh-CN" altLang="en-US" smtClean="0"/>
-              <a:t>2017/10/11</a:t>
+              <a:t>2017/10/13</a:t>
             </a:fld>
             <a:endParaRPr lang="zh-CN" altLang="en-US"/>
           </a:p>
@@ -881,7 +884,7 @@
           <a:p>
             <a:fld id="{9082C258-E36B-4428-9EBE-3D66F397061D}" type="datetime1">
               <a:rPr lang="zh-CN" altLang="en-US" smtClean="0"/>
-              <a:t>2017/10/11</a:t>
+              <a:t>2017/10/13</a:t>
             </a:fld>
             <a:endParaRPr lang="zh-CN" altLang="en-US"/>
           </a:p>
@@ -1131,7 +1134,7 @@
           <a:p>
             <a:fld id="{6C74CE78-F553-4499-92C2-23A3FC286B13}" type="datetime1">
               <a:rPr lang="zh-CN" altLang="en-US" smtClean="0"/>
-              <a:t>2017/10/11</a:t>
+              <a:t>2017/10/13</a:t>
             </a:fld>
             <a:endParaRPr lang="zh-CN" altLang="en-US"/>
           </a:p>
@@ -1297,7 +1300,7 @@
           <a:p>
             <a:fld id="{61040DCD-6B6B-467E-B707-39CD5F9CB825}" type="datetime1">
               <a:rPr lang="zh-CN" altLang="en-US" smtClean="0"/>
-              <a:t>2017/10/11</a:t>
+              <a:t>2017/10/13</a:t>
             </a:fld>
             <a:endParaRPr lang="zh-CN" altLang="en-US"/>
           </a:p>
@@ -1473,7 +1476,7 @@
           <a:p>
             <a:fld id="{8D983A4A-2C2A-4D8E-A43C-BC6DD092E5EC}" type="datetime1">
               <a:rPr lang="zh-CN" altLang="en-US" smtClean="0"/>
-              <a:t>2017/10/11</a:t>
+              <a:t>2017/10/13</a:t>
             </a:fld>
             <a:endParaRPr lang="zh-CN" altLang="en-US"/>
           </a:p>
@@ -1566,7 +1569,7 @@
           <a:p>
             <a:fld id="{AD4383D2-8C55-4FC0-9B0B-549F41BCB586}" type="datetime1">
               <a:rPr lang="zh-CN" altLang="en-US" smtClean="0"/>
-              <a:t>2017/10/11</a:t>
+              <a:t>2017/10/13</a:t>
             </a:fld>
             <a:endParaRPr lang="zh-CN" altLang="en-US"/>
           </a:p>
@@ -3686,7 +3689,7 @@
           <a:p>
             <a:fld id="{F138C28D-461B-46EA-B3D2-4CEA4CCF97FD}" type="datetime1">
               <a:rPr lang="zh-CN" altLang="en-US" smtClean="0"/>
-              <a:t>2017/10/11</a:t>
+              <a:t>2017/10/13</a:t>
             </a:fld>
             <a:endParaRPr lang="zh-CN" altLang="en-US"/>
           </a:p>
@@ -3915,7 +3918,7 @@
           <a:p>
             <a:fld id="{F138C28D-461B-46EA-B3D2-4CEA4CCF97FD}" type="datetime1">
               <a:rPr lang="zh-CN" altLang="en-US" smtClean="0"/>
-              <a:t>2017/10/11</a:t>
+              <a:t>2017/10/13</a:t>
             </a:fld>
             <a:endParaRPr lang="zh-CN" altLang="en-US"/>
           </a:p>
@@ -4310,7 +4313,7 @@
           <a:p>
             <a:fld id="{34E4DED1-77D9-4993-B7E5-C145AD9B215D}" type="datetime1">
               <a:rPr lang="zh-CN" altLang="en-US" smtClean="0"/>
-              <a:t>2017/10/11</a:t>
+              <a:t>2017/10/13</a:t>
             </a:fld>
             <a:endParaRPr lang="zh-CN" altLang="en-US"/>
           </a:p>
@@ -4727,7 +4730,7 @@
           <a:p>
             <a:fld id="{CB18C625-6BB2-4F84-B1CE-FBF94B9F79BE}" type="datetime1">
               <a:rPr lang="zh-CN" altLang="en-US" smtClean="0"/>
-              <a:t>2017/10/11</a:t>
+              <a:t>2017/10/13</a:t>
             </a:fld>
             <a:endParaRPr lang="zh-CN" altLang="en-US"/>
           </a:p>
@@ -4842,7 +4845,7 @@
           <a:p>
             <a:fld id="{AFB4DA66-5C86-4F23-BA06-D44CFE63E251}" type="datetime1">
               <a:rPr lang="zh-CN" altLang="en-US" smtClean="0"/>
-              <a:t>2017/10/11</a:t>
+              <a:t>2017/10/13</a:t>
             </a:fld>
             <a:endParaRPr lang="zh-CN" altLang="en-US"/>
           </a:p>
@@ -4935,7 +4938,7 @@
           <a:p>
             <a:fld id="{0CC55E60-CF45-4A5A-BD1C-DE3F0FBBE8F7}" type="datetime1">
               <a:rPr lang="zh-CN" altLang="en-US" smtClean="0"/>
-              <a:t>2017/10/11</a:t>
+              <a:t>2017/10/13</a:t>
             </a:fld>
             <a:endParaRPr lang="zh-CN" altLang="en-US"/>
           </a:p>
@@ -5208,7 +5211,7 @@
           <a:p>
             <a:fld id="{34741085-45D3-4EE8-874F-28448E75DCCF}" type="datetime1">
               <a:rPr lang="zh-CN" altLang="en-US" smtClean="0"/>
-              <a:t>2017/10/11</a:t>
+              <a:t>2017/10/13</a:t>
             </a:fld>
             <a:endParaRPr lang="zh-CN" altLang="en-US"/>
           </a:p>
@@ -5417,7 +5420,7 @@
           <a:p>
             <a:fld id="{1DA76A01-8161-42EC-A09B-C09924CBD308}" type="datetime1">
               <a:rPr lang="zh-CN" altLang="en-US" smtClean="0"/>
-              <a:t>2017/10/11</a:t>
+              <a:t>2017/10/13</a:t>
             </a:fld>
             <a:endParaRPr lang="zh-CN" altLang="en-US"/>
           </a:p>
@@ -5895,7 +5898,7 @@
           <a:p>
             <a:fld id="{D0BD8123-259D-4263-9F09-52A2460CC7EC}" type="datetime1">
               <a:rPr lang="zh-CN" altLang="en-US" smtClean="0"/>
-              <a:t>2017/10/11</a:t>
+              <a:t>2017/10/13</a:t>
             </a:fld>
             <a:endParaRPr lang="zh-CN" altLang="en-US"/>
           </a:p>
@@ -6011,7 +6014,7 @@
           <a:p>
             <a:fld id="{F138C28D-461B-46EA-B3D2-4CEA4CCF97FD}" type="datetime1">
               <a:rPr lang="zh-CN" altLang="en-US" smtClean="0"/>
-              <a:t>2017/10/11</a:t>
+              <a:t>2017/10/13</a:t>
             </a:fld>
             <a:endParaRPr lang="zh-CN" altLang="en-US" dirty="0"/>
           </a:p>
@@ -7787,7 +7790,7 @@
           <a:p>
             <a:fld id="{F138C28D-461B-46EA-B3D2-4CEA4CCF97FD}" type="datetime1">
               <a:rPr lang="zh-CN" altLang="en-US" smtClean="0"/>
-              <a:t>2017/10/11</a:t>
+              <a:t>2017/10/13</a:t>
             </a:fld>
             <a:endParaRPr lang="zh-CN" altLang="en-US"/>
           </a:p>
@@ -10154,7 +10157,7 @@
           <a:p>
             <a:fld id="{F138C28D-461B-46EA-B3D2-4CEA4CCF97FD}" type="datetime1">
               <a:rPr lang="zh-CN" altLang="en-US" smtClean="0"/>
-              <a:t>2017/10/11</a:t>
+              <a:t>2017/10/13</a:t>
             </a:fld>
             <a:endParaRPr lang="zh-CN" altLang="en-US"/>
           </a:p>
@@ -14302,7 +14305,7 @@
           <a:p>
             <a:fld id="{AD4383D2-8C55-4FC0-9B0B-549F41BCB586}" type="datetime1">
               <a:rPr lang="zh-CN" altLang="en-US" smtClean="0"/>
-              <a:t>2017/10/11</a:t>
+              <a:t>2017/10/13</a:t>
             </a:fld>
             <a:endParaRPr lang="zh-CN" altLang="en-US"/>
           </a:p>
@@ -14541,7 +14544,7 @@
           <a:p>
             <a:fld id="{F138C28D-461B-46EA-B3D2-4CEA4CCF97FD}" type="datetime1">
               <a:rPr lang="zh-CN" altLang="en-US" smtClean="0"/>
-              <a:t>2017/10/11</a:t>
+              <a:t>2017/10/13</a:t>
             </a:fld>
             <a:endParaRPr lang="zh-CN" altLang="en-US"/>
           </a:p>
@@ -15965,7 +15968,7 @@
           <a:p>
             <a:fld id="{F138C28D-461B-46EA-B3D2-4CEA4CCF97FD}" type="datetime1">
               <a:rPr lang="zh-CN" altLang="en-US" smtClean="0"/>
-              <a:t>2017/10/11</a:t>
+              <a:t>2017/10/13</a:t>
             </a:fld>
             <a:endParaRPr lang="zh-CN" altLang="en-US"/>
           </a:p>
@@ -21949,7 +21952,7 @@
           <a:p>
             <a:fld id="{F138C28D-461B-46EA-B3D2-4CEA4CCF97FD}" type="datetime1">
               <a:rPr lang="zh-CN" altLang="en-US" smtClean="0"/>
-              <a:t>2017/10/11</a:t>
+              <a:t>2017/10/13</a:t>
             </a:fld>
             <a:endParaRPr lang="zh-CN" altLang="en-US"/>
           </a:p>
@@ -22155,7 +22158,7 @@
           <a:p>
             <a:fld id="{F138C28D-461B-46EA-B3D2-4CEA4CCF97FD}" type="datetime1">
               <a:rPr lang="zh-CN" altLang="en-US" smtClean="0"/>
-              <a:t>2017/10/11</a:t>
+              <a:t>2017/10/13</a:t>
             </a:fld>
             <a:endParaRPr lang="zh-CN" altLang="en-US"/>
           </a:p>
@@ -23147,7 +23150,7 @@
           <a:p>
             <a:fld id="{4C59F49D-EEE6-4EC6-B33B-6C7AD1AA5DC5}" type="datetime1">
               <a:rPr lang="zh-CN" altLang="en-US" smtClean="0"/>
-              <a:t>2017/10/11</a:t>
+              <a:t>2017/10/13</a:t>
             </a:fld>
             <a:endParaRPr lang="zh-CN" altLang="en-US"/>
           </a:p>
@@ -23363,7 +23366,7 @@
           <a:p>
             <a:fld id="{F138C28D-461B-46EA-B3D2-4CEA4CCF97FD}" type="datetime1">
               <a:rPr lang="zh-CN" altLang="en-US" smtClean="0"/>
-              <a:t>2017/10/11</a:t>
+              <a:t>2017/10/13</a:t>
             </a:fld>
             <a:endParaRPr lang="zh-CN" altLang="en-US"/>
           </a:p>
@@ -23585,7 +23588,7 @@
           <a:p>
             <a:fld id="{F138C28D-461B-46EA-B3D2-4CEA4CCF97FD}" type="datetime1">
               <a:rPr lang="zh-CN" altLang="en-US" smtClean="0"/>
-              <a:t>2017/10/11</a:t>
+              <a:t>2017/10/13</a:t>
             </a:fld>
             <a:endParaRPr lang="zh-CN" altLang="en-US"/>
           </a:p>
@@ -24480,7 +24483,7 @@
           <a:p>
             <a:fld id="{AD4383D2-8C55-4FC0-9B0B-549F41BCB586}" type="datetime1">
               <a:rPr lang="zh-CN" altLang="en-US" smtClean="0"/>
-              <a:t>2017/10/11</a:t>
+              <a:t>2017/10/13</a:t>
             </a:fld>
             <a:endParaRPr lang="zh-CN" altLang="en-US"/>
           </a:p>
@@ -24719,7 +24722,7 @@
           <a:p>
             <a:fld id="{F138C28D-461B-46EA-B3D2-4CEA4CCF97FD}" type="datetime1">
               <a:rPr lang="zh-CN" altLang="en-US" smtClean="0"/>
-              <a:t>2017/10/11</a:t>
+              <a:t>2017/10/13</a:t>
             </a:fld>
             <a:endParaRPr lang="zh-CN" altLang="en-US"/>
           </a:p>
@@ -25806,7 +25809,7 @@
           <a:p>
             <a:fld id="{F138C28D-461B-46EA-B3D2-4CEA4CCF97FD}" type="datetime1">
               <a:rPr lang="zh-CN" altLang="en-US" smtClean="0"/>
-              <a:t>2017/10/11</a:t>
+              <a:t>2017/10/13</a:t>
             </a:fld>
             <a:endParaRPr lang="zh-CN" altLang="en-US"/>
           </a:p>
@@ -27631,7 +27634,7 @@
           <a:p>
             <a:fld id="{AD4383D2-8C55-4FC0-9B0B-549F41BCB586}" type="datetime1">
               <a:rPr lang="zh-CN" altLang="en-US" smtClean="0"/>
-              <a:t>2017/10/11</a:t>
+              <a:t>2017/10/13</a:t>
             </a:fld>
             <a:endParaRPr lang="zh-CN" altLang="en-US" dirty="0"/>
           </a:p>
@@ -28767,7 +28770,7 @@
           <a:p>
             <a:fld id="{F138C28D-461B-46EA-B3D2-4CEA4CCF97FD}" type="datetime1">
               <a:rPr lang="zh-CN" altLang="en-US" smtClean="0"/>
-              <a:t>2017/10/11</a:t>
+              <a:t>2017/10/13</a:t>
             </a:fld>
             <a:endParaRPr lang="zh-CN" altLang="en-US"/>
           </a:p>

--- a/docs/Scene/SceneExplanation.pptx
+++ b/docs/Scene/SceneExplanation.pptx
@@ -246,7 +246,7 @@
           <a:p>
             <a:fld id="{6D7FE9F8-2CA7-468D-9335-DE6E4EE2CFE0}" type="datetimeFigureOut">
               <a:rPr lang="zh-CN" altLang="en-US" smtClean="0"/>
-              <a:t>2017/10/13</a:t>
+              <a:t>2017/10/16</a:t>
             </a:fld>
             <a:endParaRPr lang="zh-CN" altLang="en-US"/>
           </a:p>
@@ -423,7 +423,7 @@
           <a:p>
             <a:fld id="{2E3B1B48-C3D3-44FD-8F18-EE819032FA56}" type="datetimeFigureOut">
               <a:rPr lang="zh-CN" altLang="en-US" smtClean="0"/>
-              <a:t>2017/10/13</a:t>
+              <a:t>2017/10/16</a:t>
             </a:fld>
             <a:endParaRPr lang="zh-CN" altLang="en-US"/>
           </a:p>
@@ -884,7 +884,7 @@
           <a:p>
             <a:fld id="{9082C258-E36B-4428-9EBE-3D66F397061D}" type="datetime1">
               <a:rPr lang="zh-CN" altLang="en-US" smtClean="0"/>
-              <a:t>2017/10/13</a:t>
+              <a:t>2017/10/16</a:t>
             </a:fld>
             <a:endParaRPr lang="zh-CN" altLang="en-US"/>
           </a:p>
@@ -1134,7 +1134,7 @@
           <a:p>
             <a:fld id="{6C74CE78-F553-4499-92C2-23A3FC286B13}" type="datetime1">
               <a:rPr lang="zh-CN" altLang="en-US" smtClean="0"/>
-              <a:t>2017/10/13</a:t>
+              <a:t>2017/10/16</a:t>
             </a:fld>
             <a:endParaRPr lang="zh-CN" altLang="en-US"/>
           </a:p>
@@ -1300,7 +1300,7 @@
           <a:p>
             <a:fld id="{61040DCD-6B6B-467E-B707-39CD5F9CB825}" type="datetime1">
               <a:rPr lang="zh-CN" altLang="en-US" smtClean="0"/>
-              <a:t>2017/10/13</a:t>
+              <a:t>2017/10/16</a:t>
             </a:fld>
             <a:endParaRPr lang="zh-CN" altLang="en-US"/>
           </a:p>
@@ -1476,7 +1476,7 @@
           <a:p>
             <a:fld id="{8D983A4A-2C2A-4D8E-A43C-BC6DD092E5EC}" type="datetime1">
               <a:rPr lang="zh-CN" altLang="en-US" smtClean="0"/>
-              <a:t>2017/10/13</a:t>
+              <a:t>2017/10/16</a:t>
             </a:fld>
             <a:endParaRPr lang="zh-CN" altLang="en-US"/>
           </a:p>
@@ -1569,7 +1569,7 @@
           <a:p>
             <a:fld id="{AD4383D2-8C55-4FC0-9B0B-549F41BCB586}" type="datetime1">
               <a:rPr lang="zh-CN" altLang="en-US" smtClean="0"/>
-              <a:t>2017/10/13</a:t>
+              <a:t>2017/10/16</a:t>
             </a:fld>
             <a:endParaRPr lang="zh-CN" altLang="en-US"/>
           </a:p>
@@ -3689,7 +3689,7 @@
           <a:p>
             <a:fld id="{F138C28D-461B-46EA-B3D2-4CEA4CCF97FD}" type="datetime1">
               <a:rPr lang="zh-CN" altLang="en-US" smtClean="0"/>
-              <a:t>2017/10/13</a:t>
+              <a:t>2017/10/16</a:t>
             </a:fld>
             <a:endParaRPr lang="zh-CN" altLang="en-US"/>
           </a:p>
@@ -3918,7 +3918,7 @@
           <a:p>
             <a:fld id="{F138C28D-461B-46EA-B3D2-4CEA4CCF97FD}" type="datetime1">
               <a:rPr lang="zh-CN" altLang="en-US" smtClean="0"/>
-              <a:t>2017/10/13</a:t>
+              <a:t>2017/10/16</a:t>
             </a:fld>
             <a:endParaRPr lang="zh-CN" altLang="en-US"/>
           </a:p>
@@ -4313,7 +4313,7 @@
           <a:p>
             <a:fld id="{34E4DED1-77D9-4993-B7E5-C145AD9B215D}" type="datetime1">
               <a:rPr lang="zh-CN" altLang="en-US" smtClean="0"/>
-              <a:t>2017/10/13</a:t>
+              <a:t>2017/10/16</a:t>
             </a:fld>
             <a:endParaRPr lang="zh-CN" altLang="en-US"/>
           </a:p>
@@ -4730,7 +4730,7 @@
           <a:p>
             <a:fld id="{CB18C625-6BB2-4F84-B1CE-FBF94B9F79BE}" type="datetime1">
               <a:rPr lang="zh-CN" altLang="en-US" smtClean="0"/>
-              <a:t>2017/10/13</a:t>
+              <a:t>2017/10/16</a:t>
             </a:fld>
             <a:endParaRPr lang="zh-CN" altLang="en-US"/>
           </a:p>
@@ -4845,7 +4845,7 @@
           <a:p>
             <a:fld id="{AFB4DA66-5C86-4F23-BA06-D44CFE63E251}" type="datetime1">
               <a:rPr lang="zh-CN" altLang="en-US" smtClean="0"/>
-              <a:t>2017/10/13</a:t>
+              <a:t>2017/10/16</a:t>
             </a:fld>
             <a:endParaRPr lang="zh-CN" altLang="en-US"/>
           </a:p>
@@ -4938,7 +4938,7 @@
           <a:p>
             <a:fld id="{0CC55E60-CF45-4A5A-BD1C-DE3F0FBBE8F7}" type="datetime1">
               <a:rPr lang="zh-CN" altLang="en-US" smtClean="0"/>
-              <a:t>2017/10/13</a:t>
+              <a:t>2017/10/16</a:t>
             </a:fld>
             <a:endParaRPr lang="zh-CN" altLang="en-US"/>
           </a:p>
@@ -5211,7 +5211,7 @@
           <a:p>
             <a:fld id="{34741085-45D3-4EE8-874F-28448E75DCCF}" type="datetime1">
               <a:rPr lang="zh-CN" altLang="en-US" smtClean="0"/>
-              <a:t>2017/10/13</a:t>
+              <a:t>2017/10/16</a:t>
             </a:fld>
             <a:endParaRPr lang="zh-CN" altLang="en-US"/>
           </a:p>
@@ -5420,7 +5420,7 @@
           <a:p>
             <a:fld id="{1DA76A01-8161-42EC-A09B-C09924CBD308}" type="datetime1">
               <a:rPr lang="zh-CN" altLang="en-US" smtClean="0"/>
-              <a:t>2017/10/13</a:t>
+              <a:t>2017/10/16</a:t>
             </a:fld>
             <a:endParaRPr lang="zh-CN" altLang="en-US"/>
           </a:p>
@@ -5898,7 +5898,7 @@
           <a:p>
             <a:fld id="{D0BD8123-259D-4263-9F09-52A2460CC7EC}" type="datetime1">
               <a:rPr lang="zh-CN" altLang="en-US" smtClean="0"/>
-              <a:t>2017/10/13</a:t>
+              <a:t>2017/10/16</a:t>
             </a:fld>
             <a:endParaRPr lang="zh-CN" altLang="en-US"/>
           </a:p>
@@ -6014,7 +6014,7 @@
           <a:p>
             <a:fld id="{F138C28D-461B-46EA-B3D2-4CEA4CCF97FD}" type="datetime1">
               <a:rPr lang="zh-CN" altLang="en-US" smtClean="0"/>
-              <a:t>2017/10/13</a:t>
+              <a:t>2017/10/16</a:t>
             </a:fld>
             <a:endParaRPr lang="zh-CN" altLang="en-US" dirty="0"/>
           </a:p>
@@ -7790,7 +7790,7 @@
           <a:p>
             <a:fld id="{F138C28D-461B-46EA-B3D2-4CEA4CCF97FD}" type="datetime1">
               <a:rPr lang="zh-CN" altLang="en-US" smtClean="0"/>
-              <a:t>2017/10/13</a:t>
+              <a:t>2017/10/16</a:t>
             </a:fld>
             <a:endParaRPr lang="zh-CN" altLang="en-US"/>
           </a:p>
@@ -10157,7 +10157,7 @@
           <a:p>
             <a:fld id="{F138C28D-461B-46EA-B3D2-4CEA4CCF97FD}" type="datetime1">
               <a:rPr lang="zh-CN" altLang="en-US" smtClean="0"/>
-              <a:t>2017/10/13</a:t>
+              <a:t>2017/10/16</a:t>
             </a:fld>
             <a:endParaRPr lang="zh-CN" altLang="en-US"/>
           </a:p>
@@ -10566,7 +10566,14 @@
                 <a:latin typeface="Times New Roman" panose="02020603050405020304" pitchFamily="18" charset="0"/>
                 <a:cs typeface="Times New Roman" panose="02020603050405020304" pitchFamily="18" charset="0"/>
               </a:rPr>
-              <a:t>	10.000000 	8.0000000 	0.1000000</a:t>
+              <a:t>	</a:t>
+            </a:r>
+            <a:r>
+              <a:rPr lang="en-US" altLang="zh-CN" sz="1200" dirty="0">
+                <a:latin typeface="Times New Roman" panose="02020603050405020304" pitchFamily="18" charset="0"/>
+                <a:cs typeface="Times New Roman" panose="02020603050405020304" pitchFamily="18" charset="0"/>
+              </a:rPr>
+              <a:t>10.000000 	0.1000000	8.000000</a:t>
             </a:r>
           </a:p>
           <a:p>
@@ -10615,7 +10622,14 @@
                 <a:latin typeface="Times New Roman" panose="02020603050405020304" pitchFamily="18" charset="0"/>
                 <a:cs typeface="Times New Roman" panose="02020603050405020304" pitchFamily="18" charset="0"/>
               </a:rPr>
-              <a:t>	10.000000 	8.0000000 	0.1000000</a:t>
+              <a:t>	</a:t>
+            </a:r>
+            <a:r>
+              <a:rPr lang="en-US" altLang="zh-CN" sz="1200" dirty="0">
+                <a:latin typeface="Times New Roman" panose="02020603050405020304" pitchFamily="18" charset="0"/>
+                <a:cs typeface="Times New Roman" panose="02020603050405020304" pitchFamily="18" charset="0"/>
+              </a:rPr>
+              <a:t>10.000000 	0.1000000	8.000000</a:t>
             </a:r>
           </a:p>
           <a:p>
@@ -10689,7 +10703,14 @@
                 <a:latin typeface="Times New Roman" panose="02020603050405020304" pitchFamily="18" charset="0"/>
                 <a:cs typeface="Times New Roman" panose="02020603050405020304" pitchFamily="18" charset="0"/>
               </a:rPr>
-              <a:t>	10.000000 	8.0000000 	0.1000000</a:t>
+              <a:t>	</a:t>
+            </a:r>
+            <a:r>
+              <a:rPr lang="en-US" altLang="zh-CN" sz="1200" dirty="0">
+                <a:latin typeface="Times New Roman" panose="02020603050405020304" pitchFamily="18" charset="0"/>
+                <a:cs typeface="Times New Roman" panose="02020603050405020304" pitchFamily="18" charset="0"/>
+              </a:rPr>
+              <a:t>10.000000 	0.1000000	8.000000</a:t>
             </a:r>
           </a:p>
           <a:p>
@@ -10717,7 +10738,14 @@
                 <a:latin typeface="Times New Roman" panose="02020603050405020304" pitchFamily="18" charset="0"/>
                 <a:cs typeface="Times New Roman" panose="02020603050405020304" pitchFamily="18" charset="0"/>
               </a:rPr>
-              <a:t>	10.000000 	8.0000000 	0.1000000</a:t>
+              <a:t>	</a:t>
+            </a:r>
+            <a:r>
+              <a:rPr lang="en-US" altLang="zh-CN" sz="1200" dirty="0">
+                <a:latin typeface="Times New Roman" panose="02020603050405020304" pitchFamily="18" charset="0"/>
+                <a:cs typeface="Times New Roman" panose="02020603050405020304" pitchFamily="18" charset="0"/>
+              </a:rPr>
+              <a:t>10.000000 	0.1000000	8.000000</a:t>
             </a:r>
           </a:p>
         </p:txBody>
@@ -14305,7 +14333,7 @@
           <a:p>
             <a:fld id="{AD4383D2-8C55-4FC0-9B0B-549F41BCB586}" type="datetime1">
               <a:rPr lang="zh-CN" altLang="en-US" smtClean="0"/>
-              <a:t>2017/10/13</a:t>
+              <a:t>2017/10/16</a:t>
             </a:fld>
             <a:endParaRPr lang="zh-CN" altLang="en-US"/>
           </a:p>
@@ -14544,7 +14572,7 @@
           <a:p>
             <a:fld id="{F138C28D-461B-46EA-B3D2-4CEA4CCF97FD}" type="datetime1">
               <a:rPr lang="zh-CN" altLang="en-US" smtClean="0"/>
-              <a:t>2017/10/13</a:t>
+              <a:t>2017/10/16</a:t>
             </a:fld>
             <a:endParaRPr lang="zh-CN" altLang="en-US"/>
           </a:p>
@@ -15206,7 +15234,14 @@
                 <a:latin typeface="Times New Roman" panose="02020603050405020304" pitchFamily="18" charset="0"/>
                 <a:cs typeface="Times New Roman" panose="02020603050405020304" pitchFamily="18" charset="0"/>
               </a:rPr>
-              <a:t>	10.000000 	8.0000000 	0.1000000</a:t>
+              <a:t>	</a:t>
+            </a:r>
+            <a:r>
+              <a:rPr lang="en-US" altLang="zh-CN" sz="1200" dirty="0">
+                <a:latin typeface="Times New Roman" panose="02020603050405020304" pitchFamily="18" charset="0"/>
+                <a:cs typeface="Times New Roman" panose="02020603050405020304" pitchFamily="18" charset="0"/>
+              </a:rPr>
+              <a:t>10.000000 	0.1000000	8.0000000</a:t>
             </a:r>
           </a:p>
           <a:p>
@@ -15270,12 +15305,15 @@
                 <a:latin typeface="Times New Roman" panose="02020603050405020304" pitchFamily="18" charset="0"/>
                 <a:cs typeface="Times New Roman" panose="02020603050405020304" pitchFamily="18" charset="0"/>
               </a:rPr>
-              <a:t>	10.000000 	8.0000000 	0.1000000</a:t>
-            </a:r>
-            <a:endParaRPr lang="en-US" altLang="zh-CN" sz="1200" dirty="0">
-              <a:latin typeface="Times New Roman" panose="02020603050405020304" pitchFamily="18" charset="0"/>
-              <a:cs typeface="Times New Roman" panose="02020603050405020304" pitchFamily="18" charset="0"/>
-            </a:endParaRPr>
+              <a:t>	</a:t>
+            </a:r>
+            <a:r>
+              <a:rPr lang="en-US" altLang="zh-CN" sz="1200" dirty="0">
+                <a:latin typeface="Times New Roman" panose="02020603050405020304" pitchFamily="18" charset="0"/>
+                <a:cs typeface="Times New Roman" panose="02020603050405020304" pitchFamily="18" charset="0"/>
+              </a:rPr>
+              <a:t>10.000000 	0.1000000	8.0000000</a:t>
+            </a:r>
           </a:p>
           <a:p>
             <a:endParaRPr lang="zh-CN" altLang="en-US" sz="1200" dirty="0">
@@ -15343,7 +15381,14 @@
                 <a:latin typeface="Times New Roman" panose="02020603050405020304" pitchFamily="18" charset="0"/>
                 <a:cs typeface="Times New Roman" panose="02020603050405020304" pitchFamily="18" charset="0"/>
               </a:rPr>
-              <a:t>	10.000000 	8.0000000 	0.1000000</a:t>
+              <a:t>	</a:t>
+            </a:r>
+            <a:r>
+              <a:rPr lang="en-US" altLang="zh-CN" sz="1200" dirty="0">
+                <a:latin typeface="Times New Roman" panose="02020603050405020304" pitchFamily="18" charset="0"/>
+                <a:cs typeface="Times New Roman" panose="02020603050405020304" pitchFamily="18" charset="0"/>
+              </a:rPr>
+              <a:t>10.000000 	0.1000000	8.0000000</a:t>
             </a:r>
           </a:p>
           <a:p>
@@ -15371,7 +15416,14 @@
                 <a:latin typeface="Times New Roman" panose="02020603050405020304" pitchFamily="18" charset="0"/>
                 <a:cs typeface="Times New Roman" panose="02020603050405020304" pitchFamily="18" charset="0"/>
               </a:rPr>
-              <a:t>	10.000000 	8.0000000 	0.1000000</a:t>
+              <a:t>	</a:t>
+            </a:r>
+            <a:r>
+              <a:rPr lang="en-US" altLang="zh-CN" sz="1200" dirty="0">
+                <a:latin typeface="Times New Roman" panose="02020603050405020304" pitchFamily="18" charset="0"/>
+                <a:cs typeface="Times New Roman" panose="02020603050405020304" pitchFamily="18" charset="0"/>
+              </a:rPr>
+              <a:t>10.000000 	0.1000000	8.0000000</a:t>
             </a:r>
           </a:p>
         </p:txBody>
@@ -15708,7 +15760,14 @@
                 <a:latin typeface="Times New Roman" panose="02020603050405020304" pitchFamily="18" charset="0"/>
                 <a:cs typeface="Times New Roman" panose="02020603050405020304" pitchFamily="18" charset="0"/>
               </a:rPr>
-              <a:t>	10.000000 	8.0000000 	0.1000000</a:t>
+              <a:t>	</a:t>
+            </a:r>
+            <a:r>
+              <a:rPr lang="en-US" altLang="zh-CN" sz="1200" dirty="0">
+                <a:latin typeface="Times New Roman" panose="02020603050405020304" pitchFamily="18" charset="0"/>
+                <a:cs typeface="Times New Roman" panose="02020603050405020304" pitchFamily="18" charset="0"/>
+              </a:rPr>
+              <a:t>10.000000 	0.1000000	8.0000000</a:t>
             </a:r>
           </a:p>
           <a:p>
@@ -15750,7 +15809,14 @@
                 <a:latin typeface="Times New Roman" panose="02020603050405020304" pitchFamily="18" charset="0"/>
                 <a:cs typeface="Times New Roman" panose="02020603050405020304" pitchFamily="18" charset="0"/>
               </a:rPr>
-              <a:t>	10.000000 	8.0000000 	0.1000000</a:t>
+              <a:t>	</a:t>
+            </a:r>
+            <a:r>
+              <a:rPr lang="en-US" altLang="zh-CN" sz="1200" dirty="0">
+                <a:latin typeface="Times New Roman" panose="02020603050405020304" pitchFamily="18" charset="0"/>
+                <a:cs typeface="Times New Roman" panose="02020603050405020304" pitchFamily="18" charset="0"/>
+              </a:rPr>
+              <a:t>10.000000 	0.1000000	8.0000000</a:t>
             </a:r>
           </a:p>
           <a:p>
@@ -15792,7 +15858,14 @@
                 <a:latin typeface="Times New Roman" panose="02020603050405020304" pitchFamily="18" charset="0"/>
                 <a:cs typeface="Times New Roman" panose="02020603050405020304" pitchFamily="18" charset="0"/>
               </a:rPr>
-              <a:t>	10.000000 	8.0000000 	0.1000000</a:t>
+              <a:t>	</a:t>
+            </a:r>
+            <a:r>
+              <a:rPr lang="en-US" altLang="zh-CN" sz="1200" dirty="0">
+                <a:latin typeface="Times New Roman" panose="02020603050405020304" pitchFamily="18" charset="0"/>
+                <a:cs typeface="Times New Roman" panose="02020603050405020304" pitchFamily="18" charset="0"/>
+              </a:rPr>
+              <a:t>10.000000 	0.1000000	8.0000000</a:t>
             </a:r>
           </a:p>
           <a:p>
@@ -15834,7 +15907,14 @@
                 <a:latin typeface="Times New Roman" panose="02020603050405020304" pitchFamily="18" charset="0"/>
                 <a:cs typeface="Times New Roman" panose="02020603050405020304" pitchFamily="18" charset="0"/>
               </a:rPr>
-              <a:t>	10.000000 	8.0000000 	0.1000000</a:t>
+              <a:t>	</a:t>
+            </a:r>
+            <a:r>
+              <a:rPr lang="en-US" altLang="zh-CN" sz="1200">
+                <a:latin typeface="Times New Roman" panose="02020603050405020304" pitchFamily="18" charset="0"/>
+                <a:cs typeface="Times New Roman" panose="02020603050405020304" pitchFamily="18" charset="0"/>
+              </a:rPr>
+              <a:t>10.000000 	0.1000000	8.0000000</a:t>
             </a:r>
           </a:p>
         </p:txBody>
@@ -15968,7 +16048,7 @@
           <a:p>
             <a:fld id="{F138C28D-461B-46EA-B3D2-4CEA4CCF97FD}" type="datetime1">
               <a:rPr lang="zh-CN" altLang="en-US" smtClean="0"/>
-              <a:t>2017/10/13</a:t>
+              <a:t>2017/10/16</a:t>
             </a:fld>
             <a:endParaRPr lang="zh-CN" altLang="en-US"/>
           </a:p>
@@ -21952,7 +22032,7 @@
           <a:p>
             <a:fld id="{F138C28D-461B-46EA-B3D2-4CEA4CCF97FD}" type="datetime1">
               <a:rPr lang="zh-CN" altLang="en-US" smtClean="0"/>
-              <a:t>2017/10/13</a:t>
+              <a:t>2017/10/16</a:t>
             </a:fld>
             <a:endParaRPr lang="zh-CN" altLang="en-US"/>
           </a:p>
@@ -22158,7 +22238,7 @@
           <a:p>
             <a:fld id="{F138C28D-461B-46EA-B3D2-4CEA4CCF97FD}" type="datetime1">
               <a:rPr lang="zh-CN" altLang="en-US" smtClean="0"/>
-              <a:t>2017/10/13</a:t>
+              <a:t>2017/10/16</a:t>
             </a:fld>
             <a:endParaRPr lang="zh-CN" altLang="en-US"/>
           </a:p>
@@ -23150,7 +23230,7 @@
           <a:p>
             <a:fld id="{4C59F49D-EEE6-4EC6-B33B-6C7AD1AA5DC5}" type="datetime1">
               <a:rPr lang="zh-CN" altLang="en-US" smtClean="0"/>
-              <a:t>2017/10/13</a:t>
+              <a:t>2017/10/16</a:t>
             </a:fld>
             <a:endParaRPr lang="zh-CN" altLang="en-US"/>
           </a:p>
@@ -23366,7 +23446,7 @@
           <a:p>
             <a:fld id="{F138C28D-461B-46EA-B3D2-4CEA4CCF97FD}" type="datetime1">
               <a:rPr lang="zh-CN" altLang="en-US" smtClean="0"/>
-              <a:t>2017/10/13</a:t>
+              <a:t>2017/10/16</a:t>
             </a:fld>
             <a:endParaRPr lang="zh-CN" altLang="en-US"/>
           </a:p>
@@ -23588,7 +23668,7 @@
           <a:p>
             <a:fld id="{F138C28D-461B-46EA-B3D2-4CEA4CCF97FD}" type="datetime1">
               <a:rPr lang="zh-CN" altLang="en-US" smtClean="0"/>
-              <a:t>2017/10/13</a:t>
+              <a:t>2017/10/16</a:t>
             </a:fld>
             <a:endParaRPr lang="zh-CN" altLang="en-US"/>
           </a:p>
@@ -24483,7 +24563,7 @@
           <a:p>
             <a:fld id="{AD4383D2-8C55-4FC0-9B0B-549F41BCB586}" type="datetime1">
               <a:rPr lang="zh-CN" altLang="en-US" smtClean="0"/>
-              <a:t>2017/10/13</a:t>
+              <a:t>2017/10/16</a:t>
             </a:fld>
             <a:endParaRPr lang="zh-CN" altLang="en-US"/>
           </a:p>
@@ -24722,7 +24802,7 @@
           <a:p>
             <a:fld id="{F138C28D-461B-46EA-B3D2-4CEA4CCF97FD}" type="datetime1">
               <a:rPr lang="zh-CN" altLang="en-US" smtClean="0"/>
-              <a:t>2017/10/13</a:t>
+              <a:t>2017/10/16</a:t>
             </a:fld>
             <a:endParaRPr lang="zh-CN" altLang="en-US"/>
           </a:p>
@@ -25809,7 +25889,7 @@
           <a:p>
             <a:fld id="{F138C28D-461B-46EA-B3D2-4CEA4CCF97FD}" type="datetime1">
               <a:rPr lang="zh-CN" altLang="en-US" smtClean="0"/>
-              <a:t>2017/10/13</a:t>
+              <a:t>2017/10/16</a:t>
             </a:fld>
             <a:endParaRPr lang="zh-CN" altLang="en-US"/>
           </a:p>
@@ -27634,7 +27714,7 @@
           <a:p>
             <a:fld id="{AD4383D2-8C55-4FC0-9B0B-549F41BCB586}" type="datetime1">
               <a:rPr lang="zh-CN" altLang="en-US" smtClean="0"/>
-              <a:t>2017/10/13</a:t>
+              <a:t>2017/10/16</a:t>
             </a:fld>
             <a:endParaRPr lang="zh-CN" altLang="en-US" dirty="0"/>
           </a:p>
@@ -28770,7 +28850,7 @@
           <a:p>
             <a:fld id="{F138C28D-461B-46EA-B3D2-4CEA4CCF97FD}" type="datetime1">
               <a:rPr lang="zh-CN" altLang="en-US" smtClean="0"/>
-              <a:t>2017/10/13</a:t>
+              <a:t>2017/10/16</a:t>
             </a:fld>
             <a:endParaRPr lang="zh-CN" altLang="en-US"/>
           </a:p>

--- a/docs/Scene/SceneExplanation.pptx
+++ b/docs/Scene/SceneExplanation.pptx
@@ -246,7 +246,7 @@
           <a:p>
             <a:fld id="{6D7FE9F8-2CA7-468D-9335-DE6E4EE2CFE0}" type="datetimeFigureOut">
               <a:rPr lang="zh-CN" altLang="en-US" smtClean="0"/>
-              <a:t>2017/10/16</a:t>
+              <a:t>2017/10/18</a:t>
             </a:fld>
             <a:endParaRPr lang="zh-CN" altLang="en-US"/>
           </a:p>
@@ -423,7 +423,7 @@
           <a:p>
             <a:fld id="{2E3B1B48-C3D3-44FD-8F18-EE819032FA56}" type="datetimeFigureOut">
               <a:rPr lang="zh-CN" altLang="en-US" smtClean="0"/>
-              <a:t>2017/10/16</a:t>
+              <a:t>2017/10/18</a:t>
             </a:fld>
             <a:endParaRPr lang="zh-CN" altLang="en-US"/>
           </a:p>
@@ -884,7 +884,7 @@
           <a:p>
             <a:fld id="{9082C258-E36B-4428-9EBE-3D66F397061D}" type="datetime1">
               <a:rPr lang="zh-CN" altLang="en-US" smtClean="0"/>
-              <a:t>2017/10/16</a:t>
+              <a:t>2017/10/18</a:t>
             </a:fld>
             <a:endParaRPr lang="zh-CN" altLang="en-US"/>
           </a:p>
@@ -1134,7 +1134,7 @@
           <a:p>
             <a:fld id="{6C74CE78-F553-4499-92C2-23A3FC286B13}" type="datetime1">
               <a:rPr lang="zh-CN" altLang="en-US" smtClean="0"/>
-              <a:t>2017/10/16</a:t>
+              <a:t>2017/10/18</a:t>
             </a:fld>
             <a:endParaRPr lang="zh-CN" altLang="en-US"/>
           </a:p>
@@ -1300,7 +1300,7 @@
           <a:p>
             <a:fld id="{61040DCD-6B6B-467E-B707-39CD5F9CB825}" type="datetime1">
               <a:rPr lang="zh-CN" altLang="en-US" smtClean="0"/>
-              <a:t>2017/10/16</a:t>
+              <a:t>2017/10/18</a:t>
             </a:fld>
             <a:endParaRPr lang="zh-CN" altLang="en-US"/>
           </a:p>
@@ -1476,7 +1476,7 @@
           <a:p>
             <a:fld id="{8D983A4A-2C2A-4D8E-A43C-BC6DD092E5EC}" type="datetime1">
               <a:rPr lang="zh-CN" altLang="en-US" smtClean="0"/>
-              <a:t>2017/10/16</a:t>
+              <a:t>2017/10/18</a:t>
             </a:fld>
             <a:endParaRPr lang="zh-CN" altLang="en-US"/>
           </a:p>
@@ -1569,7 +1569,7 @@
           <a:p>
             <a:fld id="{AD4383D2-8C55-4FC0-9B0B-549F41BCB586}" type="datetime1">
               <a:rPr lang="zh-CN" altLang="en-US" smtClean="0"/>
-              <a:t>2017/10/16</a:t>
+              <a:t>2017/10/18</a:t>
             </a:fld>
             <a:endParaRPr lang="zh-CN" altLang="en-US"/>
           </a:p>
@@ -3689,7 +3689,7 @@
           <a:p>
             <a:fld id="{F138C28D-461B-46EA-B3D2-4CEA4CCF97FD}" type="datetime1">
               <a:rPr lang="zh-CN" altLang="en-US" smtClean="0"/>
-              <a:t>2017/10/16</a:t>
+              <a:t>2017/10/18</a:t>
             </a:fld>
             <a:endParaRPr lang="zh-CN" altLang="en-US"/>
           </a:p>
@@ -3918,7 +3918,7 @@
           <a:p>
             <a:fld id="{F138C28D-461B-46EA-B3D2-4CEA4CCF97FD}" type="datetime1">
               <a:rPr lang="zh-CN" altLang="en-US" smtClean="0"/>
-              <a:t>2017/10/16</a:t>
+              <a:t>2017/10/18</a:t>
             </a:fld>
             <a:endParaRPr lang="zh-CN" altLang="en-US"/>
           </a:p>
@@ -4313,7 +4313,7 @@
           <a:p>
             <a:fld id="{34E4DED1-77D9-4993-B7E5-C145AD9B215D}" type="datetime1">
               <a:rPr lang="zh-CN" altLang="en-US" smtClean="0"/>
-              <a:t>2017/10/16</a:t>
+              <a:t>2017/10/18</a:t>
             </a:fld>
             <a:endParaRPr lang="zh-CN" altLang="en-US"/>
           </a:p>
@@ -4730,7 +4730,7 @@
           <a:p>
             <a:fld id="{CB18C625-6BB2-4F84-B1CE-FBF94B9F79BE}" type="datetime1">
               <a:rPr lang="zh-CN" altLang="en-US" smtClean="0"/>
-              <a:t>2017/10/16</a:t>
+              <a:t>2017/10/18</a:t>
             </a:fld>
             <a:endParaRPr lang="zh-CN" altLang="en-US"/>
           </a:p>
@@ -4845,7 +4845,7 @@
           <a:p>
             <a:fld id="{AFB4DA66-5C86-4F23-BA06-D44CFE63E251}" type="datetime1">
               <a:rPr lang="zh-CN" altLang="en-US" smtClean="0"/>
-              <a:t>2017/10/16</a:t>
+              <a:t>2017/10/18</a:t>
             </a:fld>
             <a:endParaRPr lang="zh-CN" altLang="en-US"/>
           </a:p>
@@ -4938,7 +4938,7 @@
           <a:p>
             <a:fld id="{0CC55E60-CF45-4A5A-BD1C-DE3F0FBBE8F7}" type="datetime1">
               <a:rPr lang="zh-CN" altLang="en-US" smtClean="0"/>
-              <a:t>2017/10/16</a:t>
+              <a:t>2017/10/18</a:t>
             </a:fld>
             <a:endParaRPr lang="zh-CN" altLang="en-US"/>
           </a:p>
@@ -5211,7 +5211,7 @@
           <a:p>
             <a:fld id="{34741085-45D3-4EE8-874F-28448E75DCCF}" type="datetime1">
               <a:rPr lang="zh-CN" altLang="en-US" smtClean="0"/>
-              <a:t>2017/10/16</a:t>
+              <a:t>2017/10/18</a:t>
             </a:fld>
             <a:endParaRPr lang="zh-CN" altLang="en-US"/>
           </a:p>
@@ -5420,7 +5420,7 @@
           <a:p>
             <a:fld id="{1DA76A01-8161-42EC-A09B-C09924CBD308}" type="datetime1">
               <a:rPr lang="zh-CN" altLang="en-US" smtClean="0"/>
-              <a:t>2017/10/16</a:t>
+              <a:t>2017/10/18</a:t>
             </a:fld>
             <a:endParaRPr lang="zh-CN" altLang="en-US"/>
           </a:p>
@@ -5898,7 +5898,7 @@
           <a:p>
             <a:fld id="{D0BD8123-259D-4263-9F09-52A2460CC7EC}" type="datetime1">
               <a:rPr lang="zh-CN" altLang="en-US" smtClean="0"/>
-              <a:t>2017/10/16</a:t>
+              <a:t>2017/10/18</a:t>
             </a:fld>
             <a:endParaRPr lang="zh-CN" altLang="en-US"/>
           </a:p>
@@ -6014,7 +6014,7 @@
           <a:p>
             <a:fld id="{F138C28D-461B-46EA-B3D2-4CEA4CCF97FD}" type="datetime1">
               <a:rPr lang="zh-CN" altLang="en-US" smtClean="0"/>
-              <a:t>2017/10/16</a:t>
+              <a:t>2017/10/18</a:t>
             </a:fld>
             <a:endParaRPr lang="zh-CN" altLang="en-US" dirty="0"/>
           </a:p>
@@ -6113,10 +6113,10 @@
       </p:sp>
       <p:grpSp>
         <p:nvGrpSpPr>
-          <p:cNvPr id="48" name="组合 47">
+          <p:cNvPr id="7" name="组合 6">
             <a:extLst>
               <a:ext uri="{FF2B5EF4-FFF2-40B4-BE49-F238E27FC236}">
-                <a16:creationId xmlns:a16="http://schemas.microsoft.com/office/drawing/2014/main" id="{357A8867-13DE-469F-AD01-542F7C835E10}"/>
+                <a16:creationId xmlns:a16="http://schemas.microsoft.com/office/drawing/2014/main" id="{8A87725B-6774-4A53-9928-FF7F0A53088D}"/>
               </a:ext>
             </a:extLst>
           </p:cNvPr>
@@ -6127,16 +6127,16 @@
           <a:xfrm>
             <a:off x="5591944" y="1556792"/>
             <a:ext cx="5477136" cy="4248472"/>
-            <a:chOff x="546857" y="1268760"/>
+            <a:chOff x="5591944" y="1556792"/>
             <a:chExt cx="5477136" cy="4248472"/>
           </a:xfrm>
         </p:grpSpPr>
         <p:grpSp>
           <p:nvGrpSpPr>
-            <p:cNvPr id="44" name="组合 43">
+            <p:cNvPr id="6" name="组合 5">
               <a:extLst>
                 <a:ext uri="{FF2B5EF4-FFF2-40B4-BE49-F238E27FC236}">
-                  <a16:creationId xmlns:a16="http://schemas.microsoft.com/office/drawing/2014/main" id="{35A893EB-B261-44DC-8E3F-2667F5396881}"/>
+                  <a16:creationId xmlns:a16="http://schemas.microsoft.com/office/drawing/2014/main" id="{B2E9D1B3-677E-4132-8878-7C87116A8FD8}"/>
                 </a:ext>
               </a:extLst>
             </p:cNvPr>
@@ -6145,9 +6145,9 @@
           </p:nvGrpSpPr>
           <p:grpSpPr>
             <a:xfrm>
-              <a:off x="546857" y="1272604"/>
+              <a:off x="5591944" y="1560636"/>
               <a:ext cx="5333120" cy="4134726"/>
-              <a:chOff x="5382202" y="1621941"/>
+              <a:chOff x="5591944" y="1560636"/>
               <a:chExt cx="5333120" cy="4134726"/>
             </a:xfrm>
           </p:grpSpPr>
@@ -6165,7 +6165,7 @@
             </p:nvSpPr>
             <p:spPr>
               <a:xfrm>
-                <a:off x="5382202" y="3536726"/>
+                <a:off x="5591944" y="3475421"/>
                 <a:ext cx="1899446" cy="646331"/>
               </a:xfrm>
               <a:prstGeom prst="rect">
@@ -6260,10 +6260,10 @@
             </p:nvGrpSpPr>
             <p:grpSpPr>
               <a:xfrm>
-                <a:off x="7680175" y="1916831"/>
-                <a:ext cx="2952329" cy="1669102"/>
-                <a:chOff x="7680175" y="1916831"/>
-                <a:chExt cx="2952329" cy="1669102"/>
+                <a:off x="7961925" y="1855526"/>
+                <a:ext cx="2880321" cy="1584177"/>
+                <a:chOff x="7752183" y="1916831"/>
+                <a:chExt cx="2880321" cy="1584177"/>
               </a:xfrm>
             </p:grpSpPr>
             <p:sp>
@@ -6673,7 +6673,7 @@
               </p:nvSpPr>
               <p:spPr>
                 <a:xfrm>
-                  <a:off x="7680175" y="3441917"/>
+                  <a:off x="8549325" y="2564704"/>
                   <a:ext cx="144016" cy="144016"/>
                 </a:xfrm>
                 <a:prstGeom prst="ellipse">
@@ -6720,7 +6720,7 @@
             </p:nvSpPr>
             <p:spPr>
               <a:xfrm>
-                <a:off x="7506752" y="2798465"/>
+                <a:off x="7716494" y="2737160"/>
                 <a:ext cx="107319" cy="677612"/>
               </a:xfrm>
               <a:prstGeom prst="leftBrace">
@@ -6764,7 +6764,7 @@
             </p:nvSpPr>
             <p:spPr>
               <a:xfrm rot="16200000">
-                <a:off x="8728685" y="3110348"/>
+                <a:off x="8938427" y="3049043"/>
                 <a:ext cx="63221" cy="2016225"/>
               </a:xfrm>
               <a:prstGeom prst="leftBrace">
@@ -6808,7 +6808,7 @@
             </p:nvSpPr>
             <p:spPr>
               <a:xfrm rot="13297526">
-                <a:off x="7371143" y="1621941"/>
+                <a:off x="7580885" y="1560636"/>
                 <a:ext cx="76769" cy="1228428"/>
               </a:xfrm>
               <a:prstGeom prst="rightBrace">
@@ -6852,7 +6852,7 @@
             </p:nvSpPr>
             <p:spPr>
               <a:xfrm>
-                <a:off x="6958673" y="2929133"/>
+                <a:off x="7168415" y="2867828"/>
                 <a:ext cx="450855" cy="369332"/>
               </a:xfrm>
               <a:prstGeom prst="rect">
@@ -6888,7 +6888,7 @@
             </p:nvSpPr>
             <p:spPr>
               <a:xfrm>
-                <a:off x="8549238" y="4118460"/>
+                <a:off x="8758980" y="4057155"/>
                 <a:ext cx="486790" cy="369332"/>
               </a:xfrm>
               <a:prstGeom prst="rect">
@@ -6924,7 +6924,7 @@
             </p:nvSpPr>
             <p:spPr>
               <a:xfrm>
-                <a:off x="6948290" y="1951918"/>
+                <a:off x="7158032" y="1890613"/>
                 <a:ext cx="486790" cy="369332"/>
               </a:xfrm>
               <a:prstGeom prst="rect">
@@ -6957,13 +6957,14 @@
               </p:cNvPr>
               <p:cNvCxnSpPr>
                 <a:cxnSpLocks/>
+                <a:endCxn id="12" idx="2"/>
               </p:cNvCxnSpPr>
               <p:nvPr/>
             </p:nvCxnSpPr>
             <p:spPr>
               <a:xfrm flipV="1">
-                <a:off x="7071719" y="3567005"/>
-                <a:ext cx="593345" cy="314073"/>
+                <a:off x="7281461" y="2575407"/>
+                <a:ext cx="1477606" cy="1244368"/>
               </a:xfrm>
               <a:prstGeom prst="straightConnector1">
                 <a:avLst/>
@@ -6974,13 +6975,13 @@
             </p:spPr>
             <p:style>
               <a:lnRef idx="1">
-                <a:schemeClr val="accent1"/>
+                <a:schemeClr val="accent6"/>
               </a:lnRef>
               <a:fillRef idx="0">
-                <a:schemeClr val="accent1"/>
+                <a:schemeClr val="accent6"/>
               </a:fillRef>
               <a:effectRef idx="0">
-                <a:schemeClr val="accent1"/>
+                <a:schemeClr val="accent6"/>
               </a:effectRef>
               <a:fontRef idx="minor">
                 <a:schemeClr val="tx1"/>
@@ -7001,7 +7002,7 @@
             </p:nvSpPr>
             <p:spPr>
               <a:xfrm rot="16200000">
-                <a:off x="8205178" y="3213315"/>
+                <a:off x="8414920" y="3152010"/>
                 <a:ext cx="79427" cy="985417"/>
               </a:xfrm>
               <a:prstGeom prst="leftBrace">
@@ -7045,7 +7046,7 @@
             </p:nvSpPr>
             <p:spPr>
               <a:xfrm>
-                <a:off x="8037795" y="3706024"/>
+                <a:off x="8247537" y="3644719"/>
                 <a:ext cx="486790" cy="369332"/>
               </a:xfrm>
               <a:prstGeom prst="rect">
@@ -7089,7 +7090,7 @@
             </p:nvSpPr>
             <p:spPr>
               <a:xfrm rot="2549082">
-                <a:off x="8108096" y="1771540"/>
+                <a:off x="8317838" y="1710235"/>
                 <a:ext cx="121453" cy="598667"/>
               </a:xfrm>
               <a:prstGeom prst="leftBrace">
@@ -7133,7 +7134,7 @@
             </p:nvSpPr>
             <p:spPr>
               <a:xfrm>
-                <a:off x="7678475" y="1844122"/>
+                <a:off x="7888217" y="1782817"/>
                 <a:ext cx="486790" cy="369332"/>
               </a:xfrm>
               <a:prstGeom prst="rect">
@@ -7177,7 +7178,7 @@
             </p:nvSpPr>
             <p:spPr>
               <a:xfrm>
-                <a:off x="7329448" y="2798465"/>
+                <a:off x="7539190" y="2737160"/>
                 <a:ext cx="107319" cy="677612"/>
               </a:xfrm>
               <a:prstGeom prst="leftBrace">
@@ -7221,7 +7222,7 @@
             </p:nvSpPr>
             <p:spPr>
               <a:xfrm>
-                <a:off x="5530746" y="4437577"/>
+                <a:off x="5740488" y="4376272"/>
                 <a:ext cx="5184576" cy="1319090"/>
               </a:xfrm>
               <a:prstGeom prst="roundRect">
@@ -7461,7 +7462,7 @@
           </p:nvSpPr>
           <p:spPr>
             <a:xfrm>
-              <a:off x="609601" y="1268760"/>
+              <a:off x="5654688" y="1556792"/>
               <a:ext cx="5414392" cy="4248472"/>
             </a:xfrm>
             <a:prstGeom prst="rect">
@@ -7790,7 +7791,7 @@
           <a:p>
             <a:fld id="{F138C28D-461B-46EA-B3D2-4CEA4CCF97FD}" type="datetime1">
               <a:rPr lang="zh-CN" altLang="en-US" smtClean="0"/>
-              <a:t>2017/10/16</a:t>
+              <a:t>2017/10/18</a:t>
             </a:fld>
             <a:endParaRPr lang="zh-CN" altLang="en-US"/>
           </a:p>
@@ -10157,7 +10158,7 @@
           <a:p>
             <a:fld id="{F138C28D-461B-46EA-B3D2-4CEA4CCF97FD}" type="datetime1">
               <a:rPr lang="zh-CN" altLang="en-US" smtClean="0"/>
-              <a:t>2017/10/16</a:t>
+              <a:t>2017/10/18</a:t>
             </a:fld>
             <a:endParaRPr lang="zh-CN" altLang="en-US"/>
           </a:p>
@@ -10790,10 +10791,10 @@
       </p:cxnSp>
       <p:grpSp>
         <p:nvGrpSpPr>
-          <p:cNvPr id="142" name="组合 141">
+          <p:cNvPr id="113" name="组合 112">
             <a:extLst>
               <a:ext uri="{FF2B5EF4-FFF2-40B4-BE49-F238E27FC236}">
-                <a16:creationId xmlns:a16="http://schemas.microsoft.com/office/drawing/2014/main" id="{EC439ECD-72BF-48D9-99EF-3226A8E648DE}"/>
+                <a16:creationId xmlns:a16="http://schemas.microsoft.com/office/drawing/2014/main" id="{50A63819-441F-45A0-8299-069B8CF74E38}"/>
               </a:ext>
             </a:extLst>
           </p:cNvPr>
@@ -10802,18 +10803,57 @@
         </p:nvGrpSpPr>
         <p:grpSpPr>
           <a:xfrm>
-            <a:off x="5115104" y="1556792"/>
-            <a:ext cx="1961792" cy="3194177"/>
-            <a:chOff x="5115104" y="1745857"/>
-            <a:chExt cx="1961792" cy="3194177"/>
+            <a:off x="5958317" y="1556792"/>
+            <a:ext cx="817393" cy="2613561"/>
+            <a:chOff x="7477893" y="3711236"/>
+            <a:chExt cx="817393" cy="2613561"/>
           </a:xfrm>
         </p:grpSpPr>
+        <p:cxnSp>
+          <p:nvCxnSpPr>
+            <p:cNvPr id="62" name="直接连接符 61">
+              <a:extLst>
+                <a:ext uri="{FF2B5EF4-FFF2-40B4-BE49-F238E27FC236}">
+                  <a16:creationId xmlns:a16="http://schemas.microsoft.com/office/drawing/2014/main" id="{5CA13DFA-E32E-4974-ACF5-52F86F2DFB69}"/>
+                </a:ext>
+              </a:extLst>
+            </p:cNvPr>
+            <p:cNvCxnSpPr>
+              <a:cxnSpLocks/>
+            </p:cNvCxnSpPr>
+            <p:nvPr/>
+          </p:nvCxnSpPr>
+          <p:spPr>
+            <a:xfrm>
+              <a:off x="7859033" y="4099028"/>
+              <a:ext cx="5876" cy="2225769"/>
+            </a:xfrm>
+            <a:prstGeom prst="line">
+              <a:avLst/>
+            </a:prstGeom>
+            <a:ln w="38100"/>
+          </p:spPr>
+          <p:style>
+            <a:lnRef idx="1">
+              <a:schemeClr val="accent6"/>
+            </a:lnRef>
+            <a:fillRef idx="0">
+              <a:schemeClr val="accent6"/>
+            </a:fillRef>
+            <a:effectRef idx="0">
+              <a:schemeClr val="accent6"/>
+            </a:effectRef>
+            <a:fontRef idx="minor">
+              <a:schemeClr val="tx1"/>
+            </a:fontRef>
+          </p:style>
+        </p:cxnSp>
         <p:grpSp>
           <p:nvGrpSpPr>
-            <p:cNvPr id="113" name="组合 112">
+            <p:cNvPr id="97" name="组合 96">
               <a:extLst>
                 <a:ext uri="{FF2B5EF4-FFF2-40B4-BE49-F238E27FC236}">
-                  <a16:creationId xmlns:a16="http://schemas.microsoft.com/office/drawing/2014/main" id="{50A63819-441F-45A0-8299-069B8CF74E38}"/>
+                  <a16:creationId xmlns:a16="http://schemas.microsoft.com/office/drawing/2014/main" id="{A4CB8E1E-D742-47A0-B003-32AD0A74704A}"/>
                 </a:ext>
               </a:extLst>
             </p:cNvPr>
@@ -10822,231 +10862,192 @@
           </p:nvGrpSpPr>
           <p:grpSpPr>
             <a:xfrm>
-              <a:off x="5958317" y="1745857"/>
-              <a:ext cx="817393" cy="2613561"/>
-              <a:chOff x="7477893" y="3711236"/>
-              <a:chExt cx="817393" cy="2613561"/>
+              <a:off x="7477893" y="3711236"/>
+              <a:ext cx="817393" cy="734756"/>
+              <a:chOff x="7086521" y="3278496"/>
+              <a:chExt cx="2449237" cy="1943848"/>
             </a:xfrm>
           </p:grpSpPr>
-          <p:cxnSp>
-            <p:nvCxnSpPr>
-              <p:cNvPr id="62" name="直接连接符 61">
+          <p:sp>
+            <p:nvSpPr>
+              <p:cNvPr id="101" name="椭圆 100">
                 <a:extLst>
                   <a:ext uri="{FF2B5EF4-FFF2-40B4-BE49-F238E27FC236}">
-                    <a16:creationId xmlns:a16="http://schemas.microsoft.com/office/drawing/2014/main" id="{5CA13DFA-E32E-4974-ACF5-52F86F2DFB69}"/>
+                    <a16:creationId xmlns:a16="http://schemas.microsoft.com/office/drawing/2014/main" id="{BD50866F-7A75-4309-9950-624B76EDB6AF}"/>
                   </a:ext>
                 </a:extLst>
               </p:cNvPr>
-              <p:cNvCxnSpPr>
-                <a:cxnSpLocks/>
-              </p:cNvCxnSpPr>
+              <p:cNvSpPr/>
               <p:nvPr/>
-            </p:nvCxnSpPr>
+            </p:nvSpPr>
             <p:spPr>
               <a:xfrm>
-                <a:off x="7859033" y="4099028"/>
-                <a:ext cx="5876" cy="2225769"/>
+                <a:off x="8169720" y="4250420"/>
+                <a:ext cx="98642" cy="108012"/>
               </a:xfrm>
-              <a:prstGeom prst="line">
+              <a:prstGeom prst="ellipse">
                 <a:avLst/>
               </a:prstGeom>
-              <a:ln w="38100"/>
             </p:spPr>
             <p:style>
-              <a:lnRef idx="1">
-                <a:schemeClr val="accent6"/>
+              <a:lnRef idx="2">
+                <a:schemeClr val="accent1">
+                  <a:shade val="50000"/>
+                </a:schemeClr>
               </a:lnRef>
-              <a:fillRef idx="0">
+              <a:fillRef idx="1">
+                <a:schemeClr val="accent1"/>
+              </a:fillRef>
+              <a:effectRef idx="0">
+                <a:schemeClr val="accent1"/>
+              </a:effectRef>
+              <a:fontRef idx="minor">
+                <a:schemeClr val="lt1"/>
+              </a:fontRef>
+            </p:style>
+            <p:txBody>
+              <a:bodyPr rtlCol="0" anchor="ctr"/>
+              <a:lstStyle/>
+              <a:p>
+                <a:pPr algn="ctr"/>
+                <a:endParaRPr lang="zh-CN" altLang="en-US"/>
+              </a:p>
+            </p:txBody>
+          </p:sp>
+          <p:sp>
+            <p:nvSpPr>
+              <p:cNvPr id="102" name="立方体 101">
+                <a:extLst>
+                  <a:ext uri="{FF2B5EF4-FFF2-40B4-BE49-F238E27FC236}">
+                    <a16:creationId xmlns:a16="http://schemas.microsoft.com/office/drawing/2014/main" id="{7EA498E8-F479-428F-A087-EE5CA4606AEA}"/>
+                  </a:ext>
+                </a:extLst>
+              </p:cNvPr>
+              <p:cNvSpPr/>
+              <p:nvPr/>
+            </p:nvSpPr>
+            <p:spPr>
+              <a:xfrm>
+                <a:off x="7087486" y="3278496"/>
+                <a:ext cx="2448272" cy="1943848"/>
+              </a:xfrm>
+              <a:prstGeom prst="cube">
+                <a:avLst>
+                  <a:gd name="adj" fmla="val 11687"/>
+                </a:avLst>
+              </a:prstGeom>
+              <a:solidFill>
+                <a:srgbClr val="FDEADA">
+                  <a:alpha val="50196"/>
+                </a:srgbClr>
+              </a:solidFill>
+              <a:ln>
+                <a:solidFill>
+                  <a:schemeClr val="accent2">
+                    <a:lumMod val="60000"/>
+                    <a:lumOff val="40000"/>
+                  </a:schemeClr>
+                </a:solidFill>
+              </a:ln>
+            </p:spPr>
+            <p:style>
+              <a:lnRef idx="2">
+                <a:schemeClr val="accent1">
+                  <a:shade val="50000"/>
+                </a:schemeClr>
+              </a:lnRef>
+              <a:fillRef idx="1">
+                <a:schemeClr val="accent1"/>
+              </a:fillRef>
+              <a:effectRef idx="0">
+                <a:schemeClr val="accent1"/>
+              </a:effectRef>
+              <a:fontRef idx="minor">
+                <a:schemeClr val="lt1"/>
+              </a:fontRef>
+            </p:style>
+            <p:txBody>
+              <a:bodyPr rtlCol="0" anchor="ctr"/>
+              <a:lstStyle/>
+              <a:p>
+                <a:pPr algn="ctr"/>
+                <a:endParaRPr lang="zh-CN" altLang="en-US"/>
+              </a:p>
+            </p:txBody>
+          </p:sp>
+          <p:sp>
+            <p:nvSpPr>
+              <p:cNvPr id="110" name="矩形 109">
+                <a:extLst>
+                  <a:ext uri="{FF2B5EF4-FFF2-40B4-BE49-F238E27FC236}">
+                    <a16:creationId xmlns:a16="http://schemas.microsoft.com/office/drawing/2014/main" id="{C4447267-7BB0-4C73-83BE-C7C3724CFA7D}"/>
+                  </a:ext>
+                </a:extLst>
+              </p:cNvPr>
+              <p:cNvSpPr/>
+              <p:nvPr/>
+            </p:nvSpPr>
+            <p:spPr>
+              <a:xfrm>
+                <a:off x="7086521" y="3512344"/>
+                <a:ext cx="2214000" cy="1710000"/>
+              </a:xfrm>
+              <a:prstGeom prst="rect">
+                <a:avLst/>
+              </a:prstGeom>
+              <a:solidFill>
+                <a:srgbClr val="FAC090">
+                  <a:alpha val="50196"/>
+                </a:srgbClr>
+              </a:solidFill>
+            </p:spPr>
+            <p:style>
+              <a:lnRef idx="2">
+                <a:schemeClr val="accent6">
+                  <a:shade val="50000"/>
+                </a:schemeClr>
+              </a:lnRef>
+              <a:fillRef idx="1">
                 <a:schemeClr val="accent6"/>
               </a:fillRef>
               <a:effectRef idx="0">
                 <a:schemeClr val="accent6"/>
               </a:effectRef>
               <a:fontRef idx="minor">
-                <a:schemeClr val="tx1"/>
+                <a:schemeClr val="lt1"/>
               </a:fontRef>
             </p:style>
-          </p:cxnSp>
-          <p:grpSp>
-            <p:nvGrpSpPr>
-              <p:cNvPr id="97" name="组合 96">
-                <a:extLst>
-                  <a:ext uri="{FF2B5EF4-FFF2-40B4-BE49-F238E27FC236}">
-                    <a16:creationId xmlns:a16="http://schemas.microsoft.com/office/drawing/2014/main" id="{A4CB8E1E-D742-47A0-B003-32AD0A74704A}"/>
-                  </a:ext>
-                </a:extLst>
-              </p:cNvPr>
-              <p:cNvGrpSpPr/>
-              <p:nvPr/>
-            </p:nvGrpSpPr>
-            <p:grpSpPr>
-              <a:xfrm>
-                <a:off x="7477893" y="3711236"/>
-                <a:ext cx="817393" cy="734756"/>
-                <a:chOff x="7086521" y="3278496"/>
-                <a:chExt cx="2449237" cy="1943848"/>
-              </a:xfrm>
-            </p:grpSpPr>
-            <p:sp>
-              <p:nvSpPr>
-                <p:cNvPr id="101" name="椭圆 100">
-                  <a:extLst>
-                    <a:ext uri="{FF2B5EF4-FFF2-40B4-BE49-F238E27FC236}">
-                      <a16:creationId xmlns:a16="http://schemas.microsoft.com/office/drawing/2014/main" id="{BD50866F-7A75-4309-9950-624B76EDB6AF}"/>
-                    </a:ext>
-                  </a:extLst>
-                </p:cNvPr>
-                <p:cNvSpPr/>
-                <p:nvPr/>
-              </p:nvSpPr>
-              <p:spPr>
-                <a:xfrm>
-                  <a:off x="8169720" y="4250420"/>
-                  <a:ext cx="98642" cy="108012"/>
-                </a:xfrm>
-                <a:prstGeom prst="ellipse">
-                  <a:avLst/>
-                </a:prstGeom>
-              </p:spPr>
-              <p:style>
-                <a:lnRef idx="2">
-                  <a:schemeClr val="accent1">
-                    <a:shade val="50000"/>
-                  </a:schemeClr>
-                </a:lnRef>
-                <a:fillRef idx="1">
-                  <a:schemeClr val="accent1"/>
-                </a:fillRef>
-                <a:effectRef idx="0">
-                  <a:schemeClr val="accent1"/>
-                </a:effectRef>
-                <a:fontRef idx="minor">
-                  <a:schemeClr val="lt1"/>
-                </a:fontRef>
-              </p:style>
-              <p:txBody>
-                <a:bodyPr rtlCol="0" anchor="ctr"/>
-                <a:lstStyle/>
-                <a:p>
-                  <a:pPr algn="ctr"/>
-                  <a:endParaRPr lang="zh-CN" altLang="en-US"/>
-                </a:p>
-              </p:txBody>
-            </p:sp>
-            <p:sp>
-              <p:nvSpPr>
-                <p:cNvPr id="102" name="立方体 101">
-                  <a:extLst>
-                    <a:ext uri="{FF2B5EF4-FFF2-40B4-BE49-F238E27FC236}">
-                      <a16:creationId xmlns:a16="http://schemas.microsoft.com/office/drawing/2014/main" id="{7EA498E8-F479-428F-A087-EE5CA4606AEA}"/>
-                    </a:ext>
-                  </a:extLst>
-                </p:cNvPr>
-                <p:cNvSpPr/>
-                <p:nvPr/>
-              </p:nvSpPr>
-              <p:spPr>
-                <a:xfrm>
-                  <a:off x="7087486" y="3278496"/>
-                  <a:ext cx="2448272" cy="1943848"/>
-                </a:xfrm>
-                <a:prstGeom prst="cube">
-                  <a:avLst>
-                    <a:gd name="adj" fmla="val 11687"/>
-                  </a:avLst>
-                </a:prstGeom>
-                <a:solidFill>
-                  <a:srgbClr val="FDEADA">
-                    <a:alpha val="50196"/>
-                  </a:srgbClr>
-                </a:solidFill>
-                <a:ln>
-                  <a:solidFill>
-                    <a:schemeClr val="accent2">
-                      <a:lumMod val="60000"/>
-                      <a:lumOff val="40000"/>
-                    </a:schemeClr>
-                  </a:solidFill>
-                </a:ln>
-              </p:spPr>
-              <p:style>
-                <a:lnRef idx="2">
-                  <a:schemeClr val="accent1">
-                    <a:shade val="50000"/>
-                  </a:schemeClr>
-                </a:lnRef>
-                <a:fillRef idx="1">
-                  <a:schemeClr val="accent1"/>
-                </a:fillRef>
-                <a:effectRef idx="0">
-                  <a:schemeClr val="accent1"/>
-                </a:effectRef>
-                <a:fontRef idx="minor">
-                  <a:schemeClr val="lt1"/>
-                </a:fontRef>
-              </p:style>
-              <p:txBody>
-                <a:bodyPr rtlCol="0" anchor="ctr"/>
-                <a:lstStyle/>
-                <a:p>
-                  <a:pPr algn="ctr"/>
-                  <a:endParaRPr lang="zh-CN" altLang="en-US"/>
-                </a:p>
-              </p:txBody>
-            </p:sp>
-            <p:sp>
-              <p:nvSpPr>
-                <p:cNvPr id="110" name="矩形 109">
-                  <a:extLst>
-                    <a:ext uri="{FF2B5EF4-FFF2-40B4-BE49-F238E27FC236}">
-                      <a16:creationId xmlns:a16="http://schemas.microsoft.com/office/drawing/2014/main" id="{C4447267-7BB0-4C73-83BE-C7C3724CFA7D}"/>
-                    </a:ext>
-                  </a:extLst>
-                </p:cNvPr>
-                <p:cNvSpPr/>
-                <p:nvPr/>
-              </p:nvSpPr>
-              <p:spPr>
-                <a:xfrm>
-                  <a:off x="7086521" y="3512344"/>
-                  <a:ext cx="2214000" cy="1710000"/>
-                </a:xfrm>
-                <a:prstGeom prst="rect">
-                  <a:avLst/>
-                </a:prstGeom>
-                <a:solidFill>
-                  <a:srgbClr val="FAC090">
-                    <a:alpha val="50196"/>
-                  </a:srgbClr>
-                </a:solidFill>
-              </p:spPr>
-              <p:style>
-                <a:lnRef idx="2">
-                  <a:schemeClr val="accent6">
-                    <a:shade val="50000"/>
-                  </a:schemeClr>
-                </a:lnRef>
-                <a:fillRef idx="1">
-                  <a:schemeClr val="accent6"/>
-                </a:fillRef>
-                <a:effectRef idx="0">
-                  <a:schemeClr val="accent6"/>
-                </a:effectRef>
-                <a:fontRef idx="minor">
-                  <a:schemeClr val="lt1"/>
-                </a:fontRef>
-              </p:style>
-              <p:txBody>
-                <a:bodyPr rtlCol="0" anchor="ctr"/>
-                <a:lstStyle/>
-                <a:p>
-                  <a:pPr algn="ctr"/>
-                  <a:endParaRPr lang="zh-CN" altLang="en-US"/>
-                </a:p>
-              </p:txBody>
-            </p:sp>
-          </p:grpSp>
+            <p:txBody>
+              <a:bodyPr rtlCol="0" anchor="ctr"/>
+              <a:lstStyle/>
+              <a:p>
+                <a:pPr algn="ctr"/>
+                <a:endParaRPr lang="zh-CN" altLang="en-US"/>
+              </a:p>
+            </p:txBody>
+          </p:sp>
         </p:grpSp>
+      </p:grpSp>
+      <p:grpSp>
+        <p:nvGrpSpPr>
+          <p:cNvPr id="7" name="组合 6">
+            <a:extLst>
+              <a:ext uri="{FF2B5EF4-FFF2-40B4-BE49-F238E27FC236}">
+                <a16:creationId xmlns:a16="http://schemas.microsoft.com/office/drawing/2014/main" id="{814F9D60-53C9-4A9B-9EE8-E3805BBBBA95}"/>
+              </a:ext>
+            </a:extLst>
+          </p:cNvPr>
+          <p:cNvGrpSpPr/>
+          <p:nvPr/>
+        </p:nvGrpSpPr>
+        <p:grpSpPr>
+          <a:xfrm>
+            <a:off x="5351256" y="4069058"/>
+            <a:ext cx="1328074" cy="769477"/>
+            <a:chOff x="5115104" y="3671983"/>
+            <a:chExt cx="1961792" cy="1078986"/>
+          </a:xfrm>
+        </p:grpSpPr>
         <p:sp>
           <p:nvSpPr>
             <p:cNvPr id="45" name="平行四边形 44">
@@ -11061,7 +11062,7 @@
           </p:nvSpPr>
           <p:spPr>
             <a:xfrm>
-              <a:off x="5713865" y="3997852"/>
+              <a:off x="5713865" y="3808787"/>
               <a:ext cx="504056" cy="288032"/>
             </a:xfrm>
             <a:prstGeom prst="parallelogram">
@@ -11107,7 +11108,7 @@
           </p:nvSpPr>
           <p:spPr>
             <a:xfrm>
-              <a:off x="6442782" y="4006980"/>
+              <a:off x="6442782" y="3817915"/>
               <a:ext cx="504056" cy="288032"/>
             </a:xfrm>
             <a:prstGeom prst="parallelogram">
@@ -11153,7 +11154,7 @@
           </p:nvSpPr>
           <p:spPr>
             <a:xfrm>
-              <a:off x="5305950" y="4497424"/>
+              <a:off x="5305950" y="4308359"/>
               <a:ext cx="504056" cy="288032"/>
             </a:xfrm>
             <a:prstGeom prst="parallelogram">
@@ -11199,7 +11200,7 @@
           </p:nvSpPr>
           <p:spPr>
             <a:xfrm>
-              <a:off x="6034867" y="4506552"/>
+              <a:off x="6034867" y="4317487"/>
               <a:ext cx="504056" cy="288032"/>
             </a:xfrm>
             <a:prstGeom prst="parallelogram">
@@ -11245,7 +11246,7 @@
           </p:nvGrpSpPr>
           <p:grpSpPr>
             <a:xfrm>
-              <a:off x="5115104" y="3861048"/>
+              <a:off x="5115104" y="3671983"/>
               <a:ext cx="1961792" cy="1078986"/>
               <a:chOff x="7752183" y="1916831"/>
               <a:chExt cx="2880321" cy="1584177"/>
@@ -11660,8 +11661,8 @@
         </p:nvSpPr>
         <p:spPr>
           <a:xfrm>
-            <a:off x="4899532" y="1340768"/>
-            <a:ext cx="2420604" cy="3600400"/>
+            <a:off x="4899532" y="1243053"/>
+            <a:ext cx="2397913" cy="3698115"/>
           </a:xfrm>
           <a:prstGeom prst="rect">
             <a:avLst/>
@@ -11698,135 +11699,6 @@
           </a:p>
         </p:txBody>
       </p:sp>
-      <p:sp>
-        <p:nvSpPr>
-          <p:cNvPr id="144" name="矩形 143">
-            <a:extLst>
-              <a:ext uri="{FF2B5EF4-FFF2-40B4-BE49-F238E27FC236}">
-                <a16:creationId xmlns:a16="http://schemas.microsoft.com/office/drawing/2014/main" id="{DC59B1E0-49D6-4550-BD2E-736C4F2B17D7}"/>
-              </a:ext>
-            </a:extLst>
-          </p:cNvPr>
-          <p:cNvSpPr/>
-          <p:nvPr/>
-        </p:nvSpPr>
-        <p:spPr>
-          <a:xfrm>
-            <a:off x="7908672" y="1486215"/>
-            <a:ext cx="3299895" cy="3299894"/>
-          </a:xfrm>
-          <a:prstGeom prst="rect">
-            <a:avLst/>
-          </a:prstGeom>
-          <a:noFill/>
-          <a:ln w="19050"/>
-        </p:spPr>
-        <p:style>
-          <a:lnRef idx="2">
-            <a:schemeClr val="accent1">
-              <a:shade val="50000"/>
-            </a:schemeClr>
-          </a:lnRef>
-          <a:fillRef idx="1">
-            <a:schemeClr val="accent1"/>
-          </a:fillRef>
-          <a:effectRef idx="0">
-            <a:schemeClr val="accent1"/>
-          </a:effectRef>
-          <a:fontRef idx="minor">
-            <a:schemeClr val="lt1"/>
-          </a:fontRef>
-        </p:style>
-        <p:txBody>
-          <a:bodyPr rtlCol="0" anchor="ctr"/>
-          <a:lstStyle/>
-          <a:p>
-            <a:pPr algn="ctr"/>
-            <a:endParaRPr lang="zh-CN" altLang="en-US"/>
-          </a:p>
-        </p:txBody>
-      </p:sp>
-      <p:cxnSp>
-        <p:nvCxnSpPr>
-          <p:cNvPr id="146" name="直接连接符 145">
-            <a:extLst>
-              <a:ext uri="{FF2B5EF4-FFF2-40B4-BE49-F238E27FC236}">
-                <a16:creationId xmlns:a16="http://schemas.microsoft.com/office/drawing/2014/main" id="{606B9460-CEA8-4A0F-84F3-BF94BA5AA5BC}"/>
-              </a:ext>
-            </a:extLst>
-          </p:cNvPr>
-          <p:cNvCxnSpPr>
-            <a:cxnSpLocks/>
-            <a:stCxn id="144" idx="1"/>
-            <a:endCxn id="144" idx="3"/>
-          </p:cNvCxnSpPr>
-          <p:nvPr/>
-        </p:nvCxnSpPr>
-        <p:spPr>
-          <a:xfrm>
-            <a:off x="7908672" y="3136162"/>
-            <a:ext cx="3299895" cy="0"/>
-          </a:xfrm>
-          <a:prstGeom prst="line">
-            <a:avLst/>
-          </a:prstGeom>
-          <a:ln w="19050"/>
-        </p:spPr>
-        <p:style>
-          <a:lnRef idx="1">
-            <a:schemeClr val="accent1"/>
-          </a:lnRef>
-          <a:fillRef idx="0">
-            <a:schemeClr val="accent1"/>
-          </a:fillRef>
-          <a:effectRef idx="0">
-            <a:schemeClr val="accent1"/>
-          </a:effectRef>
-          <a:fontRef idx="minor">
-            <a:schemeClr val="tx1"/>
-          </a:fontRef>
-        </p:style>
-      </p:cxnSp>
-      <p:cxnSp>
-        <p:nvCxnSpPr>
-          <p:cNvPr id="148" name="直接连接符 147">
-            <a:extLst>
-              <a:ext uri="{FF2B5EF4-FFF2-40B4-BE49-F238E27FC236}">
-                <a16:creationId xmlns:a16="http://schemas.microsoft.com/office/drawing/2014/main" id="{19FD901C-587C-4559-B6D7-771830AC3F80}"/>
-              </a:ext>
-            </a:extLst>
-          </p:cNvPr>
-          <p:cNvCxnSpPr>
-            <a:stCxn id="144" idx="0"/>
-            <a:endCxn id="144" idx="2"/>
-          </p:cNvCxnSpPr>
-          <p:nvPr/>
-        </p:nvCxnSpPr>
-        <p:spPr>
-          <a:xfrm>
-            <a:off x="9558620" y="1486215"/>
-            <a:ext cx="0" cy="3299894"/>
-          </a:xfrm>
-          <a:prstGeom prst="line">
-            <a:avLst/>
-          </a:prstGeom>
-          <a:ln w="19050"/>
-        </p:spPr>
-        <p:style>
-          <a:lnRef idx="1">
-            <a:schemeClr val="accent1"/>
-          </a:lnRef>
-          <a:fillRef idx="0">
-            <a:schemeClr val="accent1"/>
-          </a:fillRef>
-          <a:effectRef idx="0">
-            <a:schemeClr val="accent1"/>
-          </a:effectRef>
-          <a:fontRef idx="minor">
-            <a:schemeClr val="tx1"/>
-          </a:fontRef>
-        </p:style>
-      </p:cxnSp>
       <p:sp>
         <p:nvSpPr>
           <p:cNvPr id="149" name="矩形 148">
@@ -11880,10 +11752,10 @@
       </p:sp>
       <p:grpSp>
         <p:nvGrpSpPr>
-          <p:cNvPr id="203" name="组合 202">
+          <p:cNvPr id="9" name="组合 8">
             <a:extLst>
               <a:ext uri="{FF2B5EF4-FFF2-40B4-BE49-F238E27FC236}">
-                <a16:creationId xmlns:a16="http://schemas.microsoft.com/office/drawing/2014/main" id="{C9196392-1AA8-42E3-A739-0EBE6405EB1F}"/>
+                <a16:creationId xmlns:a16="http://schemas.microsoft.com/office/drawing/2014/main" id="{8D94B602-1D09-4549-8723-97C4B827D4A4}"/>
               </a:ext>
             </a:extLst>
           </p:cNvPr>
@@ -11892,24 +11764,18 @@
         </p:nvGrpSpPr>
         <p:grpSpPr>
           <a:xfrm>
-            <a:off x="9743939" y="3467086"/>
-            <a:ext cx="1292548" cy="1061907"/>
-            <a:chOff x="9192342" y="5156109"/>
-            <a:chExt cx="705127" cy="579305"/>
+            <a:off x="8484736" y="2761346"/>
+            <a:ext cx="2147768" cy="2077189"/>
+            <a:chOff x="7908672" y="1486215"/>
+            <a:chExt cx="3299895" cy="3299894"/>
           </a:xfrm>
-          <a:solidFill>
-            <a:schemeClr val="accent5">
-              <a:lumMod val="20000"/>
-              <a:lumOff val="80000"/>
-            </a:schemeClr>
-          </a:solidFill>
         </p:grpSpPr>
         <p:sp>
           <p:nvSpPr>
-            <p:cNvPr id="204" name="矩形 203">
+            <p:cNvPr id="144" name="矩形 143">
               <a:extLst>
                 <a:ext uri="{FF2B5EF4-FFF2-40B4-BE49-F238E27FC236}">
-                  <a16:creationId xmlns:a16="http://schemas.microsoft.com/office/drawing/2014/main" id="{0AC425F0-87CD-4F5C-B5E5-6C155BC99832}"/>
+                  <a16:creationId xmlns:a16="http://schemas.microsoft.com/office/drawing/2014/main" id="{DC59B1E0-49D6-4550-BD2E-736C4F2B17D7}"/>
                 </a:ext>
               </a:extLst>
             </p:cNvPr>
@@ -11918,182 +11784,14 @@
           </p:nvSpPr>
           <p:spPr>
             <a:xfrm>
-              <a:off x="9192342" y="5156109"/>
-              <a:ext cx="296039" cy="236831"/>
+              <a:off x="7908672" y="1486215"/>
+              <a:ext cx="3299895" cy="3299894"/>
             </a:xfrm>
             <a:prstGeom prst="rect">
               <a:avLst/>
             </a:prstGeom>
-            <a:grpFill/>
-            <a:ln>
-              <a:solidFill>
-                <a:schemeClr val="accent5">
-                  <a:lumMod val="75000"/>
-                </a:schemeClr>
-              </a:solidFill>
-            </a:ln>
-          </p:spPr>
-          <p:style>
-            <a:lnRef idx="2">
-              <a:schemeClr val="accent1">
-                <a:shade val="50000"/>
-              </a:schemeClr>
-            </a:lnRef>
-            <a:fillRef idx="1">
-              <a:schemeClr val="accent1"/>
-            </a:fillRef>
-            <a:effectRef idx="0">
-              <a:schemeClr val="accent1"/>
-            </a:effectRef>
-            <a:fontRef idx="minor">
-              <a:schemeClr val="lt1"/>
-            </a:fontRef>
-          </p:style>
-          <p:txBody>
-            <a:bodyPr rtlCol="0" anchor="ctr"/>
-            <a:lstStyle/>
-            <a:p>
-              <a:pPr algn="ctr"/>
-              <a:endParaRPr lang="zh-CN" altLang="en-US"/>
-            </a:p>
-          </p:txBody>
-        </p:sp>
-        <p:sp>
-          <p:nvSpPr>
-            <p:cNvPr id="205" name="矩形 204">
-              <a:extLst>
-                <a:ext uri="{FF2B5EF4-FFF2-40B4-BE49-F238E27FC236}">
-                  <a16:creationId xmlns:a16="http://schemas.microsoft.com/office/drawing/2014/main" id="{A88BCAC3-3DA3-4B9A-9418-ED7EBE0D1F26}"/>
-                </a:ext>
-              </a:extLst>
-            </p:cNvPr>
-            <p:cNvSpPr/>
-            <p:nvPr/>
-          </p:nvSpPr>
-          <p:spPr>
-            <a:xfrm>
-              <a:off x="9192343" y="5498583"/>
-              <a:ext cx="296039" cy="236831"/>
-            </a:xfrm>
-            <a:prstGeom prst="rect">
-              <a:avLst/>
-            </a:prstGeom>
-            <a:grpFill/>
-            <a:ln>
-              <a:solidFill>
-                <a:schemeClr val="accent5">
-                  <a:lumMod val="75000"/>
-                </a:schemeClr>
-              </a:solidFill>
-            </a:ln>
-          </p:spPr>
-          <p:style>
-            <a:lnRef idx="2">
-              <a:schemeClr val="accent1">
-                <a:shade val="50000"/>
-              </a:schemeClr>
-            </a:lnRef>
-            <a:fillRef idx="1">
-              <a:schemeClr val="accent1"/>
-            </a:fillRef>
-            <a:effectRef idx="0">
-              <a:schemeClr val="accent1"/>
-            </a:effectRef>
-            <a:fontRef idx="minor">
-              <a:schemeClr val="lt1"/>
-            </a:fontRef>
-          </p:style>
-          <p:txBody>
-            <a:bodyPr rtlCol="0" anchor="ctr"/>
-            <a:lstStyle/>
-            <a:p>
-              <a:pPr algn="ctr"/>
-              <a:endParaRPr lang="zh-CN" altLang="en-US"/>
-            </a:p>
-          </p:txBody>
-        </p:sp>
-        <p:sp>
-          <p:nvSpPr>
-            <p:cNvPr id="206" name="矩形 205">
-              <a:extLst>
-                <a:ext uri="{FF2B5EF4-FFF2-40B4-BE49-F238E27FC236}">
-                  <a16:creationId xmlns:a16="http://schemas.microsoft.com/office/drawing/2014/main" id="{478E1E45-D2E5-4D69-BA8F-3972E6B89A8A}"/>
-                </a:ext>
-              </a:extLst>
-            </p:cNvPr>
-            <p:cNvSpPr/>
-            <p:nvPr/>
-          </p:nvSpPr>
-          <p:spPr>
-            <a:xfrm>
-              <a:off x="9601430" y="5156109"/>
-              <a:ext cx="296039" cy="236831"/>
-            </a:xfrm>
-            <a:prstGeom prst="rect">
-              <a:avLst/>
-            </a:prstGeom>
-            <a:grpFill/>
-            <a:ln>
-              <a:solidFill>
-                <a:schemeClr val="accent5">
-                  <a:lumMod val="75000"/>
-                </a:schemeClr>
-              </a:solidFill>
-            </a:ln>
-          </p:spPr>
-          <p:style>
-            <a:lnRef idx="2">
-              <a:schemeClr val="accent1">
-                <a:shade val="50000"/>
-              </a:schemeClr>
-            </a:lnRef>
-            <a:fillRef idx="1">
-              <a:schemeClr val="accent1"/>
-            </a:fillRef>
-            <a:effectRef idx="0">
-              <a:schemeClr val="accent1"/>
-            </a:effectRef>
-            <a:fontRef idx="minor">
-              <a:schemeClr val="lt1"/>
-            </a:fontRef>
-          </p:style>
-          <p:txBody>
-            <a:bodyPr rtlCol="0" anchor="ctr"/>
-            <a:lstStyle/>
-            <a:p>
-              <a:pPr algn="ctr"/>
-              <a:endParaRPr lang="zh-CN" altLang="en-US"/>
-            </a:p>
-          </p:txBody>
-        </p:sp>
-        <p:sp>
-          <p:nvSpPr>
-            <p:cNvPr id="207" name="矩形 206">
-              <a:extLst>
-                <a:ext uri="{FF2B5EF4-FFF2-40B4-BE49-F238E27FC236}">
-                  <a16:creationId xmlns:a16="http://schemas.microsoft.com/office/drawing/2014/main" id="{3D97852C-8FB7-4501-844E-9996885C444A}"/>
-                </a:ext>
-              </a:extLst>
-            </p:cNvPr>
-            <p:cNvSpPr/>
-            <p:nvPr/>
-          </p:nvSpPr>
-          <p:spPr>
-            <a:xfrm>
-              <a:off x="9601429" y="5498583"/>
-              <a:ext cx="296039" cy="236831"/>
-            </a:xfrm>
-            <a:prstGeom prst="rect">
-              <a:avLst/>
-            </a:prstGeom>
-            <a:grpFill/>
-            <a:ln>
-              <a:solidFill>
-                <a:schemeClr val="accent5">
-                  <a:lumMod val="75000"/>
-                </a:schemeClr>
-              </a:solidFill>
-            </a:ln>
+            <a:noFill/>
+            <a:ln w="19050"/>
           </p:spPr>
           <p:style>
             <a:lnRef idx="2">
@@ -12122,26 +11820,29 @@
         </p:sp>
         <p:cxnSp>
           <p:nvCxnSpPr>
-            <p:cNvPr id="208" name="直接连接符 207">
+            <p:cNvPr id="146" name="直接连接符 145">
               <a:extLst>
                 <a:ext uri="{FF2B5EF4-FFF2-40B4-BE49-F238E27FC236}">
-                  <a16:creationId xmlns:a16="http://schemas.microsoft.com/office/drawing/2014/main" id="{EB186699-D3ED-4D96-9008-2F09A1CE50BC}"/>
+                  <a16:creationId xmlns:a16="http://schemas.microsoft.com/office/drawing/2014/main" id="{606B9460-CEA8-4A0F-84F3-BF94BA5AA5BC}"/>
                 </a:ext>
               </a:extLst>
             </p:cNvPr>
-            <p:cNvCxnSpPr/>
+            <p:cNvCxnSpPr>
+              <a:cxnSpLocks/>
+              <a:stCxn id="144" idx="1"/>
+              <a:endCxn id="144" idx="3"/>
+            </p:cNvCxnSpPr>
             <p:nvPr/>
           </p:nvCxnSpPr>
           <p:spPr>
             <a:xfrm>
-              <a:off x="9488381" y="5735414"/>
-              <a:ext cx="113048" cy="0"/>
+              <a:off x="7908672" y="3136162"/>
+              <a:ext cx="3299895" cy="0"/>
             </a:xfrm>
             <a:prstGeom prst="line">
               <a:avLst/>
             </a:prstGeom>
-            <a:grpFill/>
-            <a:ln w="28575"/>
+            <a:ln w="19050"/>
           </p:spPr>
           <p:style>
             <a:lnRef idx="1">
@@ -12160,26 +11861,28 @@
         </p:cxnSp>
         <p:cxnSp>
           <p:nvCxnSpPr>
-            <p:cNvPr id="209" name="直接连接符 208">
+            <p:cNvPr id="148" name="直接连接符 147">
               <a:extLst>
                 <a:ext uri="{FF2B5EF4-FFF2-40B4-BE49-F238E27FC236}">
-                  <a16:creationId xmlns:a16="http://schemas.microsoft.com/office/drawing/2014/main" id="{C1D024F9-F7D9-412F-8891-E16FC4F28579}"/>
+                  <a16:creationId xmlns:a16="http://schemas.microsoft.com/office/drawing/2014/main" id="{19FD901C-587C-4559-B6D7-771830AC3F80}"/>
                 </a:ext>
               </a:extLst>
             </p:cNvPr>
-            <p:cNvCxnSpPr/>
+            <p:cNvCxnSpPr>
+              <a:stCxn id="144" idx="0"/>
+              <a:endCxn id="144" idx="2"/>
+            </p:cNvCxnSpPr>
             <p:nvPr/>
           </p:nvCxnSpPr>
           <p:spPr>
             <a:xfrm>
-              <a:off x="9488381" y="5156109"/>
-              <a:ext cx="113048" cy="0"/>
+              <a:off x="9558620" y="1486215"/>
+              <a:ext cx="0" cy="3299894"/>
             </a:xfrm>
             <a:prstGeom prst="line">
               <a:avLst/>
             </a:prstGeom>
-            <a:grpFill/>
-            <a:ln w="28575"/>
+            <a:ln w="19050"/>
           </p:spPr>
           <p:style>
             <a:lnRef idx="1">
@@ -12196,1125 +11899,12 @@
             </a:fontRef>
           </p:style>
         </p:cxnSp>
-        <p:cxnSp>
-          <p:nvCxnSpPr>
-            <p:cNvPr id="210" name="直接连接符 209">
+        <p:grpSp>
+          <p:nvGrpSpPr>
+            <p:cNvPr id="203" name="组合 202">
               <a:extLst>
                 <a:ext uri="{FF2B5EF4-FFF2-40B4-BE49-F238E27FC236}">
-                  <a16:creationId xmlns:a16="http://schemas.microsoft.com/office/drawing/2014/main" id="{B14F897B-1B08-4A02-9EB0-0D40038097BA}"/>
-                </a:ext>
-              </a:extLst>
-            </p:cNvPr>
-            <p:cNvCxnSpPr>
-              <a:stCxn id="204" idx="1"/>
-              <a:endCxn id="205" idx="1"/>
-            </p:cNvCxnSpPr>
-            <p:nvPr/>
-          </p:nvCxnSpPr>
-          <p:spPr>
-            <a:xfrm>
-              <a:off x="9192342" y="5274525"/>
-              <a:ext cx="1" cy="342474"/>
-            </a:xfrm>
-            <a:prstGeom prst="line">
-              <a:avLst/>
-            </a:prstGeom>
-            <a:grpFill/>
-            <a:ln w="28575"/>
-          </p:spPr>
-          <p:style>
-            <a:lnRef idx="1">
-              <a:schemeClr val="accent1"/>
-            </a:lnRef>
-            <a:fillRef idx="0">
-              <a:schemeClr val="accent1"/>
-            </a:fillRef>
-            <a:effectRef idx="0">
-              <a:schemeClr val="accent1"/>
-            </a:effectRef>
-            <a:fontRef idx="minor">
-              <a:schemeClr val="tx1"/>
-            </a:fontRef>
-          </p:style>
-        </p:cxnSp>
-        <p:cxnSp>
-          <p:nvCxnSpPr>
-            <p:cNvPr id="211" name="直接连接符 210">
-              <a:extLst>
-                <a:ext uri="{FF2B5EF4-FFF2-40B4-BE49-F238E27FC236}">
-                  <a16:creationId xmlns:a16="http://schemas.microsoft.com/office/drawing/2014/main" id="{C9717641-97AD-4B3D-9EF5-465537492ECB}"/>
-                </a:ext>
-              </a:extLst>
-            </p:cNvPr>
-            <p:cNvCxnSpPr/>
-            <p:nvPr/>
-          </p:nvCxnSpPr>
-          <p:spPr>
-            <a:xfrm>
-              <a:off x="9897468" y="5274525"/>
-              <a:ext cx="1" cy="342474"/>
-            </a:xfrm>
-            <a:prstGeom prst="line">
-              <a:avLst/>
-            </a:prstGeom>
-            <a:grpFill/>
-            <a:ln w="28575"/>
-          </p:spPr>
-          <p:style>
-            <a:lnRef idx="1">
-              <a:schemeClr val="accent1"/>
-            </a:lnRef>
-            <a:fillRef idx="0">
-              <a:schemeClr val="accent1"/>
-            </a:fillRef>
-            <a:effectRef idx="0">
-              <a:schemeClr val="accent1"/>
-            </a:effectRef>
-            <a:fontRef idx="minor">
-              <a:schemeClr val="tx1"/>
-            </a:fontRef>
-          </p:style>
-        </p:cxnSp>
-      </p:grpSp>
-      <p:grpSp>
-        <p:nvGrpSpPr>
-          <p:cNvPr id="212" name="组合 211">
-            <a:extLst>
-              <a:ext uri="{FF2B5EF4-FFF2-40B4-BE49-F238E27FC236}">
-                <a16:creationId xmlns:a16="http://schemas.microsoft.com/office/drawing/2014/main" id="{79A744A7-6078-4040-89A4-507EC545C9FC}"/>
-              </a:ext>
-            </a:extLst>
-          </p:cNvPr>
-          <p:cNvGrpSpPr/>
-          <p:nvPr/>
-        </p:nvGrpSpPr>
-        <p:grpSpPr>
-          <a:xfrm>
-            <a:off x="9745292" y="1850591"/>
-            <a:ext cx="1292548" cy="1061907"/>
-            <a:chOff x="9192342" y="5156109"/>
-            <a:chExt cx="705127" cy="579305"/>
-          </a:xfrm>
-          <a:solidFill>
-            <a:schemeClr val="accent5">
-              <a:lumMod val="20000"/>
-              <a:lumOff val="80000"/>
-            </a:schemeClr>
-          </a:solidFill>
-        </p:grpSpPr>
-        <p:sp>
-          <p:nvSpPr>
-            <p:cNvPr id="213" name="矩形 212">
-              <a:extLst>
-                <a:ext uri="{FF2B5EF4-FFF2-40B4-BE49-F238E27FC236}">
-                  <a16:creationId xmlns:a16="http://schemas.microsoft.com/office/drawing/2014/main" id="{08E220A3-8F1C-4C5F-A563-C40B6C39793A}"/>
-                </a:ext>
-              </a:extLst>
-            </p:cNvPr>
-            <p:cNvSpPr/>
-            <p:nvPr/>
-          </p:nvSpPr>
-          <p:spPr>
-            <a:xfrm>
-              <a:off x="9192342" y="5156109"/>
-              <a:ext cx="296039" cy="236831"/>
-            </a:xfrm>
-            <a:prstGeom prst="rect">
-              <a:avLst/>
-            </a:prstGeom>
-            <a:grpFill/>
-            <a:ln>
-              <a:solidFill>
-                <a:schemeClr val="accent5">
-                  <a:lumMod val="75000"/>
-                </a:schemeClr>
-              </a:solidFill>
-            </a:ln>
-          </p:spPr>
-          <p:style>
-            <a:lnRef idx="2">
-              <a:schemeClr val="accent1">
-                <a:shade val="50000"/>
-              </a:schemeClr>
-            </a:lnRef>
-            <a:fillRef idx="1">
-              <a:schemeClr val="accent1"/>
-            </a:fillRef>
-            <a:effectRef idx="0">
-              <a:schemeClr val="accent1"/>
-            </a:effectRef>
-            <a:fontRef idx="minor">
-              <a:schemeClr val="lt1"/>
-            </a:fontRef>
-          </p:style>
-          <p:txBody>
-            <a:bodyPr rtlCol="0" anchor="ctr"/>
-            <a:lstStyle/>
-            <a:p>
-              <a:pPr algn="ctr"/>
-              <a:endParaRPr lang="zh-CN" altLang="en-US"/>
-            </a:p>
-          </p:txBody>
-        </p:sp>
-        <p:sp>
-          <p:nvSpPr>
-            <p:cNvPr id="214" name="矩形 213">
-              <a:extLst>
-                <a:ext uri="{FF2B5EF4-FFF2-40B4-BE49-F238E27FC236}">
-                  <a16:creationId xmlns:a16="http://schemas.microsoft.com/office/drawing/2014/main" id="{FAD2AF15-553E-4B05-A347-188C012B491E}"/>
-                </a:ext>
-              </a:extLst>
-            </p:cNvPr>
-            <p:cNvSpPr/>
-            <p:nvPr/>
-          </p:nvSpPr>
-          <p:spPr>
-            <a:xfrm>
-              <a:off x="9192343" y="5498583"/>
-              <a:ext cx="296039" cy="236831"/>
-            </a:xfrm>
-            <a:prstGeom prst="rect">
-              <a:avLst/>
-            </a:prstGeom>
-            <a:grpFill/>
-            <a:ln>
-              <a:solidFill>
-                <a:schemeClr val="accent5">
-                  <a:lumMod val="75000"/>
-                </a:schemeClr>
-              </a:solidFill>
-            </a:ln>
-          </p:spPr>
-          <p:style>
-            <a:lnRef idx="2">
-              <a:schemeClr val="accent1">
-                <a:shade val="50000"/>
-              </a:schemeClr>
-            </a:lnRef>
-            <a:fillRef idx="1">
-              <a:schemeClr val="accent1"/>
-            </a:fillRef>
-            <a:effectRef idx="0">
-              <a:schemeClr val="accent1"/>
-            </a:effectRef>
-            <a:fontRef idx="minor">
-              <a:schemeClr val="lt1"/>
-            </a:fontRef>
-          </p:style>
-          <p:txBody>
-            <a:bodyPr rtlCol="0" anchor="ctr"/>
-            <a:lstStyle/>
-            <a:p>
-              <a:pPr algn="ctr"/>
-              <a:endParaRPr lang="zh-CN" altLang="en-US"/>
-            </a:p>
-          </p:txBody>
-        </p:sp>
-        <p:sp>
-          <p:nvSpPr>
-            <p:cNvPr id="215" name="矩形 214">
-              <a:extLst>
-                <a:ext uri="{FF2B5EF4-FFF2-40B4-BE49-F238E27FC236}">
-                  <a16:creationId xmlns:a16="http://schemas.microsoft.com/office/drawing/2014/main" id="{E190235C-21D2-467F-862A-2379440005B1}"/>
-                </a:ext>
-              </a:extLst>
-            </p:cNvPr>
-            <p:cNvSpPr/>
-            <p:nvPr/>
-          </p:nvSpPr>
-          <p:spPr>
-            <a:xfrm>
-              <a:off x="9601430" y="5156109"/>
-              <a:ext cx="296039" cy="236831"/>
-            </a:xfrm>
-            <a:prstGeom prst="rect">
-              <a:avLst/>
-            </a:prstGeom>
-            <a:grpFill/>
-            <a:ln>
-              <a:solidFill>
-                <a:schemeClr val="accent5">
-                  <a:lumMod val="75000"/>
-                </a:schemeClr>
-              </a:solidFill>
-            </a:ln>
-          </p:spPr>
-          <p:style>
-            <a:lnRef idx="2">
-              <a:schemeClr val="accent1">
-                <a:shade val="50000"/>
-              </a:schemeClr>
-            </a:lnRef>
-            <a:fillRef idx="1">
-              <a:schemeClr val="accent1"/>
-            </a:fillRef>
-            <a:effectRef idx="0">
-              <a:schemeClr val="accent1"/>
-            </a:effectRef>
-            <a:fontRef idx="minor">
-              <a:schemeClr val="lt1"/>
-            </a:fontRef>
-          </p:style>
-          <p:txBody>
-            <a:bodyPr rtlCol="0" anchor="ctr"/>
-            <a:lstStyle/>
-            <a:p>
-              <a:pPr algn="ctr"/>
-              <a:endParaRPr lang="zh-CN" altLang="en-US"/>
-            </a:p>
-          </p:txBody>
-        </p:sp>
-        <p:sp>
-          <p:nvSpPr>
-            <p:cNvPr id="216" name="矩形 215">
-              <a:extLst>
-                <a:ext uri="{FF2B5EF4-FFF2-40B4-BE49-F238E27FC236}">
-                  <a16:creationId xmlns:a16="http://schemas.microsoft.com/office/drawing/2014/main" id="{7057E534-87E6-4351-83C3-1593D9FFD657}"/>
-                </a:ext>
-              </a:extLst>
-            </p:cNvPr>
-            <p:cNvSpPr/>
-            <p:nvPr/>
-          </p:nvSpPr>
-          <p:spPr>
-            <a:xfrm>
-              <a:off x="9601429" y="5498583"/>
-              <a:ext cx="296039" cy="236831"/>
-            </a:xfrm>
-            <a:prstGeom prst="rect">
-              <a:avLst/>
-            </a:prstGeom>
-            <a:grpFill/>
-            <a:ln>
-              <a:solidFill>
-                <a:schemeClr val="accent5">
-                  <a:lumMod val="75000"/>
-                </a:schemeClr>
-              </a:solidFill>
-            </a:ln>
-          </p:spPr>
-          <p:style>
-            <a:lnRef idx="2">
-              <a:schemeClr val="accent1">
-                <a:shade val="50000"/>
-              </a:schemeClr>
-            </a:lnRef>
-            <a:fillRef idx="1">
-              <a:schemeClr val="accent1"/>
-            </a:fillRef>
-            <a:effectRef idx="0">
-              <a:schemeClr val="accent1"/>
-            </a:effectRef>
-            <a:fontRef idx="minor">
-              <a:schemeClr val="lt1"/>
-            </a:fontRef>
-          </p:style>
-          <p:txBody>
-            <a:bodyPr rtlCol="0" anchor="ctr"/>
-            <a:lstStyle/>
-            <a:p>
-              <a:pPr algn="ctr"/>
-              <a:endParaRPr lang="zh-CN" altLang="en-US"/>
-            </a:p>
-          </p:txBody>
-        </p:sp>
-        <p:cxnSp>
-          <p:nvCxnSpPr>
-            <p:cNvPr id="217" name="直接连接符 216">
-              <a:extLst>
-                <a:ext uri="{FF2B5EF4-FFF2-40B4-BE49-F238E27FC236}">
-                  <a16:creationId xmlns:a16="http://schemas.microsoft.com/office/drawing/2014/main" id="{1A11BCCF-4A44-4772-8980-DCEA619D593E}"/>
-                </a:ext>
-              </a:extLst>
-            </p:cNvPr>
-            <p:cNvCxnSpPr/>
-            <p:nvPr/>
-          </p:nvCxnSpPr>
-          <p:spPr>
-            <a:xfrm>
-              <a:off x="9488381" y="5735414"/>
-              <a:ext cx="113048" cy="0"/>
-            </a:xfrm>
-            <a:prstGeom prst="line">
-              <a:avLst/>
-            </a:prstGeom>
-            <a:grpFill/>
-            <a:ln w="28575"/>
-          </p:spPr>
-          <p:style>
-            <a:lnRef idx="1">
-              <a:schemeClr val="accent1"/>
-            </a:lnRef>
-            <a:fillRef idx="0">
-              <a:schemeClr val="accent1"/>
-            </a:fillRef>
-            <a:effectRef idx="0">
-              <a:schemeClr val="accent1"/>
-            </a:effectRef>
-            <a:fontRef idx="minor">
-              <a:schemeClr val="tx1"/>
-            </a:fontRef>
-          </p:style>
-        </p:cxnSp>
-        <p:cxnSp>
-          <p:nvCxnSpPr>
-            <p:cNvPr id="218" name="直接连接符 217">
-              <a:extLst>
-                <a:ext uri="{FF2B5EF4-FFF2-40B4-BE49-F238E27FC236}">
-                  <a16:creationId xmlns:a16="http://schemas.microsoft.com/office/drawing/2014/main" id="{90A62688-7DC9-40A0-B766-FEF40D518B48}"/>
-                </a:ext>
-              </a:extLst>
-            </p:cNvPr>
-            <p:cNvCxnSpPr/>
-            <p:nvPr/>
-          </p:nvCxnSpPr>
-          <p:spPr>
-            <a:xfrm>
-              <a:off x="9488381" y="5156109"/>
-              <a:ext cx="113048" cy="0"/>
-            </a:xfrm>
-            <a:prstGeom prst="line">
-              <a:avLst/>
-            </a:prstGeom>
-            <a:grpFill/>
-            <a:ln w="28575"/>
-          </p:spPr>
-          <p:style>
-            <a:lnRef idx="1">
-              <a:schemeClr val="accent1"/>
-            </a:lnRef>
-            <a:fillRef idx="0">
-              <a:schemeClr val="accent1"/>
-            </a:fillRef>
-            <a:effectRef idx="0">
-              <a:schemeClr val="accent1"/>
-            </a:effectRef>
-            <a:fontRef idx="minor">
-              <a:schemeClr val="tx1"/>
-            </a:fontRef>
-          </p:style>
-        </p:cxnSp>
-        <p:cxnSp>
-          <p:nvCxnSpPr>
-            <p:cNvPr id="219" name="直接连接符 218">
-              <a:extLst>
-                <a:ext uri="{FF2B5EF4-FFF2-40B4-BE49-F238E27FC236}">
-                  <a16:creationId xmlns:a16="http://schemas.microsoft.com/office/drawing/2014/main" id="{73C5F172-15FA-4D7E-99CF-DFB4A7DA3CD1}"/>
-                </a:ext>
-              </a:extLst>
-            </p:cNvPr>
-            <p:cNvCxnSpPr>
-              <a:stCxn id="213" idx="1"/>
-              <a:endCxn id="214" idx="1"/>
-            </p:cNvCxnSpPr>
-            <p:nvPr/>
-          </p:nvCxnSpPr>
-          <p:spPr>
-            <a:xfrm>
-              <a:off x="9192342" y="5274525"/>
-              <a:ext cx="1" cy="342474"/>
-            </a:xfrm>
-            <a:prstGeom prst="line">
-              <a:avLst/>
-            </a:prstGeom>
-            <a:grpFill/>
-            <a:ln w="28575"/>
-          </p:spPr>
-          <p:style>
-            <a:lnRef idx="1">
-              <a:schemeClr val="accent1"/>
-            </a:lnRef>
-            <a:fillRef idx="0">
-              <a:schemeClr val="accent1"/>
-            </a:fillRef>
-            <a:effectRef idx="0">
-              <a:schemeClr val="accent1"/>
-            </a:effectRef>
-            <a:fontRef idx="minor">
-              <a:schemeClr val="tx1"/>
-            </a:fontRef>
-          </p:style>
-        </p:cxnSp>
-        <p:cxnSp>
-          <p:nvCxnSpPr>
-            <p:cNvPr id="220" name="直接连接符 219">
-              <a:extLst>
-                <a:ext uri="{FF2B5EF4-FFF2-40B4-BE49-F238E27FC236}">
-                  <a16:creationId xmlns:a16="http://schemas.microsoft.com/office/drawing/2014/main" id="{075102D9-C384-4A98-B044-4C3A1051D6EB}"/>
-                </a:ext>
-              </a:extLst>
-            </p:cNvPr>
-            <p:cNvCxnSpPr/>
-            <p:nvPr/>
-          </p:nvCxnSpPr>
-          <p:spPr>
-            <a:xfrm>
-              <a:off x="9897468" y="5274525"/>
-              <a:ext cx="1" cy="342474"/>
-            </a:xfrm>
-            <a:prstGeom prst="line">
-              <a:avLst/>
-            </a:prstGeom>
-            <a:grpFill/>
-            <a:ln w="28575"/>
-          </p:spPr>
-          <p:style>
-            <a:lnRef idx="1">
-              <a:schemeClr val="accent1"/>
-            </a:lnRef>
-            <a:fillRef idx="0">
-              <a:schemeClr val="accent1"/>
-            </a:fillRef>
-            <a:effectRef idx="0">
-              <a:schemeClr val="accent1"/>
-            </a:effectRef>
-            <a:fontRef idx="minor">
-              <a:schemeClr val="tx1"/>
-            </a:fontRef>
-          </p:style>
-        </p:cxnSp>
-      </p:grpSp>
-      <p:grpSp>
-        <p:nvGrpSpPr>
-          <p:cNvPr id="268" name="组合 267">
-            <a:extLst>
-              <a:ext uri="{FF2B5EF4-FFF2-40B4-BE49-F238E27FC236}">
-                <a16:creationId xmlns:a16="http://schemas.microsoft.com/office/drawing/2014/main" id="{24126DDA-93A5-4697-B5E2-5E91205B2D92}"/>
-              </a:ext>
-            </a:extLst>
-          </p:cNvPr>
-          <p:cNvGrpSpPr/>
-          <p:nvPr/>
-        </p:nvGrpSpPr>
-        <p:grpSpPr>
-          <a:xfrm>
-            <a:off x="8078345" y="1864533"/>
-            <a:ext cx="1293415" cy="1062448"/>
-            <a:chOff x="7944801" y="5046972"/>
-            <a:chExt cx="685826" cy="562125"/>
-          </a:xfrm>
-          <a:solidFill>
-            <a:schemeClr val="accent5">
-              <a:lumMod val="20000"/>
-              <a:lumOff val="80000"/>
-            </a:schemeClr>
-          </a:solidFill>
-        </p:grpSpPr>
-        <p:sp>
-          <p:nvSpPr>
-            <p:cNvPr id="254" name="矩形 253">
-              <a:extLst>
-                <a:ext uri="{FF2B5EF4-FFF2-40B4-BE49-F238E27FC236}">
-                  <a16:creationId xmlns:a16="http://schemas.microsoft.com/office/drawing/2014/main" id="{C1D60785-5732-408B-A76E-BD6779B8308C}"/>
-                </a:ext>
-              </a:extLst>
-            </p:cNvPr>
-            <p:cNvSpPr/>
-            <p:nvPr/>
-          </p:nvSpPr>
-          <p:spPr>
-            <a:xfrm>
-              <a:off x="7944801" y="5046972"/>
-              <a:ext cx="144000" cy="252000"/>
-            </a:xfrm>
-            <a:prstGeom prst="rect">
-              <a:avLst/>
-            </a:prstGeom>
-            <a:grpFill/>
-            <a:ln>
-              <a:solidFill>
-                <a:schemeClr val="accent5">
-                  <a:lumMod val="75000"/>
-                </a:schemeClr>
-              </a:solidFill>
-            </a:ln>
-          </p:spPr>
-          <p:style>
-            <a:lnRef idx="2">
-              <a:schemeClr val="accent1">
-                <a:shade val="50000"/>
-              </a:schemeClr>
-            </a:lnRef>
-            <a:fillRef idx="1">
-              <a:schemeClr val="accent1"/>
-            </a:fillRef>
-            <a:effectRef idx="0">
-              <a:schemeClr val="accent1"/>
-            </a:effectRef>
-            <a:fontRef idx="minor">
-              <a:schemeClr val="lt1"/>
-            </a:fontRef>
-          </p:style>
-          <p:txBody>
-            <a:bodyPr rtlCol="0" anchor="ctr"/>
-            <a:lstStyle/>
-            <a:p>
-              <a:pPr algn="ctr"/>
-              <a:endParaRPr lang="zh-CN" altLang="en-US"/>
-            </a:p>
-          </p:txBody>
-        </p:sp>
-        <p:sp>
-          <p:nvSpPr>
-            <p:cNvPr id="255" name="矩形 254">
-              <a:extLst>
-                <a:ext uri="{FF2B5EF4-FFF2-40B4-BE49-F238E27FC236}">
-                  <a16:creationId xmlns:a16="http://schemas.microsoft.com/office/drawing/2014/main" id="{8157EF87-1A5E-4CC4-A02F-4BC21B74B8A3}"/>
-                </a:ext>
-              </a:extLst>
-            </p:cNvPr>
-            <p:cNvSpPr/>
-            <p:nvPr/>
-          </p:nvSpPr>
-          <p:spPr>
-            <a:xfrm>
-              <a:off x="8125410" y="5046972"/>
-              <a:ext cx="144000" cy="252000"/>
-            </a:xfrm>
-            <a:prstGeom prst="rect">
-              <a:avLst/>
-            </a:prstGeom>
-            <a:grpFill/>
-            <a:ln w="28575"/>
-          </p:spPr>
-          <p:style>
-            <a:lnRef idx="1">
-              <a:schemeClr val="accent1"/>
-            </a:lnRef>
-            <a:fillRef idx="0">
-              <a:schemeClr val="accent1"/>
-            </a:fillRef>
-            <a:effectRef idx="0">
-              <a:schemeClr val="accent1"/>
-            </a:effectRef>
-            <a:fontRef idx="minor">
-              <a:schemeClr val="tx1"/>
-            </a:fontRef>
-          </p:style>
-          <p:txBody>
-            <a:bodyPr rtlCol="0" anchor="ctr"/>
-            <a:lstStyle/>
-            <a:p>
-              <a:pPr algn="ctr"/>
-              <a:endParaRPr lang="zh-CN" altLang="en-US"/>
-            </a:p>
-          </p:txBody>
-        </p:sp>
-        <p:sp>
-          <p:nvSpPr>
-            <p:cNvPr id="256" name="矩形 255">
-              <a:extLst>
-                <a:ext uri="{FF2B5EF4-FFF2-40B4-BE49-F238E27FC236}">
-                  <a16:creationId xmlns:a16="http://schemas.microsoft.com/office/drawing/2014/main" id="{B83015EA-C633-4968-8D22-ABF6E85179F0}"/>
-                </a:ext>
-              </a:extLst>
-            </p:cNvPr>
-            <p:cNvSpPr/>
-            <p:nvPr/>
-          </p:nvSpPr>
-          <p:spPr>
-            <a:xfrm>
-              <a:off x="8306019" y="5046972"/>
-              <a:ext cx="144000" cy="252000"/>
-            </a:xfrm>
-            <a:prstGeom prst="rect">
-              <a:avLst/>
-            </a:prstGeom>
-            <a:grpFill/>
-            <a:ln>
-              <a:solidFill>
-                <a:schemeClr val="accent5">
-                  <a:lumMod val="75000"/>
-                </a:schemeClr>
-              </a:solidFill>
-            </a:ln>
-          </p:spPr>
-          <p:style>
-            <a:lnRef idx="2">
-              <a:schemeClr val="accent1">
-                <a:shade val="50000"/>
-              </a:schemeClr>
-            </a:lnRef>
-            <a:fillRef idx="1">
-              <a:schemeClr val="accent1"/>
-            </a:fillRef>
-            <a:effectRef idx="0">
-              <a:schemeClr val="accent1"/>
-            </a:effectRef>
-            <a:fontRef idx="minor">
-              <a:schemeClr val="lt1"/>
-            </a:fontRef>
-          </p:style>
-          <p:txBody>
-            <a:bodyPr rtlCol="0" anchor="ctr"/>
-            <a:lstStyle/>
-            <a:p>
-              <a:pPr algn="ctr"/>
-              <a:endParaRPr lang="zh-CN" altLang="en-US"/>
-            </a:p>
-          </p:txBody>
-        </p:sp>
-        <p:sp>
-          <p:nvSpPr>
-            <p:cNvPr id="257" name="矩形 256">
-              <a:extLst>
-                <a:ext uri="{FF2B5EF4-FFF2-40B4-BE49-F238E27FC236}">
-                  <a16:creationId xmlns:a16="http://schemas.microsoft.com/office/drawing/2014/main" id="{F8678D68-7EE4-4DDA-A66E-053244E6D0B5}"/>
-                </a:ext>
-              </a:extLst>
-            </p:cNvPr>
-            <p:cNvSpPr/>
-            <p:nvPr/>
-          </p:nvSpPr>
-          <p:spPr>
-            <a:xfrm>
-              <a:off x="8486627" y="5046972"/>
-              <a:ext cx="144000" cy="252000"/>
-            </a:xfrm>
-            <a:prstGeom prst="rect">
-              <a:avLst/>
-            </a:prstGeom>
-            <a:grpFill/>
-            <a:ln>
-              <a:solidFill>
-                <a:schemeClr val="accent5">
-                  <a:lumMod val="75000"/>
-                </a:schemeClr>
-              </a:solidFill>
-            </a:ln>
-          </p:spPr>
-          <p:style>
-            <a:lnRef idx="2">
-              <a:schemeClr val="accent1">
-                <a:shade val="50000"/>
-              </a:schemeClr>
-            </a:lnRef>
-            <a:fillRef idx="1">
-              <a:schemeClr val="accent1"/>
-            </a:fillRef>
-            <a:effectRef idx="0">
-              <a:schemeClr val="accent1"/>
-            </a:effectRef>
-            <a:fontRef idx="minor">
-              <a:schemeClr val="lt1"/>
-            </a:fontRef>
-          </p:style>
-          <p:txBody>
-            <a:bodyPr rtlCol="0" anchor="ctr"/>
-            <a:lstStyle/>
-            <a:p>
-              <a:pPr algn="ctr"/>
-              <a:endParaRPr lang="zh-CN" altLang="en-US"/>
-            </a:p>
-          </p:txBody>
-        </p:sp>
-        <p:sp>
-          <p:nvSpPr>
-            <p:cNvPr id="258" name="矩形 257">
-              <a:extLst>
-                <a:ext uri="{FF2B5EF4-FFF2-40B4-BE49-F238E27FC236}">
-                  <a16:creationId xmlns:a16="http://schemas.microsoft.com/office/drawing/2014/main" id="{2AC7EB50-CA96-4C37-B115-70BFD71450E5}"/>
-                </a:ext>
-              </a:extLst>
-            </p:cNvPr>
-            <p:cNvSpPr/>
-            <p:nvPr/>
-          </p:nvSpPr>
-          <p:spPr>
-            <a:xfrm>
-              <a:off x="7944801" y="5357097"/>
-              <a:ext cx="144000" cy="252000"/>
-            </a:xfrm>
-            <a:prstGeom prst="rect">
-              <a:avLst/>
-            </a:prstGeom>
-            <a:grpFill/>
-            <a:ln>
-              <a:solidFill>
-                <a:schemeClr val="accent5">
-                  <a:lumMod val="75000"/>
-                </a:schemeClr>
-              </a:solidFill>
-            </a:ln>
-          </p:spPr>
-          <p:style>
-            <a:lnRef idx="2">
-              <a:schemeClr val="accent1">
-                <a:shade val="50000"/>
-              </a:schemeClr>
-            </a:lnRef>
-            <a:fillRef idx="1">
-              <a:schemeClr val="accent1"/>
-            </a:fillRef>
-            <a:effectRef idx="0">
-              <a:schemeClr val="accent1"/>
-            </a:effectRef>
-            <a:fontRef idx="minor">
-              <a:schemeClr val="lt1"/>
-            </a:fontRef>
-          </p:style>
-          <p:txBody>
-            <a:bodyPr rtlCol="0" anchor="ctr"/>
-            <a:lstStyle/>
-            <a:p>
-              <a:pPr algn="ctr"/>
-              <a:endParaRPr lang="zh-CN" altLang="en-US"/>
-            </a:p>
-          </p:txBody>
-        </p:sp>
-        <p:sp>
-          <p:nvSpPr>
-            <p:cNvPr id="259" name="矩形 258">
-              <a:extLst>
-                <a:ext uri="{FF2B5EF4-FFF2-40B4-BE49-F238E27FC236}">
-                  <a16:creationId xmlns:a16="http://schemas.microsoft.com/office/drawing/2014/main" id="{F97B3EA2-8278-4D39-9CD3-A8E7F1DC7005}"/>
-                </a:ext>
-              </a:extLst>
-            </p:cNvPr>
-            <p:cNvSpPr/>
-            <p:nvPr/>
-          </p:nvSpPr>
-          <p:spPr>
-            <a:xfrm>
-              <a:off x="8125410" y="5357097"/>
-              <a:ext cx="144000" cy="252000"/>
-            </a:xfrm>
-            <a:prstGeom prst="rect">
-              <a:avLst/>
-            </a:prstGeom>
-            <a:grpFill/>
-            <a:ln>
-              <a:solidFill>
-                <a:schemeClr val="accent5">
-                  <a:lumMod val="75000"/>
-                </a:schemeClr>
-              </a:solidFill>
-            </a:ln>
-          </p:spPr>
-          <p:style>
-            <a:lnRef idx="2">
-              <a:schemeClr val="accent1">
-                <a:shade val="50000"/>
-              </a:schemeClr>
-            </a:lnRef>
-            <a:fillRef idx="1">
-              <a:schemeClr val="accent1"/>
-            </a:fillRef>
-            <a:effectRef idx="0">
-              <a:schemeClr val="accent1"/>
-            </a:effectRef>
-            <a:fontRef idx="minor">
-              <a:schemeClr val="lt1"/>
-            </a:fontRef>
-          </p:style>
-          <p:txBody>
-            <a:bodyPr rtlCol="0" anchor="ctr"/>
-            <a:lstStyle/>
-            <a:p>
-              <a:pPr algn="ctr"/>
-              <a:endParaRPr lang="zh-CN" altLang="en-US"/>
-            </a:p>
-          </p:txBody>
-        </p:sp>
-        <p:sp>
-          <p:nvSpPr>
-            <p:cNvPr id="260" name="矩形 259">
-              <a:extLst>
-                <a:ext uri="{FF2B5EF4-FFF2-40B4-BE49-F238E27FC236}">
-                  <a16:creationId xmlns:a16="http://schemas.microsoft.com/office/drawing/2014/main" id="{9D1D33D5-5807-43C0-BD69-61DD848AC86F}"/>
-                </a:ext>
-              </a:extLst>
-            </p:cNvPr>
-            <p:cNvSpPr/>
-            <p:nvPr/>
-          </p:nvSpPr>
-          <p:spPr>
-            <a:xfrm>
-              <a:off x="8306019" y="5357097"/>
-              <a:ext cx="144000" cy="252000"/>
-            </a:xfrm>
-            <a:prstGeom prst="rect">
-              <a:avLst/>
-            </a:prstGeom>
-            <a:grpFill/>
-            <a:ln>
-              <a:solidFill>
-                <a:schemeClr val="accent5">
-                  <a:lumMod val="75000"/>
-                </a:schemeClr>
-              </a:solidFill>
-            </a:ln>
-          </p:spPr>
-          <p:style>
-            <a:lnRef idx="2">
-              <a:schemeClr val="accent1">
-                <a:shade val="50000"/>
-              </a:schemeClr>
-            </a:lnRef>
-            <a:fillRef idx="1">
-              <a:schemeClr val="accent1"/>
-            </a:fillRef>
-            <a:effectRef idx="0">
-              <a:schemeClr val="accent1"/>
-            </a:effectRef>
-            <a:fontRef idx="minor">
-              <a:schemeClr val="lt1"/>
-            </a:fontRef>
-          </p:style>
-          <p:txBody>
-            <a:bodyPr rtlCol="0" anchor="ctr"/>
-            <a:lstStyle/>
-            <a:p>
-              <a:pPr algn="ctr"/>
-              <a:endParaRPr lang="zh-CN" altLang="en-US"/>
-            </a:p>
-          </p:txBody>
-        </p:sp>
-        <p:sp>
-          <p:nvSpPr>
-            <p:cNvPr id="261" name="矩形 260">
-              <a:extLst>
-                <a:ext uri="{FF2B5EF4-FFF2-40B4-BE49-F238E27FC236}">
-                  <a16:creationId xmlns:a16="http://schemas.microsoft.com/office/drawing/2014/main" id="{249CC0A6-065B-4FBF-BF20-A10417E83ADE}"/>
-                </a:ext>
-              </a:extLst>
-            </p:cNvPr>
-            <p:cNvSpPr/>
-            <p:nvPr/>
-          </p:nvSpPr>
-          <p:spPr>
-            <a:xfrm>
-              <a:off x="8486627" y="5357097"/>
-              <a:ext cx="144000" cy="252000"/>
-            </a:xfrm>
-            <a:prstGeom prst="rect">
-              <a:avLst/>
-            </a:prstGeom>
-            <a:grpFill/>
-            <a:ln>
-              <a:solidFill>
-                <a:schemeClr val="accent5">
-                  <a:lumMod val="75000"/>
-                </a:schemeClr>
-              </a:solidFill>
-            </a:ln>
-          </p:spPr>
-          <p:style>
-            <a:lnRef idx="2">
-              <a:schemeClr val="accent1">
-                <a:shade val="50000"/>
-              </a:schemeClr>
-            </a:lnRef>
-            <a:fillRef idx="1">
-              <a:schemeClr val="accent1"/>
-            </a:fillRef>
-            <a:effectRef idx="0">
-              <a:schemeClr val="accent1"/>
-            </a:effectRef>
-            <a:fontRef idx="minor">
-              <a:schemeClr val="lt1"/>
-            </a:fontRef>
-          </p:style>
-          <p:txBody>
-            <a:bodyPr rtlCol="0" anchor="ctr"/>
-            <a:lstStyle/>
-            <a:p>
-              <a:pPr algn="ctr"/>
-              <a:endParaRPr lang="zh-CN" altLang="en-US"/>
-            </a:p>
-          </p:txBody>
-        </p:sp>
-        <p:cxnSp>
-          <p:nvCxnSpPr>
-            <p:cNvPr id="263" name="直接连接符 262">
-              <a:extLst>
-                <a:ext uri="{FF2B5EF4-FFF2-40B4-BE49-F238E27FC236}">
-                  <a16:creationId xmlns:a16="http://schemas.microsoft.com/office/drawing/2014/main" id="{D29A3709-CF7D-4D81-B0F3-63B90F0682E2}"/>
-                </a:ext>
-              </a:extLst>
-            </p:cNvPr>
-            <p:cNvCxnSpPr>
-              <a:stCxn id="254" idx="0"/>
-              <a:endCxn id="257" idx="0"/>
-            </p:cNvCxnSpPr>
-            <p:nvPr/>
-          </p:nvCxnSpPr>
-          <p:spPr>
-            <a:xfrm>
-              <a:off x="8016801" y="5046972"/>
-              <a:ext cx="541826" cy="0"/>
-            </a:xfrm>
-            <a:prstGeom prst="line">
-              <a:avLst/>
-            </a:prstGeom>
-            <a:grpFill/>
-            <a:ln w="28575"/>
-          </p:spPr>
-          <p:style>
-            <a:lnRef idx="1">
-              <a:schemeClr val="accent1"/>
-            </a:lnRef>
-            <a:fillRef idx="0">
-              <a:schemeClr val="accent1"/>
-            </a:fillRef>
-            <a:effectRef idx="0">
-              <a:schemeClr val="accent1"/>
-            </a:effectRef>
-            <a:fontRef idx="minor">
-              <a:schemeClr val="tx1"/>
-            </a:fontRef>
-          </p:style>
-        </p:cxnSp>
-        <p:cxnSp>
-          <p:nvCxnSpPr>
-            <p:cNvPr id="264" name="直接连接符 263">
-              <a:extLst>
-                <a:ext uri="{FF2B5EF4-FFF2-40B4-BE49-F238E27FC236}">
-                  <a16:creationId xmlns:a16="http://schemas.microsoft.com/office/drawing/2014/main" id="{8B0AD281-8BFE-48A1-83EC-1778983E4082}"/>
-                </a:ext>
-              </a:extLst>
-            </p:cNvPr>
-            <p:cNvCxnSpPr/>
-            <p:nvPr/>
-          </p:nvCxnSpPr>
-          <p:spPr>
-            <a:xfrm>
-              <a:off x="7993686" y="5609097"/>
-              <a:ext cx="541826" cy="0"/>
-            </a:xfrm>
-            <a:prstGeom prst="line">
-              <a:avLst/>
-            </a:prstGeom>
-            <a:grpFill/>
-            <a:ln w="28575"/>
-          </p:spPr>
-          <p:style>
-            <a:lnRef idx="1">
-              <a:schemeClr val="accent1"/>
-            </a:lnRef>
-            <a:fillRef idx="0">
-              <a:schemeClr val="accent1"/>
-            </a:fillRef>
-            <a:effectRef idx="0">
-              <a:schemeClr val="accent1"/>
-            </a:effectRef>
-            <a:fontRef idx="minor">
-              <a:schemeClr val="tx1"/>
-            </a:fontRef>
-          </p:style>
-        </p:cxnSp>
-        <p:cxnSp>
-          <p:nvCxnSpPr>
-            <p:cNvPr id="266" name="直接连接符 265">
-              <a:extLst>
-                <a:ext uri="{FF2B5EF4-FFF2-40B4-BE49-F238E27FC236}">
-                  <a16:creationId xmlns:a16="http://schemas.microsoft.com/office/drawing/2014/main" id="{1515F550-73F7-411C-9E7C-D6778C7227EA}"/>
-                </a:ext>
-              </a:extLst>
-            </p:cNvPr>
-            <p:cNvCxnSpPr>
-              <a:stCxn id="254" idx="1"/>
-              <a:endCxn id="258" idx="1"/>
-            </p:cNvCxnSpPr>
-            <p:nvPr/>
-          </p:nvCxnSpPr>
-          <p:spPr>
-            <a:xfrm>
-              <a:off x="7944801" y="5172972"/>
-              <a:ext cx="0" cy="310125"/>
-            </a:xfrm>
-            <a:prstGeom prst="line">
-              <a:avLst/>
-            </a:prstGeom>
-            <a:grpFill/>
-            <a:ln w="28575"/>
-          </p:spPr>
-          <p:style>
-            <a:lnRef idx="1">
-              <a:schemeClr val="accent1"/>
-            </a:lnRef>
-            <a:fillRef idx="0">
-              <a:schemeClr val="accent1"/>
-            </a:fillRef>
-            <a:effectRef idx="0">
-              <a:schemeClr val="accent1"/>
-            </a:effectRef>
-            <a:fontRef idx="minor">
-              <a:schemeClr val="tx1"/>
-            </a:fontRef>
-          </p:style>
-        </p:cxnSp>
-        <p:cxnSp>
-          <p:nvCxnSpPr>
-            <p:cNvPr id="267" name="直接连接符 266">
-              <a:extLst>
-                <a:ext uri="{FF2B5EF4-FFF2-40B4-BE49-F238E27FC236}">
-                  <a16:creationId xmlns:a16="http://schemas.microsoft.com/office/drawing/2014/main" id="{1E9E9AD3-03C0-45C6-B2F2-70F2E9022E1B}"/>
-                </a:ext>
-              </a:extLst>
-            </p:cNvPr>
-            <p:cNvCxnSpPr/>
-            <p:nvPr/>
-          </p:nvCxnSpPr>
-          <p:spPr>
-            <a:xfrm>
-              <a:off x="8630627" y="5221222"/>
-              <a:ext cx="0" cy="310125"/>
-            </a:xfrm>
-            <a:prstGeom prst="line">
-              <a:avLst/>
-            </a:prstGeom>
-            <a:grpFill/>
-            <a:ln w="28575"/>
-          </p:spPr>
-          <p:style>
-            <a:lnRef idx="1">
-              <a:schemeClr val="accent1"/>
-            </a:lnRef>
-            <a:fillRef idx="0">
-              <a:schemeClr val="accent1"/>
-            </a:fillRef>
-            <a:effectRef idx="0">
-              <a:schemeClr val="accent1"/>
-            </a:effectRef>
-            <a:fontRef idx="minor">
-              <a:schemeClr val="tx1"/>
-            </a:fontRef>
-          </p:style>
-        </p:cxnSp>
-      </p:grpSp>
-      <p:grpSp>
-        <p:nvGrpSpPr>
-          <p:cNvPr id="286" name="组合 285">
-            <a:extLst>
-              <a:ext uri="{FF2B5EF4-FFF2-40B4-BE49-F238E27FC236}">
-                <a16:creationId xmlns:a16="http://schemas.microsoft.com/office/drawing/2014/main" id="{DCCFF03D-C207-41E9-9083-C1BFD1BDD668}"/>
-              </a:ext>
-            </a:extLst>
-          </p:cNvPr>
-          <p:cNvGrpSpPr/>
-          <p:nvPr/>
-        </p:nvGrpSpPr>
-        <p:grpSpPr>
-          <a:xfrm>
-            <a:off x="8093124" y="3466431"/>
-            <a:ext cx="1293415" cy="1062448"/>
-            <a:chOff x="8888863" y="2718803"/>
-            <a:chExt cx="705600" cy="579600"/>
-          </a:xfrm>
-          <a:solidFill>
-            <a:schemeClr val="accent5">
-              <a:lumMod val="20000"/>
-              <a:lumOff val="80000"/>
-            </a:schemeClr>
-          </a:solidFill>
-        </p:grpSpPr>
-        <p:grpSp>
-          <p:nvGrpSpPr>
-            <p:cNvPr id="279" name="组合 278">
-              <a:extLst>
-                <a:ext uri="{FF2B5EF4-FFF2-40B4-BE49-F238E27FC236}">
-                  <a16:creationId xmlns:a16="http://schemas.microsoft.com/office/drawing/2014/main" id="{4A08D867-42F5-45DE-BBF7-BB3C340990F0}"/>
+                  <a16:creationId xmlns:a16="http://schemas.microsoft.com/office/drawing/2014/main" id="{C9196392-1AA8-42E3-A739-0EBE6405EB1F}"/>
                 </a:ext>
               </a:extLst>
             </p:cNvPr>
@@ -13323,19 +11913,24 @@
           </p:nvGrpSpPr>
           <p:grpSpPr>
             <a:xfrm>
-              <a:off x="8888863" y="2718803"/>
-              <a:ext cx="705600" cy="579600"/>
-              <a:chOff x="9236413" y="5311487"/>
-              <a:chExt cx="693791" cy="541295"/>
+              <a:off x="9743939" y="3467086"/>
+              <a:ext cx="1292548" cy="1061907"/>
+              <a:chOff x="9192342" y="5156109"/>
+              <a:chExt cx="705127" cy="579305"/>
             </a:xfrm>
-            <a:grpFill/>
+            <a:solidFill>
+              <a:schemeClr val="accent5">
+                <a:lumMod val="20000"/>
+                <a:lumOff val="80000"/>
+              </a:schemeClr>
+            </a:solidFill>
           </p:grpSpPr>
           <p:sp>
             <p:nvSpPr>
-              <p:cNvPr id="222" name="矩形 221">
+              <p:cNvPr id="204" name="矩形 203">
                 <a:extLst>
                   <a:ext uri="{FF2B5EF4-FFF2-40B4-BE49-F238E27FC236}">
-                    <a16:creationId xmlns:a16="http://schemas.microsoft.com/office/drawing/2014/main" id="{BDBB9B53-2AF8-41CD-BBEE-8846CD978C24}"/>
+                    <a16:creationId xmlns:a16="http://schemas.microsoft.com/office/drawing/2014/main" id="{0AC425F0-87CD-4F5C-B5E5-6C155BC99832}"/>
                   </a:ext>
                 </a:extLst>
               </p:cNvPr>
@@ -13344,8 +11939,8 @@
             </p:nvSpPr>
             <p:spPr>
               <a:xfrm>
-                <a:off x="9236413" y="5311487"/>
-                <a:ext cx="115200" cy="216000"/>
+                <a:off x="9192342" y="5156109"/>
+                <a:ext cx="296039" cy="236831"/>
               </a:xfrm>
               <a:prstGeom prst="rect">
                 <a:avLst/>
@@ -13386,10 +11981,10 @@
           </p:sp>
           <p:sp>
             <p:nvSpPr>
-              <p:cNvPr id="223" name="矩形 222">
+              <p:cNvPr id="205" name="矩形 204">
                 <a:extLst>
                   <a:ext uri="{FF2B5EF4-FFF2-40B4-BE49-F238E27FC236}">
-                    <a16:creationId xmlns:a16="http://schemas.microsoft.com/office/drawing/2014/main" id="{6617C9B0-390B-465E-8CD7-48B4F839F984}"/>
+                    <a16:creationId xmlns:a16="http://schemas.microsoft.com/office/drawing/2014/main" id="{A88BCAC3-3DA3-4B9A-9418-ED7EBE0D1F26}"/>
                   </a:ext>
                 </a:extLst>
               </p:cNvPr>
@@ -13398,8 +11993,8 @@
             </p:nvSpPr>
             <p:spPr>
               <a:xfrm>
-                <a:off x="9429277" y="5311487"/>
-                <a:ext cx="115200" cy="216000"/>
+                <a:off x="9192343" y="5498583"/>
+                <a:ext cx="296039" cy="236831"/>
               </a:xfrm>
               <a:prstGeom prst="rect">
                 <a:avLst/>
@@ -13440,10 +12035,10 @@
           </p:sp>
           <p:sp>
             <p:nvSpPr>
-              <p:cNvPr id="224" name="矩形 223">
+              <p:cNvPr id="206" name="矩形 205">
                 <a:extLst>
                   <a:ext uri="{FF2B5EF4-FFF2-40B4-BE49-F238E27FC236}">
-                    <a16:creationId xmlns:a16="http://schemas.microsoft.com/office/drawing/2014/main" id="{63DD91CA-036D-4682-92EC-42FED438507A}"/>
+                    <a16:creationId xmlns:a16="http://schemas.microsoft.com/office/drawing/2014/main" id="{478E1E45-D2E5-4D69-BA8F-3972E6B89A8A}"/>
                   </a:ext>
                 </a:extLst>
               </p:cNvPr>
@@ -13452,8 +12047,8 @@
             </p:nvSpPr>
             <p:spPr>
               <a:xfrm>
-                <a:off x="9622141" y="5311487"/>
-                <a:ext cx="115200" cy="216000"/>
+                <a:off x="9601430" y="5156109"/>
+                <a:ext cx="296039" cy="236831"/>
               </a:xfrm>
               <a:prstGeom prst="rect">
                 <a:avLst/>
@@ -13494,10 +12089,10 @@
           </p:sp>
           <p:sp>
             <p:nvSpPr>
-              <p:cNvPr id="225" name="矩形 224">
+              <p:cNvPr id="207" name="矩形 206">
                 <a:extLst>
                   <a:ext uri="{FF2B5EF4-FFF2-40B4-BE49-F238E27FC236}">
-                    <a16:creationId xmlns:a16="http://schemas.microsoft.com/office/drawing/2014/main" id="{719E074D-85B1-4CF1-AA85-E608970E37F4}"/>
+                    <a16:creationId xmlns:a16="http://schemas.microsoft.com/office/drawing/2014/main" id="{3D97852C-8FB7-4501-844E-9996885C444A}"/>
                   </a:ext>
                 </a:extLst>
               </p:cNvPr>
@@ -13506,8 +12101,244 @@
             </p:nvSpPr>
             <p:spPr>
               <a:xfrm>
-                <a:off x="9815004" y="5311487"/>
-                <a:ext cx="115200" cy="216000"/>
+                <a:off x="9601429" y="5498583"/>
+                <a:ext cx="296039" cy="236831"/>
+              </a:xfrm>
+              <a:prstGeom prst="rect">
+                <a:avLst/>
+              </a:prstGeom>
+              <a:grpFill/>
+              <a:ln>
+                <a:solidFill>
+                  <a:schemeClr val="accent5">
+                    <a:lumMod val="75000"/>
+                  </a:schemeClr>
+                </a:solidFill>
+              </a:ln>
+            </p:spPr>
+            <p:style>
+              <a:lnRef idx="2">
+                <a:schemeClr val="accent1">
+                  <a:shade val="50000"/>
+                </a:schemeClr>
+              </a:lnRef>
+              <a:fillRef idx="1">
+                <a:schemeClr val="accent1"/>
+              </a:fillRef>
+              <a:effectRef idx="0">
+                <a:schemeClr val="accent1"/>
+              </a:effectRef>
+              <a:fontRef idx="minor">
+                <a:schemeClr val="lt1"/>
+              </a:fontRef>
+            </p:style>
+            <p:txBody>
+              <a:bodyPr rtlCol="0" anchor="ctr"/>
+              <a:lstStyle/>
+              <a:p>
+                <a:pPr algn="ctr"/>
+                <a:endParaRPr lang="zh-CN" altLang="en-US"/>
+              </a:p>
+            </p:txBody>
+          </p:sp>
+          <p:cxnSp>
+            <p:nvCxnSpPr>
+              <p:cNvPr id="208" name="直接连接符 207">
+                <a:extLst>
+                  <a:ext uri="{FF2B5EF4-FFF2-40B4-BE49-F238E27FC236}">
+                    <a16:creationId xmlns:a16="http://schemas.microsoft.com/office/drawing/2014/main" id="{EB186699-D3ED-4D96-9008-2F09A1CE50BC}"/>
+                  </a:ext>
+                </a:extLst>
+              </p:cNvPr>
+              <p:cNvCxnSpPr/>
+              <p:nvPr/>
+            </p:nvCxnSpPr>
+            <p:spPr>
+              <a:xfrm>
+                <a:off x="9488381" y="5735414"/>
+                <a:ext cx="113048" cy="0"/>
+              </a:xfrm>
+              <a:prstGeom prst="line">
+                <a:avLst/>
+              </a:prstGeom>
+              <a:grpFill/>
+              <a:ln w="28575"/>
+            </p:spPr>
+            <p:style>
+              <a:lnRef idx="1">
+                <a:schemeClr val="accent1"/>
+              </a:lnRef>
+              <a:fillRef idx="0">
+                <a:schemeClr val="accent1"/>
+              </a:fillRef>
+              <a:effectRef idx="0">
+                <a:schemeClr val="accent1"/>
+              </a:effectRef>
+              <a:fontRef idx="minor">
+                <a:schemeClr val="tx1"/>
+              </a:fontRef>
+            </p:style>
+          </p:cxnSp>
+          <p:cxnSp>
+            <p:nvCxnSpPr>
+              <p:cNvPr id="209" name="直接连接符 208">
+                <a:extLst>
+                  <a:ext uri="{FF2B5EF4-FFF2-40B4-BE49-F238E27FC236}">
+                    <a16:creationId xmlns:a16="http://schemas.microsoft.com/office/drawing/2014/main" id="{C1D024F9-F7D9-412F-8891-E16FC4F28579}"/>
+                  </a:ext>
+                </a:extLst>
+              </p:cNvPr>
+              <p:cNvCxnSpPr/>
+              <p:nvPr/>
+            </p:nvCxnSpPr>
+            <p:spPr>
+              <a:xfrm>
+                <a:off x="9488381" y="5156109"/>
+                <a:ext cx="113048" cy="0"/>
+              </a:xfrm>
+              <a:prstGeom prst="line">
+                <a:avLst/>
+              </a:prstGeom>
+              <a:grpFill/>
+              <a:ln w="28575"/>
+            </p:spPr>
+            <p:style>
+              <a:lnRef idx="1">
+                <a:schemeClr val="accent1"/>
+              </a:lnRef>
+              <a:fillRef idx="0">
+                <a:schemeClr val="accent1"/>
+              </a:fillRef>
+              <a:effectRef idx="0">
+                <a:schemeClr val="accent1"/>
+              </a:effectRef>
+              <a:fontRef idx="minor">
+                <a:schemeClr val="tx1"/>
+              </a:fontRef>
+            </p:style>
+          </p:cxnSp>
+          <p:cxnSp>
+            <p:nvCxnSpPr>
+              <p:cNvPr id="210" name="直接连接符 209">
+                <a:extLst>
+                  <a:ext uri="{FF2B5EF4-FFF2-40B4-BE49-F238E27FC236}">
+                    <a16:creationId xmlns:a16="http://schemas.microsoft.com/office/drawing/2014/main" id="{B14F897B-1B08-4A02-9EB0-0D40038097BA}"/>
+                  </a:ext>
+                </a:extLst>
+              </p:cNvPr>
+              <p:cNvCxnSpPr>
+                <a:stCxn id="204" idx="1"/>
+                <a:endCxn id="205" idx="1"/>
+              </p:cNvCxnSpPr>
+              <p:nvPr/>
+            </p:nvCxnSpPr>
+            <p:spPr>
+              <a:xfrm>
+                <a:off x="9192342" y="5274525"/>
+                <a:ext cx="1" cy="342474"/>
+              </a:xfrm>
+              <a:prstGeom prst="line">
+                <a:avLst/>
+              </a:prstGeom>
+              <a:grpFill/>
+              <a:ln w="28575"/>
+            </p:spPr>
+            <p:style>
+              <a:lnRef idx="1">
+                <a:schemeClr val="accent1"/>
+              </a:lnRef>
+              <a:fillRef idx="0">
+                <a:schemeClr val="accent1"/>
+              </a:fillRef>
+              <a:effectRef idx="0">
+                <a:schemeClr val="accent1"/>
+              </a:effectRef>
+              <a:fontRef idx="minor">
+                <a:schemeClr val="tx1"/>
+              </a:fontRef>
+            </p:style>
+          </p:cxnSp>
+          <p:cxnSp>
+            <p:nvCxnSpPr>
+              <p:cNvPr id="211" name="直接连接符 210">
+                <a:extLst>
+                  <a:ext uri="{FF2B5EF4-FFF2-40B4-BE49-F238E27FC236}">
+                    <a16:creationId xmlns:a16="http://schemas.microsoft.com/office/drawing/2014/main" id="{C9717641-97AD-4B3D-9EF5-465537492ECB}"/>
+                  </a:ext>
+                </a:extLst>
+              </p:cNvPr>
+              <p:cNvCxnSpPr/>
+              <p:nvPr/>
+            </p:nvCxnSpPr>
+            <p:spPr>
+              <a:xfrm>
+                <a:off x="9897468" y="5274525"/>
+                <a:ext cx="1" cy="342474"/>
+              </a:xfrm>
+              <a:prstGeom prst="line">
+                <a:avLst/>
+              </a:prstGeom>
+              <a:grpFill/>
+              <a:ln w="28575"/>
+            </p:spPr>
+            <p:style>
+              <a:lnRef idx="1">
+                <a:schemeClr val="accent1"/>
+              </a:lnRef>
+              <a:fillRef idx="0">
+                <a:schemeClr val="accent1"/>
+              </a:fillRef>
+              <a:effectRef idx="0">
+                <a:schemeClr val="accent1"/>
+              </a:effectRef>
+              <a:fontRef idx="minor">
+                <a:schemeClr val="tx1"/>
+              </a:fontRef>
+            </p:style>
+          </p:cxnSp>
+        </p:grpSp>
+        <p:grpSp>
+          <p:nvGrpSpPr>
+            <p:cNvPr id="212" name="组合 211">
+              <a:extLst>
+                <a:ext uri="{FF2B5EF4-FFF2-40B4-BE49-F238E27FC236}">
+                  <a16:creationId xmlns:a16="http://schemas.microsoft.com/office/drawing/2014/main" id="{79A744A7-6078-4040-89A4-507EC545C9FC}"/>
+                </a:ext>
+              </a:extLst>
+            </p:cNvPr>
+            <p:cNvGrpSpPr/>
+            <p:nvPr/>
+          </p:nvGrpSpPr>
+          <p:grpSpPr>
+            <a:xfrm>
+              <a:off x="9745292" y="1850591"/>
+              <a:ext cx="1292548" cy="1061907"/>
+              <a:chOff x="9192342" y="5156109"/>
+              <a:chExt cx="705127" cy="579305"/>
+            </a:xfrm>
+            <a:solidFill>
+              <a:schemeClr val="accent5">
+                <a:lumMod val="20000"/>
+                <a:lumOff val="80000"/>
+              </a:schemeClr>
+            </a:solidFill>
+          </p:grpSpPr>
+          <p:sp>
+            <p:nvSpPr>
+              <p:cNvPr id="213" name="矩形 212">
+                <a:extLst>
+                  <a:ext uri="{FF2B5EF4-FFF2-40B4-BE49-F238E27FC236}">
+                    <a16:creationId xmlns:a16="http://schemas.microsoft.com/office/drawing/2014/main" id="{08E220A3-8F1C-4C5F-A563-C40B6C39793A}"/>
+                  </a:ext>
+                </a:extLst>
+              </p:cNvPr>
+              <p:cNvSpPr/>
+              <p:nvPr/>
+            </p:nvSpPr>
+            <p:spPr>
+              <a:xfrm>
+                <a:off x="9192342" y="5156109"/>
+                <a:ext cx="296039" cy="236831"/>
               </a:xfrm>
               <a:prstGeom prst="rect">
                 <a:avLst/>
@@ -13548,10 +12379,10 @@
           </p:sp>
           <p:sp>
             <p:nvSpPr>
-              <p:cNvPr id="275" name="矩形 274">
+              <p:cNvPr id="214" name="矩形 213">
                 <a:extLst>
                   <a:ext uri="{FF2B5EF4-FFF2-40B4-BE49-F238E27FC236}">
-                    <a16:creationId xmlns:a16="http://schemas.microsoft.com/office/drawing/2014/main" id="{0B7AC2AF-2ED4-4335-B6DE-6C0BF6E0C50B}"/>
+                    <a16:creationId xmlns:a16="http://schemas.microsoft.com/office/drawing/2014/main" id="{FAD2AF15-553E-4B05-A347-188C012B491E}"/>
                   </a:ext>
                 </a:extLst>
               </p:cNvPr>
@@ -13560,8 +12391,8 @@
             </p:nvSpPr>
             <p:spPr>
               <a:xfrm>
-                <a:off x="9236413" y="5636782"/>
-                <a:ext cx="115200" cy="216000"/>
+                <a:off x="9192343" y="5498583"/>
+                <a:ext cx="296039" cy="236831"/>
               </a:xfrm>
               <a:prstGeom prst="rect">
                 <a:avLst/>
@@ -13602,10 +12433,10 @@
           </p:sp>
           <p:sp>
             <p:nvSpPr>
-              <p:cNvPr id="276" name="矩形 275">
+              <p:cNvPr id="215" name="矩形 214">
                 <a:extLst>
                   <a:ext uri="{FF2B5EF4-FFF2-40B4-BE49-F238E27FC236}">
-                    <a16:creationId xmlns:a16="http://schemas.microsoft.com/office/drawing/2014/main" id="{2761958B-DEB3-48E3-BCF7-8F3D9BB7157F}"/>
+                    <a16:creationId xmlns:a16="http://schemas.microsoft.com/office/drawing/2014/main" id="{E190235C-21D2-467F-862A-2379440005B1}"/>
                   </a:ext>
                 </a:extLst>
               </p:cNvPr>
@@ -13614,8 +12445,8 @@
             </p:nvSpPr>
             <p:spPr>
               <a:xfrm>
-                <a:off x="9429277" y="5636782"/>
-                <a:ext cx="115200" cy="216000"/>
+                <a:off x="9601430" y="5156109"/>
+                <a:ext cx="296039" cy="236831"/>
               </a:xfrm>
               <a:prstGeom prst="rect">
                 <a:avLst/>
@@ -13656,10 +12487,10 @@
           </p:sp>
           <p:sp>
             <p:nvSpPr>
-              <p:cNvPr id="277" name="矩形 276">
+              <p:cNvPr id="216" name="矩形 215">
                 <a:extLst>
                   <a:ext uri="{FF2B5EF4-FFF2-40B4-BE49-F238E27FC236}">
-                    <a16:creationId xmlns:a16="http://schemas.microsoft.com/office/drawing/2014/main" id="{98007C68-AD9D-43B1-A90E-1D2C58F381AC}"/>
+                    <a16:creationId xmlns:a16="http://schemas.microsoft.com/office/drawing/2014/main" id="{7057E534-87E6-4351-83C3-1593D9FFD657}"/>
                   </a:ext>
                 </a:extLst>
               </p:cNvPr>
@@ -13668,8 +12499,244 @@
             </p:nvSpPr>
             <p:spPr>
               <a:xfrm>
-                <a:off x="9622141" y="5636782"/>
-                <a:ext cx="115200" cy="216000"/>
+                <a:off x="9601429" y="5498583"/>
+                <a:ext cx="296039" cy="236831"/>
+              </a:xfrm>
+              <a:prstGeom prst="rect">
+                <a:avLst/>
+              </a:prstGeom>
+              <a:grpFill/>
+              <a:ln>
+                <a:solidFill>
+                  <a:schemeClr val="accent5">
+                    <a:lumMod val="75000"/>
+                  </a:schemeClr>
+                </a:solidFill>
+              </a:ln>
+            </p:spPr>
+            <p:style>
+              <a:lnRef idx="2">
+                <a:schemeClr val="accent1">
+                  <a:shade val="50000"/>
+                </a:schemeClr>
+              </a:lnRef>
+              <a:fillRef idx="1">
+                <a:schemeClr val="accent1"/>
+              </a:fillRef>
+              <a:effectRef idx="0">
+                <a:schemeClr val="accent1"/>
+              </a:effectRef>
+              <a:fontRef idx="minor">
+                <a:schemeClr val="lt1"/>
+              </a:fontRef>
+            </p:style>
+            <p:txBody>
+              <a:bodyPr rtlCol="0" anchor="ctr"/>
+              <a:lstStyle/>
+              <a:p>
+                <a:pPr algn="ctr"/>
+                <a:endParaRPr lang="zh-CN" altLang="en-US"/>
+              </a:p>
+            </p:txBody>
+          </p:sp>
+          <p:cxnSp>
+            <p:nvCxnSpPr>
+              <p:cNvPr id="217" name="直接连接符 216">
+                <a:extLst>
+                  <a:ext uri="{FF2B5EF4-FFF2-40B4-BE49-F238E27FC236}">
+                    <a16:creationId xmlns:a16="http://schemas.microsoft.com/office/drawing/2014/main" id="{1A11BCCF-4A44-4772-8980-DCEA619D593E}"/>
+                  </a:ext>
+                </a:extLst>
+              </p:cNvPr>
+              <p:cNvCxnSpPr/>
+              <p:nvPr/>
+            </p:nvCxnSpPr>
+            <p:spPr>
+              <a:xfrm>
+                <a:off x="9488381" y="5735414"/>
+                <a:ext cx="113048" cy="0"/>
+              </a:xfrm>
+              <a:prstGeom prst="line">
+                <a:avLst/>
+              </a:prstGeom>
+              <a:grpFill/>
+              <a:ln w="28575"/>
+            </p:spPr>
+            <p:style>
+              <a:lnRef idx="1">
+                <a:schemeClr val="accent1"/>
+              </a:lnRef>
+              <a:fillRef idx="0">
+                <a:schemeClr val="accent1"/>
+              </a:fillRef>
+              <a:effectRef idx="0">
+                <a:schemeClr val="accent1"/>
+              </a:effectRef>
+              <a:fontRef idx="minor">
+                <a:schemeClr val="tx1"/>
+              </a:fontRef>
+            </p:style>
+          </p:cxnSp>
+          <p:cxnSp>
+            <p:nvCxnSpPr>
+              <p:cNvPr id="218" name="直接连接符 217">
+                <a:extLst>
+                  <a:ext uri="{FF2B5EF4-FFF2-40B4-BE49-F238E27FC236}">
+                    <a16:creationId xmlns:a16="http://schemas.microsoft.com/office/drawing/2014/main" id="{90A62688-7DC9-40A0-B766-FEF40D518B48}"/>
+                  </a:ext>
+                </a:extLst>
+              </p:cNvPr>
+              <p:cNvCxnSpPr/>
+              <p:nvPr/>
+            </p:nvCxnSpPr>
+            <p:spPr>
+              <a:xfrm>
+                <a:off x="9488381" y="5156109"/>
+                <a:ext cx="113048" cy="0"/>
+              </a:xfrm>
+              <a:prstGeom prst="line">
+                <a:avLst/>
+              </a:prstGeom>
+              <a:grpFill/>
+              <a:ln w="28575"/>
+            </p:spPr>
+            <p:style>
+              <a:lnRef idx="1">
+                <a:schemeClr val="accent1"/>
+              </a:lnRef>
+              <a:fillRef idx="0">
+                <a:schemeClr val="accent1"/>
+              </a:fillRef>
+              <a:effectRef idx="0">
+                <a:schemeClr val="accent1"/>
+              </a:effectRef>
+              <a:fontRef idx="minor">
+                <a:schemeClr val="tx1"/>
+              </a:fontRef>
+            </p:style>
+          </p:cxnSp>
+          <p:cxnSp>
+            <p:nvCxnSpPr>
+              <p:cNvPr id="219" name="直接连接符 218">
+                <a:extLst>
+                  <a:ext uri="{FF2B5EF4-FFF2-40B4-BE49-F238E27FC236}">
+                    <a16:creationId xmlns:a16="http://schemas.microsoft.com/office/drawing/2014/main" id="{73C5F172-15FA-4D7E-99CF-DFB4A7DA3CD1}"/>
+                  </a:ext>
+                </a:extLst>
+              </p:cNvPr>
+              <p:cNvCxnSpPr>
+                <a:stCxn id="213" idx="1"/>
+                <a:endCxn id="214" idx="1"/>
+              </p:cNvCxnSpPr>
+              <p:nvPr/>
+            </p:nvCxnSpPr>
+            <p:spPr>
+              <a:xfrm>
+                <a:off x="9192342" y="5274525"/>
+                <a:ext cx="1" cy="342474"/>
+              </a:xfrm>
+              <a:prstGeom prst="line">
+                <a:avLst/>
+              </a:prstGeom>
+              <a:grpFill/>
+              <a:ln w="28575"/>
+            </p:spPr>
+            <p:style>
+              <a:lnRef idx="1">
+                <a:schemeClr val="accent1"/>
+              </a:lnRef>
+              <a:fillRef idx="0">
+                <a:schemeClr val="accent1"/>
+              </a:fillRef>
+              <a:effectRef idx="0">
+                <a:schemeClr val="accent1"/>
+              </a:effectRef>
+              <a:fontRef idx="minor">
+                <a:schemeClr val="tx1"/>
+              </a:fontRef>
+            </p:style>
+          </p:cxnSp>
+          <p:cxnSp>
+            <p:nvCxnSpPr>
+              <p:cNvPr id="220" name="直接连接符 219">
+                <a:extLst>
+                  <a:ext uri="{FF2B5EF4-FFF2-40B4-BE49-F238E27FC236}">
+                    <a16:creationId xmlns:a16="http://schemas.microsoft.com/office/drawing/2014/main" id="{075102D9-C384-4A98-B044-4C3A1051D6EB}"/>
+                  </a:ext>
+                </a:extLst>
+              </p:cNvPr>
+              <p:cNvCxnSpPr/>
+              <p:nvPr/>
+            </p:nvCxnSpPr>
+            <p:spPr>
+              <a:xfrm>
+                <a:off x="9897468" y="5274525"/>
+                <a:ext cx="1" cy="342474"/>
+              </a:xfrm>
+              <a:prstGeom prst="line">
+                <a:avLst/>
+              </a:prstGeom>
+              <a:grpFill/>
+              <a:ln w="28575"/>
+            </p:spPr>
+            <p:style>
+              <a:lnRef idx="1">
+                <a:schemeClr val="accent1"/>
+              </a:lnRef>
+              <a:fillRef idx="0">
+                <a:schemeClr val="accent1"/>
+              </a:fillRef>
+              <a:effectRef idx="0">
+                <a:schemeClr val="accent1"/>
+              </a:effectRef>
+              <a:fontRef idx="minor">
+                <a:schemeClr val="tx1"/>
+              </a:fontRef>
+            </p:style>
+          </p:cxnSp>
+        </p:grpSp>
+        <p:grpSp>
+          <p:nvGrpSpPr>
+            <p:cNvPr id="268" name="组合 267">
+              <a:extLst>
+                <a:ext uri="{FF2B5EF4-FFF2-40B4-BE49-F238E27FC236}">
+                  <a16:creationId xmlns:a16="http://schemas.microsoft.com/office/drawing/2014/main" id="{24126DDA-93A5-4697-B5E2-5E91205B2D92}"/>
+                </a:ext>
+              </a:extLst>
+            </p:cNvPr>
+            <p:cNvGrpSpPr/>
+            <p:nvPr/>
+          </p:nvGrpSpPr>
+          <p:grpSpPr>
+            <a:xfrm>
+              <a:off x="8078345" y="1864533"/>
+              <a:ext cx="1293415" cy="1062448"/>
+              <a:chOff x="7944801" y="5046972"/>
+              <a:chExt cx="685826" cy="562125"/>
+            </a:xfrm>
+            <a:solidFill>
+              <a:schemeClr val="accent5">
+                <a:lumMod val="20000"/>
+                <a:lumOff val="80000"/>
+              </a:schemeClr>
+            </a:solidFill>
+          </p:grpSpPr>
+          <p:sp>
+            <p:nvSpPr>
+              <p:cNvPr id="254" name="矩形 253">
+                <a:extLst>
+                  <a:ext uri="{FF2B5EF4-FFF2-40B4-BE49-F238E27FC236}">
+                    <a16:creationId xmlns:a16="http://schemas.microsoft.com/office/drawing/2014/main" id="{C1D60785-5732-408B-A76E-BD6779B8308C}"/>
+                  </a:ext>
+                </a:extLst>
+              </p:cNvPr>
+              <p:cNvSpPr/>
+              <p:nvPr/>
+            </p:nvSpPr>
+            <p:spPr>
+              <a:xfrm>
+                <a:off x="7944801" y="5046972"/>
+                <a:ext cx="144000" cy="252000"/>
               </a:xfrm>
               <a:prstGeom prst="rect">
                 <a:avLst/>
@@ -13710,10 +12777,10 @@
           </p:sp>
           <p:sp>
             <p:nvSpPr>
-              <p:cNvPr id="278" name="矩形 277">
+              <p:cNvPr id="255" name="矩形 254">
                 <a:extLst>
                   <a:ext uri="{FF2B5EF4-FFF2-40B4-BE49-F238E27FC236}">
-                    <a16:creationId xmlns:a16="http://schemas.microsoft.com/office/drawing/2014/main" id="{11034EDB-0D76-442A-AF29-D085638E97E2}"/>
+                    <a16:creationId xmlns:a16="http://schemas.microsoft.com/office/drawing/2014/main" id="{8157EF87-1A5E-4CC4-A02F-4BC21B74B8A3}"/>
                   </a:ext>
                 </a:extLst>
               </p:cNvPr>
@@ -13722,8 +12789,54 @@
             </p:nvSpPr>
             <p:spPr>
               <a:xfrm>
-                <a:off x="9815004" y="5636782"/>
-                <a:ext cx="115200" cy="216000"/>
+                <a:off x="8125410" y="5046972"/>
+                <a:ext cx="144000" cy="252000"/>
+              </a:xfrm>
+              <a:prstGeom prst="rect">
+                <a:avLst/>
+              </a:prstGeom>
+              <a:grpFill/>
+              <a:ln w="28575"/>
+            </p:spPr>
+            <p:style>
+              <a:lnRef idx="1">
+                <a:schemeClr val="accent1"/>
+              </a:lnRef>
+              <a:fillRef idx="0">
+                <a:schemeClr val="accent1"/>
+              </a:fillRef>
+              <a:effectRef idx="0">
+                <a:schemeClr val="accent1"/>
+              </a:effectRef>
+              <a:fontRef idx="minor">
+                <a:schemeClr val="tx1"/>
+              </a:fontRef>
+            </p:style>
+            <p:txBody>
+              <a:bodyPr rtlCol="0" anchor="ctr"/>
+              <a:lstStyle/>
+              <a:p>
+                <a:pPr algn="ctr"/>
+                <a:endParaRPr lang="zh-CN" altLang="en-US"/>
+              </a:p>
+            </p:txBody>
+          </p:sp>
+          <p:sp>
+            <p:nvSpPr>
+              <p:cNvPr id="256" name="矩形 255">
+                <a:extLst>
+                  <a:ext uri="{FF2B5EF4-FFF2-40B4-BE49-F238E27FC236}">
+                    <a16:creationId xmlns:a16="http://schemas.microsoft.com/office/drawing/2014/main" id="{B83015EA-C633-4968-8D22-ABF6E85179F0}"/>
+                  </a:ext>
+                </a:extLst>
+              </p:cNvPr>
+              <p:cNvSpPr/>
+              <p:nvPr/>
+            </p:nvSpPr>
+            <p:spPr>
+              <a:xfrm>
+                <a:off x="8306019" y="5046972"/>
+                <a:ext cx="144000" cy="252000"/>
               </a:xfrm>
               <a:prstGeom prst="rect">
                 <a:avLst/>
@@ -13762,165 +12875,1074 @@
               </a:p>
             </p:txBody>
           </p:sp>
+          <p:sp>
+            <p:nvSpPr>
+              <p:cNvPr id="257" name="矩形 256">
+                <a:extLst>
+                  <a:ext uri="{FF2B5EF4-FFF2-40B4-BE49-F238E27FC236}">
+                    <a16:creationId xmlns:a16="http://schemas.microsoft.com/office/drawing/2014/main" id="{F8678D68-7EE4-4DDA-A66E-053244E6D0B5}"/>
+                  </a:ext>
+                </a:extLst>
+              </p:cNvPr>
+              <p:cNvSpPr/>
+              <p:nvPr/>
+            </p:nvSpPr>
+            <p:spPr>
+              <a:xfrm>
+                <a:off x="8486627" y="5046972"/>
+                <a:ext cx="144000" cy="252000"/>
+              </a:xfrm>
+              <a:prstGeom prst="rect">
+                <a:avLst/>
+              </a:prstGeom>
+              <a:grpFill/>
+              <a:ln>
+                <a:solidFill>
+                  <a:schemeClr val="accent5">
+                    <a:lumMod val="75000"/>
+                  </a:schemeClr>
+                </a:solidFill>
+              </a:ln>
+            </p:spPr>
+            <p:style>
+              <a:lnRef idx="2">
+                <a:schemeClr val="accent1">
+                  <a:shade val="50000"/>
+                </a:schemeClr>
+              </a:lnRef>
+              <a:fillRef idx="1">
+                <a:schemeClr val="accent1"/>
+              </a:fillRef>
+              <a:effectRef idx="0">
+                <a:schemeClr val="accent1"/>
+              </a:effectRef>
+              <a:fontRef idx="minor">
+                <a:schemeClr val="lt1"/>
+              </a:fontRef>
+            </p:style>
+            <p:txBody>
+              <a:bodyPr rtlCol="0" anchor="ctr"/>
+              <a:lstStyle/>
+              <a:p>
+                <a:pPr algn="ctr"/>
+                <a:endParaRPr lang="zh-CN" altLang="en-US"/>
+              </a:p>
+            </p:txBody>
+          </p:sp>
+          <p:sp>
+            <p:nvSpPr>
+              <p:cNvPr id="258" name="矩形 257">
+                <a:extLst>
+                  <a:ext uri="{FF2B5EF4-FFF2-40B4-BE49-F238E27FC236}">
+                    <a16:creationId xmlns:a16="http://schemas.microsoft.com/office/drawing/2014/main" id="{2AC7EB50-CA96-4C37-B115-70BFD71450E5}"/>
+                  </a:ext>
+                </a:extLst>
+              </p:cNvPr>
+              <p:cNvSpPr/>
+              <p:nvPr/>
+            </p:nvSpPr>
+            <p:spPr>
+              <a:xfrm>
+                <a:off x="7944801" y="5357097"/>
+                <a:ext cx="144000" cy="252000"/>
+              </a:xfrm>
+              <a:prstGeom prst="rect">
+                <a:avLst/>
+              </a:prstGeom>
+              <a:grpFill/>
+              <a:ln>
+                <a:solidFill>
+                  <a:schemeClr val="accent5">
+                    <a:lumMod val="75000"/>
+                  </a:schemeClr>
+                </a:solidFill>
+              </a:ln>
+            </p:spPr>
+            <p:style>
+              <a:lnRef idx="2">
+                <a:schemeClr val="accent1">
+                  <a:shade val="50000"/>
+                </a:schemeClr>
+              </a:lnRef>
+              <a:fillRef idx="1">
+                <a:schemeClr val="accent1"/>
+              </a:fillRef>
+              <a:effectRef idx="0">
+                <a:schemeClr val="accent1"/>
+              </a:effectRef>
+              <a:fontRef idx="minor">
+                <a:schemeClr val="lt1"/>
+              </a:fontRef>
+            </p:style>
+            <p:txBody>
+              <a:bodyPr rtlCol="0" anchor="ctr"/>
+              <a:lstStyle/>
+              <a:p>
+                <a:pPr algn="ctr"/>
+                <a:endParaRPr lang="zh-CN" altLang="en-US"/>
+              </a:p>
+            </p:txBody>
+          </p:sp>
+          <p:sp>
+            <p:nvSpPr>
+              <p:cNvPr id="259" name="矩形 258">
+                <a:extLst>
+                  <a:ext uri="{FF2B5EF4-FFF2-40B4-BE49-F238E27FC236}">
+                    <a16:creationId xmlns:a16="http://schemas.microsoft.com/office/drawing/2014/main" id="{F97B3EA2-8278-4D39-9CD3-A8E7F1DC7005}"/>
+                  </a:ext>
+                </a:extLst>
+              </p:cNvPr>
+              <p:cNvSpPr/>
+              <p:nvPr/>
+            </p:nvSpPr>
+            <p:spPr>
+              <a:xfrm>
+                <a:off x="8125410" y="5357097"/>
+                <a:ext cx="144000" cy="252000"/>
+              </a:xfrm>
+              <a:prstGeom prst="rect">
+                <a:avLst/>
+              </a:prstGeom>
+              <a:grpFill/>
+              <a:ln>
+                <a:solidFill>
+                  <a:schemeClr val="accent5">
+                    <a:lumMod val="75000"/>
+                  </a:schemeClr>
+                </a:solidFill>
+              </a:ln>
+            </p:spPr>
+            <p:style>
+              <a:lnRef idx="2">
+                <a:schemeClr val="accent1">
+                  <a:shade val="50000"/>
+                </a:schemeClr>
+              </a:lnRef>
+              <a:fillRef idx="1">
+                <a:schemeClr val="accent1"/>
+              </a:fillRef>
+              <a:effectRef idx="0">
+                <a:schemeClr val="accent1"/>
+              </a:effectRef>
+              <a:fontRef idx="minor">
+                <a:schemeClr val="lt1"/>
+              </a:fontRef>
+            </p:style>
+            <p:txBody>
+              <a:bodyPr rtlCol="0" anchor="ctr"/>
+              <a:lstStyle/>
+              <a:p>
+                <a:pPr algn="ctr"/>
+                <a:endParaRPr lang="zh-CN" altLang="en-US"/>
+              </a:p>
+            </p:txBody>
+          </p:sp>
+          <p:sp>
+            <p:nvSpPr>
+              <p:cNvPr id="260" name="矩形 259">
+                <a:extLst>
+                  <a:ext uri="{FF2B5EF4-FFF2-40B4-BE49-F238E27FC236}">
+                    <a16:creationId xmlns:a16="http://schemas.microsoft.com/office/drawing/2014/main" id="{9D1D33D5-5807-43C0-BD69-61DD848AC86F}"/>
+                  </a:ext>
+                </a:extLst>
+              </p:cNvPr>
+              <p:cNvSpPr/>
+              <p:nvPr/>
+            </p:nvSpPr>
+            <p:spPr>
+              <a:xfrm>
+                <a:off x="8306019" y="5357097"/>
+                <a:ext cx="144000" cy="252000"/>
+              </a:xfrm>
+              <a:prstGeom prst="rect">
+                <a:avLst/>
+              </a:prstGeom>
+              <a:grpFill/>
+              <a:ln>
+                <a:solidFill>
+                  <a:schemeClr val="accent5">
+                    <a:lumMod val="75000"/>
+                  </a:schemeClr>
+                </a:solidFill>
+              </a:ln>
+            </p:spPr>
+            <p:style>
+              <a:lnRef idx="2">
+                <a:schemeClr val="accent1">
+                  <a:shade val="50000"/>
+                </a:schemeClr>
+              </a:lnRef>
+              <a:fillRef idx="1">
+                <a:schemeClr val="accent1"/>
+              </a:fillRef>
+              <a:effectRef idx="0">
+                <a:schemeClr val="accent1"/>
+              </a:effectRef>
+              <a:fontRef idx="minor">
+                <a:schemeClr val="lt1"/>
+              </a:fontRef>
+            </p:style>
+            <p:txBody>
+              <a:bodyPr rtlCol="0" anchor="ctr"/>
+              <a:lstStyle/>
+              <a:p>
+                <a:pPr algn="ctr"/>
+                <a:endParaRPr lang="zh-CN" altLang="en-US"/>
+              </a:p>
+            </p:txBody>
+          </p:sp>
+          <p:sp>
+            <p:nvSpPr>
+              <p:cNvPr id="261" name="矩形 260">
+                <a:extLst>
+                  <a:ext uri="{FF2B5EF4-FFF2-40B4-BE49-F238E27FC236}">
+                    <a16:creationId xmlns:a16="http://schemas.microsoft.com/office/drawing/2014/main" id="{249CC0A6-065B-4FBF-BF20-A10417E83ADE}"/>
+                  </a:ext>
+                </a:extLst>
+              </p:cNvPr>
+              <p:cNvSpPr/>
+              <p:nvPr/>
+            </p:nvSpPr>
+            <p:spPr>
+              <a:xfrm>
+                <a:off x="8486627" y="5357097"/>
+                <a:ext cx="144000" cy="252000"/>
+              </a:xfrm>
+              <a:prstGeom prst="rect">
+                <a:avLst/>
+              </a:prstGeom>
+              <a:grpFill/>
+              <a:ln>
+                <a:solidFill>
+                  <a:schemeClr val="accent5">
+                    <a:lumMod val="75000"/>
+                  </a:schemeClr>
+                </a:solidFill>
+              </a:ln>
+            </p:spPr>
+            <p:style>
+              <a:lnRef idx="2">
+                <a:schemeClr val="accent1">
+                  <a:shade val="50000"/>
+                </a:schemeClr>
+              </a:lnRef>
+              <a:fillRef idx="1">
+                <a:schemeClr val="accent1"/>
+              </a:fillRef>
+              <a:effectRef idx="0">
+                <a:schemeClr val="accent1"/>
+              </a:effectRef>
+              <a:fontRef idx="minor">
+                <a:schemeClr val="lt1"/>
+              </a:fontRef>
+            </p:style>
+            <p:txBody>
+              <a:bodyPr rtlCol="0" anchor="ctr"/>
+              <a:lstStyle/>
+              <a:p>
+                <a:pPr algn="ctr"/>
+                <a:endParaRPr lang="zh-CN" altLang="en-US"/>
+              </a:p>
+            </p:txBody>
+          </p:sp>
+          <p:cxnSp>
+            <p:nvCxnSpPr>
+              <p:cNvPr id="263" name="直接连接符 262">
+                <a:extLst>
+                  <a:ext uri="{FF2B5EF4-FFF2-40B4-BE49-F238E27FC236}">
+                    <a16:creationId xmlns:a16="http://schemas.microsoft.com/office/drawing/2014/main" id="{D29A3709-CF7D-4D81-B0F3-63B90F0682E2}"/>
+                  </a:ext>
+                </a:extLst>
+              </p:cNvPr>
+              <p:cNvCxnSpPr>
+                <a:stCxn id="254" idx="0"/>
+                <a:endCxn id="257" idx="0"/>
+              </p:cNvCxnSpPr>
+              <p:nvPr/>
+            </p:nvCxnSpPr>
+            <p:spPr>
+              <a:xfrm>
+                <a:off x="8016801" y="5046972"/>
+                <a:ext cx="541826" cy="0"/>
+              </a:xfrm>
+              <a:prstGeom prst="line">
+                <a:avLst/>
+              </a:prstGeom>
+              <a:grpFill/>
+              <a:ln w="28575"/>
+            </p:spPr>
+            <p:style>
+              <a:lnRef idx="1">
+                <a:schemeClr val="accent1"/>
+              </a:lnRef>
+              <a:fillRef idx="0">
+                <a:schemeClr val="accent1"/>
+              </a:fillRef>
+              <a:effectRef idx="0">
+                <a:schemeClr val="accent1"/>
+              </a:effectRef>
+              <a:fontRef idx="minor">
+                <a:schemeClr val="tx1"/>
+              </a:fontRef>
+            </p:style>
+          </p:cxnSp>
+          <p:cxnSp>
+            <p:nvCxnSpPr>
+              <p:cNvPr id="264" name="直接连接符 263">
+                <a:extLst>
+                  <a:ext uri="{FF2B5EF4-FFF2-40B4-BE49-F238E27FC236}">
+                    <a16:creationId xmlns:a16="http://schemas.microsoft.com/office/drawing/2014/main" id="{8B0AD281-8BFE-48A1-83EC-1778983E4082}"/>
+                  </a:ext>
+                </a:extLst>
+              </p:cNvPr>
+              <p:cNvCxnSpPr/>
+              <p:nvPr/>
+            </p:nvCxnSpPr>
+            <p:spPr>
+              <a:xfrm>
+                <a:off x="7993686" y="5609097"/>
+                <a:ext cx="541826" cy="0"/>
+              </a:xfrm>
+              <a:prstGeom prst="line">
+                <a:avLst/>
+              </a:prstGeom>
+              <a:grpFill/>
+              <a:ln w="28575"/>
+            </p:spPr>
+            <p:style>
+              <a:lnRef idx="1">
+                <a:schemeClr val="accent1"/>
+              </a:lnRef>
+              <a:fillRef idx="0">
+                <a:schemeClr val="accent1"/>
+              </a:fillRef>
+              <a:effectRef idx="0">
+                <a:schemeClr val="accent1"/>
+              </a:effectRef>
+              <a:fontRef idx="minor">
+                <a:schemeClr val="tx1"/>
+              </a:fontRef>
+            </p:style>
+          </p:cxnSp>
+          <p:cxnSp>
+            <p:nvCxnSpPr>
+              <p:cNvPr id="266" name="直接连接符 265">
+                <a:extLst>
+                  <a:ext uri="{FF2B5EF4-FFF2-40B4-BE49-F238E27FC236}">
+                    <a16:creationId xmlns:a16="http://schemas.microsoft.com/office/drawing/2014/main" id="{1515F550-73F7-411C-9E7C-D6778C7227EA}"/>
+                  </a:ext>
+                </a:extLst>
+              </p:cNvPr>
+              <p:cNvCxnSpPr>
+                <a:stCxn id="254" idx="1"/>
+                <a:endCxn id="258" idx="1"/>
+              </p:cNvCxnSpPr>
+              <p:nvPr/>
+            </p:nvCxnSpPr>
+            <p:spPr>
+              <a:xfrm>
+                <a:off x="7944801" y="5172972"/>
+                <a:ext cx="0" cy="310125"/>
+              </a:xfrm>
+              <a:prstGeom prst="line">
+                <a:avLst/>
+              </a:prstGeom>
+              <a:grpFill/>
+              <a:ln w="28575"/>
+            </p:spPr>
+            <p:style>
+              <a:lnRef idx="1">
+                <a:schemeClr val="accent1"/>
+              </a:lnRef>
+              <a:fillRef idx="0">
+                <a:schemeClr val="accent1"/>
+              </a:fillRef>
+              <a:effectRef idx="0">
+                <a:schemeClr val="accent1"/>
+              </a:effectRef>
+              <a:fontRef idx="minor">
+                <a:schemeClr val="tx1"/>
+              </a:fontRef>
+            </p:style>
+          </p:cxnSp>
+          <p:cxnSp>
+            <p:nvCxnSpPr>
+              <p:cNvPr id="267" name="直接连接符 266">
+                <a:extLst>
+                  <a:ext uri="{FF2B5EF4-FFF2-40B4-BE49-F238E27FC236}">
+                    <a16:creationId xmlns:a16="http://schemas.microsoft.com/office/drawing/2014/main" id="{1E9E9AD3-03C0-45C6-B2F2-70F2E9022E1B}"/>
+                  </a:ext>
+                </a:extLst>
+              </p:cNvPr>
+              <p:cNvCxnSpPr/>
+              <p:nvPr/>
+            </p:nvCxnSpPr>
+            <p:spPr>
+              <a:xfrm>
+                <a:off x="8630627" y="5221222"/>
+                <a:ext cx="0" cy="310125"/>
+              </a:xfrm>
+              <a:prstGeom prst="line">
+                <a:avLst/>
+              </a:prstGeom>
+              <a:grpFill/>
+              <a:ln w="28575"/>
+            </p:spPr>
+            <p:style>
+              <a:lnRef idx="1">
+                <a:schemeClr val="accent1"/>
+              </a:lnRef>
+              <a:fillRef idx="0">
+                <a:schemeClr val="accent1"/>
+              </a:fillRef>
+              <a:effectRef idx="0">
+                <a:schemeClr val="accent1"/>
+              </a:effectRef>
+              <a:fontRef idx="minor">
+                <a:schemeClr val="tx1"/>
+              </a:fontRef>
+            </p:style>
+          </p:cxnSp>
         </p:grpSp>
-        <p:cxnSp>
-          <p:nvCxnSpPr>
-            <p:cNvPr id="281" name="直接连接符 280">
+        <p:grpSp>
+          <p:nvGrpSpPr>
+            <p:cNvPr id="286" name="组合 285">
               <a:extLst>
                 <a:ext uri="{FF2B5EF4-FFF2-40B4-BE49-F238E27FC236}">
-                  <a16:creationId xmlns:a16="http://schemas.microsoft.com/office/drawing/2014/main" id="{D93B66D4-E7BC-433F-A027-2AF0EDF46935}"/>
+                  <a16:creationId xmlns:a16="http://schemas.microsoft.com/office/drawing/2014/main" id="{DCCFF03D-C207-41E9-9083-C1BFD1BDD668}"/>
                 </a:ext>
               </a:extLst>
             </p:cNvPr>
-            <p:cNvCxnSpPr>
-              <a:stCxn id="275" idx="2"/>
-              <a:endCxn id="278" idx="2"/>
-            </p:cNvCxnSpPr>
+            <p:cNvGrpSpPr/>
             <p:nvPr/>
-          </p:nvCxnSpPr>
-          <p:spPr>
+          </p:nvGrpSpPr>
+          <p:grpSpPr>
             <a:xfrm>
-              <a:off x="8947444" y="3298403"/>
-              <a:ext cx="588439" cy="0"/>
+              <a:off x="8093124" y="3466431"/>
+              <a:ext cx="1293415" cy="1062448"/>
+              <a:chOff x="8888863" y="2718803"/>
+              <a:chExt cx="705600" cy="579600"/>
             </a:xfrm>
-            <a:prstGeom prst="line">
-              <a:avLst/>
-            </a:prstGeom>
-            <a:grpFill/>
-            <a:ln w="28575"/>
-          </p:spPr>
-          <p:style>
-            <a:lnRef idx="1">
-              <a:schemeClr val="accent1"/>
-            </a:lnRef>
-            <a:fillRef idx="0">
-              <a:schemeClr val="accent1"/>
-            </a:fillRef>
-            <a:effectRef idx="0">
-              <a:schemeClr val="accent1"/>
-            </a:effectRef>
-            <a:fontRef idx="minor">
-              <a:schemeClr val="tx1"/>
-            </a:fontRef>
-          </p:style>
-        </p:cxnSp>
-        <p:cxnSp>
-          <p:nvCxnSpPr>
-            <p:cNvPr id="282" name="直接连接符 281">
-              <a:extLst>
-                <a:ext uri="{FF2B5EF4-FFF2-40B4-BE49-F238E27FC236}">
-                  <a16:creationId xmlns:a16="http://schemas.microsoft.com/office/drawing/2014/main" id="{D553DFF4-3F76-4682-B7C7-EBAAC817847E}"/>
-                </a:ext>
-              </a:extLst>
-            </p:cNvPr>
-            <p:cNvCxnSpPr/>
-            <p:nvPr/>
-          </p:nvCxnSpPr>
-          <p:spPr>
-            <a:xfrm>
-              <a:off x="8955495" y="2718803"/>
-              <a:ext cx="588439" cy="0"/>
-            </a:xfrm>
-            <a:prstGeom prst="line">
-              <a:avLst/>
-            </a:prstGeom>
-            <a:grpFill/>
-            <a:ln w="28575"/>
-          </p:spPr>
-          <p:style>
-            <a:lnRef idx="1">
-              <a:schemeClr val="accent1"/>
-            </a:lnRef>
-            <a:fillRef idx="0">
-              <a:schemeClr val="accent1"/>
-            </a:fillRef>
-            <a:effectRef idx="0">
-              <a:schemeClr val="accent1"/>
-            </a:effectRef>
-            <a:fontRef idx="minor">
-              <a:schemeClr val="tx1"/>
-            </a:fontRef>
-          </p:style>
-        </p:cxnSp>
-        <p:cxnSp>
-          <p:nvCxnSpPr>
-            <p:cNvPr id="284" name="直接连接符 283">
-              <a:extLst>
-                <a:ext uri="{FF2B5EF4-FFF2-40B4-BE49-F238E27FC236}">
-                  <a16:creationId xmlns:a16="http://schemas.microsoft.com/office/drawing/2014/main" id="{B53CB0AB-3819-4C5B-82F7-B3B290609AF5}"/>
-                </a:ext>
-              </a:extLst>
-            </p:cNvPr>
-            <p:cNvCxnSpPr>
-              <a:stCxn id="222" idx="1"/>
-              <a:endCxn id="275" idx="1"/>
-            </p:cNvCxnSpPr>
-            <p:nvPr/>
-          </p:nvCxnSpPr>
-          <p:spPr>
-            <a:xfrm>
-              <a:off x="8888863" y="2834446"/>
-              <a:ext cx="0" cy="348315"/>
-            </a:xfrm>
-            <a:prstGeom prst="line">
-              <a:avLst/>
-            </a:prstGeom>
-            <a:grpFill/>
-            <a:ln w="28575"/>
-          </p:spPr>
-          <p:style>
-            <a:lnRef idx="1">
-              <a:schemeClr val="accent1"/>
-            </a:lnRef>
-            <a:fillRef idx="0">
-              <a:schemeClr val="accent1"/>
-            </a:fillRef>
-            <a:effectRef idx="0">
-              <a:schemeClr val="accent1"/>
-            </a:effectRef>
-            <a:fontRef idx="minor">
-              <a:schemeClr val="tx1"/>
-            </a:fontRef>
-          </p:style>
-        </p:cxnSp>
-        <p:cxnSp>
-          <p:nvCxnSpPr>
-            <p:cNvPr id="285" name="直接连接符 284">
-              <a:extLst>
-                <a:ext uri="{FF2B5EF4-FFF2-40B4-BE49-F238E27FC236}">
-                  <a16:creationId xmlns:a16="http://schemas.microsoft.com/office/drawing/2014/main" id="{0DE2D3C1-A2E3-4AFF-9EE0-70A66C1D5D0C}"/>
-                </a:ext>
-              </a:extLst>
-            </p:cNvPr>
-            <p:cNvCxnSpPr/>
-            <p:nvPr/>
-          </p:nvCxnSpPr>
-          <p:spPr>
-            <a:xfrm>
-              <a:off x="9592976" y="2892960"/>
-              <a:ext cx="0" cy="348315"/>
-            </a:xfrm>
-            <a:prstGeom prst="line">
-              <a:avLst/>
-            </a:prstGeom>
-            <a:grpFill/>
-            <a:ln w="28575"/>
-          </p:spPr>
-          <p:style>
-            <a:lnRef idx="1">
-              <a:schemeClr val="accent1"/>
-            </a:lnRef>
-            <a:fillRef idx="0">
-              <a:schemeClr val="accent1"/>
-            </a:fillRef>
-            <a:effectRef idx="0">
-              <a:schemeClr val="accent1"/>
-            </a:effectRef>
-            <a:fontRef idx="minor">
-              <a:schemeClr val="tx1"/>
-            </a:fontRef>
-          </p:style>
-        </p:cxnSp>
+            <a:solidFill>
+              <a:schemeClr val="accent5">
+                <a:lumMod val="20000"/>
+                <a:lumOff val="80000"/>
+              </a:schemeClr>
+            </a:solidFill>
+          </p:grpSpPr>
+          <p:grpSp>
+            <p:nvGrpSpPr>
+              <p:cNvPr id="279" name="组合 278">
+                <a:extLst>
+                  <a:ext uri="{FF2B5EF4-FFF2-40B4-BE49-F238E27FC236}">
+                    <a16:creationId xmlns:a16="http://schemas.microsoft.com/office/drawing/2014/main" id="{4A08D867-42F5-45DE-BBF7-BB3C340990F0}"/>
+                  </a:ext>
+                </a:extLst>
+              </p:cNvPr>
+              <p:cNvGrpSpPr/>
+              <p:nvPr/>
+            </p:nvGrpSpPr>
+            <p:grpSpPr>
+              <a:xfrm>
+                <a:off x="8888863" y="2718803"/>
+                <a:ext cx="705600" cy="579600"/>
+                <a:chOff x="9236413" y="5311487"/>
+                <a:chExt cx="693791" cy="541295"/>
+              </a:xfrm>
+              <a:grpFill/>
+            </p:grpSpPr>
+            <p:sp>
+              <p:nvSpPr>
+                <p:cNvPr id="222" name="矩形 221">
+                  <a:extLst>
+                    <a:ext uri="{FF2B5EF4-FFF2-40B4-BE49-F238E27FC236}">
+                      <a16:creationId xmlns:a16="http://schemas.microsoft.com/office/drawing/2014/main" id="{BDBB9B53-2AF8-41CD-BBEE-8846CD978C24}"/>
+                    </a:ext>
+                  </a:extLst>
+                </p:cNvPr>
+                <p:cNvSpPr/>
+                <p:nvPr/>
+              </p:nvSpPr>
+              <p:spPr>
+                <a:xfrm>
+                  <a:off x="9236413" y="5311487"/>
+                  <a:ext cx="115200" cy="216000"/>
+                </a:xfrm>
+                <a:prstGeom prst="rect">
+                  <a:avLst/>
+                </a:prstGeom>
+                <a:grpFill/>
+                <a:ln>
+                  <a:solidFill>
+                    <a:schemeClr val="accent5">
+                      <a:lumMod val="75000"/>
+                    </a:schemeClr>
+                  </a:solidFill>
+                </a:ln>
+              </p:spPr>
+              <p:style>
+                <a:lnRef idx="2">
+                  <a:schemeClr val="accent1">
+                    <a:shade val="50000"/>
+                  </a:schemeClr>
+                </a:lnRef>
+                <a:fillRef idx="1">
+                  <a:schemeClr val="accent1"/>
+                </a:fillRef>
+                <a:effectRef idx="0">
+                  <a:schemeClr val="accent1"/>
+                </a:effectRef>
+                <a:fontRef idx="minor">
+                  <a:schemeClr val="lt1"/>
+                </a:fontRef>
+              </p:style>
+              <p:txBody>
+                <a:bodyPr rtlCol="0" anchor="ctr"/>
+                <a:lstStyle/>
+                <a:p>
+                  <a:pPr algn="ctr"/>
+                  <a:endParaRPr lang="zh-CN" altLang="en-US"/>
+                </a:p>
+              </p:txBody>
+            </p:sp>
+            <p:sp>
+              <p:nvSpPr>
+                <p:cNvPr id="223" name="矩形 222">
+                  <a:extLst>
+                    <a:ext uri="{FF2B5EF4-FFF2-40B4-BE49-F238E27FC236}">
+                      <a16:creationId xmlns:a16="http://schemas.microsoft.com/office/drawing/2014/main" id="{6617C9B0-390B-465E-8CD7-48B4F839F984}"/>
+                    </a:ext>
+                  </a:extLst>
+                </p:cNvPr>
+                <p:cNvSpPr/>
+                <p:nvPr/>
+              </p:nvSpPr>
+              <p:spPr>
+                <a:xfrm>
+                  <a:off x="9429277" y="5311487"/>
+                  <a:ext cx="115200" cy="216000"/>
+                </a:xfrm>
+                <a:prstGeom prst="rect">
+                  <a:avLst/>
+                </a:prstGeom>
+                <a:grpFill/>
+                <a:ln>
+                  <a:solidFill>
+                    <a:schemeClr val="accent5">
+                      <a:lumMod val="75000"/>
+                    </a:schemeClr>
+                  </a:solidFill>
+                </a:ln>
+              </p:spPr>
+              <p:style>
+                <a:lnRef idx="2">
+                  <a:schemeClr val="accent1">
+                    <a:shade val="50000"/>
+                  </a:schemeClr>
+                </a:lnRef>
+                <a:fillRef idx="1">
+                  <a:schemeClr val="accent1"/>
+                </a:fillRef>
+                <a:effectRef idx="0">
+                  <a:schemeClr val="accent1"/>
+                </a:effectRef>
+                <a:fontRef idx="minor">
+                  <a:schemeClr val="lt1"/>
+                </a:fontRef>
+              </p:style>
+              <p:txBody>
+                <a:bodyPr rtlCol="0" anchor="ctr"/>
+                <a:lstStyle/>
+                <a:p>
+                  <a:pPr algn="ctr"/>
+                  <a:endParaRPr lang="zh-CN" altLang="en-US"/>
+                </a:p>
+              </p:txBody>
+            </p:sp>
+            <p:sp>
+              <p:nvSpPr>
+                <p:cNvPr id="224" name="矩形 223">
+                  <a:extLst>
+                    <a:ext uri="{FF2B5EF4-FFF2-40B4-BE49-F238E27FC236}">
+                      <a16:creationId xmlns:a16="http://schemas.microsoft.com/office/drawing/2014/main" id="{63DD91CA-036D-4682-92EC-42FED438507A}"/>
+                    </a:ext>
+                  </a:extLst>
+                </p:cNvPr>
+                <p:cNvSpPr/>
+                <p:nvPr/>
+              </p:nvSpPr>
+              <p:spPr>
+                <a:xfrm>
+                  <a:off x="9622141" y="5311487"/>
+                  <a:ext cx="115200" cy="216000"/>
+                </a:xfrm>
+                <a:prstGeom prst="rect">
+                  <a:avLst/>
+                </a:prstGeom>
+                <a:grpFill/>
+                <a:ln>
+                  <a:solidFill>
+                    <a:schemeClr val="accent5">
+                      <a:lumMod val="75000"/>
+                    </a:schemeClr>
+                  </a:solidFill>
+                </a:ln>
+              </p:spPr>
+              <p:style>
+                <a:lnRef idx="2">
+                  <a:schemeClr val="accent1">
+                    <a:shade val="50000"/>
+                  </a:schemeClr>
+                </a:lnRef>
+                <a:fillRef idx="1">
+                  <a:schemeClr val="accent1"/>
+                </a:fillRef>
+                <a:effectRef idx="0">
+                  <a:schemeClr val="accent1"/>
+                </a:effectRef>
+                <a:fontRef idx="minor">
+                  <a:schemeClr val="lt1"/>
+                </a:fontRef>
+              </p:style>
+              <p:txBody>
+                <a:bodyPr rtlCol="0" anchor="ctr"/>
+                <a:lstStyle/>
+                <a:p>
+                  <a:pPr algn="ctr"/>
+                  <a:endParaRPr lang="zh-CN" altLang="en-US"/>
+                </a:p>
+              </p:txBody>
+            </p:sp>
+            <p:sp>
+              <p:nvSpPr>
+                <p:cNvPr id="225" name="矩形 224">
+                  <a:extLst>
+                    <a:ext uri="{FF2B5EF4-FFF2-40B4-BE49-F238E27FC236}">
+                      <a16:creationId xmlns:a16="http://schemas.microsoft.com/office/drawing/2014/main" id="{719E074D-85B1-4CF1-AA85-E608970E37F4}"/>
+                    </a:ext>
+                  </a:extLst>
+                </p:cNvPr>
+                <p:cNvSpPr/>
+                <p:nvPr/>
+              </p:nvSpPr>
+              <p:spPr>
+                <a:xfrm>
+                  <a:off x="9815004" y="5311487"/>
+                  <a:ext cx="115200" cy="216000"/>
+                </a:xfrm>
+                <a:prstGeom prst="rect">
+                  <a:avLst/>
+                </a:prstGeom>
+                <a:grpFill/>
+                <a:ln>
+                  <a:solidFill>
+                    <a:schemeClr val="accent5">
+                      <a:lumMod val="75000"/>
+                    </a:schemeClr>
+                  </a:solidFill>
+                </a:ln>
+              </p:spPr>
+              <p:style>
+                <a:lnRef idx="2">
+                  <a:schemeClr val="accent1">
+                    <a:shade val="50000"/>
+                  </a:schemeClr>
+                </a:lnRef>
+                <a:fillRef idx="1">
+                  <a:schemeClr val="accent1"/>
+                </a:fillRef>
+                <a:effectRef idx="0">
+                  <a:schemeClr val="accent1"/>
+                </a:effectRef>
+                <a:fontRef idx="minor">
+                  <a:schemeClr val="lt1"/>
+                </a:fontRef>
+              </p:style>
+              <p:txBody>
+                <a:bodyPr rtlCol="0" anchor="ctr"/>
+                <a:lstStyle/>
+                <a:p>
+                  <a:pPr algn="ctr"/>
+                  <a:endParaRPr lang="zh-CN" altLang="en-US"/>
+                </a:p>
+              </p:txBody>
+            </p:sp>
+            <p:sp>
+              <p:nvSpPr>
+                <p:cNvPr id="275" name="矩形 274">
+                  <a:extLst>
+                    <a:ext uri="{FF2B5EF4-FFF2-40B4-BE49-F238E27FC236}">
+                      <a16:creationId xmlns:a16="http://schemas.microsoft.com/office/drawing/2014/main" id="{0B7AC2AF-2ED4-4335-B6DE-6C0BF6E0C50B}"/>
+                    </a:ext>
+                  </a:extLst>
+                </p:cNvPr>
+                <p:cNvSpPr/>
+                <p:nvPr/>
+              </p:nvSpPr>
+              <p:spPr>
+                <a:xfrm>
+                  <a:off x="9236413" y="5636782"/>
+                  <a:ext cx="115200" cy="216000"/>
+                </a:xfrm>
+                <a:prstGeom prst="rect">
+                  <a:avLst/>
+                </a:prstGeom>
+                <a:grpFill/>
+                <a:ln>
+                  <a:solidFill>
+                    <a:schemeClr val="accent5">
+                      <a:lumMod val="75000"/>
+                    </a:schemeClr>
+                  </a:solidFill>
+                </a:ln>
+              </p:spPr>
+              <p:style>
+                <a:lnRef idx="2">
+                  <a:schemeClr val="accent1">
+                    <a:shade val="50000"/>
+                  </a:schemeClr>
+                </a:lnRef>
+                <a:fillRef idx="1">
+                  <a:schemeClr val="accent1"/>
+                </a:fillRef>
+                <a:effectRef idx="0">
+                  <a:schemeClr val="accent1"/>
+                </a:effectRef>
+                <a:fontRef idx="minor">
+                  <a:schemeClr val="lt1"/>
+                </a:fontRef>
+              </p:style>
+              <p:txBody>
+                <a:bodyPr rtlCol="0" anchor="ctr"/>
+                <a:lstStyle/>
+                <a:p>
+                  <a:pPr algn="ctr"/>
+                  <a:endParaRPr lang="zh-CN" altLang="en-US"/>
+                </a:p>
+              </p:txBody>
+            </p:sp>
+            <p:sp>
+              <p:nvSpPr>
+                <p:cNvPr id="276" name="矩形 275">
+                  <a:extLst>
+                    <a:ext uri="{FF2B5EF4-FFF2-40B4-BE49-F238E27FC236}">
+                      <a16:creationId xmlns:a16="http://schemas.microsoft.com/office/drawing/2014/main" id="{2761958B-DEB3-48E3-BCF7-8F3D9BB7157F}"/>
+                    </a:ext>
+                  </a:extLst>
+                </p:cNvPr>
+                <p:cNvSpPr/>
+                <p:nvPr/>
+              </p:nvSpPr>
+              <p:spPr>
+                <a:xfrm>
+                  <a:off x="9429277" y="5636782"/>
+                  <a:ext cx="115200" cy="216000"/>
+                </a:xfrm>
+                <a:prstGeom prst="rect">
+                  <a:avLst/>
+                </a:prstGeom>
+                <a:grpFill/>
+                <a:ln>
+                  <a:solidFill>
+                    <a:schemeClr val="accent5">
+                      <a:lumMod val="75000"/>
+                    </a:schemeClr>
+                  </a:solidFill>
+                </a:ln>
+              </p:spPr>
+              <p:style>
+                <a:lnRef idx="2">
+                  <a:schemeClr val="accent1">
+                    <a:shade val="50000"/>
+                  </a:schemeClr>
+                </a:lnRef>
+                <a:fillRef idx="1">
+                  <a:schemeClr val="accent1"/>
+                </a:fillRef>
+                <a:effectRef idx="0">
+                  <a:schemeClr val="accent1"/>
+                </a:effectRef>
+                <a:fontRef idx="minor">
+                  <a:schemeClr val="lt1"/>
+                </a:fontRef>
+              </p:style>
+              <p:txBody>
+                <a:bodyPr rtlCol="0" anchor="ctr"/>
+                <a:lstStyle/>
+                <a:p>
+                  <a:pPr algn="ctr"/>
+                  <a:endParaRPr lang="zh-CN" altLang="en-US"/>
+                </a:p>
+              </p:txBody>
+            </p:sp>
+            <p:sp>
+              <p:nvSpPr>
+                <p:cNvPr id="277" name="矩形 276">
+                  <a:extLst>
+                    <a:ext uri="{FF2B5EF4-FFF2-40B4-BE49-F238E27FC236}">
+                      <a16:creationId xmlns:a16="http://schemas.microsoft.com/office/drawing/2014/main" id="{98007C68-AD9D-43B1-A90E-1D2C58F381AC}"/>
+                    </a:ext>
+                  </a:extLst>
+                </p:cNvPr>
+                <p:cNvSpPr/>
+                <p:nvPr/>
+              </p:nvSpPr>
+              <p:spPr>
+                <a:xfrm>
+                  <a:off x="9622141" y="5636782"/>
+                  <a:ext cx="115200" cy="216000"/>
+                </a:xfrm>
+                <a:prstGeom prst="rect">
+                  <a:avLst/>
+                </a:prstGeom>
+                <a:grpFill/>
+                <a:ln>
+                  <a:solidFill>
+                    <a:schemeClr val="accent5">
+                      <a:lumMod val="75000"/>
+                    </a:schemeClr>
+                  </a:solidFill>
+                </a:ln>
+              </p:spPr>
+              <p:style>
+                <a:lnRef idx="2">
+                  <a:schemeClr val="accent1">
+                    <a:shade val="50000"/>
+                  </a:schemeClr>
+                </a:lnRef>
+                <a:fillRef idx="1">
+                  <a:schemeClr val="accent1"/>
+                </a:fillRef>
+                <a:effectRef idx="0">
+                  <a:schemeClr val="accent1"/>
+                </a:effectRef>
+                <a:fontRef idx="minor">
+                  <a:schemeClr val="lt1"/>
+                </a:fontRef>
+              </p:style>
+              <p:txBody>
+                <a:bodyPr rtlCol="0" anchor="ctr"/>
+                <a:lstStyle/>
+                <a:p>
+                  <a:pPr algn="ctr"/>
+                  <a:endParaRPr lang="zh-CN" altLang="en-US"/>
+                </a:p>
+              </p:txBody>
+            </p:sp>
+            <p:sp>
+              <p:nvSpPr>
+                <p:cNvPr id="278" name="矩形 277">
+                  <a:extLst>
+                    <a:ext uri="{FF2B5EF4-FFF2-40B4-BE49-F238E27FC236}">
+                      <a16:creationId xmlns:a16="http://schemas.microsoft.com/office/drawing/2014/main" id="{11034EDB-0D76-442A-AF29-D085638E97E2}"/>
+                    </a:ext>
+                  </a:extLst>
+                </p:cNvPr>
+                <p:cNvSpPr/>
+                <p:nvPr/>
+              </p:nvSpPr>
+              <p:spPr>
+                <a:xfrm>
+                  <a:off x="9815004" y="5636782"/>
+                  <a:ext cx="115200" cy="216000"/>
+                </a:xfrm>
+                <a:prstGeom prst="rect">
+                  <a:avLst/>
+                </a:prstGeom>
+                <a:grpFill/>
+                <a:ln>
+                  <a:solidFill>
+                    <a:schemeClr val="accent5">
+                      <a:lumMod val="75000"/>
+                    </a:schemeClr>
+                  </a:solidFill>
+                </a:ln>
+              </p:spPr>
+              <p:style>
+                <a:lnRef idx="2">
+                  <a:schemeClr val="accent1">
+                    <a:shade val="50000"/>
+                  </a:schemeClr>
+                </a:lnRef>
+                <a:fillRef idx="1">
+                  <a:schemeClr val="accent1"/>
+                </a:fillRef>
+                <a:effectRef idx="0">
+                  <a:schemeClr val="accent1"/>
+                </a:effectRef>
+                <a:fontRef idx="minor">
+                  <a:schemeClr val="lt1"/>
+                </a:fontRef>
+              </p:style>
+              <p:txBody>
+                <a:bodyPr rtlCol="0" anchor="ctr"/>
+                <a:lstStyle/>
+                <a:p>
+                  <a:pPr algn="ctr"/>
+                  <a:endParaRPr lang="zh-CN" altLang="en-US"/>
+                </a:p>
+              </p:txBody>
+            </p:sp>
+          </p:grpSp>
+          <p:cxnSp>
+            <p:nvCxnSpPr>
+              <p:cNvPr id="281" name="直接连接符 280">
+                <a:extLst>
+                  <a:ext uri="{FF2B5EF4-FFF2-40B4-BE49-F238E27FC236}">
+                    <a16:creationId xmlns:a16="http://schemas.microsoft.com/office/drawing/2014/main" id="{D93B66D4-E7BC-433F-A027-2AF0EDF46935}"/>
+                  </a:ext>
+                </a:extLst>
+              </p:cNvPr>
+              <p:cNvCxnSpPr>
+                <a:stCxn id="275" idx="2"/>
+                <a:endCxn id="278" idx="2"/>
+              </p:cNvCxnSpPr>
+              <p:nvPr/>
+            </p:nvCxnSpPr>
+            <p:spPr>
+              <a:xfrm>
+                <a:off x="8947444" y="3298403"/>
+                <a:ext cx="588439" cy="0"/>
+              </a:xfrm>
+              <a:prstGeom prst="line">
+                <a:avLst/>
+              </a:prstGeom>
+              <a:grpFill/>
+              <a:ln w="28575"/>
+            </p:spPr>
+            <p:style>
+              <a:lnRef idx="1">
+                <a:schemeClr val="accent1"/>
+              </a:lnRef>
+              <a:fillRef idx="0">
+                <a:schemeClr val="accent1"/>
+              </a:fillRef>
+              <a:effectRef idx="0">
+                <a:schemeClr val="accent1"/>
+              </a:effectRef>
+              <a:fontRef idx="minor">
+                <a:schemeClr val="tx1"/>
+              </a:fontRef>
+            </p:style>
+          </p:cxnSp>
+          <p:cxnSp>
+            <p:nvCxnSpPr>
+              <p:cNvPr id="282" name="直接连接符 281">
+                <a:extLst>
+                  <a:ext uri="{FF2B5EF4-FFF2-40B4-BE49-F238E27FC236}">
+                    <a16:creationId xmlns:a16="http://schemas.microsoft.com/office/drawing/2014/main" id="{D553DFF4-3F76-4682-B7C7-EBAAC817847E}"/>
+                  </a:ext>
+                </a:extLst>
+              </p:cNvPr>
+              <p:cNvCxnSpPr/>
+              <p:nvPr/>
+            </p:nvCxnSpPr>
+            <p:spPr>
+              <a:xfrm>
+                <a:off x="8955495" y="2718803"/>
+                <a:ext cx="588439" cy="0"/>
+              </a:xfrm>
+              <a:prstGeom prst="line">
+                <a:avLst/>
+              </a:prstGeom>
+              <a:grpFill/>
+              <a:ln w="28575"/>
+            </p:spPr>
+            <p:style>
+              <a:lnRef idx="1">
+                <a:schemeClr val="accent1"/>
+              </a:lnRef>
+              <a:fillRef idx="0">
+                <a:schemeClr val="accent1"/>
+              </a:fillRef>
+              <a:effectRef idx="0">
+                <a:schemeClr val="accent1"/>
+              </a:effectRef>
+              <a:fontRef idx="minor">
+                <a:schemeClr val="tx1"/>
+              </a:fontRef>
+            </p:style>
+          </p:cxnSp>
+          <p:cxnSp>
+            <p:nvCxnSpPr>
+              <p:cNvPr id="284" name="直接连接符 283">
+                <a:extLst>
+                  <a:ext uri="{FF2B5EF4-FFF2-40B4-BE49-F238E27FC236}">
+                    <a16:creationId xmlns:a16="http://schemas.microsoft.com/office/drawing/2014/main" id="{B53CB0AB-3819-4C5B-82F7-B3B290609AF5}"/>
+                  </a:ext>
+                </a:extLst>
+              </p:cNvPr>
+              <p:cNvCxnSpPr>
+                <a:stCxn id="222" idx="1"/>
+                <a:endCxn id="275" idx="1"/>
+              </p:cNvCxnSpPr>
+              <p:nvPr/>
+            </p:nvCxnSpPr>
+            <p:spPr>
+              <a:xfrm>
+                <a:off x="8888863" y="2834446"/>
+                <a:ext cx="0" cy="348315"/>
+              </a:xfrm>
+              <a:prstGeom prst="line">
+                <a:avLst/>
+              </a:prstGeom>
+              <a:grpFill/>
+              <a:ln w="28575"/>
+            </p:spPr>
+            <p:style>
+              <a:lnRef idx="1">
+                <a:schemeClr val="accent1"/>
+              </a:lnRef>
+              <a:fillRef idx="0">
+                <a:schemeClr val="accent1"/>
+              </a:fillRef>
+              <a:effectRef idx="0">
+                <a:schemeClr val="accent1"/>
+              </a:effectRef>
+              <a:fontRef idx="minor">
+                <a:schemeClr val="tx1"/>
+              </a:fontRef>
+            </p:style>
+          </p:cxnSp>
+          <p:cxnSp>
+            <p:nvCxnSpPr>
+              <p:cNvPr id="285" name="直接连接符 284">
+                <a:extLst>
+                  <a:ext uri="{FF2B5EF4-FFF2-40B4-BE49-F238E27FC236}">
+                    <a16:creationId xmlns:a16="http://schemas.microsoft.com/office/drawing/2014/main" id="{0DE2D3C1-A2E3-4AFF-9EE0-70A66C1D5D0C}"/>
+                  </a:ext>
+                </a:extLst>
+              </p:cNvPr>
+              <p:cNvCxnSpPr/>
+              <p:nvPr/>
+            </p:nvCxnSpPr>
+            <p:spPr>
+              <a:xfrm>
+                <a:off x="9592976" y="2892960"/>
+                <a:ext cx="0" cy="348315"/>
+              </a:xfrm>
+              <a:prstGeom prst="line">
+                <a:avLst/>
+              </a:prstGeom>
+              <a:grpFill/>
+              <a:ln w="28575"/>
+            </p:spPr>
+            <p:style>
+              <a:lnRef idx="1">
+                <a:schemeClr val="accent1"/>
+              </a:lnRef>
+              <a:fillRef idx="0">
+                <a:schemeClr val="accent1"/>
+              </a:fillRef>
+              <a:effectRef idx="0">
+                <a:schemeClr val="accent1"/>
+              </a:effectRef>
+              <a:fontRef idx="minor">
+                <a:schemeClr val="tx1"/>
+              </a:fontRef>
+            </p:style>
+          </p:cxnSp>
+        </p:grpSp>
       </p:grpSp>
       <p:sp>
         <p:nvSpPr>
@@ -14277,6 +14299,58 @@
               <a:latin typeface="楷体" panose="02010609060101010101" pitchFamily="49" charset="-122"/>
               <a:ea typeface="楷体" panose="02010609060101010101" pitchFamily="49" charset="-122"/>
             </a:endParaRPr>
+          </a:p>
+        </p:txBody>
+      </p:sp>
+      <p:sp>
+        <p:nvSpPr>
+          <p:cNvPr id="83" name="矩形 82">
+            <a:extLst>
+              <a:ext uri="{FF2B5EF4-FFF2-40B4-BE49-F238E27FC236}">
+                <a16:creationId xmlns:a16="http://schemas.microsoft.com/office/drawing/2014/main" id="{0FACB6F6-C3FE-479F-9120-0389232FD5AF}"/>
+              </a:ext>
+            </a:extLst>
+          </p:cNvPr>
+          <p:cNvSpPr/>
+          <p:nvPr/>
+        </p:nvSpPr>
+        <p:spPr>
+          <a:xfrm>
+            <a:off x="7887222" y="1243053"/>
+            <a:ext cx="3376630" cy="3698115"/>
+          </a:xfrm>
+          <a:prstGeom prst="rect">
+            <a:avLst/>
+          </a:prstGeom>
+          <a:noFill/>
+          <a:ln w="12700">
+            <a:solidFill>
+              <a:schemeClr val="tx1"/>
+            </a:solidFill>
+          </a:ln>
+        </p:spPr>
+        <p:style>
+          <a:lnRef idx="2">
+            <a:schemeClr val="accent1">
+              <a:shade val="50000"/>
+            </a:schemeClr>
+          </a:lnRef>
+          <a:fillRef idx="1">
+            <a:schemeClr val="accent1"/>
+          </a:fillRef>
+          <a:effectRef idx="0">
+            <a:schemeClr val="accent1"/>
+          </a:effectRef>
+          <a:fontRef idx="minor">
+            <a:schemeClr val="lt1"/>
+          </a:fontRef>
+        </p:style>
+        <p:txBody>
+          <a:bodyPr rtlCol="0" anchor="ctr"/>
+          <a:lstStyle/>
+          <a:p>
+            <a:pPr algn="ctr"/>
+            <a:endParaRPr lang="zh-CN" altLang="en-US"/>
           </a:p>
         </p:txBody>
       </p:sp>
@@ -14333,7 +14407,7 @@
           <a:p>
             <a:fld id="{AD4383D2-8C55-4FC0-9B0B-549F41BCB586}" type="datetime1">
               <a:rPr lang="zh-CN" altLang="en-US" smtClean="0"/>
-              <a:t>2017/10/16</a:t>
+              <a:t>2017/10/18</a:t>
             </a:fld>
             <a:endParaRPr lang="zh-CN" altLang="en-US"/>
           </a:p>
@@ -14572,7 +14646,7 @@
           <a:p>
             <a:fld id="{F138C28D-461B-46EA-B3D2-4CEA4CCF97FD}" type="datetime1">
               <a:rPr lang="zh-CN" altLang="en-US" smtClean="0"/>
-              <a:t>2017/10/16</a:t>
+              <a:t>2017/10/18</a:t>
             </a:fld>
             <a:endParaRPr lang="zh-CN" altLang="en-US"/>
           </a:p>
@@ -14977,14 +15051,14 @@
           </a:p>
           <a:p>
             <a:r>
-              <a:rPr lang="zh-CN" altLang="en-US" sz="1200" dirty="0">
+              <a:rPr lang="en-US" altLang="zh-CN" sz="1200" dirty="0">
                 <a:solidFill>
                   <a:srgbClr val="9966FF"/>
                 </a:solidFill>
                 <a:latin typeface="Times New Roman" panose="02020603050405020304" pitchFamily="18" charset="0"/>
                 <a:cs typeface="Times New Roman" panose="02020603050405020304" pitchFamily="18" charset="0"/>
               </a:rPr>
-              <a:t>Scene</a:t>
+              <a:t>Grid </a:t>
             </a:r>
             <a:r>
               <a:rPr lang="zh-CN" altLang="en-US" sz="1200" dirty="0">
@@ -15225,7 +15299,21 @@
                 <a:latin typeface="Times New Roman" panose="02020603050405020304" pitchFamily="18" charset="0"/>
                 <a:cs typeface="Times New Roman" panose="02020603050405020304" pitchFamily="18" charset="0"/>
               </a:rPr>
-              <a:t>	-7.000000	12.000000	35.00000</a:t>
+              <a:t>	-7.000000	12.000000	</a:t>
+            </a:r>
+            <a:r>
+              <a:rPr lang="en-US" altLang="zh-CN" sz="1200" dirty="0">
+                <a:latin typeface="Times New Roman" panose="02020603050405020304" pitchFamily="18" charset="0"/>
+                <a:cs typeface="Times New Roman" panose="02020603050405020304" pitchFamily="18" charset="0"/>
+              </a:rPr>
+              <a:t>-</a:t>
+            </a:r>
+            <a:r>
+              <a:rPr lang="zh-CN" altLang="en-US" sz="1200" dirty="0">
+                <a:latin typeface="Times New Roman" panose="02020603050405020304" pitchFamily="18" charset="0"/>
+                <a:cs typeface="Times New Roman" panose="02020603050405020304" pitchFamily="18" charset="0"/>
+              </a:rPr>
+              <a:t>35.00000</a:t>
             </a:r>
           </a:p>
           <a:p>
@@ -15296,7 +15384,21 @@
                 <a:latin typeface="Times New Roman" panose="02020603050405020304" pitchFamily="18" charset="0"/>
                 <a:cs typeface="Times New Roman" panose="02020603050405020304" pitchFamily="18" charset="0"/>
               </a:rPr>
-              <a:t>	-7.000000	12.000000	49.00000</a:t>
+              <a:t>	-7.000000	12.000000	</a:t>
+            </a:r>
+            <a:r>
+              <a:rPr lang="en-US" altLang="zh-CN" sz="1200" dirty="0">
+                <a:latin typeface="Times New Roman" panose="02020603050405020304" pitchFamily="18" charset="0"/>
+                <a:cs typeface="Times New Roman" panose="02020603050405020304" pitchFamily="18" charset="0"/>
+              </a:rPr>
+              <a:t>-</a:t>
+            </a:r>
+            <a:r>
+              <a:rPr lang="zh-CN" altLang="en-US" sz="1200" dirty="0">
+                <a:latin typeface="Times New Roman" panose="02020603050405020304" pitchFamily="18" charset="0"/>
+                <a:cs typeface="Times New Roman" panose="02020603050405020304" pitchFamily="18" charset="0"/>
+              </a:rPr>
+              <a:t>49.00000</a:t>
             </a:r>
           </a:p>
           <a:p>
@@ -15365,7 +15467,7 @@
                 <a:latin typeface="Times New Roman" panose="02020603050405020304" pitchFamily="18" charset="0"/>
                 <a:cs typeface="Times New Roman" panose="02020603050405020304" pitchFamily="18" charset="0"/>
               </a:rPr>
-              <a:t>35</a:t>
+              <a:t>-35</a:t>
             </a:r>
             <a:r>
               <a:rPr lang="zh-CN" altLang="en-US" sz="1200" dirty="0">
@@ -15407,7 +15509,21 @@
                 <a:latin typeface="Times New Roman" panose="02020603050405020304" pitchFamily="18" charset="0"/>
                 <a:cs typeface="Times New Roman" panose="02020603050405020304" pitchFamily="18" charset="0"/>
               </a:rPr>
-              <a:t>	7.0000000	12.000000	49.00000</a:t>
+              <a:t>	7.0000000	12.000000	</a:t>
+            </a:r>
+            <a:r>
+              <a:rPr lang="en-US" altLang="zh-CN" sz="1200" dirty="0">
+                <a:latin typeface="Times New Roman" panose="02020603050405020304" pitchFamily="18" charset="0"/>
+                <a:cs typeface="Times New Roman" panose="02020603050405020304" pitchFamily="18" charset="0"/>
+              </a:rPr>
+              <a:t>-</a:t>
+            </a:r>
+            <a:r>
+              <a:rPr lang="zh-CN" altLang="en-US" sz="1200" dirty="0">
+                <a:latin typeface="Times New Roman" panose="02020603050405020304" pitchFamily="18" charset="0"/>
+                <a:cs typeface="Times New Roman" panose="02020603050405020304" pitchFamily="18" charset="0"/>
+              </a:rPr>
+              <a:t>49.00000</a:t>
             </a:r>
           </a:p>
           <a:p>
@@ -15494,14 +15610,14 @@
           </a:p>
           <a:p>
             <a:r>
-              <a:rPr lang="zh-CN" altLang="en-US" sz="1200" dirty="0">
+              <a:rPr lang="en-US" altLang="zh-CN" sz="1200" dirty="0">
                 <a:solidFill>
                   <a:srgbClr val="9966FF"/>
                 </a:solidFill>
                 <a:latin typeface="Times New Roman" panose="02020603050405020304" pitchFamily="18" charset="0"/>
                 <a:cs typeface="Times New Roman" panose="02020603050405020304" pitchFamily="18" charset="0"/>
               </a:rPr>
-              <a:t>Scene</a:t>
+              <a:t>Grid</a:t>
             </a:r>
             <a:r>
               <a:rPr lang="zh-CN" altLang="en-US" sz="1200" dirty="0">
@@ -15737,21 +15853,7 @@
                 <a:latin typeface="Times New Roman" panose="02020603050405020304" pitchFamily="18" charset="0"/>
                 <a:cs typeface="Times New Roman" panose="02020603050405020304" pitchFamily="18" charset="0"/>
               </a:rPr>
-              <a:t>	-7.000000	12.000000	</a:t>
-            </a:r>
-            <a:r>
-              <a:rPr lang="en-US" altLang="zh-CN" sz="1200" dirty="0">
-                <a:latin typeface="Times New Roman" panose="02020603050405020304" pitchFamily="18" charset="0"/>
-                <a:cs typeface="Times New Roman" panose="02020603050405020304" pitchFamily="18" charset="0"/>
-              </a:rPr>
-              <a:t>-</a:t>
-            </a:r>
-            <a:r>
-              <a:rPr lang="zh-CN" altLang="en-US" sz="1200" dirty="0">
-                <a:latin typeface="Times New Roman" panose="02020603050405020304" pitchFamily="18" charset="0"/>
-                <a:cs typeface="Times New Roman" panose="02020603050405020304" pitchFamily="18" charset="0"/>
-              </a:rPr>
-              <a:t>35.000000</a:t>
+              <a:t>	-7.000000	12.000000	35.000000</a:t>
             </a:r>
           </a:p>
           <a:p>
@@ -15786,21 +15888,7 @@
                 <a:latin typeface="Times New Roman" panose="02020603050405020304" pitchFamily="18" charset="0"/>
                 <a:cs typeface="Times New Roman" panose="02020603050405020304" pitchFamily="18" charset="0"/>
               </a:rPr>
-              <a:t>	-7.000000	12.000000	</a:t>
-            </a:r>
-            <a:r>
-              <a:rPr lang="en-US" altLang="zh-CN" sz="1200" dirty="0">
-                <a:latin typeface="Times New Roman" panose="02020603050405020304" pitchFamily="18" charset="0"/>
-                <a:cs typeface="Times New Roman" panose="02020603050405020304" pitchFamily="18" charset="0"/>
-              </a:rPr>
-              <a:t>-</a:t>
-            </a:r>
-            <a:r>
-              <a:rPr lang="zh-CN" altLang="en-US" sz="1200" dirty="0">
-                <a:latin typeface="Times New Roman" panose="02020603050405020304" pitchFamily="18" charset="0"/>
-                <a:cs typeface="Times New Roman" panose="02020603050405020304" pitchFamily="18" charset="0"/>
-              </a:rPr>
-              <a:t>49.000000</a:t>
+              <a:t>	-7.000000	12.000000	49.000000</a:t>
             </a:r>
           </a:p>
           <a:p>
@@ -15842,7 +15930,7 @@
                 <a:latin typeface="Times New Roman" panose="02020603050405020304" pitchFamily="18" charset="0"/>
                 <a:cs typeface="Times New Roman" panose="02020603050405020304" pitchFamily="18" charset="0"/>
               </a:rPr>
-              <a:t>-35</a:t>
+              <a:t>35</a:t>
             </a:r>
             <a:r>
               <a:rPr lang="zh-CN" altLang="en-US" sz="1200" dirty="0">
@@ -15884,21 +15972,7 @@
                 <a:latin typeface="Times New Roman" panose="02020603050405020304" pitchFamily="18" charset="0"/>
                 <a:cs typeface="Times New Roman" panose="02020603050405020304" pitchFamily="18" charset="0"/>
               </a:rPr>
-              <a:t>	7.0000000	12.000000	</a:t>
-            </a:r>
-            <a:r>
-              <a:rPr lang="en-US" altLang="zh-CN" sz="1200" dirty="0">
-                <a:latin typeface="Times New Roman" panose="02020603050405020304" pitchFamily="18" charset="0"/>
-                <a:cs typeface="Times New Roman" panose="02020603050405020304" pitchFamily="18" charset="0"/>
-              </a:rPr>
-              <a:t>-</a:t>
-            </a:r>
-            <a:r>
-              <a:rPr lang="zh-CN" altLang="en-US" sz="1200" dirty="0">
-                <a:latin typeface="Times New Roman" panose="02020603050405020304" pitchFamily="18" charset="0"/>
-                <a:cs typeface="Times New Roman" panose="02020603050405020304" pitchFamily="18" charset="0"/>
-              </a:rPr>
-              <a:t>49.000000</a:t>
+              <a:t>	7.0000000	12.000000	49.000000</a:t>
             </a:r>
           </a:p>
           <a:p>
@@ -15910,7 +15984,7 @@
               <a:t>	</a:t>
             </a:r>
             <a:r>
-              <a:rPr lang="en-US" altLang="zh-CN" sz="1200">
+              <a:rPr lang="en-US" altLang="zh-CN" sz="1200" dirty="0">
                 <a:latin typeface="Times New Roman" panose="02020603050405020304" pitchFamily="18" charset="0"/>
                 <a:cs typeface="Times New Roman" panose="02020603050405020304" pitchFamily="18" charset="0"/>
               </a:rPr>
@@ -16025,6 +16099,48 @@
           <a:chExt cx="0" cy="0"/>
         </a:xfrm>
       </p:grpSpPr>
+      <p:cxnSp>
+        <p:nvCxnSpPr>
+          <p:cNvPr id="240" name="直接连接符 239">
+            <a:extLst>
+              <a:ext uri="{FF2B5EF4-FFF2-40B4-BE49-F238E27FC236}">
+                <a16:creationId xmlns:a16="http://schemas.microsoft.com/office/drawing/2014/main" id="{A6CEFF1E-AF1C-4CFB-8E01-72816FB2CC0B}"/>
+              </a:ext>
+            </a:extLst>
+          </p:cNvPr>
+          <p:cNvCxnSpPr>
+            <a:stCxn id="98" idx="2"/>
+            <a:endCxn id="30" idx="0"/>
+          </p:cNvCxnSpPr>
+          <p:nvPr/>
+        </p:nvCxnSpPr>
+        <p:spPr>
+          <a:xfrm>
+            <a:off x="7732038" y="2710671"/>
+            <a:ext cx="0" cy="1510986"/>
+          </a:xfrm>
+          <a:prstGeom prst="line">
+            <a:avLst/>
+          </a:prstGeom>
+          <a:ln>
+            <a:prstDash val="lgDash"/>
+          </a:ln>
+        </p:spPr>
+        <p:style>
+          <a:lnRef idx="1">
+            <a:schemeClr val="accent1"/>
+          </a:lnRef>
+          <a:fillRef idx="0">
+            <a:schemeClr val="accent1"/>
+          </a:fillRef>
+          <a:effectRef idx="0">
+            <a:schemeClr val="accent1"/>
+          </a:effectRef>
+          <a:fontRef idx="minor">
+            <a:schemeClr val="tx1"/>
+          </a:fontRef>
+        </p:style>
+      </p:cxnSp>
       <p:sp>
         <p:nvSpPr>
           <p:cNvPr id="2" name="日期占位符 1">
@@ -16048,7 +16164,7 @@
           <a:p>
             <a:fld id="{F138C28D-461B-46EA-B3D2-4CEA4CCF97FD}" type="datetime1">
               <a:rPr lang="zh-CN" altLang="en-US" smtClean="0"/>
-              <a:t>2017/10/16</a:t>
+              <a:t>2017/10/18</a:t>
             </a:fld>
             <a:endParaRPr lang="zh-CN" altLang="en-US"/>
           </a:p>
@@ -16144,12 +16260,195 @@
           </a:p>
         </p:txBody>
       </p:sp>
+      <p:sp>
+        <p:nvSpPr>
+          <p:cNvPr id="79" name="矩形: 圆角 78">
+            <a:extLst>
+              <a:ext uri="{FF2B5EF4-FFF2-40B4-BE49-F238E27FC236}">
+                <a16:creationId xmlns:a16="http://schemas.microsoft.com/office/drawing/2014/main" id="{D507B4AF-F294-4F5E-9505-F0461352718A}"/>
+              </a:ext>
+            </a:extLst>
+          </p:cNvPr>
+          <p:cNvSpPr/>
+          <p:nvPr/>
+        </p:nvSpPr>
+        <p:spPr>
+          <a:xfrm>
+            <a:off x="3157708" y="5453456"/>
+            <a:ext cx="6352962" cy="568370"/>
+          </a:xfrm>
+          <a:prstGeom prst="roundRect">
+            <a:avLst>
+              <a:gd name="adj" fmla="val 8056"/>
+            </a:avLst>
+          </a:prstGeom>
+          <a:noFill/>
+          <a:ln>
+            <a:noFill/>
+          </a:ln>
+        </p:spPr>
+        <p:style>
+          <a:lnRef idx="2">
+            <a:schemeClr val="accent1">
+              <a:shade val="50000"/>
+            </a:schemeClr>
+          </a:lnRef>
+          <a:fillRef idx="1">
+            <a:schemeClr val="accent1"/>
+          </a:fillRef>
+          <a:effectRef idx="0">
+            <a:schemeClr val="accent1"/>
+          </a:effectRef>
+          <a:fontRef idx="minor">
+            <a:schemeClr val="lt1"/>
+          </a:fontRef>
+        </p:style>
+        <p:txBody>
+          <a:bodyPr rtlCol="0" anchor="ctr"/>
+          <a:lstStyle/>
+          <a:p>
+            <a:r>
+              <a:rPr lang="zh-CN" altLang="en-US" sz="1600" dirty="0">
+                <a:solidFill>
+                  <a:schemeClr val="tx1"/>
+                </a:solidFill>
+                <a:latin typeface="楷体" panose="02010609060101010101" pitchFamily="49" charset="-122"/>
+                <a:ea typeface="楷体" panose="02010609060101010101" pitchFamily="49" charset="-122"/>
+              </a:rPr>
+              <a:t>图</a:t>
+            </a:r>
+            <a:r>
+              <a:rPr lang="en-US" altLang="zh-CN" sz="1600" dirty="0">
+                <a:solidFill>
+                  <a:schemeClr val="tx1"/>
+                </a:solidFill>
+                <a:latin typeface="楷体" panose="02010609060101010101" pitchFamily="49" charset="-122"/>
+                <a:ea typeface="楷体" panose="02010609060101010101" pitchFamily="49" charset="-122"/>
+              </a:rPr>
+              <a:t>8. </a:t>
+            </a:r>
+            <a:r>
+              <a:rPr lang="zh-CN" altLang="en-US" sz="1600" dirty="0">
+                <a:solidFill>
+                  <a:schemeClr val="tx1"/>
+                </a:solidFill>
+                <a:latin typeface="楷体" panose="02010609060101010101" pitchFamily="49" charset="-122"/>
+                <a:ea typeface="楷体" panose="02010609060101010101" pitchFamily="49" charset="-122"/>
+              </a:rPr>
+              <a:t>图</a:t>
+            </a:r>
+            <a:r>
+              <a:rPr lang="en-US" altLang="zh-CN" sz="1600" dirty="0">
+                <a:solidFill>
+                  <a:schemeClr val="tx1"/>
+                </a:solidFill>
+                <a:latin typeface="楷体" panose="02010609060101010101" pitchFamily="49" charset="-122"/>
+                <a:ea typeface="楷体" panose="02010609060101010101" pitchFamily="49" charset="-122"/>
+              </a:rPr>
+              <a:t>8.a</a:t>
+            </a:r>
+            <a:r>
+              <a:rPr lang="zh-CN" altLang="en-US" sz="1600" dirty="0">
+                <a:solidFill>
+                  <a:schemeClr val="tx1"/>
+                </a:solidFill>
+                <a:latin typeface="楷体" panose="02010609060101010101" pitchFamily="49" charset="-122"/>
+                <a:ea typeface="楷体" panose="02010609060101010101" pitchFamily="49" charset="-122"/>
+              </a:rPr>
+              <a:t>是上页场景文件的场景示意图，图</a:t>
+            </a:r>
+            <a:r>
+              <a:rPr lang="en-US" altLang="zh-CN" sz="1600" dirty="0">
+                <a:solidFill>
+                  <a:schemeClr val="tx1"/>
+                </a:solidFill>
+                <a:latin typeface="楷体" panose="02010609060101010101" pitchFamily="49" charset="-122"/>
+                <a:ea typeface="楷体" panose="02010609060101010101" pitchFamily="49" charset="-122"/>
+              </a:rPr>
+              <a:t>7.b</a:t>
+            </a:r>
+            <a:r>
+              <a:rPr lang="zh-CN" altLang="en-US" sz="1600" dirty="0">
+                <a:solidFill>
+                  <a:schemeClr val="tx1"/>
+                </a:solidFill>
+                <a:latin typeface="楷体" panose="02010609060101010101" pitchFamily="49" charset="-122"/>
+                <a:ea typeface="楷体" panose="02010609060101010101" pitchFamily="49" charset="-122"/>
+              </a:rPr>
+              <a:t>是图</a:t>
+            </a:r>
+            <a:r>
+              <a:rPr lang="en-US" altLang="zh-CN" sz="1600" dirty="0">
+                <a:solidFill>
+                  <a:schemeClr val="tx1"/>
+                </a:solidFill>
+                <a:latin typeface="楷体" panose="02010609060101010101" pitchFamily="49" charset="-122"/>
+                <a:ea typeface="楷体" panose="02010609060101010101" pitchFamily="49" charset="-122"/>
+              </a:rPr>
+              <a:t>7.a</a:t>
+            </a:r>
+            <a:r>
+              <a:rPr lang="zh-CN" altLang="en-US" sz="1600" dirty="0">
+                <a:solidFill>
+                  <a:schemeClr val="tx1"/>
+                </a:solidFill>
+                <a:latin typeface="楷体" panose="02010609060101010101" pitchFamily="49" charset="-122"/>
+                <a:ea typeface="楷体" panose="02010609060101010101" pitchFamily="49" charset="-122"/>
+              </a:rPr>
+              <a:t>的俯视图。</a:t>
+            </a:r>
+          </a:p>
+        </p:txBody>
+      </p:sp>
+      <p:sp>
+        <p:nvSpPr>
+          <p:cNvPr id="80" name="文本框 79">
+            <a:extLst>
+              <a:ext uri="{FF2B5EF4-FFF2-40B4-BE49-F238E27FC236}">
+                <a16:creationId xmlns:a16="http://schemas.microsoft.com/office/drawing/2014/main" id="{6C349C49-660C-4936-B2EF-61D0BA452609}"/>
+              </a:ext>
+            </a:extLst>
+          </p:cNvPr>
+          <p:cNvSpPr txBox="1"/>
+          <p:nvPr/>
+        </p:nvSpPr>
+        <p:spPr>
+          <a:xfrm>
+            <a:off x="4212918" y="5326837"/>
+            <a:ext cx="4242542" cy="338554"/>
+          </a:xfrm>
+          <a:prstGeom prst="rect">
+            <a:avLst/>
+          </a:prstGeom>
+          <a:noFill/>
+        </p:spPr>
+        <p:txBody>
+          <a:bodyPr wrap="square" rtlCol="0">
+            <a:spAutoFit/>
+          </a:bodyPr>
+          <a:lstStyle/>
+          <a:p>
+            <a:pPr algn="dist"/>
+            <a:r>
+              <a:rPr lang="en-US" altLang="zh-CN" sz="1600" dirty="0">
+                <a:latin typeface="楷体" panose="02010609060101010101" pitchFamily="49" charset="-122"/>
+                <a:ea typeface="楷体" panose="02010609060101010101" pitchFamily="49" charset="-122"/>
+              </a:rPr>
+              <a:t>a b</a:t>
+            </a:r>
+            <a:endParaRPr lang="zh-CN" altLang="en-US" sz="1600" dirty="0">
+              <a:latin typeface="楷体" panose="02010609060101010101" pitchFamily="49" charset="-122"/>
+              <a:ea typeface="楷体" panose="02010609060101010101" pitchFamily="49" charset="-122"/>
+            </a:endParaRPr>
+          </a:p>
+        </p:txBody>
+      </p:sp>
       <p:grpSp>
         <p:nvGrpSpPr>
-          <p:cNvPr id="247" name="组合 246">
+          <p:cNvPr id="82" name="组合 81">
             <a:extLst>
               <a:ext uri="{FF2B5EF4-FFF2-40B4-BE49-F238E27FC236}">
-                <a16:creationId xmlns:a16="http://schemas.microsoft.com/office/drawing/2014/main" id="{CAC48DC4-FFF2-45B7-A865-C9BF34C6DF62}"/>
+                <a16:creationId xmlns:a16="http://schemas.microsoft.com/office/drawing/2014/main" id="{05CC9F22-6F2A-431D-BC53-33910356DF8A}"/>
               </a:ext>
             </a:extLst>
           </p:cNvPr>
@@ -16158,18 +16457,18 @@
         </p:nvGrpSpPr>
         <p:grpSpPr>
           <a:xfrm>
-            <a:off x="2247709" y="1396460"/>
-            <a:ext cx="7912291" cy="4715955"/>
-            <a:chOff x="2247709" y="1396460"/>
-            <a:chExt cx="7912291" cy="4715955"/>
+            <a:off x="3158699" y="4385678"/>
+            <a:ext cx="1486928" cy="819646"/>
+            <a:chOff x="1932937" y="3802539"/>
+            <a:chExt cx="1961793" cy="1078986"/>
           </a:xfrm>
         </p:grpSpPr>
         <p:sp>
           <p:nvSpPr>
-            <p:cNvPr id="79" name="矩形: 圆角 78">
+            <p:cNvPr id="9" name="平行四边形 8">
               <a:extLst>
                 <a:ext uri="{FF2B5EF4-FFF2-40B4-BE49-F238E27FC236}">
-                  <a16:creationId xmlns:a16="http://schemas.microsoft.com/office/drawing/2014/main" id="{D507B4AF-F294-4F5E-9505-F0461352718A}"/>
+                  <a16:creationId xmlns:a16="http://schemas.microsoft.com/office/drawing/2014/main" id="{0352F9A4-4B7D-47D6-9EB3-D8934C84442A}"/>
                 </a:ext>
               </a:extLst>
             </p:cNvPr>
@@ -16178,30 +16477,24 @@
           </p:nvSpPr>
           <p:spPr>
             <a:xfrm>
-              <a:off x="3157708" y="5453456"/>
-              <a:ext cx="6352962" cy="568370"/>
+              <a:off x="2431884" y="4047764"/>
+              <a:ext cx="504056" cy="288032"/>
             </a:xfrm>
-            <a:prstGeom prst="roundRect">
-              <a:avLst>
-                <a:gd name="adj" fmla="val 8056"/>
-              </a:avLst>
+            <a:prstGeom prst="parallelogram">
+              <a:avLst/>
             </a:prstGeom>
-            <a:noFill/>
-            <a:ln>
-              <a:noFill/>
-            </a:ln>
           </p:spPr>
           <p:style>
             <a:lnRef idx="2">
-              <a:schemeClr val="accent1">
+              <a:schemeClr val="accent5">
                 <a:shade val="50000"/>
               </a:schemeClr>
             </a:lnRef>
             <a:fillRef idx="1">
-              <a:schemeClr val="accent1"/>
+              <a:schemeClr val="accent5"/>
             </a:fillRef>
             <a:effectRef idx="0">
-              <a:schemeClr val="accent1"/>
+              <a:schemeClr val="accent5"/>
             </a:effectRef>
             <a:fontRef idx="minor">
               <a:schemeClr val="lt1"/>
@@ -16211,148 +16504,155 @@
             <a:bodyPr rtlCol="0" anchor="ctr"/>
             <a:lstStyle/>
             <a:p>
-              <a:r>
-                <a:rPr lang="zh-CN" altLang="en-US" sz="1600" dirty="0">
-                  <a:solidFill>
-                    <a:schemeClr val="tx1"/>
-                  </a:solidFill>
-                  <a:latin typeface="楷体" panose="02010609060101010101" pitchFamily="49" charset="-122"/>
-                  <a:ea typeface="楷体" panose="02010609060101010101" pitchFamily="49" charset="-122"/>
-                </a:rPr>
-                <a:t>图</a:t>
-              </a:r>
-              <a:r>
-                <a:rPr lang="en-US" altLang="zh-CN" sz="1600" dirty="0">
-                  <a:solidFill>
-                    <a:schemeClr val="tx1"/>
-                  </a:solidFill>
-                  <a:latin typeface="楷体" panose="02010609060101010101" pitchFamily="49" charset="-122"/>
-                  <a:ea typeface="楷体" panose="02010609060101010101" pitchFamily="49" charset="-122"/>
-                </a:rPr>
-                <a:t>8. </a:t>
-              </a:r>
-              <a:r>
-                <a:rPr lang="zh-CN" altLang="en-US" sz="1600" dirty="0">
-                  <a:solidFill>
-                    <a:schemeClr val="tx1"/>
-                  </a:solidFill>
-                  <a:latin typeface="楷体" panose="02010609060101010101" pitchFamily="49" charset="-122"/>
-                  <a:ea typeface="楷体" panose="02010609060101010101" pitchFamily="49" charset="-122"/>
-                </a:rPr>
-                <a:t>图</a:t>
-              </a:r>
-              <a:r>
-                <a:rPr lang="en-US" altLang="zh-CN" sz="1600" dirty="0">
-                  <a:solidFill>
-                    <a:schemeClr val="tx1"/>
-                  </a:solidFill>
-                  <a:latin typeface="楷体" panose="02010609060101010101" pitchFamily="49" charset="-122"/>
-                  <a:ea typeface="楷体" panose="02010609060101010101" pitchFamily="49" charset="-122"/>
-                </a:rPr>
-                <a:t>8.a</a:t>
-              </a:r>
-              <a:r>
-                <a:rPr lang="zh-CN" altLang="en-US" sz="1600" dirty="0">
-                  <a:solidFill>
-                    <a:schemeClr val="tx1"/>
-                  </a:solidFill>
-                  <a:latin typeface="楷体" panose="02010609060101010101" pitchFamily="49" charset="-122"/>
-                  <a:ea typeface="楷体" panose="02010609060101010101" pitchFamily="49" charset="-122"/>
-                </a:rPr>
-                <a:t>是上页场景文件的场景示意图，图</a:t>
-              </a:r>
-              <a:r>
-                <a:rPr lang="en-US" altLang="zh-CN" sz="1600" dirty="0">
-                  <a:solidFill>
-                    <a:schemeClr val="tx1"/>
-                  </a:solidFill>
-                  <a:latin typeface="楷体" panose="02010609060101010101" pitchFamily="49" charset="-122"/>
-                  <a:ea typeface="楷体" panose="02010609060101010101" pitchFamily="49" charset="-122"/>
-                </a:rPr>
-                <a:t>7.b</a:t>
-              </a:r>
-              <a:r>
-                <a:rPr lang="zh-CN" altLang="en-US" sz="1600" dirty="0">
-                  <a:solidFill>
-                    <a:schemeClr val="tx1"/>
-                  </a:solidFill>
-                  <a:latin typeface="楷体" panose="02010609060101010101" pitchFamily="49" charset="-122"/>
-                  <a:ea typeface="楷体" panose="02010609060101010101" pitchFamily="49" charset="-122"/>
-                </a:rPr>
-                <a:t>是图</a:t>
-              </a:r>
-              <a:r>
-                <a:rPr lang="en-US" altLang="zh-CN" sz="1600" dirty="0">
-                  <a:solidFill>
-                    <a:schemeClr val="tx1"/>
-                  </a:solidFill>
-                  <a:latin typeface="楷体" panose="02010609060101010101" pitchFamily="49" charset="-122"/>
-                  <a:ea typeface="楷体" panose="02010609060101010101" pitchFamily="49" charset="-122"/>
-                </a:rPr>
-                <a:t>7.a</a:t>
-              </a:r>
-              <a:r>
-                <a:rPr lang="zh-CN" altLang="en-US" sz="1600" dirty="0">
-                  <a:solidFill>
-                    <a:schemeClr val="tx1"/>
-                  </a:solidFill>
-                  <a:latin typeface="楷体" panose="02010609060101010101" pitchFamily="49" charset="-122"/>
-                  <a:ea typeface="楷体" panose="02010609060101010101" pitchFamily="49" charset="-122"/>
-                </a:rPr>
-                <a:t>的俯视图。</a:t>
-              </a:r>
+              <a:pPr algn="ctr"/>
+              <a:endParaRPr lang="zh-CN" altLang="en-US"/>
             </a:p>
           </p:txBody>
         </p:sp>
         <p:sp>
           <p:nvSpPr>
-            <p:cNvPr id="80" name="文本框 79">
+            <p:cNvPr id="10" name="平行四边形 9">
               <a:extLst>
                 <a:ext uri="{FF2B5EF4-FFF2-40B4-BE49-F238E27FC236}">
-                  <a16:creationId xmlns:a16="http://schemas.microsoft.com/office/drawing/2014/main" id="{6C349C49-660C-4936-B2EF-61D0BA452609}"/>
+                  <a16:creationId xmlns:a16="http://schemas.microsoft.com/office/drawing/2014/main" id="{2A47F14E-82D4-4CEE-8B6D-493E5DD94611}"/>
                 </a:ext>
               </a:extLst>
             </p:cNvPr>
-            <p:cNvSpPr txBox="1"/>
+            <p:cNvSpPr/>
             <p:nvPr/>
           </p:nvSpPr>
           <p:spPr>
             <a:xfrm>
-              <a:off x="4212918" y="5147786"/>
-              <a:ext cx="4242542" cy="338554"/>
+              <a:off x="3207563" y="4054942"/>
+              <a:ext cx="504056" cy="288032"/>
             </a:xfrm>
-            <a:prstGeom prst="rect">
+            <a:prstGeom prst="parallelogram">
               <a:avLst/>
             </a:prstGeom>
-            <a:noFill/>
           </p:spPr>
+          <p:style>
+            <a:lnRef idx="2">
+              <a:schemeClr val="accent5">
+                <a:shade val="50000"/>
+              </a:schemeClr>
+            </a:lnRef>
+            <a:fillRef idx="1">
+              <a:schemeClr val="accent5"/>
+            </a:fillRef>
+            <a:effectRef idx="0">
+              <a:schemeClr val="accent5"/>
+            </a:effectRef>
+            <a:fontRef idx="minor">
+              <a:schemeClr val="lt1"/>
+            </a:fontRef>
+          </p:style>
           <p:txBody>
-            <a:bodyPr wrap="square" rtlCol="0">
-              <a:spAutoFit/>
-            </a:bodyPr>
+            <a:bodyPr rtlCol="0" anchor="ctr"/>
             <a:lstStyle/>
             <a:p>
-              <a:pPr algn="dist"/>
-              <a:r>
-                <a:rPr lang="en-US" altLang="zh-CN" sz="1600" dirty="0">
-                  <a:latin typeface="楷体" panose="02010609060101010101" pitchFamily="49" charset="-122"/>
-                  <a:ea typeface="楷体" panose="02010609060101010101" pitchFamily="49" charset="-122"/>
-                </a:rPr>
-                <a:t>a b</a:t>
-              </a:r>
-              <a:endParaRPr lang="zh-CN" altLang="en-US" sz="1600" dirty="0">
-                <a:latin typeface="楷体" panose="02010609060101010101" pitchFamily="49" charset="-122"/>
-                <a:ea typeface="楷体" panose="02010609060101010101" pitchFamily="49" charset="-122"/>
-              </a:endParaRPr>
+              <a:pPr algn="ctr"/>
+              <a:endParaRPr lang="zh-CN" altLang="en-US"/>
+            </a:p>
+          </p:txBody>
+        </p:sp>
+        <p:sp>
+          <p:nvSpPr>
+            <p:cNvPr id="11" name="平行四边形 10">
+              <a:extLst>
+                <a:ext uri="{FF2B5EF4-FFF2-40B4-BE49-F238E27FC236}">
+                  <a16:creationId xmlns:a16="http://schemas.microsoft.com/office/drawing/2014/main" id="{D755955A-EDCC-49A2-8333-B150C3C8E011}"/>
+                </a:ext>
+              </a:extLst>
+            </p:cNvPr>
+            <p:cNvSpPr/>
+            <p:nvPr/>
+          </p:nvSpPr>
+          <p:spPr>
+            <a:xfrm>
+              <a:off x="2123783" y="4438915"/>
+              <a:ext cx="504056" cy="288032"/>
+            </a:xfrm>
+            <a:prstGeom prst="parallelogram">
+              <a:avLst/>
+            </a:prstGeom>
+          </p:spPr>
+          <p:style>
+            <a:lnRef idx="2">
+              <a:schemeClr val="accent5">
+                <a:shade val="50000"/>
+              </a:schemeClr>
+            </a:lnRef>
+            <a:fillRef idx="1">
+              <a:schemeClr val="accent5"/>
+            </a:fillRef>
+            <a:effectRef idx="0">
+              <a:schemeClr val="accent5"/>
+            </a:effectRef>
+            <a:fontRef idx="minor">
+              <a:schemeClr val="lt1"/>
+            </a:fontRef>
+          </p:style>
+          <p:txBody>
+            <a:bodyPr rtlCol="0" anchor="ctr"/>
+            <a:lstStyle/>
+            <a:p>
+              <a:pPr algn="ctr"/>
+              <a:endParaRPr lang="zh-CN" altLang="en-US" dirty="0"/>
+            </a:p>
+          </p:txBody>
+        </p:sp>
+        <p:sp>
+          <p:nvSpPr>
+            <p:cNvPr id="12" name="平行四边形 11">
+              <a:extLst>
+                <a:ext uri="{FF2B5EF4-FFF2-40B4-BE49-F238E27FC236}">
+                  <a16:creationId xmlns:a16="http://schemas.microsoft.com/office/drawing/2014/main" id="{AD5A9E64-ACE6-4309-B55B-96C8EBB5C0E0}"/>
+                </a:ext>
+              </a:extLst>
+            </p:cNvPr>
+            <p:cNvSpPr/>
+            <p:nvPr/>
+          </p:nvSpPr>
+          <p:spPr>
+            <a:xfrm>
+              <a:off x="2852700" y="4448043"/>
+              <a:ext cx="504056" cy="288032"/>
+            </a:xfrm>
+            <a:prstGeom prst="parallelogram">
+              <a:avLst/>
+            </a:prstGeom>
+          </p:spPr>
+          <p:style>
+            <a:lnRef idx="2">
+              <a:schemeClr val="accent5">
+                <a:shade val="50000"/>
+              </a:schemeClr>
+            </a:lnRef>
+            <a:fillRef idx="1">
+              <a:schemeClr val="accent5"/>
+            </a:fillRef>
+            <a:effectRef idx="0">
+              <a:schemeClr val="accent5"/>
+            </a:effectRef>
+            <a:fontRef idx="minor">
+              <a:schemeClr val="lt1"/>
+            </a:fontRef>
+          </p:style>
+          <p:txBody>
+            <a:bodyPr rtlCol="0" anchor="ctr"/>
+            <a:lstStyle/>
+            <a:p>
+              <a:pPr algn="ctr"/>
+              <a:endParaRPr lang="zh-CN" altLang="en-US"/>
             </a:p>
           </p:txBody>
         </p:sp>
         <p:grpSp>
           <p:nvGrpSpPr>
-            <p:cNvPr id="244" name="组合 243">
+            <p:cNvPr id="13" name="组合 12">
               <a:extLst>
                 <a:ext uri="{FF2B5EF4-FFF2-40B4-BE49-F238E27FC236}">
-                  <a16:creationId xmlns:a16="http://schemas.microsoft.com/office/drawing/2014/main" id="{990A760F-C0FB-4657-AAE5-3D99CA3235A6}"/>
+                  <a16:creationId xmlns:a16="http://schemas.microsoft.com/office/drawing/2014/main" id="{AA21EDC5-40BF-421C-A225-10DCE1D202DB}"/>
                 </a:ext>
               </a:extLst>
             </p:cNvPr>
@@ -16361,18 +16661,18 @@
           </p:nvGrpSpPr>
           <p:grpSpPr>
             <a:xfrm>
-              <a:off x="3355338" y="1778476"/>
-              <a:ext cx="2562995" cy="3194177"/>
-              <a:chOff x="1932937" y="1687348"/>
-              <a:chExt cx="2562995" cy="3194177"/>
+              <a:off x="1932937" y="3802539"/>
+              <a:ext cx="1961793" cy="1078986"/>
+              <a:chOff x="7752182" y="1916831"/>
+              <a:chExt cx="2880322" cy="1584177"/>
             </a:xfrm>
           </p:grpSpPr>
           <p:sp>
             <p:nvSpPr>
-              <p:cNvPr id="84" name="平行四边形 83">
+              <p:cNvPr id="14" name="立方体 13">
                 <a:extLst>
                   <a:ext uri="{FF2B5EF4-FFF2-40B4-BE49-F238E27FC236}">
-                    <a16:creationId xmlns:a16="http://schemas.microsoft.com/office/drawing/2014/main" id="{BB45418A-D6DF-48A2-80C9-C01393A65F11}"/>
+                    <a16:creationId xmlns:a16="http://schemas.microsoft.com/office/drawing/2014/main" id="{608AA8EE-BC54-467C-9B51-2E57C8C0FF63}"/>
                   </a:ext>
                 </a:extLst>
               </p:cNvPr>
@@ -16381,24 +16681,199 @@
             </p:nvSpPr>
             <p:spPr>
               <a:xfrm>
-                <a:off x="3132901" y="3351749"/>
-                <a:ext cx="504056" cy="288032"/>
+                <a:off x="7752184" y="1916832"/>
+                <a:ext cx="2880320" cy="1584176"/>
               </a:xfrm>
-              <a:prstGeom prst="parallelogram">
-                <a:avLst/>
+              <a:prstGeom prst="cube">
+                <a:avLst>
+                  <a:gd name="adj" fmla="val 53600"/>
+                </a:avLst>
               </a:prstGeom>
+              <a:noFill/>
             </p:spPr>
             <p:style>
               <a:lnRef idx="2">
-                <a:schemeClr val="accent5">
+                <a:schemeClr val="accent1">
                   <a:shade val="50000"/>
                 </a:schemeClr>
               </a:lnRef>
               <a:fillRef idx="1">
-                <a:schemeClr val="accent5"/>
+                <a:schemeClr val="accent1"/>
               </a:fillRef>
               <a:effectRef idx="0">
-                <a:schemeClr val="accent5"/>
+                <a:schemeClr val="accent1"/>
+              </a:effectRef>
+              <a:fontRef idx="minor">
+                <a:schemeClr val="lt1"/>
+              </a:fontRef>
+            </p:style>
+            <p:txBody>
+              <a:bodyPr rtlCol="0" anchor="ctr"/>
+              <a:lstStyle/>
+              <a:p>
+                <a:pPr algn="ctr"/>
+                <a:endParaRPr lang="zh-CN" altLang="en-US"/>
+              </a:p>
+            </p:txBody>
+          </p:sp>
+          <p:cxnSp>
+            <p:nvCxnSpPr>
+              <p:cNvPr id="15" name="直接连接符 14">
+                <a:extLst>
+                  <a:ext uri="{FF2B5EF4-FFF2-40B4-BE49-F238E27FC236}">
+                    <a16:creationId xmlns:a16="http://schemas.microsoft.com/office/drawing/2014/main" id="{A4C11C66-2CA6-425D-95D3-2CA025EEF52D}"/>
+                  </a:ext>
+                </a:extLst>
+              </p:cNvPr>
+              <p:cNvCxnSpPr>
+                <a:cxnSpLocks/>
+              </p:cNvCxnSpPr>
+              <p:nvPr/>
+            </p:nvCxnSpPr>
+            <p:spPr>
+              <a:xfrm>
+                <a:off x="8616280" y="1916832"/>
+                <a:ext cx="0" cy="720080"/>
+              </a:xfrm>
+              <a:prstGeom prst="line">
+                <a:avLst/>
+              </a:prstGeom>
+              <a:ln w="19050">
+                <a:prstDash val="lgDash"/>
+              </a:ln>
+            </p:spPr>
+            <p:style>
+              <a:lnRef idx="1">
+                <a:schemeClr val="accent1"/>
+              </a:lnRef>
+              <a:fillRef idx="0">
+                <a:schemeClr val="accent1"/>
+              </a:fillRef>
+              <a:effectRef idx="0">
+                <a:schemeClr val="accent1"/>
+              </a:effectRef>
+              <a:fontRef idx="minor">
+                <a:schemeClr val="tx1"/>
+              </a:fontRef>
+            </p:style>
+          </p:cxnSp>
+          <p:cxnSp>
+            <p:nvCxnSpPr>
+              <p:cNvPr id="16" name="直接连接符 15">
+                <a:extLst>
+                  <a:ext uri="{FF2B5EF4-FFF2-40B4-BE49-F238E27FC236}">
+                    <a16:creationId xmlns:a16="http://schemas.microsoft.com/office/drawing/2014/main" id="{AAE8132B-4A74-438D-A572-6FA5872AE181}"/>
+                  </a:ext>
+                </a:extLst>
+              </p:cNvPr>
+              <p:cNvCxnSpPr>
+                <a:cxnSpLocks/>
+              </p:cNvCxnSpPr>
+              <p:nvPr/>
+            </p:nvCxnSpPr>
+            <p:spPr>
+              <a:xfrm>
+                <a:off x="8616280" y="2636912"/>
+                <a:ext cx="2016224" cy="0"/>
+              </a:xfrm>
+              <a:prstGeom prst="line">
+                <a:avLst/>
+              </a:prstGeom>
+              <a:ln w="19050">
+                <a:prstDash val="lgDash"/>
+              </a:ln>
+            </p:spPr>
+            <p:style>
+              <a:lnRef idx="1">
+                <a:schemeClr val="accent1"/>
+              </a:lnRef>
+              <a:fillRef idx="0">
+                <a:schemeClr val="accent1"/>
+              </a:fillRef>
+              <a:effectRef idx="0">
+                <a:schemeClr val="accent1"/>
+              </a:effectRef>
+              <a:fontRef idx="minor">
+                <a:schemeClr val="tx1"/>
+              </a:fontRef>
+            </p:style>
+          </p:cxnSp>
+          <p:cxnSp>
+            <p:nvCxnSpPr>
+              <p:cNvPr id="17" name="直接连接符 16">
+                <a:extLst>
+                  <a:ext uri="{FF2B5EF4-FFF2-40B4-BE49-F238E27FC236}">
+                    <a16:creationId xmlns:a16="http://schemas.microsoft.com/office/drawing/2014/main" id="{283088F2-A49A-4EAB-BCB0-67F7E649C783}"/>
+                  </a:ext>
+                </a:extLst>
+              </p:cNvPr>
+              <p:cNvCxnSpPr>
+                <a:cxnSpLocks/>
+              </p:cNvCxnSpPr>
+              <p:nvPr/>
+            </p:nvCxnSpPr>
+            <p:spPr>
+              <a:xfrm flipH="1">
+                <a:off x="7752184" y="2636912"/>
+                <a:ext cx="864096" cy="864096"/>
+              </a:xfrm>
+              <a:prstGeom prst="line">
+                <a:avLst/>
+              </a:prstGeom>
+              <a:ln w="19050">
+                <a:prstDash val="lgDash"/>
+              </a:ln>
+            </p:spPr>
+            <p:style>
+              <a:lnRef idx="1">
+                <a:schemeClr val="accent1"/>
+              </a:lnRef>
+              <a:fillRef idx="0">
+                <a:schemeClr val="accent1"/>
+              </a:fillRef>
+              <a:effectRef idx="0">
+                <a:schemeClr val="accent1"/>
+              </a:effectRef>
+              <a:fontRef idx="minor">
+                <a:schemeClr val="tx1"/>
+              </a:fontRef>
+            </p:style>
+          </p:cxnSp>
+          <p:sp>
+            <p:nvSpPr>
+              <p:cNvPr id="18" name="立方体 17">
+                <a:extLst>
+                  <a:ext uri="{FF2B5EF4-FFF2-40B4-BE49-F238E27FC236}">
+                    <a16:creationId xmlns:a16="http://schemas.microsoft.com/office/drawing/2014/main" id="{D64989AC-35F5-4E44-BAE6-DEC3C0C35BDC}"/>
+                  </a:ext>
+                </a:extLst>
+              </p:cNvPr>
+              <p:cNvSpPr/>
+              <p:nvPr/>
+            </p:nvSpPr>
+            <p:spPr>
+              <a:xfrm>
+                <a:off x="7752182" y="1916831"/>
+                <a:ext cx="1800200" cy="1584175"/>
+              </a:xfrm>
+              <a:prstGeom prst="cube">
+                <a:avLst>
+                  <a:gd name="adj" fmla="val 53600"/>
+                </a:avLst>
+              </a:prstGeom>
+              <a:noFill/>
+            </p:spPr>
+            <p:style>
+              <a:lnRef idx="2">
+                <a:schemeClr val="accent1">
+                  <a:shade val="50000"/>
+                </a:schemeClr>
+              </a:lnRef>
+              <a:fillRef idx="1">
+                <a:schemeClr val="accent1"/>
+              </a:fillRef>
+              <a:effectRef idx="0">
+                <a:schemeClr val="accent1"/>
               </a:effectRef>
               <a:fontRef idx="minor">
                 <a:schemeClr val="lt1"/>
@@ -16415,10 +16890,10 @@
           </p:sp>
           <p:sp>
             <p:nvSpPr>
-              <p:cNvPr id="85" name="平行四边形 84">
+              <p:cNvPr id="19" name="立方体 18">
                 <a:extLst>
                   <a:ext uri="{FF2B5EF4-FFF2-40B4-BE49-F238E27FC236}">
-                    <a16:creationId xmlns:a16="http://schemas.microsoft.com/office/drawing/2014/main" id="{0A2BD296-7D8B-4E7F-ADA2-E9FEA77C0956}"/>
+                    <a16:creationId xmlns:a16="http://schemas.microsoft.com/office/drawing/2014/main" id="{1ABEF6A9-6623-4F2B-A6C8-422CD8F545EB}"/>
                   </a:ext>
                 </a:extLst>
               </p:cNvPr>
@@ -16427,24 +16902,277 @@
             </p:nvSpPr>
             <p:spPr>
               <a:xfrm>
-                <a:off x="3861818" y="3360877"/>
-                <a:ext cx="504056" cy="288032"/>
+                <a:off x="7752184" y="2348880"/>
+                <a:ext cx="2448272" cy="1152127"/>
               </a:xfrm>
-              <a:prstGeom prst="parallelogram">
+              <a:prstGeom prst="cube">
+                <a:avLst>
+                  <a:gd name="adj" fmla="val 36769"/>
+                </a:avLst>
+              </a:prstGeom>
+              <a:noFill/>
+            </p:spPr>
+            <p:style>
+              <a:lnRef idx="2">
+                <a:schemeClr val="accent1">
+                  <a:shade val="50000"/>
+                </a:schemeClr>
+              </a:lnRef>
+              <a:fillRef idx="1">
+                <a:schemeClr val="accent1"/>
+              </a:fillRef>
+              <a:effectRef idx="0">
+                <a:schemeClr val="accent1"/>
+              </a:effectRef>
+              <a:fontRef idx="minor">
+                <a:schemeClr val="lt1"/>
+              </a:fontRef>
+            </p:style>
+            <p:txBody>
+              <a:bodyPr rtlCol="0" anchor="ctr"/>
+              <a:lstStyle/>
+              <a:p>
+                <a:pPr algn="ctr"/>
+                <a:endParaRPr lang="zh-CN" altLang="en-US"/>
+              </a:p>
+            </p:txBody>
+          </p:sp>
+          <p:cxnSp>
+            <p:nvCxnSpPr>
+              <p:cNvPr id="20" name="直接连接符 19">
+                <a:extLst>
+                  <a:ext uri="{FF2B5EF4-FFF2-40B4-BE49-F238E27FC236}">
+                    <a16:creationId xmlns:a16="http://schemas.microsoft.com/office/drawing/2014/main" id="{C75BACFC-5165-4BCD-9087-141FF9C2F09F}"/>
+                  </a:ext>
+                </a:extLst>
+              </p:cNvPr>
+              <p:cNvCxnSpPr>
+                <a:cxnSpLocks/>
+              </p:cNvCxnSpPr>
+              <p:nvPr/>
+            </p:nvCxnSpPr>
+            <p:spPr>
+              <a:xfrm>
+                <a:off x="9120336" y="2348880"/>
+                <a:ext cx="0" cy="720080"/>
+              </a:xfrm>
+              <a:prstGeom prst="line">
+                <a:avLst/>
+              </a:prstGeom>
+              <a:ln w="19050">
+                <a:prstDash val="lgDash"/>
+              </a:ln>
+            </p:spPr>
+            <p:style>
+              <a:lnRef idx="1">
+                <a:schemeClr val="accent1"/>
+              </a:lnRef>
+              <a:fillRef idx="0">
+                <a:schemeClr val="accent1"/>
+              </a:fillRef>
+              <a:effectRef idx="0">
+                <a:schemeClr val="accent1"/>
+              </a:effectRef>
+              <a:fontRef idx="minor">
+                <a:schemeClr val="tx1"/>
+              </a:fontRef>
+            </p:style>
+          </p:cxnSp>
+          <p:cxnSp>
+            <p:nvCxnSpPr>
+              <p:cNvPr id="21" name="直接连接符 20">
+                <a:extLst>
+                  <a:ext uri="{FF2B5EF4-FFF2-40B4-BE49-F238E27FC236}">
+                    <a16:creationId xmlns:a16="http://schemas.microsoft.com/office/drawing/2014/main" id="{6F9CA01F-4632-4586-A9BD-DEBCAE91DD83}"/>
+                  </a:ext>
+                </a:extLst>
+              </p:cNvPr>
+              <p:cNvCxnSpPr>
+                <a:cxnSpLocks/>
+              </p:cNvCxnSpPr>
+              <p:nvPr/>
+            </p:nvCxnSpPr>
+            <p:spPr>
+              <a:xfrm>
+                <a:off x="8184232" y="3068960"/>
+                <a:ext cx="2016224" cy="0"/>
+              </a:xfrm>
+              <a:prstGeom prst="line">
+                <a:avLst/>
+              </a:prstGeom>
+              <a:ln w="19050">
+                <a:prstDash val="lgDash"/>
+              </a:ln>
+            </p:spPr>
+            <p:style>
+              <a:lnRef idx="1">
+                <a:schemeClr val="accent1"/>
+              </a:lnRef>
+              <a:fillRef idx="0">
+                <a:schemeClr val="accent1"/>
+              </a:fillRef>
+              <a:effectRef idx="0">
+                <a:schemeClr val="accent1"/>
+              </a:effectRef>
+              <a:fontRef idx="minor">
+                <a:schemeClr val="tx1"/>
+              </a:fontRef>
+            </p:style>
+          </p:cxnSp>
+          <p:cxnSp>
+            <p:nvCxnSpPr>
+              <p:cNvPr id="22" name="直接连接符 21">
+                <a:extLst>
+                  <a:ext uri="{FF2B5EF4-FFF2-40B4-BE49-F238E27FC236}">
+                    <a16:creationId xmlns:a16="http://schemas.microsoft.com/office/drawing/2014/main" id="{58D32615-79CD-43D1-9245-F3A4C3636E25}"/>
+                  </a:ext>
+                </a:extLst>
+              </p:cNvPr>
+              <p:cNvCxnSpPr>
+                <a:cxnSpLocks/>
+              </p:cNvCxnSpPr>
+              <p:nvPr/>
+            </p:nvCxnSpPr>
+            <p:spPr>
+              <a:xfrm>
+                <a:off x="8184232" y="2348880"/>
+                <a:ext cx="0" cy="720080"/>
+              </a:xfrm>
+              <a:prstGeom prst="line">
+                <a:avLst/>
+              </a:prstGeom>
+              <a:ln w="19050">
+                <a:prstDash val="lgDash"/>
+              </a:ln>
+            </p:spPr>
+            <p:style>
+              <a:lnRef idx="1">
+                <a:schemeClr val="accent1"/>
+              </a:lnRef>
+              <a:fillRef idx="0">
+                <a:schemeClr val="accent1"/>
+              </a:fillRef>
+              <a:effectRef idx="0">
+                <a:schemeClr val="accent1"/>
+              </a:effectRef>
+              <a:fontRef idx="minor">
+                <a:schemeClr val="tx1"/>
+              </a:fontRef>
+            </p:style>
+          </p:cxnSp>
+        </p:grpSp>
+      </p:grpSp>
+      <p:grpSp>
+        <p:nvGrpSpPr>
+          <p:cNvPr id="8" name="组合 7">
+            <a:extLst>
+              <a:ext uri="{FF2B5EF4-FFF2-40B4-BE49-F238E27FC236}">
+                <a16:creationId xmlns:a16="http://schemas.microsoft.com/office/drawing/2014/main" id="{065562DF-1462-4407-AAB4-587D9A6291DD}"/>
+              </a:ext>
+            </a:extLst>
+          </p:cNvPr>
+          <p:cNvGrpSpPr/>
+          <p:nvPr/>
+        </p:nvGrpSpPr>
+        <p:grpSpPr>
+          <a:xfrm>
+            <a:off x="4207882" y="1674106"/>
+            <a:ext cx="817393" cy="2680034"/>
+            <a:chOff x="7477893" y="3711236"/>
+            <a:chExt cx="817393" cy="2613561"/>
+          </a:xfrm>
+        </p:grpSpPr>
+        <p:cxnSp>
+          <p:nvCxnSpPr>
+            <p:cNvPr id="23" name="直接连接符 22">
+              <a:extLst>
+                <a:ext uri="{FF2B5EF4-FFF2-40B4-BE49-F238E27FC236}">
+                  <a16:creationId xmlns:a16="http://schemas.microsoft.com/office/drawing/2014/main" id="{6560A95F-CF69-467F-AC5B-491C2E61EF97}"/>
+                </a:ext>
+              </a:extLst>
+            </p:cNvPr>
+            <p:cNvCxnSpPr>
+              <a:cxnSpLocks/>
+            </p:cNvCxnSpPr>
+            <p:nvPr/>
+          </p:nvCxnSpPr>
+          <p:spPr>
+            <a:xfrm>
+              <a:off x="7859033" y="4099028"/>
+              <a:ext cx="5876" cy="2225769"/>
+            </a:xfrm>
+            <a:prstGeom prst="line">
+              <a:avLst/>
+            </a:prstGeom>
+            <a:ln w="38100"/>
+          </p:spPr>
+          <p:style>
+            <a:lnRef idx="1">
+              <a:schemeClr val="accent6"/>
+            </a:lnRef>
+            <a:fillRef idx="0">
+              <a:schemeClr val="accent6"/>
+            </a:fillRef>
+            <a:effectRef idx="0">
+              <a:schemeClr val="accent6"/>
+            </a:effectRef>
+            <a:fontRef idx="minor">
+              <a:schemeClr val="tx1"/>
+            </a:fontRef>
+          </p:style>
+        </p:cxnSp>
+        <p:grpSp>
+          <p:nvGrpSpPr>
+            <p:cNvPr id="24" name="组合 23">
+              <a:extLst>
+                <a:ext uri="{FF2B5EF4-FFF2-40B4-BE49-F238E27FC236}">
+                  <a16:creationId xmlns:a16="http://schemas.microsoft.com/office/drawing/2014/main" id="{CC6AFA24-7F54-40A4-B697-63B3D2A79AA1}"/>
+                </a:ext>
+              </a:extLst>
+            </p:cNvPr>
+            <p:cNvGrpSpPr/>
+            <p:nvPr/>
+          </p:nvGrpSpPr>
+          <p:grpSpPr>
+            <a:xfrm>
+              <a:off x="7477893" y="3711236"/>
+              <a:ext cx="817393" cy="734756"/>
+              <a:chOff x="7086521" y="3278496"/>
+              <a:chExt cx="2449237" cy="1943848"/>
+            </a:xfrm>
+          </p:grpSpPr>
+          <p:sp>
+            <p:nvSpPr>
+              <p:cNvPr id="25" name="椭圆 24">
+                <a:extLst>
+                  <a:ext uri="{FF2B5EF4-FFF2-40B4-BE49-F238E27FC236}">
+                    <a16:creationId xmlns:a16="http://schemas.microsoft.com/office/drawing/2014/main" id="{3B46856E-7AC7-46F6-A0FD-24F37366AE0A}"/>
+                  </a:ext>
+                </a:extLst>
+              </p:cNvPr>
+              <p:cNvSpPr/>
+              <p:nvPr/>
+            </p:nvSpPr>
+            <p:spPr>
+              <a:xfrm>
+                <a:off x="8169720" y="4250420"/>
+                <a:ext cx="98642" cy="108012"/>
+              </a:xfrm>
+              <a:prstGeom prst="ellipse">
                 <a:avLst/>
               </a:prstGeom>
             </p:spPr>
             <p:style>
               <a:lnRef idx="2">
-                <a:schemeClr val="accent5">
+                <a:schemeClr val="accent1">
                   <a:shade val="50000"/>
                 </a:schemeClr>
               </a:lnRef>
               <a:fillRef idx="1">
-                <a:schemeClr val="accent5"/>
+                <a:schemeClr val="accent1"/>
               </a:fillRef>
               <a:effectRef idx="0">
-                <a:schemeClr val="accent5"/>
+                <a:schemeClr val="accent1"/>
               </a:effectRef>
               <a:fontRef idx="minor">
                 <a:schemeClr val="lt1"/>
@@ -16461,10 +17189,10 @@
           </p:sp>
           <p:sp>
             <p:nvSpPr>
-              <p:cNvPr id="86" name="平行四边形 85">
+              <p:cNvPr id="26" name="立方体 25">
                 <a:extLst>
                   <a:ext uri="{FF2B5EF4-FFF2-40B4-BE49-F238E27FC236}">
-                    <a16:creationId xmlns:a16="http://schemas.microsoft.com/office/drawing/2014/main" id="{84EEA786-6090-471E-A1C4-AC116794763B}"/>
+                    <a16:creationId xmlns:a16="http://schemas.microsoft.com/office/drawing/2014/main" id="{5C8CA9CD-457D-4321-A3A9-05E41BC269D1}"/>
                   </a:ext>
                 </a:extLst>
               </p:cNvPr>
@@ -16473,70 +17201,39 @@
             </p:nvSpPr>
             <p:spPr>
               <a:xfrm>
-                <a:off x="2777144" y="3708853"/>
-                <a:ext cx="504056" cy="288032"/>
+                <a:off x="7087486" y="3278496"/>
+                <a:ext cx="2448272" cy="1943848"/>
               </a:xfrm>
-              <a:prstGeom prst="parallelogram">
-                <a:avLst/>
+              <a:prstGeom prst="cube">
+                <a:avLst>
+                  <a:gd name="adj" fmla="val 11687"/>
+                </a:avLst>
               </a:prstGeom>
+              <a:solidFill>
+                <a:srgbClr val="FDEADA">
+                  <a:alpha val="50196"/>
+                </a:srgbClr>
+              </a:solidFill>
+              <a:ln>
+                <a:solidFill>
+                  <a:schemeClr val="accent2">
+                    <a:lumMod val="60000"/>
+                    <a:lumOff val="40000"/>
+                  </a:schemeClr>
+                </a:solidFill>
+              </a:ln>
             </p:spPr>
             <p:style>
               <a:lnRef idx="2">
-                <a:schemeClr val="accent5">
+                <a:schemeClr val="accent1">
                   <a:shade val="50000"/>
                 </a:schemeClr>
               </a:lnRef>
               <a:fillRef idx="1">
-                <a:schemeClr val="accent5"/>
+                <a:schemeClr val="accent1"/>
               </a:fillRef>
               <a:effectRef idx="0">
-                <a:schemeClr val="accent5"/>
-              </a:effectRef>
-              <a:fontRef idx="minor">
-                <a:schemeClr val="lt1"/>
-              </a:fontRef>
-            </p:style>
-            <p:txBody>
-              <a:bodyPr rtlCol="0" anchor="ctr"/>
-              <a:lstStyle/>
-              <a:p>
-                <a:pPr algn="ctr"/>
-                <a:endParaRPr lang="zh-CN" altLang="en-US" dirty="0"/>
-              </a:p>
-            </p:txBody>
-          </p:sp>
-          <p:sp>
-            <p:nvSpPr>
-              <p:cNvPr id="87" name="平行四边形 86">
-                <a:extLst>
-                  <a:ext uri="{FF2B5EF4-FFF2-40B4-BE49-F238E27FC236}">
-                    <a16:creationId xmlns:a16="http://schemas.microsoft.com/office/drawing/2014/main" id="{3727FF67-7B47-461A-A3F4-E7B8C80C5305}"/>
-                  </a:ext>
-                </a:extLst>
-              </p:cNvPr>
-              <p:cNvSpPr/>
-              <p:nvPr/>
-            </p:nvSpPr>
-            <p:spPr>
-              <a:xfrm>
-                <a:off x="3576804" y="3657321"/>
-                <a:ext cx="504056" cy="288032"/>
-              </a:xfrm>
-              <a:prstGeom prst="parallelogram">
-                <a:avLst/>
-              </a:prstGeom>
-            </p:spPr>
-            <p:style>
-              <a:lnRef idx="2">
-                <a:schemeClr val="accent5">
-                  <a:shade val="50000"/>
-                </a:schemeClr>
-              </a:lnRef>
-              <a:fillRef idx="1">
-                <a:schemeClr val="accent5"/>
-              </a:fillRef>
-              <a:effectRef idx="0">
-                <a:schemeClr val="accent5"/>
+                <a:schemeClr val="accent1"/>
               </a:effectRef>
               <a:fontRef idx="minor">
                 <a:schemeClr val="lt1"/>
@@ -16551,1285 +17248,136 @@
               </a:p>
             </p:txBody>
           </p:sp>
-          <p:grpSp>
-            <p:nvGrpSpPr>
-              <p:cNvPr id="88" name="组合 87">
+          <p:sp>
+            <p:nvSpPr>
+              <p:cNvPr id="27" name="矩形 26">
                 <a:extLst>
                   <a:ext uri="{FF2B5EF4-FFF2-40B4-BE49-F238E27FC236}">
-                    <a16:creationId xmlns:a16="http://schemas.microsoft.com/office/drawing/2014/main" id="{CE312AFF-3129-4042-BF27-A46C4178B8F2}"/>
+                    <a16:creationId xmlns:a16="http://schemas.microsoft.com/office/drawing/2014/main" id="{8535FDDC-7617-429D-BB1E-81851B099C51}"/>
                   </a:ext>
                 </a:extLst>
               </p:cNvPr>
-              <p:cNvGrpSpPr/>
+              <p:cNvSpPr/>
               <p:nvPr/>
-            </p:nvGrpSpPr>
-            <p:grpSpPr>
+            </p:nvSpPr>
+            <p:spPr>
               <a:xfrm>
-                <a:off x="2534140" y="3214945"/>
-                <a:ext cx="1961792" cy="1078986"/>
-                <a:chOff x="7752183" y="1916831"/>
-                <a:chExt cx="2880321" cy="1584177"/>
+                <a:off x="7086521" y="3512344"/>
+                <a:ext cx="2214000" cy="1710000"/>
               </a:xfrm>
-            </p:grpSpPr>
-            <p:sp>
-              <p:nvSpPr>
-                <p:cNvPr id="89" name="立方体 88">
-                  <a:extLst>
-                    <a:ext uri="{FF2B5EF4-FFF2-40B4-BE49-F238E27FC236}">
-                      <a16:creationId xmlns:a16="http://schemas.microsoft.com/office/drawing/2014/main" id="{527CA286-1537-45F5-B455-2857444F9768}"/>
-                    </a:ext>
-                  </a:extLst>
-                </p:cNvPr>
-                <p:cNvSpPr/>
-                <p:nvPr/>
-              </p:nvSpPr>
-              <p:spPr>
-                <a:xfrm>
-                  <a:off x="7752184" y="1916832"/>
-                  <a:ext cx="2880320" cy="1584176"/>
-                </a:xfrm>
-                <a:prstGeom prst="cube">
-                  <a:avLst>
-                    <a:gd name="adj" fmla="val 53600"/>
-                  </a:avLst>
-                </a:prstGeom>
-                <a:noFill/>
-              </p:spPr>
-              <p:style>
-                <a:lnRef idx="2">
-                  <a:schemeClr val="accent1">
-                    <a:shade val="50000"/>
-                  </a:schemeClr>
-                </a:lnRef>
-                <a:fillRef idx="1">
-                  <a:schemeClr val="accent1"/>
-                </a:fillRef>
-                <a:effectRef idx="0">
-                  <a:schemeClr val="accent1"/>
-                </a:effectRef>
-                <a:fontRef idx="minor">
-                  <a:schemeClr val="lt1"/>
-                </a:fontRef>
-              </p:style>
-              <p:txBody>
-                <a:bodyPr rtlCol="0" anchor="ctr"/>
-                <a:lstStyle/>
-                <a:p>
-                  <a:pPr algn="ctr"/>
-                  <a:endParaRPr lang="zh-CN" altLang="en-US"/>
-                </a:p>
-              </p:txBody>
-            </p:sp>
-            <p:cxnSp>
-              <p:nvCxnSpPr>
-                <p:cNvPr id="90" name="直接连接符 89">
-                  <a:extLst>
-                    <a:ext uri="{FF2B5EF4-FFF2-40B4-BE49-F238E27FC236}">
-                      <a16:creationId xmlns:a16="http://schemas.microsoft.com/office/drawing/2014/main" id="{394A0818-3452-4F75-ACB4-75B55D7AAAAE}"/>
-                    </a:ext>
-                  </a:extLst>
-                </p:cNvPr>
-                <p:cNvCxnSpPr>
-                  <a:cxnSpLocks/>
-                </p:cNvCxnSpPr>
-                <p:nvPr/>
-              </p:nvCxnSpPr>
-              <p:spPr>
-                <a:xfrm>
-                  <a:off x="8616280" y="1916832"/>
-                  <a:ext cx="0" cy="720080"/>
-                </a:xfrm>
-                <a:prstGeom prst="line">
-                  <a:avLst/>
-                </a:prstGeom>
-                <a:ln w="19050">
-                  <a:prstDash val="lgDash"/>
-                </a:ln>
-              </p:spPr>
-              <p:style>
-                <a:lnRef idx="1">
-                  <a:schemeClr val="accent1"/>
-                </a:lnRef>
-                <a:fillRef idx="0">
-                  <a:schemeClr val="accent1"/>
-                </a:fillRef>
-                <a:effectRef idx="0">
-                  <a:schemeClr val="accent1"/>
-                </a:effectRef>
-                <a:fontRef idx="minor">
-                  <a:schemeClr val="tx1"/>
-                </a:fontRef>
-              </p:style>
-            </p:cxnSp>
-            <p:cxnSp>
-              <p:nvCxnSpPr>
-                <p:cNvPr id="91" name="直接连接符 90">
-                  <a:extLst>
-                    <a:ext uri="{FF2B5EF4-FFF2-40B4-BE49-F238E27FC236}">
-                      <a16:creationId xmlns:a16="http://schemas.microsoft.com/office/drawing/2014/main" id="{462A685A-31F5-4664-B3AF-4156F46DECE7}"/>
-                    </a:ext>
-                  </a:extLst>
-                </p:cNvPr>
-                <p:cNvCxnSpPr>
-                  <a:cxnSpLocks/>
-                </p:cNvCxnSpPr>
-                <p:nvPr/>
-              </p:nvCxnSpPr>
-              <p:spPr>
-                <a:xfrm>
-                  <a:off x="8616280" y="2636912"/>
-                  <a:ext cx="2016224" cy="0"/>
-                </a:xfrm>
-                <a:prstGeom prst="line">
-                  <a:avLst/>
-                </a:prstGeom>
-                <a:ln w="19050">
-                  <a:prstDash val="lgDash"/>
-                </a:ln>
-              </p:spPr>
-              <p:style>
-                <a:lnRef idx="1">
-                  <a:schemeClr val="accent1"/>
-                </a:lnRef>
-                <a:fillRef idx="0">
-                  <a:schemeClr val="accent1"/>
-                </a:fillRef>
-                <a:effectRef idx="0">
-                  <a:schemeClr val="accent1"/>
-                </a:effectRef>
-                <a:fontRef idx="minor">
-                  <a:schemeClr val="tx1"/>
-                </a:fontRef>
-              </p:style>
-            </p:cxnSp>
-            <p:cxnSp>
-              <p:nvCxnSpPr>
-                <p:cNvPr id="92" name="直接连接符 91">
-                  <a:extLst>
-                    <a:ext uri="{FF2B5EF4-FFF2-40B4-BE49-F238E27FC236}">
-                      <a16:creationId xmlns:a16="http://schemas.microsoft.com/office/drawing/2014/main" id="{D40461D9-53DF-4BB8-BBFE-0FFDD8139E05}"/>
-                    </a:ext>
-                  </a:extLst>
-                </p:cNvPr>
-                <p:cNvCxnSpPr>
-                  <a:cxnSpLocks/>
-                </p:cNvCxnSpPr>
-                <p:nvPr/>
-              </p:nvCxnSpPr>
-              <p:spPr>
-                <a:xfrm flipH="1">
-                  <a:off x="7752184" y="2636912"/>
-                  <a:ext cx="864096" cy="864096"/>
-                </a:xfrm>
-                <a:prstGeom prst="line">
-                  <a:avLst/>
-                </a:prstGeom>
-                <a:ln w="19050">
-                  <a:prstDash val="lgDash"/>
-                </a:ln>
-              </p:spPr>
-              <p:style>
-                <a:lnRef idx="1">
-                  <a:schemeClr val="accent1"/>
-                </a:lnRef>
-                <a:fillRef idx="0">
-                  <a:schemeClr val="accent1"/>
-                </a:fillRef>
-                <a:effectRef idx="0">
-                  <a:schemeClr val="accent1"/>
-                </a:effectRef>
-                <a:fontRef idx="minor">
-                  <a:schemeClr val="tx1"/>
-                </a:fontRef>
-              </p:style>
-            </p:cxnSp>
-            <p:sp>
-              <p:nvSpPr>
-                <p:cNvPr id="93" name="立方体 92">
-                  <a:extLst>
-                    <a:ext uri="{FF2B5EF4-FFF2-40B4-BE49-F238E27FC236}">
-                      <a16:creationId xmlns:a16="http://schemas.microsoft.com/office/drawing/2014/main" id="{0B169C9D-1BF9-406F-9D77-F1C6907CCF1E}"/>
-                    </a:ext>
-                  </a:extLst>
-                </p:cNvPr>
-                <p:cNvSpPr/>
-                <p:nvPr/>
-              </p:nvSpPr>
-              <p:spPr>
-                <a:xfrm>
-                  <a:off x="7752183" y="1916831"/>
-                  <a:ext cx="1800201" cy="1584176"/>
-                </a:xfrm>
-                <a:prstGeom prst="cube">
-                  <a:avLst>
-                    <a:gd name="adj" fmla="val 53600"/>
-                  </a:avLst>
-                </a:prstGeom>
-                <a:noFill/>
-              </p:spPr>
-              <p:style>
-                <a:lnRef idx="2">
-                  <a:schemeClr val="accent1">
-                    <a:shade val="50000"/>
-                  </a:schemeClr>
-                </a:lnRef>
-                <a:fillRef idx="1">
-                  <a:schemeClr val="accent1"/>
-                </a:fillRef>
-                <a:effectRef idx="0">
-                  <a:schemeClr val="accent1"/>
-                </a:effectRef>
-                <a:fontRef idx="minor">
-                  <a:schemeClr val="lt1"/>
-                </a:fontRef>
-              </p:style>
-              <p:txBody>
-                <a:bodyPr rtlCol="0" anchor="ctr"/>
-                <a:lstStyle/>
-                <a:p>
-                  <a:pPr algn="ctr"/>
-                  <a:endParaRPr lang="zh-CN" altLang="en-US"/>
-                </a:p>
-              </p:txBody>
-            </p:sp>
-            <p:sp>
-              <p:nvSpPr>
-                <p:cNvPr id="94" name="立方体 93">
-                  <a:extLst>
-                    <a:ext uri="{FF2B5EF4-FFF2-40B4-BE49-F238E27FC236}">
-                      <a16:creationId xmlns:a16="http://schemas.microsoft.com/office/drawing/2014/main" id="{F114F8D3-CC15-4253-983C-0E129CC11372}"/>
-                    </a:ext>
-                  </a:extLst>
-                </p:cNvPr>
-                <p:cNvSpPr/>
-                <p:nvPr/>
-              </p:nvSpPr>
-              <p:spPr>
-                <a:xfrm>
-                  <a:off x="7752184" y="2348880"/>
-                  <a:ext cx="2448272" cy="1152127"/>
-                </a:xfrm>
-                <a:prstGeom prst="cube">
-                  <a:avLst>
-                    <a:gd name="adj" fmla="val 36769"/>
-                  </a:avLst>
-                </a:prstGeom>
-                <a:noFill/>
-              </p:spPr>
-              <p:style>
-                <a:lnRef idx="2">
-                  <a:schemeClr val="accent1">
-                    <a:shade val="50000"/>
-                  </a:schemeClr>
-                </a:lnRef>
-                <a:fillRef idx="1">
-                  <a:schemeClr val="accent1"/>
-                </a:fillRef>
-                <a:effectRef idx="0">
-                  <a:schemeClr val="accent1"/>
-                </a:effectRef>
-                <a:fontRef idx="minor">
-                  <a:schemeClr val="lt1"/>
-                </a:fontRef>
-              </p:style>
-              <p:txBody>
-                <a:bodyPr rtlCol="0" anchor="ctr"/>
-                <a:lstStyle/>
-                <a:p>
-                  <a:pPr algn="ctr"/>
-                  <a:endParaRPr lang="zh-CN" altLang="en-US"/>
-                </a:p>
-              </p:txBody>
-            </p:sp>
-            <p:cxnSp>
-              <p:nvCxnSpPr>
-                <p:cNvPr id="95" name="直接连接符 94">
-                  <a:extLst>
-                    <a:ext uri="{FF2B5EF4-FFF2-40B4-BE49-F238E27FC236}">
-                      <a16:creationId xmlns:a16="http://schemas.microsoft.com/office/drawing/2014/main" id="{33B53A27-1D1E-46D8-BF0A-2326CA022D8E}"/>
-                    </a:ext>
-                  </a:extLst>
-                </p:cNvPr>
-                <p:cNvCxnSpPr>
-                  <a:cxnSpLocks/>
-                </p:cNvCxnSpPr>
-                <p:nvPr/>
-              </p:nvCxnSpPr>
-              <p:spPr>
-                <a:xfrm>
-                  <a:off x="9120336" y="2348880"/>
-                  <a:ext cx="0" cy="720080"/>
-                </a:xfrm>
-                <a:prstGeom prst="line">
-                  <a:avLst/>
-                </a:prstGeom>
-                <a:ln w="19050">
-                  <a:prstDash val="lgDash"/>
-                </a:ln>
-              </p:spPr>
-              <p:style>
-                <a:lnRef idx="1">
-                  <a:schemeClr val="accent1"/>
-                </a:lnRef>
-                <a:fillRef idx="0">
-                  <a:schemeClr val="accent1"/>
-                </a:fillRef>
-                <a:effectRef idx="0">
-                  <a:schemeClr val="accent1"/>
-                </a:effectRef>
-                <a:fontRef idx="minor">
-                  <a:schemeClr val="tx1"/>
-                </a:fontRef>
-              </p:style>
-            </p:cxnSp>
-            <p:cxnSp>
-              <p:nvCxnSpPr>
-                <p:cNvPr id="96" name="直接连接符 95">
-                  <a:extLst>
-                    <a:ext uri="{FF2B5EF4-FFF2-40B4-BE49-F238E27FC236}">
-                      <a16:creationId xmlns:a16="http://schemas.microsoft.com/office/drawing/2014/main" id="{5ACA3F3E-22EA-4A1D-8093-DC5D9C73A961}"/>
-                    </a:ext>
-                  </a:extLst>
-                </p:cNvPr>
-                <p:cNvCxnSpPr>
-                  <a:cxnSpLocks/>
-                </p:cNvCxnSpPr>
-                <p:nvPr/>
-              </p:nvCxnSpPr>
-              <p:spPr>
-                <a:xfrm>
-                  <a:off x="8184232" y="3068960"/>
-                  <a:ext cx="2016224" cy="0"/>
-                </a:xfrm>
-                <a:prstGeom prst="line">
-                  <a:avLst/>
-                </a:prstGeom>
-                <a:ln w="19050">
-                  <a:prstDash val="lgDash"/>
-                </a:ln>
-              </p:spPr>
-              <p:style>
-                <a:lnRef idx="1">
-                  <a:schemeClr val="accent1"/>
-                </a:lnRef>
-                <a:fillRef idx="0">
-                  <a:schemeClr val="accent1"/>
-                </a:fillRef>
-                <a:effectRef idx="0">
-                  <a:schemeClr val="accent1"/>
-                </a:effectRef>
-                <a:fontRef idx="minor">
-                  <a:schemeClr val="tx1"/>
-                </a:fontRef>
-              </p:style>
-            </p:cxnSp>
-            <p:cxnSp>
-              <p:nvCxnSpPr>
-                <p:cNvPr id="97" name="直接连接符 96">
-                  <a:extLst>
-                    <a:ext uri="{FF2B5EF4-FFF2-40B4-BE49-F238E27FC236}">
-                      <a16:creationId xmlns:a16="http://schemas.microsoft.com/office/drawing/2014/main" id="{BB26E2D2-EF61-438F-9733-6B7807636466}"/>
-                    </a:ext>
-                  </a:extLst>
-                </p:cNvPr>
-                <p:cNvCxnSpPr>
-                  <a:cxnSpLocks/>
-                </p:cNvCxnSpPr>
-                <p:nvPr/>
-              </p:nvCxnSpPr>
-              <p:spPr>
-                <a:xfrm>
-                  <a:off x="8184232" y="2348880"/>
-                  <a:ext cx="0" cy="720080"/>
-                </a:xfrm>
-                <a:prstGeom prst="line">
-                  <a:avLst/>
-                </a:prstGeom>
-                <a:ln w="19050">
-                  <a:prstDash val="lgDash"/>
-                </a:ln>
-              </p:spPr>
-              <p:style>
-                <a:lnRef idx="1">
-                  <a:schemeClr val="accent1"/>
-                </a:lnRef>
-                <a:fillRef idx="0">
-                  <a:schemeClr val="accent1"/>
-                </a:fillRef>
-                <a:effectRef idx="0">
-                  <a:schemeClr val="accent1"/>
-                </a:effectRef>
-                <a:fontRef idx="minor">
-                  <a:schemeClr val="tx1"/>
-                </a:fontRef>
-              </p:style>
-            </p:cxnSp>
-          </p:grpSp>
-          <p:grpSp>
-            <p:nvGrpSpPr>
-              <p:cNvPr id="82" name="组合 81">
-                <a:extLst>
-                  <a:ext uri="{FF2B5EF4-FFF2-40B4-BE49-F238E27FC236}">
-                    <a16:creationId xmlns:a16="http://schemas.microsoft.com/office/drawing/2014/main" id="{05CC9F22-6F2A-431D-BC53-33910356DF8A}"/>
-                  </a:ext>
-                </a:extLst>
-              </p:cNvPr>
-              <p:cNvGrpSpPr/>
-              <p:nvPr/>
-            </p:nvGrpSpPr>
-            <p:grpSpPr>
-              <a:xfrm>
-                <a:off x="1932937" y="3802539"/>
-                <a:ext cx="1961792" cy="1078986"/>
-                <a:chOff x="1932937" y="3802539"/>
-                <a:chExt cx="1961792" cy="1078986"/>
-              </a:xfrm>
-            </p:grpSpPr>
-            <p:sp>
-              <p:nvSpPr>
-                <p:cNvPr id="9" name="平行四边形 8">
-                  <a:extLst>
-                    <a:ext uri="{FF2B5EF4-FFF2-40B4-BE49-F238E27FC236}">
-                      <a16:creationId xmlns:a16="http://schemas.microsoft.com/office/drawing/2014/main" id="{0352F9A4-4B7D-47D6-9EB3-D8934C84442A}"/>
-                    </a:ext>
-                  </a:extLst>
-                </p:cNvPr>
-                <p:cNvSpPr/>
-                <p:nvPr/>
-              </p:nvSpPr>
-              <p:spPr>
-                <a:xfrm>
-                  <a:off x="2431884" y="4047764"/>
-                  <a:ext cx="504056" cy="288032"/>
-                </a:xfrm>
-                <a:prstGeom prst="parallelogram">
-                  <a:avLst/>
-                </a:prstGeom>
-              </p:spPr>
-              <p:style>
-                <a:lnRef idx="2">
-                  <a:schemeClr val="accent5">
-                    <a:shade val="50000"/>
-                  </a:schemeClr>
-                </a:lnRef>
-                <a:fillRef idx="1">
-                  <a:schemeClr val="accent5"/>
-                </a:fillRef>
-                <a:effectRef idx="0">
-                  <a:schemeClr val="accent5"/>
-                </a:effectRef>
-                <a:fontRef idx="minor">
-                  <a:schemeClr val="lt1"/>
-                </a:fontRef>
-              </p:style>
-              <p:txBody>
-                <a:bodyPr rtlCol="0" anchor="ctr"/>
-                <a:lstStyle/>
-                <a:p>
-                  <a:pPr algn="ctr"/>
-                  <a:endParaRPr lang="zh-CN" altLang="en-US"/>
-                </a:p>
-              </p:txBody>
-            </p:sp>
-            <p:sp>
-              <p:nvSpPr>
-                <p:cNvPr id="10" name="平行四边形 9">
-                  <a:extLst>
-                    <a:ext uri="{FF2B5EF4-FFF2-40B4-BE49-F238E27FC236}">
-                      <a16:creationId xmlns:a16="http://schemas.microsoft.com/office/drawing/2014/main" id="{2A47F14E-82D4-4CEE-8B6D-493E5DD94611}"/>
-                    </a:ext>
-                  </a:extLst>
-                </p:cNvPr>
-                <p:cNvSpPr/>
-                <p:nvPr/>
-              </p:nvSpPr>
-              <p:spPr>
-                <a:xfrm>
-                  <a:off x="3207563" y="4054942"/>
-                  <a:ext cx="504056" cy="288032"/>
-                </a:xfrm>
-                <a:prstGeom prst="parallelogram">
-                  <a:avLst/>
-                </a:prstGeom>
-              </p:spPr>
-              <p:style>
-                <a:lnRef idx="2">
-                  <a:schemeClr val="accent5">
-                    <a:shade val="50000"/>
-                  </a:schemeClr>
-                </a:lnRef>
-                <a:fillRef idx="1">
-                  <a:schemeClr val="accent5"/>
-                </a:fillRef>
-                <a:effectRef idx="0">
-                  <a:schemeClr val="accent5"/>
-                </a:effectRef>
-                <a:fontRef idx="minor">
-                  <a:schemeClr val="lt1"/>
-                </a:fontRef>
-              </p:style>
-              <p:txBody>
-                <a:bodyPr rtlCol="0" anchor="ctr"/>
-                <a:lstStyle/>
-                <a:p>
-                  <a:pPr algn="ctr"/>
-                  <a:endParaRPr lang="zh-CN" altLang="en-US"/>
-                </a:p>
-              </p:txBody>
-            </p:sp>
-            <p:sp>
-              <p:nvSpPr>
-                <p:cNvPr id="11" name="平行四边形 10">
-                  <a:extLst>
-                    <a:ext uri="{FF2B5EF4-FFF2-40B4-BE49-F238E27FC236}">
-                      <a16:creationId xmlns:a16="http://schemas.microsoft.com/office/drawing/2014/main" id="{D755955A-EDCC-49A2-8333-B150C3C8E011}"/>
-                    </a:ext>
-                  </a:extLst>
-                </p:cNvPr>
-                <p:cNvSpPr/>
-                <p:nvPr/>
-              </p:nvSpPr>
-              <p:spPr>
-                <a:xfrm>
-                  <a:off x="2123783" y="4438915"/>
-                  <a:ext cx="504056" cy="288032"/>
-                </a:xfrm>
-                <a:prstGeom prst="parallelogram">
-                  <a:avLst/>
-                </a:prstGeom>
-              </p:spPr>
-              <p:style>
-                <a:lnRef idx="2">
-                  <a:schemeClr val="accent5">
-                    <a:shade val="50000"/>
-                  </a:schemeClr>
-                </a:lnRef>
-                <a:fillRef idx="1">
-                  <a:schemeClr val="accent5"/>
-                </a:fillRef>
-                <a:effectRef idx="0">
-                  <a:schemeClr val="accent5"/>
-                </a:effectRef>
-                <a:fontRef idx="minor">
-                  <a:schemeClr val="lt1"/>
-                </a:fontRef>
-              </p:style>
-              <p:txBody>
-                <a:bodyPr rtlCol="0" anchor="ctr"/>
-                <a:lstStyle/>
-                <a:p>
-                  <a:pPr algn="ctr"/>
-                  <a:endParaRPr lang="zh-CN" altLang="en-US" dirty="0"/>
-                </a:p>
-              </p:txBody>
-            </p:sp>
-            <p:sp>
-              <p:nvSpPr>
-                <p:cNvPr id="12" name="平行四边形 11">
-                  <a:extLst>
-                    <a:ext uri="{FF2B5EF4-FFF2-40B4-BE49-F238E27FC236}">
-                      <a16:creationId xmlns:a16="http://schemas.microsoft.com/office/drawing/2014/main" id="{AD5A9E64-ACE6-4309-B55B-96C8EBB5C0E0}"/>
-                    </a:ext>
-                  </a:extLst>
-                </p:cNvPr>
-                <p:cNvSpPr/>
-                <p:nvPr/>
-              </p:nvSpPr>
-              <p:spPr>
-                <a:xfrm>
-                  <a:off x="2852700" y="4448043"/>
-                  <a:ext cx="504056" cy="288032"/>
-                </a:xfrm>
-                <a:prstGeom prst="parallelogram">
-                  <a:avLst/>
-                </a:prstGeom>
-              </p:spPr>
-              <p:style>
-                <a:lnRef idx="2">
-                  <a:schemeClr val="accent5">
-                    <a:shade val="50000"/>
-                  </a:schemeClr>
-                </a:lnRef>
-                <a:fillRef idx="1">
-                  <a:schemeClr val="accent5"/>
-                </a:fillRef>
-                <a:effectRef idx="0">
-                  <a:schemeClr val="accent5"/>
-                </a:effectRef>
-                <a:fontRef idx="minor">
-                  <a:schemeClr val="lt1"/>
-                </a:fontRef>
-              </p:style>
-              <p:txBody>
-                <a:bodyPr rtlCol="0" anchor="ctr"/>
-                <a:lstStyle/>
-                <a:p>
-                  <a:pPr algn="ctr"/>
-                  <a:endParaRPr lang="zh-CN" altLang="en-US"/>
-                </a:p>
-              </p:txBody>
-            </p:sp>
-            <p:grpSp>
-              <p:nvGrpSpPr>
-                <p:cNvPr id="13" name="组合 12">
-                  <a:extLst>
-                    <a:ext uri="{FF2B5EF4-FFF2-40B4-BE49-F238E27FC236}">
-                      <a16:creationId xmlns:a16="http://schemas.microsoft.com/office/drawing/2014/main" id="{AA21EDC5-40BF-421C-A225-10DCE1D202DB}"/>
-                    </a:ext>
-                  </a:extLst>
-                </p:cNvPr>
-                <p:cNvGrpSpPr/>
-                <p:nvPr/>
-              </p:nvGrpSpPr>
-              <p:grpSpPr>
-                <a:xfrm>
-                  <a:off x="1932937" y="3802539"/>
-                  <a:ext cx="1961792" cy="1078986"/>
-                  <a:chOff x="7752183" y="1916831"/>
-                  <a:chExt cx="2880321" cy="1584177"/>
-                </a:xfrm>
-              </p:grpSpPr>
-              <p:sp>
-                <p:nvSpPr>
-                  <p:cNvPr id="14" name="立方体 13">
-                    <a:extLst>
-                      <a:ext uri="{FF2B5EF4-FFF2-40B4-BE49-F238E27FC236}">
-                        <a16:creationId xmlns:a16="http://schemas.microsoft.com/office/drawing/2014/main" id="{608AA8EE-BC54-467C-9B51-2E57C8C0FF63}"/>
-                      </a:ext>
-                    </a:extLst>
-                  </p:cNvPr>
-                  <p:cNvSpPr/>
-                  <p:nvPr/>
-                </p:nvSpPr>
-                <p:spPr>
-                  <a:xfrm>
-                    <a:off x="7752184" y="1916832"/>
-                    <a:ext cx="2880320" cy="1584176"/>
-                  </a:xfrm>
-                  <a:prstGeom prst="cube">
-                    <a:avLst>
-                      <a:gd name="adj" fmla="val 53600"/>
-                    </a:avLst>
-                  </a:prstGeom>
-                  <a:noFill/>
-                </p:spPr>
-                <p:style>
-                  <a:lnRef idx="2">
-                    <a:schemeClr val="accent1">
-                      <a:shade val="50000"/>
-                    </a:schemeClr>
-                  </a:lnRef>
-                  <a:fillRef idx="1">
-                    <a:schemeClr val="accent1"/>
-                  </a:fillRef>
-                  <a:effectRef idx="0">
-                    <a:schemeClr val="accent1"/>
-                  </a:effectRef>
-                  <a:fontRef idx="minor">
-                    <a:schemeClr val="lt1"/>
-                  </a:fontRef>
-                </p:style>
-                <p:txBody>
-                  <a:bodyPr rtlCol="0" anchor="ctr"/>
-                  <a:lstStyle/>
-                  <a:p>
-                    <a:pPr algn="ctr"/>
-                    <a:endParaRPr lang="zh-CN" altLang="en-US"/>
-                  </a:p>
-                </p:txBody>
-              </p:sp>
-              <p:cxnSp>
-                <p:nvCxnSpPr>
-                  <p:cNvPr id="15" name="直接连接符 14">
-                    <a:extLst>
-                      <a:ext uri="{FF2B5EF4-FFF2-40B4-BE49-F238E27FC236}">
-                        <a16:creationId xmlns:a16="http://schemas.microsoft.com/office/drawing/2014/main" id="{A4C11C66-2CA6-425D-95D3-2CA025EEF52D}"/>
-                      </a:ext>
-                    </a:extLst>
-                  </p:cNvPr>
-                  <p:cNvCxnSpPr>
-                    <a:cxnSpLocks/>
-                  </p:cNvCxnSpPr>
-                  <p:nvPr/>
-                </p:nvCxnSpPr>
-                <p:spPr>
-                  <a:xfrm>
-                    <a:off x="8616280" y="1916832"/>
-                    <a:ext cx="0" cy="720080"/>
-                  </a:xfrm>
-                  <a:prstGeom prst="line">
-                    <a:avLst/>
-                  </a:prstGeom>
-                  <a:ln w="19050">
-                    <a:prstDash val="lgDash"/>
-                  </a:ln>
-                </p:spPr>
-                <p:style>
-                  <a:lnRef idx="1">
-                    <a:schemeClr val="accent1"/>
-                  </a:lnRef>
-                  <a:fillRef idx="0">
-                    <a:schemeClr val="accent1"/>
-                  </a:fillRef>
-                  <a:effectRef idx="0">
-                    <a:schemeClr val="accent1"/>
-                  </a:effectRef>
-                  <a:fontRef idx="minor">
-                    <a:schemeClr val="tx1"/>
-                  </a:fontRef>
-                </p:style>
-              </p:cxnSp>
-              <p:cxnSp>
-                <p:nvCxnSpPr>
-                  <p:cNvPr id="16" name="直接连接符 15">
-                    <a:extLst>
-                      <a:ext uri="{FF2B5EF4-FFF2-40B4-BE49-F238E27FC236}">
-                        <a16:creationId xmlns:a16="http://schemas.microsoft.com/office/drawing/2014/main" id="{AAE8132B-4A74-438D-A572-6FA5872AE181}"/>
-                      </a:ext>
-                    </a:extLst>
-                  </p:cNvPr>
-                  <p:cNvCxnSpPr>
-                    <a:cxnSpLocks/>
-                  </p:cNvCxnSpPr>
-                  <p:nvPr/>
-                </p:nvCxnSpPr>
-                <p:spPr>
-                  <a:xfrm>
-                    <a:off x="8616280" y="2636912"/>
-                    <a:ext cx="2016224" cy="0"/>
-                  </a:xfrm>
-                  <a:prstGeom prst="line">
-                    <a:avLst/>
-                  </a:prstGeom>
-                  <a:ln w="19050">
-                    <a:prstDash val="lgDash"/>
-                  </a:ln>
-                </p:spPr>
-                <p:style>
-                  <a:lnRef idx="1">
-                    <a:schemeClr val="accent1"/>
-                  </a:lnRef>
-                  <a:fillRef idx="0">
-                    <a:schemeClr val="accent1"/>
-                  </a:fillRef>
-                  <a:effectRef idx="0">
-                    <a:schemeClr val="accent1"/>
-                  </a:effectRef>
-                  <a:fontRef idx="minor">
-                    <a:schemeClr val="tx1"/>
-                  </a:fontRef>
-                </p:style>
-              </p:cxnSp>
-              <p:cxnSp>
-                <p:nvCxnSpPr>
-                  <p:cNvPr id="17" name="直接连接符 16">
-                    <a:extLst>
-                      <a:ext uri="{FF2B5EF4-FFF2-40B4-BE49-F238E27FC236}">
-                        <a16:creationId xmlns:a16="http://schemas.microsoft.com/office/drawing/2014/main" id="{283088F2-A49A-4EAB-BCB0-67F7E649C783}"/>
-                      </a:ext>
-                    </a:extLst>
-                  </p:cNvPr>
-                  <p:cNvCxnSpPr>
-                    <a:cxnSpLocks/>
-                  </p:cNvCxnSpPr>
-                  <p:nvPr/>
-                </p:nvCxnSpPr>
-                <p:spPr>
-                  <a:xfrm flipH="1">
-                    <a:off x="7752184" y="2636912"/>
-                    <a:ext cx="864096" cy="864096"/>
-                  </a:xfrm>
-                  <a:prstGeom prst="line">
-                    <a:avLst/>
-                  </a:prstGeom>
-                  <a:ln w="19050">
-                    <a:prstDash val="lgDash"/>
-                  </a:ln>
-                </p:spPr>
-                <p:style>
-                  <a:lnRef idx="1">
-                    <a:schemeClr val="accent1"/>
-                  </a:lnRef>
-                  <a:fillRef idx="0">
-                    <a:schemeClr val="accent1"/>
-                  </a:fillRef>
-                  <a:effectRef idx="0">
-                    <a:schemeClr val="accent1"/>
-                  </a:effectRef>
-                  <a:fontRef idx="minor">
-                    <a:schemeClr val="tx1"/>
-                  </a:fontRef>
-                </p:style>
-              </p:cxnSp>
-              <p:sp>
-                <p:nvSpPr>
-                  <p:cNvPr id="18" name="立方体 17">
-                    <a:extLst>
-                      <a:ext uri="{FF2B5EF4-FFF2-40B4-BE49-F238E27FC236}">
-                        <a16:creationId xmlns:a16="http://schemas.microsoft.com/office/drawing/2014/main" id="{D64989AC-35F5-4E44-BAE6-DEC3C0C35BDC}"/>
-                      </a:ext>
-                    </a:extLst>
-                  </p:cNvPr>
-                  <p:cNvSpPr/>
-                  <p:nvPr/>
-                </p:nvSpPr>
-                <p:spPr>
-                  <a:xfrm>
-                    <a:off x="7752183" y="1916831"/>
-                    <a:ext cx="1800201" cy="1584176"/>
-                  </a:xfrm>
-                  <a:prstGeom prst="cube">
-                    <a:avLst>
-                      <a:gd name="adj" fmla="val 53600"/>
-                    </a:avLst>
-                  </a:prstGeom>
-                  <a:noFill/>
-                </p:spPr>
-                <p:style>
-                  <a:lnRef idx="2">
-                    <a:schemeClr val="accent1">
-                      <a:shade val="50000"/>
-                    </a:schemeClr>
-                  </a:lnRef>
-                  <a:fillRef idx="1">
-                    <a:schemeClr val="accent1"/>
-                  </a:fillRef>
-                  <a:effectRef idx="0">
-                    <a:schemeClr val="accent1"/>
-                  </a:effectRef>
-                  <a:fontRef idx="minor">
-                    <a:schemeClr val="lt1"/>
-                  </a:fontRef>
-                </p:style>
-                <p:txBody>
-                  <a:bodyPr rtlCol="0" anchor="ctr"/>
-                  <a:lstStyle/>
-                  <a:p>
-                    <a:pPr algn="ctr"/>
-                    <a:endParaRPr lang="zh-CN" altLang="en-US"/>
-                  </a:p>
-                </p:txBody>
-              </p:sp>
-              <p:sp>
-                <p:nvSpPr>
-                  <p:cNvPr id="19" name="立方体 18">
-                    <a:extLst>
-                      <a:ext uri="{FF2B5EF4-FFF2-40B4-BE49-F238E27FC236}">
-                        <a16:creationId xmlns:a16="http://schemas.microsoft.com/office/drawing/2014/main" id="{1ABEF6A9-6623-4F2B-A6C8-422CD8F545EB}"/>
-                      </a:ext>
-                    </a:extLst>
-                  </p:cNvPr>
-                  <p:cNvSpPr/>
-                  <p:nvPr/>
-                </p:nvSpPr>
-                <p:spPr>
-                  <a:xfrm>
-                    <a:off x="7752184" y="2348880"/>
-                    <a:ext cx="2448272" cy="1152127"/>
-                  </a:xfrm>
-                  <a:prstGeom prst="cube">
-                    <a:avLst>
-                      <a:gd name="adj" fmla="val 36769"/>
-                    </a:avLst>
-                  </a:prstGeom>
-                  <a:noFill/>
-                </p:spPr>
-                <p:style>
-                  <a:lnRef idx="2">
-                    <a:schemeClr val="accent1">
-                      <a:shade val="50000"/>
-                    </a:schemeClr>
-                  </a:lnRef>
-                  <a:fillRef idx="1">
-                    <a:schemeClr val="accent1"/>
-                  </a:fillRef>
-                  <a:effectRef idx="0">
-                    <a:schemeClr val="accent1"/>
-                  </a:effectRef>
-                  <a:fontRef idx="minor">
-                    <a:schemeClr val="lt1"/>
-                  </a:fontRef>
-                </p:style>
-                <p:txBody>
-                  <a:bodyPr rtlCol="0" anchor="ctr"/>
-                  <a:lstStyle/>
-                  <a:p>
-                    <a:pPr algn="ctr"/>
-                    <a:endParaRPr lang="zh-CN" altLang="en-US"/>
-                  </a:p>
-                </p:txBody>
-              </p:sp>
-              <p:cxnSp>
-                <p:nvCxnSpPr>
-                  <p:cNvPr id="20" name="直接连接符 19">
-                    <a:extLst>
-                      <a:ext uri="{FF2B5EF4-FFF2-40B4-BE49-F238E27FC236}">
-                        <a16:creationId xmlns:a16="http://schemas.microsoft.com/office/drawing/2014/main" id="{C75BACFC-5165-4BCD-9087-141FF9C2F09F}"/>
-                      </a:ext>
-                    </a:extLst>
-                  </p:cNvPr>
-                  <p:cNvCxnSpPr>
-                    <a:cxnSpLocks/>
-                  </p:cNvCxnSpPr>
-                  <p:nvPr/>
-                </p:nvCxnSpPr>
-                <p:spPr>
-                  <a:xfrm>
-                    <a:off x="9120336" y="2348880"/>
-                    <a:ext cx="0" cy="720080"/>
-                  </a:xfrm>
-                  <a:prstGeom prst="line">
-                    <a:avLst/>
-                  </a:prstGeom>
-                  <a:ln w="19050">
-                    <a:prstDash val="lgDash"/>
-                  </a:ln>
-                </p:spPr>
-                <p:style>
-                  <a:lnRef idx="1">
-                    <a:schemeClr val="accent1"/>
-                  </a:lnRef>
-                  <a:fillRef idx="0">
-                    <a:schemeClr val="accent1"/>
-                  </a:fillRef>
-                  <a:effectRef idx="0">
-                    <a:schemeClr val="accent1"/>
-                  </a:effectRef>
-                  <a:fontRef idx="minor">
-                    <a:schemeClr val="tx1"/>
-                  </a:fontRef>
-                </p:style>
-              </p:cxnSp>
-              <p:cxnSp>
-                <p:nvCxnSpPr>
-                  <p:cNvPr id="21" name="直接连接符 20">
-                    <a:extLst>
-                      <a:ext uri="{FF2B5EF4-FFF2-40B4-BE49-F238E27FC236}">
-                        <a16:creationId xmlns:a16="http://schemas.microsoft.com/office/drawing/2014/main" id="{6F9CA01F-4632-4586-A9BD-DEBCAE91DD83}"/>
-                      </a:ext>
-                    </a:extLst>
-                  </p:cNvPr>
-                  <p:cNvCxnSpPr>
-                    <a:cxnSpLocks/>
-                  </p:cNvCxnSpPr>
-                  <p:nvPr/>
-                </p:nvCxnSpPr>
-                <p:spPr>
-                  <a:xfrm>
-                    <a:off x="8184232" y="3068960"/>
-                    <a:ext cx="2016224" cy="0"/>
-                  </a:xfrm>
-                  <a:prstGeom prst="line">
-                    <a:avLst/>
-                  </a:prstGeom>
-                  <a:ln w="19050">
-                    <a:prstDash val="lgDash"/>
-                  </a:ln>
-                </p:spPr>
-                <p:style>
-                  <a:lnRef idx="1">
-                    <a:schemeClr val="accent1"/>
-                  </a:lnRef>
-                  <a:fillRef idx="0">
-                    <a:schemeClr val="accent1"/>
-                  </a:fillRef>
-                  <a:effectRef idx="0">
-                    <a:schemeClr val="accent1"/>
-                  </a:effectRef>
-                  <a:fontRef idx="minor">
-                    <a:schemeClr val="tx1"/>
-                  </a:fontRef>
-                </p:style>
-              </p:cxnSp>
-              <p:cxnSp>
-                <p:nvCxnSpPr>
-                  <p:cNvPr id="22" name="直接连接符 21">
-                    <a:extLst>
-                      <a:ext uri="{FF2B5EF4-FFF2-40B4-BE49-F238E27FC236}">
-                        <a16:creationId xmlns:a16="http://schemas.microsoft.com/office/drawing/2014/main" id="{58D32615-79CD-43D1-9245-F3A4C3636E25}"/>
-                      </a:ext>
-                    </a:extLst>
-                  </p:cNvPr>
-                  <p:cNvCxnSpPr>
-                    <a:cxnSpLocks/>
-                  </p:cNvCxnSpPr>
-                  <p:nvPr/>
-                </p:nvCxnSpPr>
-                <p:spPr>
-                  <a:xfrm>
-                    <a:off x="8184232" y="2348880"/>
-                    <a:ext cx="0" cy="720080"/>
-                  </a:xfrm>
-                  <a:prstGeom prst="line">
-                    <a:avLst/>
-                  </a:prstGeom>
-                  <a:ln w="19050">
-                    <a:prstDash val="lgDash"/>
-                  </a:ln>
-                </p:spPr>
-                <p:style>
-                  <a:lnRef idx="1">
-                    <a:schemeClr val="accent1"/>
-                  </a:lnRef>
-                  <a:fillRef idx="0">
-                    <a:schemeClr val="accent1"/>
-                  </a:fillRef>
-                  <a:effectRef idx="0">
-                    <a:schemeClr val="accent1"/>
-                  </a:effectRef>
-                  <a:fontRef idx="minor">
-                    <a:schemeClr val="tx1"/>
-                  </a:fontRef>
-                </p:style>
-              </p:cxnSp>
-            </p:grpSp>
-          </p:grpSp>
-          <p:grpSp>
-            <p:nvGrpSpPr>
-              <p:cNvPr id="8" name="组合 7">
-                <a:extLst>
-                  <a:ext uri="{FF2B5EF4-FFF2-40B4-BE49-F238E27FC236}">
-                    <a16:creationId xmlns:a16="http://schemas.microsoft.com/office/drawing/2014/main" id="{065562DF-1462-4407-AAB4-587D9A6291DD}"/>
-                  </a:ext>
-                </a:extLst>
-              </p:cNvPr>
-              <p:cNvGrpSpPr/>
-              <p:nvPr/>
-            </p:nvGrpSpPr>
-            <p:grpSpPr>
-              <a:xfrm>
-                <a:off x="2785481" y="1687348"/>
-                <a:ext cx="817393" cy="2613561"/>
-                <a:chOff x="7477893" y="3711236"/>
-                <a:chExt cx="817393" cy="2613561"/>
-              </a:xfrm>
-            </p:grpSpPr>
-            <p:cxnSp>
-              <p:nvCxnSpPr>
-                <p:cNvPr id="23" name="直接连接符 22">
-                  <a:extLst>
-                    <a:ext uri="{FF2B5EF4-FFF2-40B4-BE49-F238E27FC236}">
-                      <a16:creationId xmlns:a16="http://schemas.microsoft.com/office/drawing/2014/main" id="{6560A95F-CF69-467F-AC5B-491C2E61EF97}"/>
-                    </a:ext>
-                  </a:extLst>
-                </p:cNvPr>
-                <p:cNvCxnSpPr>
-                  <a:cxnSpLocks/>
-                </p:cNvCxnSpPr>
-                <p:nvPr/>
-              </p:nvCxnSpPr>
-              <p:spPr>
-                <a:xfrm>
-                  <a:off x="7859033" y="4099028"/>
-                  <a:ext cx="5876" cy="2225769"/>
-                </a:xfrm>
-                <a:prstGeom prst="line">
-                  <a:avLst/>
-                </a:prstGeom>
-                <a:ln w="38100"/>
-              </p:spPr>
-              <p:style>
-                <a:lnRef idx="1">
-                  <a:schemeClr val="accent6"/>
-                </a:lnRef>
-                <a:fillRef idx="0">
-                  <a:schemeClr val="accent6"/>
-                </a:fillRef>
-                <a:effectRef idx="0">
-                  <a:schemeClr val="accent6"/>
-                </a:effectRef>
-                <a:fontRef idx="minor">
-                  <a:schemeClr val="tx1"/>
-                </a:fontRef>
-              </p:style>
-            </p:cxnSp>
-            <p:grpSp>
-              <p:nvGrpSpPr>
-                <p:cNvPr id="24" name="组合 23">
-                  <a:extLst>
-                    <a:ext uri="{FF2B5EF4-FFF2-40B4-BE49-F238E27FC236}">
-                      <a16:creationId xmlns:a16="http://schemas.microsoft.com/office/drawing/2014/main" id="{CC6AFA24-7F54-40A4-B697-63B3D2A79AA1}"/>
-                    </a:ext>
-                  </a:extLst>
-                </p:cNvPr>
-                <p:cNvGrpSpPr/>
-                <p:nvPr/>
-              </p:nvGrpSpPr>
-              <p:grpSpPr>
-                <a:xfrm>
-                  <a:off x="7477893" y="3711236"/>
-                  <a:ext cx="817393" cy="734756"/>
-                  <a:chOff x="7086521" y="3278496"/>
-                  <a:chExt cx="2449237" cy="1943848"/>
-                </a:xfrm>
-              </p:grpSpPr>
-              <p:sp>
-                <p:nvSpPr>
-                  <p:cNvPr id="25" name="椭圆 24">
-                    <a:extLst>
-                      <a:ext uri="{FF2B5EF4-FFF2-40B4-BE49-F238E27FC236}">
-                        <a16:creationId xmlns:a16="http://schemas.microsoft.com/office/drawing/2014/main" id="{3B46856E-7AC7-46F6-A0FD-24F37366AE0A}"/>
-                      </a:ext>
-                    </a:extLst>
-                  </p:cNvPr>
-                  <p:cNvSpPr/>
-                  <p:nvPr/>
-                </p:nvSpPr>
-                <p:spPr>
-                  <a:xfrm>
-                    <a:off x="8169720" y="4250420"/>
-                    <a:ext cx="98642" cy="108012"/>
-                  </a:xfrm>
-                  <a:prstGeom prst="ellipse">
-                    <a:avLst/>
-                  </a:prstGeom>
-                </p:spPr>
-                <p:style>
-                  <a:lnRef idx="2">
-                    <a:schemeClr val="accent1">
-                      <a:shade val="50000"/>
-                    </a:schemeClr>
-                  </a:lnRef>
-                  <a:fillRef idx="1">
-                    <a:schemeClr val="accent1"/>
-                  </a:fillRef>
-                  <a:effectRef idx="0">
-                    <a:schemeClr val="accent1"/>
-                  </a:effectRef>
-                  <a:fontRef idx="minor">
-                    <a:schemeClr val="lt1"/>
-                  </a:fontRef>
-                </p:style>
-                <p:txBody>
-                  <a:bodyPr rtlCol="0" anchor="ctr"/>
-                  <a:lstStyle/>
-                  <a:p>
-                    <a:pPr algn="ctr"/>
-                    <a:endParaRPr lang="zh-CN" altLang="en-US"/>
-                  </a:p>
-                </p:txBody>
-              </p:sp>
-              <p:sp>
-                <p:nvSpPr>
-                  <p:cNvPr id="26" name="立方体 25">
-                    <a:extLst>
-                      <a:ext uri="{FF2B5EF4-FFF2-40B4-BE49-F238E27FC236}">
-                        <a16:creationId xmlns:a16="http://schemas.microsoft.com/office/drawing/2014/main" id="{5C8CA9CD-457D-4321-A3A9-05E41BC269D1}"/>
-                      </a:ext>
-                    </a:extLst>
-                  </p:cNvPr>
-                  <p:cNvSpPr/>
-                  <p:nvPr/>
-                </p:nvSpPr>
-                <p:spPr>
-                  <a:xfrm>
-                    <a:off x="7087486" y="3278496"/>
-                    <a:ext cx="2448272" cy="1943848"/>
-                  </a:xfrm>
-                  <a:prstGeom prst="cube">
-                    <a:avLst>
-                      <a:gd name="adj" fmla="val 11687"/>
-                    </a:avLst>
-                  </a:prstGeom>
-                  <a:solidFill>
-                    <a:srgbClr val="FDEADA">
-                      <a:alpha val="50196"/>
-                    </a:srgbClr>
-                  </a:solidFill>
-                  <a:ln>
-                    <a:solidFill>
-                      <a:schemeClr val="accent2">
-                        <a:lumMod val="60000"/>
-                        <a:lumOff val="40000"/>
-                      </a:schemeClr>
-                    </a:solidFill>
-                  </a:ln>
-                </p:spPr>
-                <p:style>
-                  <a:lnRef idx="2">
-                    <a:schemeClr val="accent1">
-                      <a:shade val="50000"/>
-                    </a:schemeClr>
-                  </a:lnRef>
-                  <a:fillRef idx="1">
-                    <a:schemeClr val="accent1"/>
-                  </a:fillRef>
-                  <a:effectRef idx="0">
-                    <a:schemeClr val="accent1"/>
-                  </a:effectRef>
-                  <a:fontRef idx="minor">
-                    <a:schemeClr val="lt1"/>
-                  </a:fontRef>
-                </p:style>
-                <p:txBody>
-                  <a:bodyPr rtlCol="0" anchor="ctr"/>
-                  <a:lstStyle/>
-                  <a:p>
-                    <a:pPr algn="ctr"/>
-                    <a:endParaRPr lang="zh-CN" altLang="en-US"/>
-                  </a:p>
-                </p:txBody>
-              </p:sp>
-              <p:sp>
-                <p:nvSpPr>
-                  <p:cNvPr id="27" name="矩形 26">
-                    <a:extLst>
-                      <a:ext uri="{FF2B5EF4-FFF2-40B4-BE49-F238E27FC236}">
-                        <a16:creationId xmlns:a16="http://schemas.microsoft.com/office/drawing/2014/main" id="{8535FDDC-7617-429D-BB1E-81851B099C51}"/>
-                      </a:ext>
-                    </a:extLst>
-                  </p:cNvPr>
-                  <p:cNvSpPr/>
-                  <p:nvPr/>
-                </p:nvSpPr>
-                <p:spPr>
-                  <a:xfrm>
-                    <a:off x="7086521" y="3512344"/>
-                    <a:ext cx="2214000" cy="1710000"/>
-                  </a:xfrm>
-                  <a:prstGeom prst="rect">
-                    <a:avLst/>
-                  </a:prstGeom>
-                  <a:solidFill>
-                    <a:srgbClr val="FAC090">
-                      <a:alpha val="50196"/>
-                    </a:srgbClr>
-                  </a:solidFill>
-                </p:spPr>
-                <p:style>
-                  <a:lnRef idx="2">
-                    <a:schemeClr val="accent6">
-                      <a:shade val="50000"/>
-                    </a:schemeClr>
-                  </a:lnRef>
-                  <a:fillRef idx="1">
-                    <a:schemeClr val="accent6"/>
-                  </a:fillRef>
-                  <a:effectRef idx="0">
-                    <a:schemeClr val="accent6"/>
-                  </a:effectRef>
-                  <a:fontRef idx="minor">
-                    <a:schemeClr val="lt1"/>
-                  </a:fontRef>
-                </p:style>
-                <p:txBody>
-                  <a:bodyPr rtlCol="0" anchor="ctr"/>
-                  <a:lstStyle/>
-                  <a:p>
-                    <a:pPr algn="ctr"/>
-                    <a:endParaRPr lang="zh-CN" altLang="en-US"/>
-                  </a:p>
-                </p:txBody>
-              </p:sp>
-            </p:grpSp>
-          </p:grpSp>
+              <a:prstGeom prst="rect">
+                <a:avLst/>
+              </a:prstGeom>
+              <a:solidFill>
+                <a:srgbClr val="FAC090">
+                  <a:alpha val="50196"/>
+                </a:srgbClr>
+              </a:solidFill>
+            </p:spPr>
+            <p:style>
+              <a:lnRef idx="2">
+                <a:schemeClr val="accent6">
+                  <a:shade val="50000"/>
+                </a:schemeClr>
+              </a:lnRef>
+              <a:fillRef idx="1">
+                <a:schemeClr val="accent6"/>
+              </a:fillRef>
+              <a:effectRef idx="0">
+                <a:schemeClr val="accent6"/>
+              </a:effectRef>
+              <a:fontRef idx="minor">
+                <a:schemeClr val="lt1"/>
+              </a:fontRef>
+            </p:style>
+            <p:txBody>
+              <a:bodyPr rtlCol="0" anchor="ctr"/>
+              <a:lstStyle/>
+              <a:p>
+                <a:pPr algn="ctr"/>
+                <a:endParaRPr lang="zh-CN" altLang="en-US"/>
+              </a:p>
+            </p:txBody>
+          </p:sp>
         </p:grpSp>
+      </p:grpSp>
+      <p:grpSp>
+        <p:nvGrpSpPr>
+          <p:cNvPr id="237" name="组合 236">
+            <a:extLst>
+              <a:ext uri="{FF2B5EF4-FFF2-40B4-BE49-F238E27FC236}">
+                <a16:creationId xmlns:a16="http://schemas.microsoft.com/office/drawing/2014/main" id="{C888BBC6-5063-44F8-9CBA-3CF9FD3AECC6}"/>
+              </a:ext>
+            </a:extLst>
+          </p:cNvPr>
+          <p:cNvGrpSpPr/>
+          <p:nvPr/>
+        </p:nvGrpSpPr>
+        <p:grpSpPr>
+          <a:xfrm>
+            <a:off x="7176399" y="1558803"/>
+            <a:ext cx="1111275" cy="3804064"/>
+            <a:chOff x="7716658" y="1379752"/>
+            <a:chExt cx="1111275" cy="3804064"/>
+          </a:xfrm>
+        </p:grpSpPr>
+        <p:sp>
+          <p:nvSpPr>
+            <p:cNvPr id="33" name="矩形 32">
+              <a:extLst>
+                <a:ext uri="{FF2B5EF4-FFF2-40B4-BE49-F238E27FC236}">
+                  <a16:creationId xmlns:a16="http://schemas.microsoft.com/office/drawing/2014/main" id="{003029FF-4AEB-4785-A5A9-DD312A5F0EEF}"/>
+                </a:ext>
+              </a:extLst>
+            </p:cNvPr>
+            <p:cNvSpPr/>
+            <p:nvPr/>
+          </p:nvSpPr>
+          <p:spPr>
+            <a:xfrm>
+              <a:off x="7932740" y="3216599"/>
+              <a:ext cx="679113" cy="141028"/>
+            </a:xfrm>
+            <a:prstGeom prst="rect">
+              <a:avLst/>
+            </a:prstGeom>
+            <a:solidFill>
+              <a:srgbClr val="FAC090">
+                <a:alpha val="47843"/>
+              </a:srgbClr>
+            </a:solidFill>
+          </p:spPr>
+          <p:style>
+            <a:lnRef idx="2">
+              <a:schemeClr val="accent6">
+                <a:shade val="50000"/>
+              </a:schemeClr>
+            </a:lnRef>
+            <a:fillRef idx="1">
+              <a:schemeClr val="accent6"/>
+            </a:fillRef>
+            <a:effectRef idx="0">
+              <a:schemeClr val="accent6"/>
+            </a:effectRef>
+            <a:fontRef idx="minor">
+              <a:schemeClr val="lt1"/>
+            </a:fontRef>
+          </p:style>
+          <p:txBody>
+            <a:bodyPr rtlCol="0" anchor="ctr"/>
+            <a:lstStyle/>
+            <a:p>
+              <a:pPr algn="ctr"/>
+              <a:endParaRPr lang="zh-CN" altLang="en-US"/>
+            </a:p>
+          </p:txBody>
+        </p:sp>
         <p:grpSp>
           <p:nvGrpSpPr>
-            <p:cNvPr id="246" name="组合 245">
+            <p:cNvPr id="236" name="组合 235">
               <a:extLst>
                 <a:ext uri="{FF2B5EF4-FFF2-40B4-BE49-F238E27FC236}">
-                  <a16:creationId xmlns:a16="http://schemas.microsoft.com/office/drawing/2014/main" id="{AED88828-941C-4952-8A47-709AA359355D}"/>
+                  <a16:creationId xmlns:a16="http://schemas.microsoft.com/office/drawing/2014/main" id="{EA62FF3F-BAEC-4DDC-A21C-7B619FC854AE}"/>
                 </a:ext>
               </a:extLst>
             </p:cNvPr>
@@ -17838,10 +17386,10 @@
           </p:nvGrpSpPr>
           <p:grpSpPr>
             <a:xfrm>
-              <a:off x="7503930" y="1738094"/>
-              <a:ext cx="1543439" cy="3199638"/>
-              <a:chOff x="7503930" y="1738094"/>
-              <a:chExt cx="1543439" cy="3199638"/>
+              <a:off x="7721800" y="4042606"/>
+              <a:ext cx="1100993" cy="1141210"/>
+              <a:chOff x="7503930" y="3337913"/>
+              <a:chExt cx="1543439" cy="1599819"/>
             </a:xfrm>
           </p:grpSpPr>
           <p:sp>
@@ -17973,57 +17521,6 @@
               </a:fontRef>
             </p:style>
           </p:cxnSp>
-          <p:sp>
-            <p:nvSpPr>
-              <p:cNvPr id="33" name="矩形 32">
-                <a:extLst>
-                  <a:ext uri="{FF2B5EF4-FFF2-40B4-BE49-F238E27FC236}">
-                    <a16:creationId xmlns:a16="http://schemas.microsoft.com/office/drawing/2014/main" id="{003029FF-4AEB-4785-A5A9-DD312A5F0EEF}"/>
-                  </a:ext>
-                </a:extLst>
-              </p:cNvPr>
-              <p:cNvSpPr/>
-              <p:nvPr/>
-            </p:nvSpPr>
-            <p:spPr>
-              <a:xfrm>
-                <a:off x="7936093" y="3267399"/>
-                <a:ext cx="679113" cy="141028"/>
-              </a:xfrm>
-              <a:prstGeom prst="rect">
-                <a:avLst/>
-              </a:prstGeom>
-              <a:solidFill>
-                <a:srgbClr val="FAC090">
-                  <a:alpha val="47843"/>
-                </a:srgbClr>
-              </a:solidFill>
-            </p:spPr>
-            <p:style>
-              <a:lnRef idx="2">
-                <a:schemeClr val="accent6">
-                  <a:shade val="50000"/>
-                </a:schemeClr>
-              </a:lnRef>
-              <a:fillRef idx="1">
-                <a:schemeClr val="accent6"/>
-              </a:fillRef>
-              <a:effectRef idx="0">
-                <a:schemeClr val="accent6"/>
-              </a:effectRef>
-              <a:fontRef idx="minor">
-                <a:schemeClr val="lt1"/>
-              </a:fontRef>
-            </p:style>
-            <p:txBody>
-              <a:bodyPr rtlCol="0" anchor="ctr"/>
-              <a:lstStyle/>
-              <a:p>
-                <a:pPr algn="ctr"/>
-                <a:endParaRPr lang="zh-CN" altLang="en-US"/>
-              </a:p>
-            </p:txBody>
-          </p:sp>
           <p:grpSp>
             <p:nvGrpSpPr>
               <p:cNvPr id="34" name="组合 33">
@@ -20068,6 +19565,27 @@
               </p:style>
             </p:cxnSp>
           </p:grpSp>
+        </p:grpSp>
+        <p:grpSp>
+          <p:nvGrpSpPr>
+            <p:cNvPr id="235" name="组合 234">
+              <a:extLst>
+                <a:ext uri="{FF2B5EF4-FFF2-40B4-BE49-F238E27FC236}">
+                  <a16:creationId xmlns:a16="http://schemas.microsoft.com/office/drawing/2014/main" id="{D6F33E00-AF82-4F88-9C4E-BAF3BBE1A6D3}"/>
+                </a:ext>
+              </a:extLst>
+            </p:cNvPr>
+            <p:cNvGrpSpPr/>
+            <p:nvPr/>
+          </p:nvGrpSpPr>
+          <p:grpSpPr>
+            <a:xfrm>
+              <a:off x="7716658" y="1379752"/>
+              <a:ext cx="1111275" cy="1151868"/>
+              <a:chOff x="7503930" y="1738094"/>
+              <a:chExt cx="1543439" cy="1599819"/>
+            </a:xfrm>
+          </p:grpSpPr>
           <p:sp>
             <p:nvSpPr>
               <p:cNvPr id="98" name="矩形 97">
@@ -21926,12 +21444,85 @@
             </p:sp>
           </p:grpSp>
         </p:grpSp>
+      </p:grpSp>
+      <p:sp>
+        <p:nvSpPr>
+          <p:cNvPr id="243" name="矩形 242">
+            <a:extLst>
+              <a:ext uri="{FF2B5EF4-FFF2-40B4-BE49-F238E27FC236}">
+                <a16:creationId xmlns:a16="http://schemas.microsoft.com/office/drawing/2014/main" id="{9C9E2D67-144C-49C1-A784-078A6A69D349}"/>
+              </a:ext>
+            </a:extLst>
+          </p:cNvPr>
+          <p:cNvSpPr/>
+          <p:nvPr/>
+        </p:nvSpPr>
+        <p:spPr>
+          <a:xfrm>
+            <a:off x="2247709" y="1340768"/>
+            <a:ext cx="7912291" cy="4771647"/>
+          </a:xfrm>
+          <a:prstGeom prst="rect">
+            <a:avLst/>
+          </a:prstGeom>
+          <a:noFill/>
+          <a:ln w="12700">
+            <a:solidFill>
+              <a:schemeClr val="tx1"/>
+            </a:solidFill>
+          </a:ln>
+        </p:spPr>
+        <p:style>
+          <a:lnRef idx="2">
+            <a:schemeClr val="accent1">
+              <a:shade val="50000"/>
+            </a:schemeClr>
+          </a:lnRef>
+          <a:fillRef idx="1">
+            <a:schemeClr val="accent1"/>
+          </a:fillRef>
+          <a:effectRef idx="0">
+            <a:schemeClr val="accent1"/>
+          </a:effectRef>
+          <a:fontRef idx="minor">
+            <a:schemeClr val="lt1"/>
+          </a:fontRef>
+        </p:style>
+        <p:txBody>
+          <a:bodyPr rtlCol="0" anchor="ctr"/>
+          <a:lstStyle/>
+          <a:p>
+            <a:pPr algn="ctr"/>
+            <a:endParaRPr lang="zh-CN" altLang="en-US"/>
+          </a:p>
+        </p:txBody>
+      </p:sp>
+      <p:grpSp>
+        <p:nvGrpSpPr>
+          <p:cNvPr id="145" name="组合 144">
+            <a:extLst>
+              <a:ext uri="{FF2B5EF4-FFF2-40B4-BE49-F238E27FC236}">
+                <a16:creationId xmlns:a16="http://schemas.microsoft.com/office/drawing/2014/main" id="{4D876B27-6350-4292-A434-7939F3024F74}"/>
+              </a:ext>
+            </a:extLst>
+          </p:cNvPr>
+          <p:cNvGrpSpPr/>
+          <p:nvPr/>
+        </p:nvGrpSpPr>
+        <p:grpSpPr>
+          <a:xfrm>
+            <a:off x="4666932" y="3087427"/>
+            <a:ext cx="1486928" cy="819646"/>
+            <a:chOff x="1932937" y="3802539"/>
+            <a:chExt cx="1961793" cy="1078986"/>
+          </a:xfrm>
+        </p:grpSpPr>
         <p:sp>
           <p:nvSpPr>
-            <p:cNvPr id="243" name="矩形 242">
+            <p:cNvPr id="146" name="平行四边形 145">
               <a:extLst>
                 <a:ext uri="{FF2B5EF4-FFF2-40B4-BE49-F238E27FC236}">
-                  <a16:creationId xmlns:a16="http://schemas.microsoft.com/office/drawing/2014/main" id="{9C9E2D67-144C-49C1-A784-078A6A69D349}"/>
+                  <a16:creationId xmlns:a16="http://schemas.microsoft.com/office/drawing/2014/main" id="{E1393FB9-C04B-49B5-ADB7-AFEC010586C9}"/>
                 </a:ext>
               </a:extLst>
             </p:cNvPr>
@@ -21940,30 +21531,24 @@
           </p:nvSpPr>
           <p:spPr>
             <a:xfrm>
-              <a:off x="2247709" y="1396460"/>
-              <a:ext cx="7912291" cy="4715955"/>
+              <a:off x="2431884" y="4047764"/>
+              <a:ext cx="504056" cy="288032"/>
             </a:xfrm>
-            <a:prstGeom prst="rect">
+            <a:prstGeom prst="parallelogram">
               <a:avLst/>
             </a:prstGeom>
-            <a:noFill/>
-            <a:ln w="12700">
-              <a:solidFill>
-                <a:schemeClr val="tx1"/>
-              </a:solidFill>
-            </a:ln>
           </p:spPr>
           <p:style>
             <a:lnRef idx="2">
-              <a:schemeClr val="accent1">
+              <a:schemeClr val="accent5">
                 <a:shade val="50000"/>
               </a:schemeClr>
             </a:lnRef>
             <a:fillRef idx="1">
-              <a:schemeClr val="accent1"/>
+              <a:schemeClr val="accent5"/>
             </a:fillRef>
             <a:effectRef idx="0">
-              <a:schemeClr val="accent1"/>
+              <a:schemeClr val="accent5"/>
             </a:effectRef>
             <a:fontRef idx="minor">
               <a:schemeClr val="lt1"/>
@@ -21978,7 +21563,1136 @@
             </a:p>
           </p:txBody>
         </p:sp>
+        <p:sp>
+          <p:nvSpPr>
+            <p:cNvPr id="148" name="平行四边形 147">
+              <a:extLst>
+                <a:ext uri="{FF2B5EF4-FFF2-40B4-BE49-F238E27FC236}">
+                  <a16:creationId xmlns:a16="http://schemas.microsoft.com/office/drawing/2014/main" id="{706078E6-2B16-4FAA-8C27-B68D53D0E2FE}"/>
+                </a:ext>
+              </a:extLst>
+            </p:cNvPr>
+            <p:cNvSpPr/>
+            <p:nvPr/>
+          </p:nvSpPr>
+          <p:spPr>
+            <a:xfrm>
+              <a:off x="3207563" y="4054942"/>
+              <a:ext cx="504056" cy="288032"/>
+            </a:xfrm>
+            <a:prstGeom prst="parallelogram">
+              <a:avLst/>
+            </a:prstGeom>
+          </p:spPr>
+          <p:style>
+            <a:lnRef idx="2">
+              <a:schemeClr val="accent5">
+                <a:shade val="50000"/>
+              </a:schemeClr>
+            </a:lnRef>
+            <a:fillRef idx="1">
+              <a:schemeClr val="accent5"/>
+            </a:fillRef>
+            <a:effectRef idx="0">
+              <a:schemeClr val="accent5"/>
+            </a:effectRef>
+            <a:fontRef idx="minor">
+              <a:schemeClr val="lt1"/>
+            </a:fontRef>
+          </p:style>
+          <p:txBody>
+            <a:bodyPr rtlCol="0" anchor="ctr"/>
+            <a:lstStyle/>
+            <a:p>
+              <a:pPr algn="ctr"/>
+              <a:endParaRPr lang="zh-CN" altLang="en-US"/>
+            </a:p>
+          </p:txBody>
+        </p:sp>
+        <p:sp>
+          <p:nvSpPr>
+            <p:cNvPr id="149" name="平行四边形 148">
+              <a:extLst>
+                <a:ext uri="{FF2B5EF4-FFF2-40B4-BE49-F238E27FC236}">
+                  <a16:creationId xmlns:a16="http://schemas.microsoft.com/office/drawing/2014/main" id="{ACE5446A-D267-4C3D-82F4-9F3A2884370E}"/>
+                </a:ext>
+              </a:extLst>
+            </p:cNvPr>
+            <p:cNvSpPr/>
+            <p:nvPr/>
+          </p:nvSpPr>
+          <p:spPr>
+            <a:xfrm>
+              <a:off x="2123783" y="4438915"/>
+              <a:ext cx="504056" cy="288032"/>
+            </a:xfrm>
+            <a:prstGeom prst="parallelogram">
+              <a:avLst/>
+            </a:prstGeom>
+          </p:spPr>
+          <p:style>
+            <a:lnRef idx="2">
+              <a:schemeClr val="accent5">
+                <a:shade val="50000"/>
+              </a:schemeClr>
+            </a:lnRef>
+            <a:fillRef idx="1">
+              <a:schemeClr val="accent5"/>
+            </a:fillRef>
+            <a:effectRef idx="0">
+              <a:schemeClr val="accent5"/>
+            </a:effectRef>
+            <a:fontRef idx="minor">
+              <a:schemeClr val="lt1"/>
+            </a:fontRef>
+          </p:style>
+          <p:txBody>
+            <a:bodyPr rtlCol="0" anchor="ctr"/>
+            <a:lstStyle/>
+            <a:p>
+              <a:pPr algn="ctr"/>
+              <a:endParaRPr lang="zh-CN" altLang="en-US" dirty="0"/>
+            </a:p>
+          </p:txBody>
+        </p:sp>
+        <p:sp>
+          <p:nvSpPr>
+            <p:cNvPr id="150" name="平行四边形 149">
+              <a:extLst>
+                <a:ext uri="{FF2B5EF4-FFF2-40B4-BE49-F238E27FC236}">
+                  <a16:creationId xmlns:a16="http://schemas.microsoft.com/office/drawing/2014/main" id="{E1257857-FFFC-4D69-BDE9-4806B789CC73}"/>
+                </a:ext>
+              </a:extLst>
+            </p:cNvPr>
+            <p:cNvSpPr/>
+            <p:nvPr/>
+          </p:nvSpPr>
+          <p:spPr>
+            <a:xfrm>
+              <a:off x="2852700" y="4448043"/>
+              <a:ext cx="504056" cy="288032"/>
+            </a:xfrm>
+            <a:prstGeom prst="parallelogram">
+              <a:avLst/>
+            </a:prstGeom>
+          </p:spPr>
+          <p:style>
+            <a:lnRef idx="2">
+              <a:schemeClr val="accent5">
+                <a:shade val="50000"/>
+              </a:schemeClr>
+            </a:lnRef>
+            <a:fillRef idx="1">
+              <a:schemeClr val="accent5"/>
+            </a:fillRef>
+            <a:effectRef idx="0">
+              <a:schemeClr val="accent5"/>
+            </a:effectRef>
+            <a:fontRef idx="minor">
+              <a:schemeClr val="lt1"/>
+            </a:fontRef>
+          </p:style>
+          <p:txBody>
+            <a:bodyPr rtlCol="0" anchor="ctr"/>
+            <a:lstStyle/>
+            <a:p>
+              <a:pPr algn="ctr"/>
+              <a:endParaRPr lang="zh-CN" altLang="en-US"/>
+            </a:p>
+          </p:txBody>
+        </p:sp>
+        <p:grpSp>
+          <p:nvGrpSpPr>
+            <p:cNvPr id="151" name="组合 150">
+              <a:extLst>
+                <a:ext uri="{FF2B5EF4-FFF2-40B4-BE49-F238E27FC236}">
+                  <a16:creationId xmlns:a16="http://schemas.microsoft.com/office/drawing/2014/main" id="{40336C81-CD6F-49D4-820A-45946EAC18D9}"/>
+                </a:ext>
+              </a:extLst>
+            </p:cNvPr>
+            <p:cNvGrpSpPr/>
+            <p:nvPr/>
+          </p:nvGrpSpPr>
+          <p:grpSpPr>
+            <a:xfrm>
+              <a:off x="1932937" y="3802539"/>
+              <a:ext cx="1961793" cy="1078986"/>
+              <a:chOff x="7752182" y="1916831"/>
+              <a:chExt cx="2880322" cy="1584177"/>
+            </a:xfrm>
+          </p:grpSpPr>
+          <p:sp>
+            <p:nvSpPr>
+              <p:cNvPr id="152" name="立方体 151">
+                <a:extLst>
+                  <a:ext uri="{FF2B5EF4-FFF2-40B4-BE49-F238E27FC236}">
+                    <a16:creationId xmlns:a16="http://schemas.microsoft.com/office/drawing/2014/main" id="{1629A278-A02B-4879-BA48-A9609A2427AA}"/>
+                  </a:ext>
+                </a:extLst>
+              </p:cNvPr>
+              <p:cNvSpPr/>
+              <p:nvPr/>
+            </p:nvSpPr>
+            <p:spPr>
+              <a:xfrm>
+                <a:off x="7752184" y="1916832"/>
+                <a:ext cx="2880320" cy="1584176"/>
+              </a:xfrm>
+              <a:prstGeom prst="cube">
+                <a:avLst>
+                  <a:gd name="adj" fmla="val 53600"/>
+                </a:avLst>
+              </a:prstGeom>
+              <a:noFill/>
+            </p:spPr>
+            <p:style>
+              <a:lnRef idx="2">
+                <a:schemeClr val="accent1">
+                  <a:shade val="50000"/>
+                </a:schemeClr>
+              </a:lnRef>
+              <a:fillRef idx="1">
+                <a:schemeClr val="accent1"/>
+              </a:fillRef>
+              <a:effectRef idx="0">
+                <a:schemeClr val="accent1"/>
+              </a:effectRef>
+              <a:fontRef idx="minor">
+                <a:schemeClr val="lt1"/>
+              </a:fontRef>
+            </p:style>
+            <p:txBody>
+              <a:bodyPr rtlCol="0" anchor="ctr"/>
+              <a:lstStyle/>
+              <a:p>
+                <a:pPr algn="ctr"/>
+                <a:endParaRPr lang="zh-CN" altLang="en-US"/>
+              </a:p>
+            </p:txBody>
+          </p:sp>
+          <p:cxnSp>
+            <p:nvCxnSpPr>
+              <p:cNvPr id="153" name="直接连接符 152">
+                <a:extLst>
+                  <a:ext uri="{FF2B5EF4-FFF2-40B4-BE49-F238E27FC236}">
+                    <a16:creationId xmlns:a16="http://schemas.microsoft.com/office/drawing/2014/main" id="{44CC0C46-3BF0-4617-AA24-FC84A7DE30C0}"/>
+                  </a:ext>
+                </a:extLst>
+              </p:cNvPr>
+              <p:cNvCxnSpPr>
+                <a:cxnSpLocks/>
+              </p:cNvCxnSpPr>
+              <p:nvPr/>
+            </p:nvCxnSpPr>
+            <p:spPr>
+              <a:xfrm>
+                <a:off x="8616280" y="1916832"/>
+                <a:ext cx="0" cy="720080"/>
+              </a:xfrm>
+              <a:prstGeom prst="line">
+                <a:avLst/>
+              </a:prstGeom>
+              <a:ln w="19050">
+                <a:prstDash val="lgDash"/>
+              </a:ln>
+            </p:spPr>
+            <p:style>
+              <a:lnRef idx="1">
+                <a:schemeClr val="accent1"/>
+              </a:lnRef>
+              <a:fillRef idx="0">
+                <a:schemeClr val="accent1"/>
+              </a:fillRef>
+              <a:effectRef idx="0">
+                <a:schemeClr val="accent1"/>
+              </a:effectRef>
+              <a:fontRef idx="minor">
+                <a:schemeClr val="tx1"/>
+              </a:fontRef>
+            </p:style>
+          </p:cxnSp>
+          <p:cxnSp>
+            <p:nvCxnSpPr>
+              <p:cNvPr id="154" name="直接连接符 153">
+                <a:extLst>
+                  <a:ext uri="{FF2B5EF4-FFF2-40B4-BE49-F238E27FC236}">
+                    <a16:creationId xmlns:a16="http://schemas.microsoft.com/office/drawing/2014/main" id="{13AB265B-C6B1-4311-BD2D-53E51FBCC067}"/>
+                  </a:ext>
+                </a:extLst>
+              </p:cNvPr>
+              <p:cNvCxnSpPr>
+                <a:cxnSpLocks/>
+              </p:cNvCxnSpPr>
+              <p:nvPr/>
+            </p:nvCxnSpPr>
+            <p:spPr>
+              <a:xfrm>
+                <a:off x="8616280" y="2636912"/>
+                <a:ext cx="2016224" cy="0"/>
+              </a:xfrm>
+              <a:prstGeom prst="line">
+                <a:avLst/>
+              </a:prstGeom>
+              <a:ln w="19050">
+                <a:prstDash val="lgDash"/>
+              </a:ln>
+            </p:spPr>
+            <p:style>
+              <a:lnRef idx="1">
+                <a:schemeClr val="accent1"/>
+              </a:lnRef>
+              <a:fillRef idx="0">
+                <a:schemeClr val="accent1"/>
+              </a:fillRef>
+              <a:effectRef idx="0">
+                <a:schemeClr val="accent1"/>
+              </a:effectRef>
+              <a:fontRef idx="minor">
+                <a:schemeClr val="tx1"/>
+              </a:fontRef>
+            </p:style>
+          </p:cxnSp>
+          <p:cxnSp>
+            <p:nvCxnSpPr>
+              <p:cNvPr id="155" name="直接连接符 154">
+                <a:extLst>
+                  <a:ext uri="{FF2B5EF4-FFF2-40B4-BE49-F238E27FC236}">
+                    <a16:creationId xmlns:a16="http://schemas.microsoft.com/office/drawing/2014/main" id="{9103BCC5-D275-4746-A78B-BAAB40B9CD40}"/>
+                  </a:ext>
+                </a:extLst>
+              </p:cNvPr>
+              <p:cNvCxnSpPr>
+                <a:cxnSpLocks/>
+              </p:cNvCxnSpPr>
+              <p:nvPr/>
+            </p:nvCxnSpPr>
+            <p:spPr>
+              <a:xfrm flipH="1">
+                <a:off x="7752184" y="2636912"/>
+                <a:ext cx="864096" cy="864096"/>
+              </a:xfrm>
+              <a:prstGeom prst="line">
+                <a:avLst/>
+              </a:prstGeom>
+              <a:ln w="19050">
+                <a:prstDash val="lgDash"/>
+              </a:ln>
+            </p:spPr>
+            <p:style>
+              <a:lnRef idx="1">
+                <a:schemeClr val="accent1"/>
+              </a:lnRef>
+              <a:fillRef idx="0">
+                <a:schemeClr val="accent1"/>
+              </a:fillRef>
+              <a:effectRef idx="0">
+                <a:schemeClr val="accent1"/>
+              </a:effectRef>
+              <a:fontRef idx="minor">
+                <a:schemeClr val="tx1"/>
+              </a:fontRef>
+            </p:style>
+          </p:cxnSp>
+          <p:sp>
+            <p:nvSpPr>
+              <p:cNvPr id="156" name="立方体 155">
+                <a:extLst>
+                  <a:ext uri="{FF2B5EF4-FFF2-40B4-BE49-F238E27FC236}">
+                    <a16:creationId xmlns:a16="http://schemas.microsoft.com/office/drawing/2014/main" id="{2DEF2CA5-247C-4C57-B4A7-105BD805FBF8}"/>
+                  </a:ext>
+                </a:extLst>
+              </p:cNvPr>
+              <p:cNvSpPr/>
+              <p:nvPr/>
+            </p:nvSpPr>
+            <p:spPr>
+              <a:xfrm>
+                <a:off x="7752182" y="1916831"/>
+                <a:ext cx="1800200" cy="1584175"/>
+              </a:xfrm>
+              <a:prstGeom prst="cube">
+                <a:avLst>
+                  <a:gd name="adj" fmla="val 53600"/>
+                </a:avLst>
+              </a:prstGeom>
+              <a:noFill/>
+            </p:spPr>
+            <p:style>
+              <a:lnRef idx="2">
+                <a:schemeClr val="accent1">
+                  <a:shade val="50000"/>
+                </a:schemeClr>
+              </a:lnRef>
+              <a:fillRef idx="1">
+                <a:schemeClr val="accent1"/>
+              </a:fillRef>
+              <a:effectRef idx="0">
+                <a:schemeClr val="accent1"/>
+              </a:effectRef>
+              <a:fontRef idx="minor">
+                <a:schemeClr val="lt1"/>
+              </a:fontRef>
+            </p:style>
+            <p:txBody>
+              <a:bodyPr rtlCol="0" anchor="ctr"/>
+              <a:lstStyle/>
+              <a:p>
+                <a:pPr algn="ctr"/>
+                <a:endParaRPr lang="zh-CN" altLang="en-US"/>
+              </a:p>
+            </p:txBody>
+          </p:sp>
+          <p:sp>
+            <p:nvSpPr>
+              <p:cNvPr id="157" name="立方体 156">
+                <a:extLst>
+                  <a:ext uri="{FF2B5EF4-FFF2-40B4-BE49-F238E27FC236}">
+                    <a16:creationId xmlns:a16="http://schemas.microsoft.com/office/drawing/2014/main" id="{CB9E14AA-FBF9-472C-BB4F-F2AEA17E8768}"/>
+                  </a:ext>
+                </a:extLst>
+              </p:cNvPr>
+              <p:cNvSpPr/>
+              <p:nvPr/>
+            </p:nvSpPr>
+            <p:spPr>
+              <a:xfrm>
+                <a:off x="7752184" y="2348880"/>
+                <a:ext cx="2448272" cy="1152127"/>
+              </a:xfrm>
+              <a:prstGeom prst="cube">
+                <a:avLst>
+                  <a:gd name="adj" fmla="val 36769"/>
+                </a:avLst>
+              </a:prstGeom>
+              <a:noFill/>
+            </p:spPr>
+            <p:style>
+              <a:lnRef idx="2">
+                <a:schemeClr val="accent1">
+                  <a:shade val="50000"/>
+                </a:schemeClr>
+              </a:lnRef>
+              <a:fillRef idx="1">
+                <a:schemeClr val="accent1"/>
+              </a:fillRef>
+              <a:effectRef idx="0">
+                <a:schemeClr val="accent1"/>
+              </a:effectRef>
+              <a:fontRef idx="minor">
+                <a:schemeClr val="lt1"/>
+              </a:fontRef>
+            </p:style>
+            <p:txBody>
+              <a:bodyPr rtlCol="0" anchor="ctr"/>
+              <a:lstStyle/>
+              <a:p>
+                <a:pPr algn="ctr"/>
+                <a:endParaRPr lang="zh-CN" altLang="en-US"/>
+              </a:p>
+            </p:txBody>
+          </p:sp>
+          <p:cxnSp>
+            <p:nvCxnSpPr>
+              <p:cNvPr id="158" name="直接连接符 157">
+                <a:extLst>
+                  <a:ext uri="{FF2B5EF4-FFF2-40B4-BE49-F238E27FC236}">
+                    <a16:creationId xmlns:a16="http://schemas.microsoft.com/office/drawing/2014/main" id="{C993CDDB-6431-40D6-AFB9-677646A4729A}"/>
+                  </a:ext>
+                </a:extLst>
+              </p:cNvPr>
+              <p:cNvCxnSpPr>
+                <a:cxnSpLocks/>
+              </p:cNvCxnSpPr>
+              <p:nvPr/>
+            </p:nvCxnSpPr>
+            <p:spPr>
+              <a:xfrm>
+                <a:off x="9120336" y="2348880"/>
+                <a:ext cx="0" cy="720080"/>
+              </a:xfrm>
+              <a:prstGeom prst="line">
+                <a:avLst/>
+              </a:prstGeom>
+              <a:ln w="19050">
+                <a:prstDash val="lgDash"/>
+              </a:ln>
+            </p:spPr>
+            <p:style>
+              <a:lnRef idx="1">
+                <a:schemeClr val="accent1"/>
+              </a:lnRef>
+              <a:fillRef idx="0">
+                <a:schemeClr val="accent1"/>
+              </a:fillRef>
+              <a:effectRef idx="0">
+                <a:schemeClr val="accent1"/>
+              </a:effectRef>
+              <a:fontRef idx="minor">
+                <a:schemeClr val="tx1"/>
+              </a:fontRef>
+            </p:style>
+          </p:cxnSp>
+          <p:cxnSp>
+            <p:nvCxnSpPr>
+              <p:cNvPr id="159" name="直接连接符 158">
+                <a:extLst>
+                  <a:ext uri="{FF2B5EF4-FFF2-40B4-BE49-F238E27FC236}">
+                    <a16:creationId xmlns:a16="http://schemas.microsoft.com/office/drawing/2014/main" id="{82A09C09-B5D9-4005-AF08-8504C03E1079}"/>
+                  </a:ext>
+                </a:extLst>
+              </p:cNvPr>
+              <p:cNvCxnSpPr>
+                <a:cxnSpLocks/>
+              </p:cNvCxnSpPr>
+              <p:nvPr/>
+            </p:nvCxnSpPr>
+            <p:spPr>
+              <a:xfrm>
+                <a:off x="8184232" y="3068960"/>
+                <a:ext cx="2016224" cy="0"/>
+              </a:xfrm>
+              <a:prstGeom prst="line">
+                <a:avLst/>
+              </a:prstGeom>
+              <a:ln w="19050">
+                <a:prstDash val="lgDash"/>
+              </a:ln>
+            </p:spPr>
+            <p:style>
+              <a:lnRef idx="1">
+                <a:schemeClr val="accent1"/>
+              </a:lnRef>
+              <a:fillRef idx="0">
+                <a:schemeClr val="accent1"/>
+              </a:fillRef>
+              <a:effectRef idx="0">
+                <a:schemeClr val="accent1"/>
+              </a:effectRef>
+              <a:fontRef idx="minor">
+                <a:schemeClr val="tx1"/>
+              </a:fontRef>
+            </p:style>
+          </p:cxnSp>
+          <p:cxnSp>
+            <p:nvCxnSpPr>
+              <p:cNvPr id="160" name="直接连接符 159">
+                <a:extLst>
+                  <a:ext uri="{FF2B5EF4-FFF2-40B4-BE49-F238E27FC236}">
+                    <a16:creationId xmlns:a16="http://schemas.microsoft.com/office/drawing/2014/main" id="{A79EA7C7-818F-4005-A3E3-E1FF6E6E6DE0}"/>
+                  </a:ext>
+                </a:extLst>
+              </p:cNvPr>
+              <p:cNvCxnSpPr>
+                <a:cxnSpLocks/>
+              </p:cNvCxnSpPr>
+              <p:nvPr/>
+            </p:nvCxnSpPr>
+            <p:spPr>
+              <a:xfrm>
+                <a:off x="8184232" y="2348880"/>
+                <a:ext cx="0" cy="720080"/>
+              </a:xfrm>
+              <a:prstGeom prst="line">
+                <a:avLst/>
+              </a:prstGeom>
+              <a:ln w="19050">
+                <a:prstDash val="lgDash"/>
+              </a:ln>
+            </p:spPr>
+            <p:style>
+              <a:lnRef idx="1">
+                <a:schemeClr val="accent1"/>
+              </a:lnRef>
+              <a:fillRef idx="0">
+                <a:schemeClr val="accent1"/>
+              </a:fillRef>
+              <a:effectRef idx="0">
+                <a:schemeClr val="accent1"/>
+              </a:effectRef>
+              <a:fontRef idx="minor">
+                <a:schemeClr val="tx1"/>
+              </a:fontRef>
+            </p:style>
+          </p:cxnSp>
+        </p:grpSp>
       </p:grpSp>
+      <p:cxnSp>
+        <p:nvCxnSpPr>
+          <p:cNvPr id="242" name="直接连接符 241">
+            <a:extLst>
+              <a:ext uri="{FF2B5EF4-FFF2-40B4-BE49-F238E27FC236}">
+                <a16:creationId xmlns:a16="http://schemas.microsoft.com/office/drawing/2014/main" id="{914CFE13-9282-4DD4-9A6B-0E6C298C7F0A}"/>
+              </a:ext>
+            </a:extLst>
+          </p:cNvPr>
+          <p:cNvCxnSpPr>
+            <a:cxnSpLocks/>
+          </p:cNvCxnSpPr>
+          <p:nvPr/>
+        </p:nvCxnSpPr>
+        <p:spPr>
+          <a:xfrm flipH="1">
+            <a:off x="4082336" y="3908267"/>
+            <a:ext cx="1040305" cy="849977"/>
+          </a:xfrm>
+          <a:prstGeom prst="line">
+            <a:avLst/>
+          </a:prstGeom>
+          <a:ln>
+            <a:prstDash val="lgDash"/>
+          </a:ln>
+        </p:spPr>
+        <p:style>
+          <a:lnRef idx="1">
+            <a:schemeClr val="accent1"/>
+          </a:lnRef>
+          <a:fillRef idx="0">
+            <a:schemeClr val="accent1"/>
+          </a:fillRef>
+          <a:effectRef idx="0">
+            <a:schemeClr val="accent1"/>
+          </a:effectRef>
+          <a:fontRef idx="minor">
+            <a:schemeClr val="tx1"/>
+          </a:fontRef>
+        </p:style>
+      </p:cxnSp>
+      <p:graphicFrame>
+        <p:nvGraphicFramePr>
+          <p:cNvPr id="251" name="表格 250">
+            <a:extLst>
+              <a:ext uri="{FF2B5EF4-FFF2-40B4-BE49-F238E27FC236}">
+                <a16:creationId xmlns:a16="http://schemas.microsoft.com/office/drawing/2014/main" id="{3AC84402-6D7B-42B5-9C7C-B0E4B9634537}"/>
+              </a:ext>
+            </a:extLst>
+          </p:cNvPr>
+          <p:cNvGraphicFramePr>
+            <a:graphicFrameLocks noGrp="1"/>
+          </p:cNvGraphicFramePr>
+          <p:nvPr>
+            <p:extLst>
+              <p:ext uri="{D42A27DB-BD31-4B8C-83A1-F6EECF244321}">
+                <p14:modId xmlns:p14="http://schemas.microsoft.com/office/powerpoint/2010/main" val="3330089258"/>
+              </p:ext>
+            </p:extLst>
+          </p:nvPr>
+        </p:nvGraphicFramePr>
+        <p:xfrm>
+          <a:off x="8526247" y="1790507"/>
+          <a:ext cx="895648" cy="741680"/>
+        </p:xfrm>
+        <a:graphic>
+          <a:graphicData uri="http://schemas.openxmlformats.org/drawingml/2006/table">
+            <a:tbl>
+              <a:tblPr firstRow="1" bandRow="1">
+                <a:tableStyleId>{5C22544A-7EE6-4342-B048-85BDC9FD1C3A}</a:tableStyleId>
+              </a:tblPr>
+              <a:tblGrid>
+                <a:gridCol w="447824">
+                  <a:extLst>
+                    <a:ext uri="{9D8B030D-6E8A-4147-A177-3AD203B41FA5}">
+                      <a16:colId xmlns:a16="http://schemas.microsoft.com/office/drawing/2014/main" val="2030200888"/>
+                    </a:ext>
+                  </a:extLst>
+                </a:gridCol>
+                <a:gridCol w="447824">
+                  <a:extLst>
+                    <a:ext uri="{9D8B030D-6E8A-4147-A177-3AD203B41FA5}">
+                      <a16:colId xmlns:a16="http://schemas.microsoft.com/office/drawing/2014/main" val="2849599490"/>
+                    </a:ext>
+                  </a:extLst>
+                </a:gridCol>
+              </a:tblGrid>
+              <a:tr h="370840">
+                <a:tc>
+                  <a:txBody>
+                    <a:bodyPr/>
+                    <a:lstStyle/>
+                    <a:p>
+                      <a:pPr algn="ctr"/>
+                      <a:r>
+                        <a:rPr lang="en-US" altLang="zh-CN" b="0" dirty="0">
+                          <a:solidFill>
+                            <a:schemeClr val="tx1"/>
+                          </a:solidFill>
+                          <a:latin typeface="Times New Roman" panose="02020603050405020304" pitchFamily="18" charset="0"/>
+                          <a:cs typeface="Times New Roman" panose="02020603050405020304" pitchFamily="18" charset="0"/>
+                        </a:rPr>
+                        <a:t>1</a:t>
+                      </a:r>
+                      <a:endParaRPr lang="zh-CN" altLang="en-US" b="0" dirty="0">
+                        <a:solidFill>
+                          <a:schemeClr val="tx1"/>
+                        </a:solidFill>
+                        <a:latin typeface="Times New Roman" panose="02020603050405020304" pitchFamily="18" charset="0"/>
+                        <a:cs typeface="Times New Roman" panose="02020603050405020304" pitchFamily="18" charset="0"/>
+                      </a:endParaRPr>
+                    </a:p>
+                  </a:txBody>
+                  <a:tcPr>
+                    <a:lnL w="12700" cmpd="sng">
+                      <a:noFill/>
+                    </a:lnL>
+                    <a:lnR w="12700" cmpd="sng">
+                      <a:noFill/>
+                    </a:lnR>
+                    <a:lnT w="12700" cmpd="sng">
+                      <a:noFill/>
+                    </a:lnT>
+                    <a:lnB w="38100" cmpd="sng">
+                      <a:noFill/>
+                    </a:lnB>
+                    <a:lnTlToBr w="12700" cmpd="sng">
+                      <a:noFill/>
+                      <a:prstDash val="solid"/>
+                    </a:lnTlToBr>
+                    <a:lnBlToTr w="12700" cmpd="sng">
+                      <a:noFill/>
+                      <a:prstDash val="solid"/>
+                    </a:lnBlToTr>
+                    <a:solidFill>
+                      <a:schemeClr val="bg2"/>
+                    </a:solidFill>
+                  </a:tcPr>
+                </a:tc>
+                <a:tc>
+                  <a:txBody>
+                    <a:bodyPr/>
+                    <a:lstStyle/>
+                    <a:p>
+                      <a:pPr algn="ctr"/>
+                      <a:r>
+                        <a:rPr lang="en-US" altLang="zh-CN" b="0" dirty="0">
+                          <a:solidFill>
+                            <a:schemeClr val="tx1"/>
+                          </a:solidFill>
+                          <a:latin typeface="Times New Roman" panose="02020603050405020304" pitchFamily="18" charset="0"/>
+                          <a:cs typeface="Times New Roman" panose="02020603050405020304" pitchFamily="18" charset="0"/>
+                        </a:rPr>
+                        <a:t>3</a:t>
+                      </a:r>
+                      <a:endParaRPr lang="zh-CN" altLang="en-US" b="0" dirty="0">
+                        <a:solidFill>
+                          <a:schemeClr val="tx1"/>
+                        </a:solidFill>
+                        <a:latin typeface="Times New Roman" panose="02020603050405020304" pitchFamily="18" charset="0"/>
+                        <a:cs typeface="Times New Roman" panose="02020603050405020304" pitchFamily="18" charset="0"/>
+                      </a:endParaRPr>
+                    </a:p>
+                  </a:txBody>
+                  <a:tcPr>
+                    <a:lnL w="12700" cmpd="sng">
+                      <a:noFill/>
+                    </a:lnL>
+                    <a:lnR w="12700" cmpd="sng">
+                      <a:noFill/>
+                    </a:lnR>
+                    <a:lnT w="12700" cmpd="sng">
+                      <a:noFill/>
+                    </a:lnT>
+                    <a:lnB w="38100" cmpd="sng">
+                      <a:noFill/>
+                    </a:lnB>
+                    <a:lnTlToBr w="12700" cmpd="sng">
+                      <a:noFill/>
+                      <a:prstDash val="solid"/>
+                    </a:lnTlToBr>
+                    <a:lnBlToTr w="12700" cmpd="sng">
+                      <a:noFill/>
+                      <a:prstDash val="solid"/>
+                    </a:lnBlToTr>
+                    <a:solidFill>
+                      <a:schemeClr val="bg2"/>
+                    </a:solidFill>
+                  </a:tcPr>
+                </a:tc>
+                <a:extLst>
+                  <a:ext uri="{0D108BD9-81ED-4DB2-BD59-A6C34878D82A}">
+                    <a16:rowId xmlns:a16="http://schemas.microsoft.com/office/drawing/2014/main" val="3419844602"/>
+                  </a:ext>
+                </a:extLst>
+              </a:tr>
+              <a:tr h="370840">
+                <a:tc>
+                  <a:txBody>
+                    <a:bodyPr/>
+                    <a:lstStyle/>
+                    <a:p>
+                      <a:pPr algn="ctr"/>
+                      <a:r>
+                        <a:rPr lang="en-US" altLang="zh-CN" b="0" dirty="0">
+                          <a:solidFill>
+                            <a:schemeClr val="tx1"/>
+                          </a:solidFill>
+                          <a:latin typeface="Times New Roman" panose="02020603050405020304" pitchFamily="18" charset="0"/>
+                          <a:cs typeface="Times New Roman" panose="02020603050405020304" pitchFamily="18" charset="0"/>
+                        </a:rPr>
+                        <a:t>0</a:t>
+                      </a:r>
+                      <a:endParaRPr lang="zh-CN" altLang="en-US" b="0" dirty="0">
+                        <a:solidFill>
+                          <a:schemeClr val="tx1"/>
+                        </a:solidFill>
+                        <a:latin typeface="Times New Roman" panose="02020603050405020304" pitchFamily="18" charset="0"/>
+                        <a:cs typeface="Times New Roman" panose="02020603050405020304" pitchFamily="18" charset="0"/>
+                      </a:endParaRPr>
+                    </a:p>
+                  </a:txBody>
+                  <a:tcPr>
+                    <a:lnL w="12700" cmpd="sng">
+                      <a:noFill/>
+                    </a:lnL>
+                    <a:lnR w="12700" cmpd="sng">
+                      <a:noFill/>
+                    </a:lnR>
+                    <a:lnT w="38100" cmpd="sng">
+                      <a:noFill/>
+                    </a:lnT>
+                    <a:lnB w="12700" cmpd="sng">
+                      <a:noFill/>
+                    </a:lnB>
+                    <a:lnTlToBr w="12700" cmpd="sng">
+                      <a:noFill/>
+                      <a:prstDash val="solid"/>
+                    </a:lnTlToBr>
+                    <a:lnBlToTr w="12700" cmpd="sng">
+                      <a:noFill/>
+                      <a:prstDash val="solid"/>
+                    </a:lnBlToTr>
+                    <a:solidFill>
+                      <a:schemeClr val="bg2"/>
+                    </a:solidFill>
+                  </a:tcPr>
+                </a:tc>
+                <a:tc>
+                  <a:txBody>
+                    <a:bodyPr/>
+                    <a:lstStyle/>
+                    <a:p>
+                      <a:pPr algn="ctr"/>
+                      <a:r>
+                        <a:rPr lang="en-US" altLang="zh-CN" b="0" dirty="0">
+                          <a:solidFill>
+                            <a:schemeClr val="tx1"/>
+                          </a:solidFill>
+                          <a:latin typeface="Times New Roman" panose="02020603050405020304" pitchFamily="18" charset="0"/>
+                          <a:cs typeface="Times New Roman" panose="02020603050405020304" pitchFamily="18" charset="0"/>
+                        </a:rPr>
+                        <a:t>2</a:t>
+                      </a:r>
+                      <a:endParaRPr lang="zh-CN" altLang="en-US" b="0" dirty="0">
+                        <a:solidFill>
+                          <a:schemeClr val="tx1"/>
+                        </a:solidFill>
+                        <a:latin typeface="Times New Roman" panose="02020603050405020304" pitchFamily="18" charset="0"/>
+                        <a:cs typeface="Times New Roman" panose="02020603050405020304" pitchFamily="18" charset="0"/>
+                      </a:endParaRPr>
+                    </a:p>
+                  </a:txBody>
+                  <a:tcPr>
+                    <a:lnL w="12700" cmpd="sng">
+                      <a:noFill/>
+                    </a:lnL>
+                    <a:lnR w="12700" cmpd="sng">
+                      <a:noFill/>
+                    </a:lnR>
+                    <a:lnT w="38100" cmpd="sng">
+                      <a:noFill/>
+                    </a:lnT>
+                    <a:lnB w="12700" cmpd="sng">
+                      <a:noFill/>
+                    </a:lnB>
+                    <a:lnTlToBr w="12700" cmpd="sng">
+                      <a:noFill/>
+                      <a:prstDash val="solid"/>
+                    </a:lnTlToBr>
+                    <a:lnBlToTr w="12700" cmpd="sng">
+                      <a:noFill/>
+                      <a:prstDash val="solid"/>
+                    </a:lnBlToTr>
+                    <a:solidFill>
+                      <a:schemeClr val="bg2"/>
+                    </a:solidFill>
+                  </a:tcPr>
+                </a:tc>
+                <a:extLst>
+                  <a:ext uri="{0D108BD9-81ED-4DB2-BD59-A6C34878D82A}">
+                    <a16:rowId xmlns:a16="http://schemas.microsoft.com/office/drawing/2014/main" val="3532094026"/>
+                  </a:ext>
+                </a:extLst>
+              </a:tr>
+            </a:tbl>
+          </a:graphicData>
+        </a:graphic>
+      </p:graphicFrame>
+      <p:graphicFrame>
+        <p:nvGraphicFramePr>
+          <p:cNvPr id="173" name="表格 172">
+            <a:extLst>
+              <a:ext uri="{FF2B5EF4-FFF2-40B4-BE49-F238E27FC236}">
+                <a16:creationId xmlns:a16="http://schemas.microsoft.com/office/drawing/2014/main" id="{02BBFA9E-C93C-4846-8192-89E3AED9571F}"/>
+              </a:ext>
+            </a:extLst>
+          </p:cNvPr>
+          <p:cNvGraphicFramePr>
+            <a:graphicFrameLocks noGrp="1"/>
+          </p:cNvGraphicFramePr>
+          <p:nvPr>
+            <p:extLst>
+              <p:ext uri="{D42A27DB-BD31-4B8C-83A1-F6EECF244321}">
+                <p14:modId xmlns:p14="http://schemas.microsoft.com/office/powerpoint/2010/main" val="427809059"/>
+              </p:ext>
+            </p:extLst>
+          </p:nvPr>
+        </p:nvGraphicFramePr>
+        <p:xfrm>
+          <a:off x="8526247" y="4478644"/>
+          <a:ext cx="895648" cy="741680"/>
+        </p:xfrm>
+        <a:graphic>
+          <a:graphicData uri="http://schemas.openxmlformats.org/drawingml/2006/table">
+            <a:tbl>
+              <a:tblPr firstRow="1" bandRow="1">
+                <a:tableStyleId>{5C22544A-7EE6-4342-B048-85BDC9FD1C3A}</a:tableStyleId>
+              </a:tblPr>
+              <a:tblGrid>
+                <a:gridCol w="447824">
+                  <a:extLst>
+                    <a:ext uri="{9D8B030D-6E8A-4147-A177-3AD203B41FA5}">
+                      <a16:colId xmlns:a16="http://schemas.microsoft.com/office/drawing/2014/main" val="2030200888"/>
+                    </a:ext>
+                  </a:extLst>
+                </a:gridCol>
+                <a:gridCol w="447824">
+                  <a:extLst>
+                    <a:ext uri="{9D8B030D-6E8A-4147-A177-3AD203B41FA5}">
+                      <a16:colId xmlns:a16="http://schemas.microsoft.com/office/drawing/2014/main" val="2849599490"/>
+                    </a:ext>
+                  </a:extLst>
+                </a:gridCol>
+              </a:tblGrid>
+              <a:tr h="370840">
+                <a:tc>
+                  <a:txBody>
+                    <a:bodyPr/>
+                    <a:lstStyle/>
+                    <a:p>
+                      <a:pPr algn="ctr"/>
+                      <a:r>
+                        <a:rPr lang="en-US" altLang="zh-CN" b="0" dirty="0">
+                          <a:solidFill>
+                            <a:schemeClr val="tx1"/>
+                          </a:solidFill>
+                          <a:latin typeface="Times New Roman" panose="02020603050405020304" pitchFamily="18" charset="0"/>
+                          <a:cs typeface="Times New Roman" panose="02020603050405020304" pitchFamily="18" charset="0"/>
+                        </a:rPr>
+                        <a:t>4</a:t>
+                      </a:r>
+                      <a:endParaRPr lang="zh-CN" altLang="en-US" b="0" dirty="0">
+                        <a:solidFill>
+                          <a:schemeClr val="tx1"/>
+                        </a:solidFill>
+                        <a:latin typeface="Times New Roman" panose="02020603050405020304" pitchFamily="18" charset="0"/>
+                        <a:cs typeface="Times New Roman" panose="02020603050405020304" pitchFamily="18" charset="0"/>
+                      </a:endParaRPr>
+                    </a:p>
+                  </a:txBody>
+                  <a:tcPr>
+                    <a:lnL w="12700" cmpd="sng">
+                      <a:noFill/>
+                    </a:lnL>
+                    <a:lnR w="12700" cmpd="sng">
+                      <a:noFill/>
+                    </a:lnR>
+                    <a:lnT w="12700" cmpd="sng">
+                      <a:noFill/>
+                    </a:lnT>
+                    <a:lnB w="38100" cmpd="sng">
+                      <a:noFill/>
+                    </a:lnB>
+                    <a:lnTlToBr w="12700" cmpd="sng">
+                      <a:noFill/>
+                      <a:prstDash val="solid"/>
+                    </a:lnTlToBr>
+                    <a:lnBlToTr w="12700" cmpd="sng">
+                      <a:noFill/>
+                      <a:prstDash val="solid"/>
+                    </a:lnBlToTr>
+                    <a:solidFill>
+                      <a:schemeClr val="bg2"/>
+                    </a:solidFill>
+                  </a:tcPr>
+                </a:tc>
+                <a:tc>
+                  <a:txBody>
+                    <a:bodyPr/>
+                    <a:lstStyle/>
+                    <a:p>
+                      <a:pPr algn="ctr"/>
+                      <a:r>
+                        <a:rPr lang="en-US" altLang="zh-CN" b="0" dirty="0">
+                          <a:solidFill>
+                            <a:schemeClr val="tx1"/>
+                          </a:solidFill>
+                          <a:latin typeface="Times New Roman" panose="02020603050405020304" pitchFamily="18" charset="0"/>
+                          <a:cs typeface="Times New Roman" panose="02020603050405020304" pitchFamily="18" charset="0"/>
+                        </a:rPr>
+                        <a:t>6</a:t>
+                      </a:r>
+                      <a:endParaRPr lang="zh-CN" altLang="en-US" b="0" dirty="0">
+                        <a:solidFill>
+                          <a:schemeClr val="tx1"/>
+                        </a:solidFill>
+                        <a:latin typeface="Times New Roman" panose="02020603050405020304" pitchFamily="18" charset="0"/>
+                        <a:cs typeface="Times New Roman" panose="02020603050405020304" pitchFamily="18" charset="0"/>
+                      </a:endParaRPr>
+                    </a:p>
+                  </a:txBody>
+                  <a:tcPr>
+                    <a:lnL w="12700" cmpd="sng">
+                      <a:noFill/>
+                    </a:lnL>
+                    <a:lnR w="12700" cmpd="sng">
+                      <a:noFill/>
+                    </a:lnR>
+                    <a:lnT w="12700" cmpd="sng">
+                      <a:noFill/>
+                    </a:lnT>
+                    <a:lnB w="38100" cmpd="sng">
+                      <a:noFill/>
+                    </a:lnB>
+                    <a:lnTlToBr w="12700" cmpd="sng">
+                      <a:noFill/>
+                      <a:prstDash val="solid"/>
+                    </a:lnTlToBr>
+                    <a:lnBlToTr w="12700" cmpd="sng">
+                      <a:noFill/>
+                      <a:prstDash val="solid"/>
+                    </a:lnBlToTr>
+                    <a:solidFill>
+                      <a:schemeClr val="bg2"/>
+                    </a:solidFill>
+                  </a:tcPr>
+                </a:tc>
+                <a:extLst>
+                  <a:ext uri="{0D108BD9-81ED-4DB2-BD59-A6C34878D82A}">
+                    <a16:rowId xmlns:a16="http://schemas.microsoft.com/office/drawing/2014/main" val="3419844602"/>
+                  </a:ext>
+                </a:extLst>
+              </a:tr>
+              <a:tr h="370840">
+                <a:tc>
+                  <a:txBody>
+                    <a:bodyPr/>
+                    <a:lstStyle/>
+                    <a:p>
+                      <a:pPr algn="ctr"/>
+                      <a:r>
+                        <a:rPr lang="en-US" altLang="zh-CN" b="0" dirty="0">
+                          <a:solidFill>
+                            <a:schemeClr val="tx1"/>
+                          </a:solidFill>
+                          <a:latin typeface="Times New Roman" panose="02020603050405020304" pitchFamily="18" charset="0"/>
+                          <a:cs typeface="Times New Roman" panose="02020603050405020304" pitchFamily="18" charset="0"/>
+                        </a:rPr>
+                        <a:t>5</a:t>
+                      </a:r>
+                      <a:endParaRPr lang="zh-CN" altLang="en-US" b="0" dirty="0">
+                        <a:solidFill>
+                          <a:schemeClr val="tx1"/>
+                        </a:solidFill>
+                        <a:latin typeface="Times New Roman" panose="02020603050405020304" pitchFamily="18" charset="0"/>
+                        <a:cs typeface="Times New Roman" panose="02020603050405020304" pitchFamily="18" charset="0"/>
+                      </a:endParaRPr>
+                    </a:p>
+                  </a:txBody>
+                  <a:tcPr>
+                    <a:lnL w="12700" cmpd="sng">
+                      <a:noFill/>
+                    </a:lnL>
+                    <a:lnR w="12700" cmpd="sng">
+                      <a:noFill/>
+                    </a:lnR>
+                    <a:lnT w="38100" cmpd="sng">
+                      <a:noFill/>
+                    </a:lnT>
+                    <a:lnB w="12700" cmpd="sng">
+                      <a:noFill/>
+                    </a:lnB>
+                    <a:lnTlToBr w="12700" cmpd="sng">
+                      <a:noFill/>
+                      <a:prstDash val="solid"/>
+                    </a:lnTlToBr>
+                    <a:lnBlToTr w="12700" cmpd="sng">
+                      <a:noFill/>
+                      <a:prstDash val="solid"/>
+                    </a:lnBlToTr>
+                    <a:solidFill>
+                      <a:schemeClr val="bg2"/>
+                    </a:solidFill>
+                  </a:tcPr>
+                </a:tc>
+                <a:tc>
+                  <a:txBody>
+                    <a:bodyPr/>
+                    <a:lstStyle/>
+                    <a:p>
+                      <a:pPr algn="ctr"/>
+                      <a:r>
+                        <a:rPr lang="en-US" altLang="zh-CN" b="0" dirty="0">
+                          <a:solidFill>
+                            <a:schemeClr val="tx1"/>
+                          </a:solidFill>
+                          <a:latin typeface="Times New Roman" panose="02020603050405020304" pitchFamily="18" charset="0"/>
+                          <a:cs typeface="Times New Roman" panose="02020603050405020304" pitchFamily="18" charset="0"/>
+                        </a:rPr>
+                        <a:t>7</a:t>
+                      </a:r>
+                      <a:endParaRPr lang="zh-CN" altLang="en-US" b="0" dirty="0">
+                        <a:solidFill>
+                          <a:schemeClr val="tx1"/>
+                        </a:solidFill>
+                        <a:latin typeface="Times New Roman" panose="02020603050405020304" pitchFamily="18" charset="0"/>
+                        <a:cs typeface="Times New Roman" panose="02020603050405020304" pitchFamily="18" charset="0"/>
+                      </a:endParaRPr>
+                    </a:p>
+                  </a:txBody>
+                  <a:tcPr>
+                    <a:lnL w="12700" cmpd="sng">
+                      <a:noFill/>
+                    </a:lnL>
+                    <a:lnR w="12700" cmpd="sng">
+                      <a:noFill/>
+                    </a:lnR>
+                    <a:lnT w="38100" cmpd="sng">
+                      <a:noFill/>
+                    </a:lnT>
+                    <a:lnB w="12700" cmpd="sng">
+                      <a:noFill/>
+                    </a:lnB>
+                    <a:lnTlToBr w="12700" cmpd="sng">
+                      <a:noFill/>
+                      <a:prstDash val="solid"/>
+                    </a:lnTlToBr>
+                    <a:lnBlToTr w="12700" cmpd="sng">
+                      <a:noFill/>
+                      <a:prstDash val="solid"/>
+                    </a:lnBlToTr>
+                    <a:solidFill>
+                      <a:schemeClr val="bg2"/>
+                    </a:solidFill>
+                  </a:tcPr>
+                </a:tc>
+                <a:extLst>
+                  <a:ext uri="{0D108BD9-81ED-4DB2-BD59-A6C34878D82A}">
+                    <a16:rowId xmlns:a16="http://schemas.microsoft.com/office/drawing/2014/main" val="3532094026"/>
+                  </a:ext>
+                </a:extLst>
+              </a:tr>
+            </a:tbl>
+          </a:graphicData>
+        </a:graphic>
+      </p:graphicFrame>
     </p:spTree>
     <p:extLst>
       <p:ext uri="{BB962C8B-B14F-4D97-AF65-F5344CB8AC3E}">
@@ -22032,7 +22746,7 @@
           <a:p>
             <a:fld id="{F138C28D-461B-46EA-B3D2-4CEA4CCF97FD}" type="datetime1">
               <a:rPr lang="zh-CN" altLang="en-US" smtClean="0"/>
-              <a:t>2017/10/16</a:t>
+              <a:t>2017/10/18</a:t>
             </a:fld>
             <a:endParaRPr lang="zh-CN" altLang="en-US"/>
           </a:p>
@@ -22238,7 +22952,7 @@
           <a:p>
             <a:fld id="{F138C28D-461B-46EA-B3D2-4CEA4CCF97FD}" type="datetime1">
               <a:rPr lang="zh-CN" altLang="en-US" smtClean="0"/>
-              <a:t>2017/10/16</a:t>
+              <a:t>2017/10/18</a:t>
             </a:fld>
             <a:endParaRPr lang="zh-CN" altLang="en-US"/>
           </a:p>
@@ -23230,7 +23944,7 @@
           <a:p>
             <a:fld id="{4C59F49D-EEE6-4EC6-B33B-6C7AD1AA5DC5}" type="datetime1">
               <a:rPr lang="zh-CN" altLang="en-US" smtClean="0"/>
-              <a:t>2017/10/16</a:t>
+              <a:t>2017/10/18</a:t>
             </a:fld>
             <a:endParaRPr lang="zh-CN" altLang="en-US"/>
           </a:p>
@@ -23446,7 +24160,7 @@
           <a:p>
             <a:fld id="{F138C28D-461B-46EA-B3D2-4CEA4CCF97FD}" type="datetime1">
               <a:rPr lang="zh-CN" altLang="en-US" smtClean="0"/>
-              <a:t>2017/10/16</a:t>
+              <a:t>2017/10/18</a:t>
             </a:fld>
             <a:endParaRPr lang="zh-CN" altLang="en-US"/>
           </a:p>
@@ -23668,7 +24382,7 @@
           <a:p>
             <a:fld id="{F138C28D-461B-46EA-B3D2-4CEA4CCF97FD}" type="datetime1">
               <a:rPr lang="zh-CN" altLang="en-US" smtClean="0"/>
-              <a:t>2017/10/16</a:t>
+              <a:t>2017/10/18</a:t>
             </a:fld>
             <a:endParaRPr lang="zh-CN" altLang="en-US"/>
           </a:p>
@@ -24563,7 +25277,7 @@
           <a:p>
             <a:fld id="{AD4383D2-8C55-4FC0-9B0B-549F41BCB586}" type="datetime1">
               <a:rPr lang="zh-CN" altLang="en-US" smtClean="0"/>
-              <a:t>2017/10/16</a:t>
+              <a:t>2017/10/18</a:t>
             </a:fld>
             <a:endParaRPr lang="zh-CN" altLang="en-US"/>
           </a:p>
@@ -24802,7 +25516,7 @@
           <a:p>
             <a:fld id="{F138C28D-461B-46EA-B3D2-4CEA4CCF97FD}" type="datetime1">
               <a:rPr lang="zh-CN" altLang="en-US" smtClean="0"/>
-              <a:t>2017/10/16</a:t>
+              <a:t>2017/10/18</a:t>
             </a:fld>
             <a:endParaRPr lang="zh-CN" altLang="en-US"/>
           </a:p>
@@ -25889,7 +26603,7 @@
           <a:p>
             <a:fld id="{F138C28D-461B-46EA-B3D2-4CEA4CCF97FD}" type="datetime1">
               <a:rPr lang="zh-CN" altLang="en-US" smtClean="0"/>
-              <a:t>2017/10/16</a:t>
+              <a:t>2017/10/18</a:t>
             </a:fld>
             <a:endParaRPr lang="zh-CN" altLang="en-US"/>
           </a:p>
@@ -27714,7 +28428,7 @@
           <a:p>
             <a:fld id="{AD4383D2-8C55-4FC0-9B0B-549F41BCB586}" type="datetime1">
               <a:rPr lang="zh-CN" altLang="en-US" smtClean="0"/>
-              <a:t>2017/10/16</a:t>
+              <a:t>2017/10/18</a:t>
             </a:fld>
             <a:endParaRPr lang="zh-CN" altLang="en-US" dirty="0"/>
           </a:p>
@@ -28850,7 +29564,7 @@
           <a:p>
             <a:fld id="{F138C28D-461B-46EA-B3D2-4CEA4CCF97FD}" type="datetime1">
               <a:rPr lang="zh-CN" altLang="en-US" smtClean="0"/>
-              <a:t>2017/10/16</a:t>
+              <a:t>2017/10/18</a:t>
             </a:fld>
             <a:endParaRPr lang="zh-CN" altLang="en-US"/>
           </a:p>

--- a/docs/Scene/SceneExplanation.pptx
+++ b/docs/Scene/SceneExplanation.pptx
@@ -246,7 +246,7 @@
           <a:p>
             <a:fld id="{6D7FE9F8-2CA7-468D-9335-DE6E4EE2CFE0}" type="datetimeFigureOut">
               <a:rPr lang="zh-CN" altLang="en-US" smtClean="0"/>
-              <a:t>2017/10/18</a:t>
+              <a:t>2017/10/24</a:t>
             </a:fld>
             <a:endParaRPr lang="zh-CN" altLang="en-US"/>
           </a:p>
@@ -423,7 +423,7 @@
           <a:p>
             <a:fld id="{2E3B1B48-C3D3-44FD-8F18-EE819032FA56}" type="datetimeFigureOut">
               <a:rPr lang="zh-CN" altLang="en-US" smtClean="0"/>
-              <a:t>2017/10/18</a:t>
+              <a:t>2017/10/24</a:t>
             </a:fld>
             <a:endParaRPr lang="zh-CN" altLang="en-US"/>
           </a:p>
@@ -884,7 +884,7 @@
           <a:p>
             <a:fld id="{9082C258-E36B-4428-9EBE-3D66F397061D}" type="datetime1">
               <a:rPr lang="zh-CN" altLang="en-US" smtClean="0"/>
-              <a:t>2017/10/18</a:t>
+              <a:t>2017/10/24</a:t>
             </a:fld>
             <a:endParaRPr lang="zh-CN" altLang="en-US"/>
           </a:p>
@@ -1134,7 +1134,7 @@
           <a:p>
             <a:fld id="{6C74CE78-F553-4499-92C2-23A3FC286B13}" type="datetime1">
               <a:rPr lang="zh-CN" altLang="en-US" smtClean="0"/>
-              <a:t>2017/10/18</a:t>
+              <a:t>2017/10/24</a:t>
             </a:fld>
             <a:endParaRPr lang="zh-CN" altLang="en-US"/>
           </a:p>
@@ -1300,7 +1300,7 @@
           <a:p>
             <a:fld id="{61040DCD-6B6B-467E-B707-39CD5F9CB825}" type="datetime1">
               <a:rPr lang="zh-CN" altLang="en-US" smtClean="0"/>
-              <a:t>2017/10/18</a:t>
+              <a:t>2017/10/24</a:t>
             </a:fld>
             <a:endParaRPr lang="zh-CN" altLang="en-US"/>
           </a:p>
@@ -1476,7 +1476,7 @@
           <a:p>
             <a:fld id="{8D983A4A-2C2A-4D8E-A43C-BC6DD092E5EC}" type="datetime1">
               <a:rPr lang="zh-CN" altLang="en-US" smtClean="0"/>
-              <a:t>2017/10/18</a:t>
+              <a:t>2017/10/24</a:t>
             </a:fld>
             <a:endParaRPr lang="zh-CN" altLang="en-US"/>
           </a:p>
@@ -1569,7 +1569,7 @@
           <a:p>
             <a:fld id="{AD4383D2-8C55-4FC0-9B0B-549F41BCB586}" type="datetime1">
               <a:rPr lang="zh-CN" altLang="en-US" smtClean="0"/>
-              <a:t>2017/10/18</a:t>
+              <a:t>2017/10/24</a:t>
             </a:fld>
             <a:endParaRPr lang="zh-CN" altLang="en-US"/>
           </a:p>
@@ -3689,7 +3689,7 @@
           <a:p>
             <a:fld id="{F138C28D-461B-46EA-B3D2-4CEA4CCF97FD}" type="datetime1">
               <a:rPr lang="zh-CN" altLang="en-US" smtClean="0"/>
-              <a:t>2017/10/18</a:t>
+              <a:t>2017/10/24</a:t>
             </a:fld>
             <a:endParaRPr lang="zh-CN" altLang="en-US"/>
           </a:p>
@@ -3918,7 +3918,7 @@
           <a:p>
             <a:fld id="{F138C28D-461B-46EA-B3D2-4CEA4CCF97FD}" type="datetime1">
               <a:rPr lang="zh-CN" altLang="en-US" smtClean="0"/>
-              <a:t>2017/10/18</a:t>
+              <a:t>2017/10/24</a:t>
             </a:fld>
             <a:endParaRPr lang="zh-CN" altLang="en-US"/>
           </a:p>
@@ -4313,7 +4313,7 @@
           <a:p>
             <a:fld id="{34E4DED1-77D9-4993-B7E5-C145AD9B215D}" type="datetime1">
               <a:rPr lang="zh-CN" altLang="en-US" smtClean="0"/>
-              <a:t>2017/10/18</a:t>
+              <a:t>2017/10/24</a:t>
             </a:fld>
             <a:endParaRPr lang="zh-CN" altLang="en-US"/>
           </a:p>
@@ -4730,7 +4730,7 @@
           <a:p>
             <a:fld id="{CB18C625-6BB2-4F84-B1CE-FBF94B9F79BE}" type="datetime1">
               <a:rPr lang="zh-CN" altLang="en-US" smtClean="0"/>
-              <a:t>2017/10/18</a:t>
+              <a:t>2017/10/24</a:t>
             </a:fld>
             <a:endParaRPr lang="zh-CN" altLang="en-US"/>
           </a:p>
@@ -4845,7 +4845,7 @@
           <a:p>
             <a:fld id="{AFB4DA66-5C86-4F23-BA06-D44CFE63E251}" type="datetime1">
               <a:rPr lang="zh-CN" altLang="en-US" smtClean="0"/>
-              <a:t>2017/10/18</a:t>
+              <a:t>2017/10/24</a:t>
             </a:fld>
             <a:endParaRPr lang="zh-CN" altLang="en-US"/>
           </a:p>
@@ -4938,7 +4938,7 @@
           <a:p>
             <a:fld id="{0CC55E60-CF45-4A5A-BD1C-DE3F0FBBE8F7}" type="datetime1">
               <a:rPr lang="zh-CN" altLang="en-US" smtClean="0"/>
-              <a:t>2017/10/18</a:t>
+              <a:t>2017/10/24</a:t>
             </a:fld>
             <a:endParaRPr lang="zh-CN" altLang="en-US"/>
           </a:p>
@@ -5211,7 +5211,7 @@
           <a:p>
             <a:fld id="{34741085-45D3-4EE8-874F-28448E75DCCF}" type="datetime1">
               <a:rPr lang="zh-CN" altLang="en-US" smtClean="0"/>
-              <a:t>2017/10/18</a:t>
+              <a:t>2017/10/24</a:t>
             </a:fld>
             <a:endParaRPr lang="zh-CN" altLang="en-US"/>
           </a:p>
@@ -5420,7 +5420,7 @@
           <a:p>
             <a:fld id="{1DA76A01-8161-42EC-A09B-C09924CBD308}" type="datetime1">
               <a:rPr lang="zh-CN" altLang="en-US" smtClean="0"/>
-              <a:t>2017/10/18</a:t>
+              <a:t>2017/10/24</a:t>
             </a:fld>
             <a:endParaRPr lang="zh-CN" altLang="en-US"/>
           </a:p>
@@ -5898,7 +5898,7 @@
           <a:p>
             <a:fld id="{D0BD8123-259D-4263-9F09-52A2460CC7EC}" type="datetime1">
               <a:rPr lang="zh-CN" altLang="en-US" smtClean="0"/>
-              <a:t>2017/10/18</a:t>
+              <a:t>2017/10/24</a:t>
             </a:fld>
             <a:endParaRPr lang="zh-CN" altLang="en-US"/>
           </a:p>
@@ -6014,7 +6014,7 @@
           <a:p>
             <a:fld id="{F138C28D-461B-46EA-B3D2-4CEA4CCF97FD}" type="datetime1">
               <a:rPr lang="zh-CN" altLang="en-US" smtClean="0"/>
-              <a:t>2017/10/18</a:t>
+              <a:t>2017/10/24</a:t>
             </a:fld>
             <a:endParaRPr lang="zh-CN" altLang="en-US" dirty="0"/>
           </a:p>
@@ -7791,7 +7791,7 @@
           <a:p>
             <a:fld id="{F138C28D-461B-46EA-B3D2-4CEA4CCF97FD}" type="datetime1">
               <a:rPr lang="zh-CN" altLang="en-US" smtClean="0"/>
-              <a:t>2017/10/18</a:t>
+              <a:t>2017/10/24</a:t>
             </a:fld>
             <a:endParaRPr lang="zh-CN" altLang="en-US"/>
           </a:p>
@@ -10158,7 +10158,7 @@
           <a:p>
             <a:fld id="{F138C28D-461B-46EA-B3D2-4CEA4CCF97FD}" type="datetime1">
               <a:rPr lang="zh-CN" altLang="en-US" smtClean="0"/>
-              <a:t>2017/10/18</a:t>
+              <a:t>2017/10/24</a:t>
             </a:fld>
             <a:endParaRPr lang="zh-CN" altLang="en-US"/>
           </a:p>
@@ -14407,7 +14407,7 @@
           <a:p>
             <a:fld id="{AD4383D2-8C55-4FC0-9B0B-549F41BCB586}" type="datetime1">
               <a:rPr lang="zh-CN" altLang="en-US" smtClean="0"/>
-              <a:t>2017/10/18</a:t>
+              <a:t>2017/10/24</a:t>
             </a:fld>
             <a:endParaRPr lang="zh-CN" altLang="en-US"/>
           </a:p>
@@ -14646,7 +14646,7 @@
           <a:p>
             <a:fld id="{F138C28D-461B-46EA-B3D2-4CEA4CCF97FD}" type="datetime1">
               <a:rPr lang="zh-CN" altLang="en-US" smtClean="0"/>
-              <a:t>2017/10/18</a:t>
+              <a:t>2017/10/24</a:t>
             </a:fld>
             <a:endParaRPr lang="zh-CN" altLang="en-US"/>
           </a:p>
@@ -16164,7 +16164,7 @@
           <a:p>
             <a:fld id="{F138C28D-461B-46EA-B3D2-4CEA4CCF97FD}" type="datetime1">
               <a:rPr lang="zh-CN" altLang="en-US" smtClean="0"/>
-              <a:t>2017/10/18</a:t>
+              <a:t>2017/10/24</a:t>
             </a:fld>
             <a:endParaRPr lang="zh-CN" altLang="en-US"/>
           </a:p>
@@ -22157,542 +22157,1288 @@
           </a:fontRef>
         </p:style>
       </p:cxnSp>
-      <p:graphicFrame>
-        <p:nvGraphicFramePr>
-          <p:cNvPr id="251" name="表格 250">
+      <p:grpSp>
+        <p:nvGrpSpPr>
+          <p:cNvPr id="6" name="组合 5">
             <a:extLst>
               <a:ext uri="{FF2B5EF4-FFF2-40B4-BE49-F238E27FC236}">
-                <a16:creationId xmlns:a16="http://schemas.microsoft.com/office/drawing/2014/main" id="{3AC84402-6D7B-42B5-9C7C-B0E4B9634537}"/>
+                <a16:creationId xmlns:a16="http://schemas.microsoft.com/office/drawing/2014/main" id="{55068CE5-7D11-4036-A77F-142EE0C1A7D9}"/>
               </a:ext>
             </a:extLst>
           </p:cNvPr>
-          <p:cNvGraphicFramePr>
-            <a:graphicFrameLocks noGrp="1"/>
-          </p:cNvGraphicFramePr>
-          <p:nvPr>
-            <p:extLst>
-              <p:ext uri="{D42A27DB-BD31-4B8C-83A1-F6EECF244321}">
-                <p14:modId xmlns:p14="http://schemas.microsoft.com/office/powerpoint/2010/main" val="3330089258"/>
-              </p:ext>
-            </p:extLst>
-          </p:nvPr>
-        </p:nvGraphicFramePr>
-        <p:xfrm>
-          <a:off x="8526247" y="1790507"/>
-          <a:ext cx="895648" cy="741680"/>
-        </p:xfrm>
-        <a:graphic>
-          <a:graphicData uri="http://schemas.openxmlformats.org/drawingml/2006/table">
-            <a:tbl>
-              <a:tblPr firstRow="1" bandRow="1">
-                <a:tableStyleId>{5C22544A-7EE6-4342-B048-85BDC9FD1C3A}</a:tableStyleId>
-              </a:tblPr>
-              <a:tblGrid>
-                <a:gridCol w="447824">
-                  <a:extLst>
-                    <a:ext uri="{9D8B030D-6E8A-4147-A177-3AD203B41FA5}">
-                      <a16:colId xmlns:a16="http://schemas.microsoft.com/office/drawing/2014/main" val="2030200888"/>
-                    </a:ext>
-                  </a:extLst>
-                </a:gridCol>
-                <a:gridCol w="447824">
-                  <a:extLst>
-                    <a:ext uri="{9D8B030D-6E8A-4147-A177-3AD203B41FA5}">
-                      <a16:colId xmlns:a16="http://schemas.microsoft.com/office/drawing/2014/main" val="2849599490"/>
-                    </a:ext>
-                  </a:extLst>
-                </a:gridCol>
-              </a:tblGrid>
-              <a:tr h="370840">
-                <a:tc>
-                  <a:txBody>
-                    <a:bodyPr/>
-                    <a:lstStyle/>
-                    <a:p>
-                      <a:pPr algn="ctr"/>
-                      <a:r>
-                        <a:rPr lang="en-US" altLang="zh-CN" b="0" dirty="0">
-                          <a:solidFill>
-                            <a:schemeClr val="tx1"/>
-                          </a:solidFill>
-                          <a:latin typeface="Times New Roman" panose="02020603050405020304" pitchFamily="18" charset="0"/>
-                          <a:cs typeface="Times New Roman" panose="02020603050405020304" pitchFamily="18" charset="0"/>
-                        </a:rPr>
-                        <a:t>1</a:t>
-                      </a:r>
-                      <a:endParaRPr lang="zh-CN" altLang="en-US" b="0" dirty="0">
-                        <a:solidFill>
-                          <a:schemeClr val="tx1"/>
-                        </a:solidFill>
-                        <a:latin typeface="Times New Roman" panose="02020603050405020304" pitchFamily="18" charset="0"/>
-                        <a:cs typeface="Times New Roman" panose="02020603050405020304" pitchFamily="18" charset="0"/>
-                      </a:endParaRPr>
-                    </a:p>
-                  </a:txBody>
-                  <a:tcPr>
-                    <a:lnL w="12700" cmpd="sng">
-                      <a:noFill/>
-                    </a:lnL>
-                    <a:lnR w="12700" cmpd="sng">
-                      <a:noFill/>
-                    </a:lnR>
-                    <a:lnT w="12700" cmpd="sng">
-                      <a:noFill/>
-                    </a:lnT>
-                    <a:lnB w="38100" cmpd="sng">
-                      <a:noFill/>
-                    </a:lnB>
-                    <a:lnTlToBr w="12700" cmpd="sng">
-                      <a:noFill/>
-                      <a:prstDash val="solid"/>
-                    </a:lnTlToBr>
-                    <a:lnBlToTr w="12700" cmpd="sng">
-                      <a:noFill/>
-                      <a:prstDash val="solid"/>
-                    </a:lnBlToTr>
-                    <a:solidFill>
-                      <a:schemeClr val="bg2"/>
-                    </a:solidFill>
-                  </a:tcPr>
-                </a:tc>
-                <a:tc>
-                  <a:txBody>
-                    <a:bodyPr/>
-                    <a:lstStyle/>
-                    <a:p>
-                      <a:pPr algn="ctr"/>
-                      <a:r>
-                        <a:rPr lang="en-US" altLang="zh-CN" b="0" dirty="0">
-                          <a:solidFill>
-                            <a:schemeClr val="tx1"/>
-                          </a:solidFill>
-                          <a:latin typeface="Times New Roman" panose="02020603050405020304" pitchFamily="18" charset="0"/>
-                          <a:cs typeface="Times New Roman" panose="02020603050405020304" pitchFamily="18" charset="0"/>
-                        </a:rPr>
-                        <a:t>3</a:t>
-                      </a:r>
-                      <a:endParaRPr lang="zh-CN" altLang="en-US" b="0" dirty="0">
-                        <a:solidFill>
-                          <a:schemeClr val="tx1"/>
-                        </a:solidFill>
-                        <a:latin typeface="Times New Roman" panose="02020603050405020304" pitchFamily="18" charset="0"/>
-                        <a:cs typeface="Times New Roman" panose="02020603050405020304" pitchFamily="18" charset="0"/>
-                      </a:endParaRPr>
-                    </a:p>
-                  </a:txBody>
-                  <a:tcPr>
-                    <a:lnL w="12700" cmpd="sng">
-                      <a:noFill/>
-                    </a:lnL>
-                    <a:lnR w="12700" cmpd="sng">
-                      <a:noFill/>
-                    </a:lnR>
-                    <a:lnT w="12700" cmpd="sng">
-                      <a:noFill/>
-                    </a:lnT>
-                    <a:lnB w="38100" cmpd="sng">
-                      <a:noFill/>
-                    </a:lnB>
-                    <a:lnTlToBr w="12700" cmpd="sng">
-                      <a:noFill/>
-                      <a:prstDash val="solid"/>
-                    </a:lnTlToBr>
-                    <a:lnBlToTr w="12700" cmpd="sng">
-                      <a:noFill/>
-                      <a:prstDash val="solid"/>
-                    </a:lnBlToTr>
-                    <a:solidFill>
-                      <a:schemeClr val="bg2"/>
-                    </a:solidFill>
-                  </a:tcPr>
-                </a:tc>
+          <p:cNvGrpSpPr/>
+          <p:nvPr/>
+        </p:nvGrpSpPr>
+        <p:grpSpPr>
+          <a:xfrm>
+            <a:off x="8457625" y="1543633"/>
+            <a:ext cx="1166908" cy="1167038"/>
+            <a:chOff x="10393103" y="1389717"/>
+            <a:chExt cx="1944000" cy="1944216"/>
+          </a:xfrm>
+        </p:grpSpPr>
+        <p:grpSp>
+          <p:nvGrpSpPr>
+            <p:cNvPr id="140" name="组合 139">
+              <a:extLst>
+                <a:ext uri="{FF2B5EF4-FFF2-40B4-BE49-F238E27FC236}">
+                  <a16:creationId xmlns:a16="http://schemas.microsoft.com/office/drawing/2014/main" id="{B4D5F816-504B-4F36-809B-5145040F8C18}"/>
+                </a:ext>
+              </a:extLst>
+            </p:cNvPr>
+            <p:cNvGrpSpPr/>
+            <p:nvPr/>
+          </p:nvGrpSpPr>
+          <p:grpSpPr>
+            <a:xfrm>
+              <a:off x="10393103" y="1389717"/>
+              <a:ext cx="1944000" cy="1944216"/>
+              <a:chOff x="6528048" y="3861048"/>
+              <a:chExt cx="1944000" cy="1944216"/>
+            </a:xfrm>
+          </p:grpSpPr>
+          <p:sp>
+            <p:nvSpPr>
+              <p:cNvPr id="141" name="矩形 140">
                 <a:extLst>
-                  <a:ext uri="{0D108BD9-81ED-4DB2-BD59-A6C34878D82A}">
-                    <a16:rowId xmlns:a16="http://schemas.microsoft.com/office/drawing/2014/main" val="3419844602"/>
+                  <a:ext uri="{FF2B5EF4-FFF2-40B4-BE49-F238E27FC236}">
+                    <a16:creationId xmlns:a16="http://schemas.microsoft.com/office/drawing/2014/main" id="{1AEAD194-A31F-42C9-A368-7D3F184D4A40}"/>
                   </a:ext>
                 </a:extLst>
-              </a:tr>
-              <a:tr h="370840">
-                <a:tc>
-                  <a:txBody>
-                    <a:bodyPr/>
-                    <a:lstStyle/>
-                    <a:p>
-                      <a:pPr algn="ctr"/>
-                      <a:r>
-                        <a:rPr lang="en-US" altLang="zh-CN" b="0" dirty="0">
-                          <a:solidFill>
-                            <a:schemeClr val="tx1"/>
-                          </a:solidFill>
-                          <a:latin typeface="Times New Roman" panose="02020603050405020304" pitchFamily="18" charset="0"/>
-                          <a:cs typeface="Times New Roman" panose="02020603050405020304" pitchFamily="18" charset="0"/>
-                        </a:rPr>
-                        <a:t>0</a:t>
-                      </a:r>
-                      <a:endParaRPr lang="zh-CN" altLang="en-US" b="0" dirty="0">
-                        <a:solidFill>
-                          <a:schemeClr val="tx1"/>
-                        </a:solidFill>
-                        <a:latin typeface="Times New Roman" panose="02020603050405020304" pitchFamily="18" charset="0"/>
-                        <a:cs typeface="Times New Roman" panose="02020603050405020304" pitchFamily="18" charset="0"/>
-                      </a:endParaRPr>
-                    </a:p>
-                  </a:txBody>
-                  <a:tcPr>
-                    <a:lnL w="12700" cmpd="sng">
-                      <a:noFill/>
-                    </a:lnL>
-                    <a:lnR w="12700" cmpd="sng">
-                      <a:noFill/>
-                    </a:lnR>
-                    <a:lnT w="38100" cmpd="sng">
-                      <a:noFill/>
-                    </a:lnT>
-                    <a:lnB w="12700" cmpd="sng">
-                      <a:noFill/>
-                    </a:lnB>
-                    <a:lnTlToBr w="12700" cmpd="sng">
-                      <a:noFill/>
-                      <a:prstDash val="solid"/>
-                    </a:lnTlToBr>
-                    <a:lnBlToTr w="12700" cmpd="sng">
-                      <a:noFill/>
-                      <a:prstDash val="solid"/>
-                    </a:lnBlToTr>
-                    <a:solidFill>
-                      <a:schemeClr val="bg2"/>
-                    </a:solidFill>
-                  </a:tcPr>
-                </a:tc>
-                <a:tc>
-                  <a:txBody>
-                    <a:bodyPr/>
-                    <a:lstStyle/>
-                    <a:p>
-                      <a:pPr algn="ctr"/>
-                      <a:r>
-                        <a:rPr lang="en-US" altLang="zh-CN" b="0" dirty="0">
-                          <a:solidFill>
-                            <a:schemeClr val="tx1"/>
-                          </a:solidFill>
-                          <a:latin typeface="Times New Roman" panose="02020603050405020304" pitchFamily="18" charset="0"/>
-                          <a:cs typeface="Times New Roman" panose="02020603050405020304" pitchFamily="18" charset="0"/>
-                        </a:rPr>
-                        <a:t>2</a:t>
-                      </a:r>
-                      <a:endParaRPr lang="zh-CN" altLang="en-US" b="0" dirty="0">
-                        <a:solidFill>
-                          <a:schemeClr val="tx1"/>
-                        </a:solidFill>
-                        <a:latin typeface="Times New Roman" panose="02020603050405020304" pitchFamily="18" charset="0"/>
-                        <a:cs typeface="Times New Roman" panose="02020603050405020304" pitchFamily="18" charset="0"/>
-                      </a:endParaRPr>
-                    </a:p>
-                  </a:txBody>
-                  <a:tcPr>
-                    <a:lnL w="12700" cmpd="sng">
-                      <a:noFill/>
-                    </a:lnL>
-                    <a:lnR w="12700" cmpd="sng">
-                      <a:noFill/>
-                    </a:lnR>
-                    <a:lnT w="38100" cmpd="sng">
-                      <a:noFill/>
-                    </a:lnT>
-                    <a:lnB w="12700" cmpd="sng">
-                      <a:noFill/>
-                    </a:lnB>
-                    <a:lnTlToBr w="12700" cmpd="sng">
-                      <a:noFill/>
-                      <a:prstDash val="solid"/>
-                    </a:lnTlToBr>
-                    <a:lnBlToTr w="12700" cmpd="sng">
-                      <a:noFill/>
-                      <a:prstDash val="solid"/>
-                    </a:lnBlToTr>
-                    <a:solidFill>
-                      <a:schemeClr val="bg2"/>
-                    </a:solidFill>
-                  </a:tcPr>
-                </a:tc>
+              </p:cNvPr>
+              <p:cNvSpPr/>
+              <p:nvPr/>
+            </p:nvSpPr>
+            <p:spPr>
+              <a:xfrm>
+                <a:off x="6528048" y="3861048"/>
+                <a:ext cx="1944000" cy="1944216"/>
+              </a:xfrm>
+              <a:prstGeom prst="rect">
+                <a:avLst/>
+              </a:prstGeom>
+              <a:noFill/>
+            </p:spPr>
+            <p:style>
+              <a:lnRef idx="2">
+                <a:schemeClr val="accent1">
+                  <a:shade val="50000"/>
+                </a:schemeClr>
+              </a:lnRef>
+              <a:fillRef idx="1">
+                <a:schemeClr val="accent1"/>
+              </a:fillRef>
+              <a:effectRef idx="0">
+                <a:schemeClr val="accent1"/>
+              </a:effectRef>
+              <a:fontRef idx="minor">
+                <a:schemeClr val="lt1"/>
+              </a:fontRef>
+            </p:style>
+            <p:txBody>
+              <a:bodyPr rtlCol="0" anchor="ctr"/>
+              <a:lstStyle/>
+              <a:p>
+                <a:pPr algn="ctr"/>
+                <a:endParaRPr lang="zh-CN" altLang="en-US"/>
+              </a:p>
+            </p:txBody>
+          </p:sp>
+          <p:cxnSp>
+            <p:nvCxnSpPr>
+              <p:cNvPr id="142" name="直接连接符 141">
                 <a:extLst>
-                  <a:ext uri="{0D108BD9-81ED-4DB2-BD59-A6C34878D82A}">
-                    <a16:rowId xmlns:a16="http://schemas.microsoft.com/office/drawing/2014/main" val="3532094026"/>
+                  <a:ext uri="{FF2B5EF4-FFF2-40B4-BE49-F238E27FC236}">
+                    <a16:creationId xmlns:a16="http://schemas.microsoft.com/office/drawing/2014/main" id="{D4225FB2-BB72-43EA-BC27-24B43F2B6430}"/>
                   </a:ext>
                 </a:extLst>
-              </a:tr>
-            </a:tbl>
-          </a:graphicData>
-        </a:graphic>
-      </p:graphicFrame>
-      <p:graphicFrame>
-        <p:nvGraphicFramePr>
-          <p:cNvPr id="173" name="表格 172">
+              </p:cNvPr>
+              <p:cNvCxnSpPr>
+                <a:stCxn id="141" idx="1"/>
+                <a:endCxn id="141" idx="3"/>
+              </p:cNvCxnSpPr>
+              <p:nvPr/>
+            </p:nvCxnSpPr>
+            <p:spPr>
+              <a:xfrm>
+                <a:off x="6528048" y="4833156"/>
+                <a:ext cx="1944000" cy="0"/>
+              </a:xfrm>
+              <a:prstGeom prst="line">
+                <a:avLst/>
+              </a:prstGeom>
+              <a:ln w="28575"/>
+            </p:spPr>
+            <p:style>
+              <a:lnRef idx="1">
+                <a:schemeClr val="accent1"/>
+              </a:lnRef>
+              <a:fillRef idx="0">
+                <a:schemeClr val="accent1"/>
+              </a:fillRef>
+              <a:effectRef idx="0">
+                <a:schemeClr val="accent1"/>
+              </a:effectRef>
+              <a:fontRef idx="minor">
+                <a:schemeClr val="tx1"/>
+              </a:fontRef>
+            </p:style>
+          </p:cxnSp>
+          <p:cxnSp>
+            <p:nvCxnSpPr>
+              <p:cNvPr id="143" name="直接连接符 142">
+                <a:extLst>
+                  <a:ext uri="{FF2B5EF4-FFF2-40B4-BE49-F238E27FC236}">
+                    <a16:creationId xmlns:a16="http://schemas.microsoft.com/office/drawing/2014/main" id="{F74C5918-EA39-4937-920B-F146A19A262B}"/>
+                  </a:ext>
+                </a:extLst>
+              </p:cNvPr>
+              <p:cNvCxnSpPr>
+                <a:stCxn id="141" idx="0"/>
+                <a:endCxn id="141" idx="2"/>
+              </p:cNvCxnSpPr>
+              <p:nvPr/>
+            </p:nvCxnSpPr>
+            <p:spPr>
+              <a:xfrm>
+                <a:off x="7500048" y="3861048"/>
+                <a:ext cx="0" cy="1944216"/>
+              </a:xfrm>
+              <a:prstGeom prst="line">
+                <a:avLst/>
+              </a:prstGeom>
+              <a:ln w="28575"/>
+            </p:spPr>
+            <p:style>
+              <a:lnRef idx="1">
+                <a:schemeClr val="accent1"/>
+              </a:lnRef>
+              <a:fillRef idx="0">
+                <a:schemeClr val="accent1"/>
+              </a:fillRef>
+              <a:effectRef idx="0">
+                <a:schemeClr val="accent1"/>
+              </a:effectRef>
+              <a:fontRef idx="minor">
+                <a:schemeClr val="tx1"/>
+              </a:fontRef>
+            </p:style>
+          </p:cxnSp>
+          <p:sp>
+            <p:nvSpPr>
+              <p:cNvPr id="144" name="矩形 143">
+                <a:extLst>
+                  <a:ext uri="{FF2B5EF4-FFF2-40B4-BE49-F238E27FC236}">
+                    <a16:creationId xmlns:a16="http://schemas.microsoft.com/office/drawing/2014/main" id="{DF1A0CE3-A9ED-45ED-95A9-3F561D53F85A}"/>
+                  </a:ext>
+                </a:extLst>
+              </p:cNvPr>
+              <p:cNvSpPr/>
+              <p:nvPr/>
+            </p:nvSpPr>
+            <p:spPr>
+              <a:xfrm>
+                <a:off x="6725463" y="4005064"/>
+                <a:ext cx="558669" cy="288032"/>
+              </a:xfrm>
+              <a:prstGeom prst="rect">
+                <a:avLst/>
+              </a:prstGeom>
+            </p:spPr>
+            <p:style>
+              <a:lnRef idx="2">
+                <a:schemeClr val="accent5">
+                  <a:shade val="50000"/>
+                </a:schemeClr>
+              </a:lnRef>
+              <a:fillRef idx="1">
+                <a:schemeClr val="accent5"/>
+              </a:fillRef>
+              <a:effectRef idx="0">
+                <a:schemeClr val="accent5"/>
+              </a:effectRef>
+              <a:fontRef idx="minor">
+                <a:schemeClr val="lt1"/>
+              </a:fontRef>
+            </p:style>
+            <p:txBody>
+              <a:bodyPr rtlCol="0" anchor="ctr"/>
+              <a:lstStyle/>
+              <a:p>
+                <a:pPr algn="ctr"/>
+                <a:r>
+                  <a:rPr lang="en-US" altLang="zh-CN" dirty="0"/>
+                  <a:t>1</a:t>
+                </a:r>
+                <a:endParaRPr lang="zh-CN" altLang="en-US" dirty="0"/>
+              </a:p>
+            </p:txBody>
+          </p:sp>
+          <p:sp>
+            <p:nvSpPr>
+              <p:cNvPr id="162" name="矩形 161">
+                <a:extLst>
+                  <a:ext uri="{FF2B5EF4-FFF2-40B4-BE49-F238E27FC236}">
+                    <a16:creationId xmlns:a16="http://schemas.microsoft.com/office/drawing/2014/main" id="{07487049-ABE8-42A0-9E7C-A4B77BB726BA}"/>
+                  </a:ext>
+                </a:extLst>
+              </p:cNvPr>
+              <p:cNvSpPr/>
+              <p:nvPr/>
+            </p:nvSpPr>
+            <p:spPr>
+              <a:xfrm>
+                <a:off x="6725463" y="5319209"/>
+                <a:ext cx="558669" cy="288032"/>
+              </a:xfrm>
+              <a:prstGeom prst="rect">
+                <a:avLst/>
+              </a:prstGeom>
+            </p:spPr>
+            <p:style>
+              <a:lnRef idx="2">
+                <a:schemeClr val="accent5">
+                  <a:shade val="50000"/>
+                </a:schemeClr>
+              </a:lnRef>
+              <a:fillRef idx="1">
+                <a:schemeClr val="accent5"/>
+              </a:fillRef>
+              <a:effectRef idx="0">
+                <a:schemeClr val="accent5"/>
+              </a:effectRef>
+              <a:fontRef idx="minor">
+                <a:schemeClr val="lt1"/>
+              </a:fontRef>
+            </p:style>
+            <p:txBody>
+              <a:bodyPr rtlCol="0" anchor="ctr"/>
+              <a:lstStyle/>
+              <a:p>
+                <a:pPr algn="ctr"/>
+                <a:r>
+                  <a:rPr lang="en-US" altLang="zh-CN" dirty="0"/>
+                  <a:t>0</a:t>
+                </a:r>
+                <a:endParaRPr lang="zh-CN" altLang="en-US" dirty="0"/>
+              </a:p>
+            </p:txBody>
+          </p:sp>
+          <p:sp>
+            <p:nvSpPr>
+              <p:cNvPr id="163" name="矩形 162">
+                <a:extLst>
+                  <a:ext uri="{FF2B5EF4-FFF2-40B4-BE49-F238E27FC236}">
+                    <a16:creationId xmlns:a16="http://schemas.microsoft.com/office/drawing/2014/main" id="{4A0B8C4C-80DD-4E4E-8AF6-0AB932FB46EE}"/>
+                  </a:ext>
+                </a:extLst>
+              </p:cNvPr>
+              <p:cNvSpPr/>
+              <p:nvPr/>
+            </p:nvSpPr>
+            <p:spPr>
+              <a:xfrm>
+                <a:off x="7706714" y="4005064"/>
+                <a:ext cx="558669" cy="288032"/>
+              </a:xfrm>
+              <a:prstGeom prst="rect">
+                <a:avLst/>
+              </a:prstGeom>
+            </p:spPr>
+            <p:style>
+              <a:lnRef idx="2">
+                <a:schemeClr val="accent5">
+                  <a:shade val="50000"/>
+                </a:schemeClr>
+              </a:lnRef>
+              <a:fillRef idx="1">
+                <a:schemeClr val="accent5"/>
+              </a:fillRef>
+              <a:effectRef idx="0">
+                <a:schemeClr val="accent5"/>
+              </a:effectRef>
+              <a:fontRef idx="minor">
+                <a:schemeClr val="lt1"/>
+              </a:fontRef>
+            </p:style>
+            <p:txBody>
+              <a:bodyPr rtlCol="0" anchor="ctr"/>
+              <a:lstStyle/>
+              <a:p>
+                <a:pPr algn="ctr"/>
+                <a:r>
+                  <a:rPr lang="en-US" altLang="zh-CN" dirty="0"/>
+                  <a:t>3</a:t>
+                </a:r>
+                <a:endParaRPr lang="zh-CN" altLang="en-US" dirty="0"/>
+              </a:p>
+            </p:txBody>
+          </p:sp>
+          <p:sp>
+            <p:nvSpPr>
+              <p:cNvPr id="165" name="矩形 164">
+                <a:extLst>
+                  <a:ext uri="{FF2B5EF4-FFF2-40B4-BE49-F238E27FC236}">
+                    <a16:creationId xmlns:a16="http://schemas.microsoft.com/office/drawing/2014/main" id="{5B9B914B-AD94-4466-BB35-5023976AAB52}"/>
+                  </a:ext>
+                </a:extLst>
+              </p:cNvPr>
+              <p:cNvSpPr/>
+              <p:nvPr/>
+            </p:nvSpPr>
+            <p:spPr>
+              <a:xfrm>
+                <a:off x="7706714" y="5319209"/>
+                <a:ext cx="558669" cy="288032"/>
+              </a:xfrm>
+              <a:prstGeom prst="rect">
+                <a:avLst/>
+              </a:prstGeom>
+            </p:spPr>
+            <p:style>
+              <a:lnRef idx="2">
+                <a:schemeClr val="accent5">
+                  <a:shade val="50000"/>
+                </a:schemeClr>
+              </a:lnRef>
+              <a:fillRef idx="1">
+                <a:schemeClr val="accent5"/>
+              </a:fillRef>
+              <a:effectRef idx="0">
+                <a:schemeClr val="accent5"/>
+              </a:effectRef>
+              <a:fontRef idx="minor">
+                <a:schemeClr val="lt1"/>
+              </a:fontRef>
+            </p:style>
+            <p:txBody>
+              <a:bodyPr rtlCol="0" anchor="ctr"/>
+              <a:lstStyle/>
+              <a:p>
+                <a:pPr algn="ctr"/>
+                <a:r>
+                  <a:rPr lang="en-US" altLang="zh-CN" dirty="0"/>
+                  <a:t>2</a:t>
+                </a:r>
+                <a:endParaRPr lang="zh-CN" altLang="en-US" dirty="0"/>
+              </a:p>
+            </p:txBody>
+          </p:sp>
+        </p:grpSp>
+        <p:sp>
+          <p:nvSpPr>
+            <p:cNvPr id="166" name="椭圆 165">
+              <a:extLst>
+                <a:ext uri="{FF2B5EF4-FFF2-40B4-BE49-F238E27FC236}">
+                  <a16:creationId xmlns:a16="http://schemas.microsoft.com/office/drawing/2014/main" id="{FF39F33D-4F9F-4BB5-9A9E-516580DA6EC0}"/>
+                </a:ext>
+              </a:extLst>
+            </p:cNvPr>
+            <p:cNvSpPr/>
+            <p:nvPr/>
+          </p:nvSpPr>
+          <p:spPr>
+            <a:xfrm>
+              <a:off x="10664288" y="2602413"/>
+              <a:ext cx="432048" cy="422337"/>
+            </a:xfrm>
+            <a:prstGeom prst="ellipse">
+              <a:avLst/>
+            </a:prstGeom>
+            <a:solidFill>
+              <a:srgbClr val="4F81BD">
+                <a:alpha val="16863"/>
+              </a:srgbClr>
+            </a:solidFill>
+            <a:ln>
+              <a:solidFill>
+                <a:schemeClr val="accent3">
+                  <a:lumMod val="60000"/>
+                  <a:lumOff val="40000"/>
+                </a:schemeClr>
+              </a:solidFill>
+            </a:ln>
+          </p:spPr>
+          <p:style>
+            <a:lnRef idx="2">
+              <a:schemeClr val="accent1">
+                <a:shade val="50000"/>
+              </a:schemeClr>
+            </a:lnRef>
+            <a:fillRef idx="1">
+              <a:schemeClr val="accent1"/>
+            </a:fillRef>
+            <a:effectRef idx="0">
+              <a:schemeClr val="accent1"/>
+            </a:effectRef>
+            <a:fontRef idx="minor">
+              <a:schemeClr val="lt1"/>
+            </a:fontRef>
+          </p:style>
+          <p:txBody>
+            <a:bodyPr rot="0" spcFirstLastPara="0" vertOverflow="overflow" horzOverflow="overflow" vert="horz" wrap="square" lIns="91440" tIns="45720" rIns="91440" bIns="45720" numCol="1" spcCol="0" rtlCol="0" fromWordArt="0" anchor="ctr" anchorCtr="0" forceAA="0" compatLnSpc="1">
+              <a:prstTxWarp prst="textNoShape">
+                <a:avLst/>
+              </a:prstTxWarp>
+              <a:noAutofit/>
+            </a:bodyPr>
+            <a:lstStyle/>
+            <a:p>
+              <a:pPr algn="ctr"/>
+              <a:r>
+                <a:rPr lang="en-US" altLang="zh-CN" dirty="0"/>
+                <a:t>1</a:t>
+              </a:r>
+              <a:endParaRPr lang="zh-CN" altLang="en-US" dirty="0"/>
+            </a:p>
+          </p:txBody>
+        </p:sp>
+        <p:sp>
+          <p:nvSpPr>
+            <p:cNvPr id="167" name="椭圆 166">
+              <a:extLst>
+                <a:ext uri="{FF2B5EF4-FFF2-40B4-BE49-F238E27FC236}">
+                  <a16:creationId xmlns:a16="http://schemas.microsoft.com/office/drawing/2014/main" id="{4BA737D3-923E-433F-AE74-60A811FCA1F6}"/>
+                </a:ext>
+              </a:extLst>
+            </p:cNvPr>
+            <p:cNvSpPr/>
+            <p:nvPr/>
+          </p:nvSpPr>
+          <p:spPr>
+            <a:xfrm>
+              <a:off x="11689139" y="2602413"/>
+              <a:ext cx="432048" cy="422337"/>
+            </a:xfrm>
+            <a:prstGeom prst="ellipse">
+              <a:avLst/>
+            </a:prstGeom>
+            <a:solidFill>
+              <a:srgbClr val="4F81BD">
+                <a:alpha val="16863"/>
+              </a:srgbClr>
+            </a:solidFill>
+            <a:ln>
+              <a:solidFill>
+                <a:schemeClr val="accent3">
+                  <a:lumMod val="60000"/>
+                  <a:lumOff val="40000"/>
+                </a:schemeClr>
+              </a:solidFill>
+            </a:ln>
+          </p:spPr>
+          <p:style>
+            <a:lnRef idx="2">
+              <a:schemeClr val="accent1">
+                <a:shade val="50000"/>
+              </a:schemeClr>
+            </a:lnRef>
+            <a:fillRef idx="1">
+              <a:schemeClr val="accent1"/>
+            </a:fillRef>
+            <a:effectRef idx="0">
+              <a:schemeClr val="accent1"/>
+            </a:effectRef>
+            <a:fontRef idx="minor">
+              <a:schemeClr val="lt1"/>
+            </a:fontRef>
+          </p:style>
+          <p:txBody>
+            <a:bodyPr rot="0" spcFirstLastPara="0" vertOverflow="overflow" horzOverflow="overflow" vert="horz" wrap="square" lIns="91440" tIns="45720" rIns="91440" bIns="45720" numCol="1" spcCol="0" rtlCol="0" fromWordArt="0" anchor="ctr" anchorCtr="0" forceAA="0" compatLnSpc="1">
+              <a:prstTxWarp prst="textNoShape">
+                <a:avLst/>
+              </a:prstTxWarp>
+              <a:noAutofit/>
+            </a:bodyPr>
+            <a:lstStyle/>
+            <a:p>
+              <a:pPr algn="ctr"/>
+              <a:r>
+                <a:rPr lang="en-US" altLang="zh-CN" dirty="0"/>
+                <a:t>3</a:t>
+              </a:r>
+              <a:endParaRPr lang="zh-CN" altLang="en-US" dirty="0"/>
+            </a:p>
+          </p:txBody>
+        </p:sp>
+        <p:sp>
+          <p:nvSpPr>
+            <p:cNvPr id="168" name="椭圆 167">
+              <a:extLst>
+                <a:ext uri="{FF2B5EF4-FFF2-40B4-BE49-F238E27FC236}">
+                  <a16:creationId xmlns:a16="http://schemas.microsoft.com/office/drawing/2014/main" id="{564D6739-6ED0-4289-8482-BFB456AAEFA2}"/>
+                </a:ext>
+              </a:extLst>
+            </p:cNvPr>
+            <p:cNvSpPr/>
+            <p:nvPr/>
+          </p:nvSpPr>
+          <p:spPr>
+            <a:xfrm>
+              <a:off x="10663079" y="1694188"/>
+              <a:ext cx="432048" cy="422337"/>
+            </a:xfrm>
+            <a:prstGeom prst="ellipse">
+              <a:avLst/>
+            </a:prstGeom>
+            <a:solidFill>
+              <a:srgbClr val="4F81BD">
+                <a:alpha val="16863"/>
+              </a:srgbClr>
+            </a:solidFill>
+            <a:ln>
+              <a:solidFill>
+                <a:schemeClr val="accent3">
+                  <a:lumMod val="60000"/>
+                  <a:lumOff val="40000"/>
+                </a:schemeClr>
+              </a:solidFill>
+            </a:ln>
+          </p:spPr>
+          <p:style>
+            <a:lnRef idx="2">
+              <a:schemeClr val="accent1">
+                <a:shade val="50000"/>
+              </a:schemeClr>
+            </a:lnRef>
+            <a:fillRef idx="1">
+              <a:schemeClr val="accent1"/>
+            </a:fillRef>
+            <a:effectRef idx="0">
+              <a:schemeClr val="accent1"/>
+            </a:effectRef>
+            <a:fontRef idx="minor">
+              <a:schemeClr val="lt1"/>
+            </a:fontRef>
+          </p:style>
+          <p:txBody>
+            <a:bodyPr rot="0" spcFirstLastPara="0" vertOverflow="overflow" horzOverflow="overflow" vert="horz" wrap="square" lIns="91440" tIns="45720" rIns="91440" bIns="45720" numCol="1" spcCol="0" rtlCol="0" fromWordArt="0" anchor="ctr" anchorCtr="0" forceAA="0" compatLnSpc="1">
+              <a:prstTxWarp prst="textNoShape">
+                <a:avLst/>
+              </a:prstTxWarp>
+              <a:noAutofit/>
+            </a:bodyPr>
+            <a:lstStyle/>
+            <a:p>
+              <a:pPr algn="ctr"/>
+              <a:r>
+                <a:rPr lang="en-US" altLang="zh-CN" dirty="0"/>
+                <a:t>0</a:t>
+              </a:r>
+              <a:endParaRPr lang="zh-CN" altLang="en-US" dirty="0"/>
+            </a:p>
+          </p:txBody>
+        </p:sp>
+        <p:sp>
+          <p:nvSpPr>
+            <p:cNvPr id="169" name="椭圆 168">
+              <a:extLst>
+                <a:ext uri="{FF2B5EF4-FFF2-40B4-BE49-F238E27FC236}">
+                  <a16:creationId xmlns:a16="http://schemas.microsoft.com/office/drawing/2014/main" id="{826E13C6-EAFB-4580-BB3A-305FDFCF7D3B}"/>
+                </a:ext>
+              </a:extLst>
+            </p:cNvPr>
+            <p:cNvSpPr/>
+            <p:nvPr/>
+          </p:nvSpPr>
+          <p:spPr>
+            <a:xfrm>
+              <a:off x="11653242" y="1704753"/>
+              <a:ext cx="432048" cy="422337"/>
+            </a:xfrm>
+            <a:prstGeom prst="ellipse">
+              <a:avLst/>
+            </a:prstGeom>
+            <a:solidFill>
+              <a:srgbClr val="4F81BD">
+                <a:alpha val="16863"/>
+              </a:srgbClr>
+            </a:solidFill>
+            <a:ln>
+              <a:solidFill>
+                <a:schemeClr val="accent3">
+                  <a:lumMod val="60000"/>
+                  <a:lumOff val="40000"/>
+                </a:schemeClr>
+              </a:solidFill>
+            </a:ln>
+          </p:spPr>
+          <p:style>
+            <a:lnRef idx="2">
+              <a:schemeClr val="accent1">
+                <a:shade val="50000"/>
+              </a:schemeClr>
+            </a:lnRef>
+            <a:fillRef idx="1">
+              <a:schemeClr val="accent1"/>
+            </a:fillRef>
+            <a:effectRef idx="0">
+              <a:schemeClr val="accent1"/>
+            </a:effectRef>
+            <a:fontRef idx="minor">
+              <a:schemeClr val="lt1"/>
+            </a:fontRef>
+          </p:style>
+          <p:txBody>
+            <a:bodyPr rot="0" spcFirstLastPara="0" vertOverflow="overflow" horzOverflow="overflow" vert="horz" wrap="square" lIns="91440" tIns="45720" rIns="91440" bIns="45720" numCol="1" spcCol="0" rtlCol="0" fromWordArt="0" anchor="ctr" anchorCtr="0" forceAA="0" compatLnSpc="1">
+              <a:prstTxWarp prst="textNoShape">
+                <a:avLst/>
+              </a:prstTxWarp>
+              <a:noAutofit/>
+            </a:bodyPr>
+            <a:lstStyle/>
+            <a:p>
+              <a:pPr algn="ctr"/>
+              <a:r>
+                <a:rPr lang="en-US" altLang="zh-CN" dirty="0"/>
+                <a:t>2</a:t>
+              </a:r>
+              <a:endParaRPr lang="zh-CN" altLang="en-US" dirty="0"/>
+            </a:p>
+          </p:txBody>
+        </p:sp>
+      </p:grpSp>
+      <p:grpSp>
+        <p:nvGrpSpPr>
+          <p:cNvPr id="7" name="组合 6">
             <a:extLst>
               <a:ext uri="{FF2B5EF4-FFF2-40B4-BE49-F238E27FC236}">
-                <a16:creationId xmlns:a16="http://schemas.microsoft.com/office/drawing/2014/main" id="{02BBFA9E-C93C-4846-8192-89E3AED9571F}"/>
+                <a16:creationId xmlns:a16="http://schemas.microsoft.com/office/drawing/2014/main" id="{BFD585C7-3281-4359-94C1-56C377FD8DEE}"/>
               </a:ext>
             </a:extLst>
           </p:cNvPr>
-          <p:cNvGraphicFramePr>
-            <a:graphicFrameLocks noGrp="1"/>
-          </p:cNvGraphicFramePr>
-          <p:nvPr>
-            <p:extLst>
-              <p:ext uri="{D42A27DB-BD31-4B8C-83A1-F6EECF244321}">
-                <p14:modId xmlns:p14="http://schemas.microsoft.com/office/powerpoint/2010/main" val="427809059"/>
-              </p:ext>
-            </p:extLst>
-          </p:nvPr>
-        </p:nvGraphicFramePr>
-        <p:xfrm>
-          <a:off x="8526247" y="4478644"/>
-          <a:ext cx="895648" cy="741680"/>
-        </p:xfrm>
-        <a:graphic>
-          <a:graphicData uri="http://schemas.openxmlformats.org/drawingml/2006/table">
-            <a:tbl>
-              <a:tblPr firstRow="1" bandRow="1">
-                <a:tableStyleId>{5C22544A-7EE6-4342-B048-85BDC9FD1C3A}</a:tableStyleId>
-              </a:tblPr>
-              <a:tblGrid>
-                <a:gridCol w="447824">
-                  <a:extLst>
-                    <a:ext uri="{9D8B030D-6E8A-4147-A177-3AD203B41FA5}">
-                      <a16:colId xmlns:a16="http://schemas.microsoft.com/office/drawing/2014/main" val="2030200888"/>
-                    </a:ext>
-                  </a:extLst>
-                </a:gridCol>
-                <a:gridCol w="447824">
-                  <a:extLst>
-                    <a:ext uri="{9D8B030D-6E8A-4147-A177-3AD203B41FA5}">
-                      <a16:colId xmlns:a16="http://schemas.microsoft.com/office/drawing/2014/main" val="2849599490"/>
-                    </a:ext>
-                  </a:extLst>
-                </a:gridCol>
-              </a:tblGrid>
-              <a:tr h="370840">
-                <a:tc>
-                  <a:txBody>
-                    <a:bodyPr/>
-                    <a:lstStyle/>
-                    <a:p>
-                      <a:pPr algn="ctr"/>
-                      <a:r>
-                        <a:rPr lang="en-US" altLang="zh-CN" b="0" dirty="0">
-                          <a:solidFill>
-                            <a:schemeClr val="tx1"/>
-                          </a:solidFill>
-                          <a:latin typeface="Times New Roman" panose="02020603050405020304" pitchFamily="18" charset="0"/>
-                          <a:cs typeface="Times New Roman" panose="02020603050405020304" pitchFamily="18" charset="0"/>
-                        </a:rPr>
-                        <a:t>4</a:t>
-                      </a:r>
-                      <a:endParaRPr lang="zh-CN" altLang="en-US" b="0" dirty="0">
-                        <a:solidFill>
-                          <a:schemeClr val="tx1"/>
-                        </a:solidFill>
-                        <a:latin typeface="Times New Roman" panose="02020603050405020304" pitchFamily="18" charset="0"/>
-                        <a:cs typeface="Times New Roman" panose="02020603050405020304" pitchFamily="18" charset="0"/>
-                      </a:endParaRPr>
-                    </a:p>
-                  </a:txBody>
-                  <a:tcPr>
-                    <a:lnL w="12700" cmpd="sng">
-                      <a:noFill/>
-                    </a:lnL>
-                    <a:lnR w="12700" cmpd="sng">
-                      <a:noFill/>
-                    </a:lnR>
-                    <a:lnT w="12700" cmpd="sng">
-                      <a:noFill/>
-                    </a:lnT>
-                    <a:lnB w="38100" cmpd="sng">
-                      <a:noFill/>
-                    </a:lnB>
-                    <a:lnTlToBr w="12700" cmpd="sng">
-                      <a:noFill/>
-                      <a:prstDash val="solid"/>
-                    </a:lnTlToBr>
-                    <a:lnBlToTr w="12700" cmpd="sng">
-                      <a:noFill/>
-                      <a:prstDash val="solid"/>
-                    </a:lnBlToTr>
-                    <a:solidFill>
-                      <a:schemeClr val="bg2"/>
-                    </a:solidFill>
-                  </a:tcPr>
-                </a:tc>
-                <a:tc>
-                  <a:txBody>
-                    <a:bodyPr/>
-                    <a:lstStyle/>
-                    <a:p>
-                      <a:pPr algn="ctr"/>
-                      <a:r>
-                        <a:rPr lang="en-US" altLang="zh-CN" b="0" dirty="0">
-                          <a:solidFill>
-                            <a:schemeClr val="tx1"/>
-                          </a:solidFill>
-                          <a:latin typeface="Times New Roman" panose="02020603050405020304" pitchFamily="18" charset="0"/>
-                          <a:cs typeface="Times New Roman" panose="02020603050405020304" pitchFamily="18" charset="0"/>
-                        </a:rPr>
-                        <a:t>6</a:t>
-                      </a:r>
-                      <a:endParaRPr lang="zh-CN" altLang="en-US" b="0" dirty="0">
-                        <a:solidFill>
-                          <a:schemeClr val="tx1"/>
-                        </a:solidFill>
-                        <a:latin typeface="Times New Roman" panose="02020603050405020304" pitchFamily="18" charset="0"/>
-                        <a:cs typeface="Times New Roman" panose="02020603050405020304" pitchFamily="18" charset="0"/>
-                      </a:endParaRPr>
-                    </a:p>
-                  </a:txBody>
-                  <a:tcPr>
-                    <a:lnL w="12700" cmpd="sng">
-                      <a:noFill/>
-                    </a:lnL>
-                    <a:lnR w="12700" cmpd="sng">
-                      <a:noFill/>
-                    </a:lnR>
-                    <a:lnT w="12700" cmpd="sng">
-                      <a:noFill/>
-                    </a:lnT>
-                    <a:lnB w="38100" cmpd="sng">
-                      <a:noFill/>
-                    </a:lnB>
-                    <a:lnTlToBr w="12700" cmpd="sng">
-                      <a:noFill/>
-                      <a:prstDash val="solid"/>
-                    </a:lnTlToBr>
-                    <a:lnBlToTr w="12700" cmpd="sng">
-                      <a:noFill/>
-                      <a:prstDash val="solid"/>
-                    </a:lnBlToTr>
-                    <a:solidFill>
-                      <a:schemeClr val="bg2"/>
-                    </a:solidFill>
-                  </a:tcPr>
-                </a:tc>
+          <p:cNvGrpSpPr/>
+          <p:nvPr/>
+        </p:nvGrpSpPr>
+        <p:grpSpPr>
+          <a:xfrm>
+            <a:off x="8457391" y="4201337"/>
+            <a:ext cx="1167141" cy="1167270"/>
+            <a:chOff x="10393103" y="3934372"/>
+            <a:chExt cx="1944000" cy="1944216"/>
+          </a:xfrm>
+        </p:grpSpPr>
+        <p:grpSp>
+          <p:nvGrpSpPr>
+            <p:cNvPr id="170" name="组合 169">
+              <a:extLst>
+                <a:ext uri="{FF2B5EF4-FFF2-40B4-BE49-F238E27FC236}">
+                  <a16:creationId xmlns:a16="http://schemas.microsoft.com/office/drawing/2014/main" id="{EBB90432-7CB3-48B0-88D9-A0CED6A539A2}"/>
+                </a:ext>
+              </a:extLst>
+            </p:cNvPr>
+            <p:cNvGrpSpPr/>
+            <p:nvPr/>
+          </p:nvGrpSpPr>
+          <p:grpSpPr>
+            <a:xfrm>
+              <a:off x="10393103" y="3934372"/>
+              <a:ext cx="1944000" cy="1944216"/>
+              <a:chOff x="6528048" y="3861048"/>
+              <a:chExt cx="1944000" cy="1944216"/>
+            </a:xfrm>
+          </p:grpSpPr>
+          <p:sp>
+            <p:nvSpPr>
+              <p:cNvPr id="171" name="矩形 170">
                 <a:extLst>
-                  <a:ext uri="{0D108BD9-81ED-4DB2-BD59-A6C34878D82A}">
-                    <a16:rowId xmlns:a16="http://schemas.microsoft.com/office/drawing/2014/main" val="3419844602"/>
+                  <a:ext uri="{FF2B5EF4-FFF2-40B4-BE49-F238E27FC236}">
+                    <a16:creationId xmlns:a16="http://schemas.microsoft.com/office/drawing/2014/main" id="{9CC1DCC4-D0D6-4A60-9700-918C07986DFF}"/>
                   </a:ext>
                 </a:extLst>
-              </a:tr>
-              <a:tr h="370840">
-                <a:tc>
-                  <a:txBody>
-                    <a:bodyPr/>
-                    <a:lstStyle/>
-                    <a:p>
-                      <a:pPr algn="ctr"/>
-                      <a:r>
-                        <a:rPr lang="en-US" altLang="zh-CN" b="0" dirty="0">
-                          <a:solidFill>
-                            <a:schemeClr val="tx1"/>
-                          </a:solidFill>
-                          <a:latin typeface="Times New Roman" panose="02020603050405020304" pitchFamily="18" charset="0"/>
-                          <a:cs typeface="Times New Roman" panose="02020603050405020304" pitchFamily="18" charset="0"/>
-                        </a:rPr>
-                        <a:t>5</a:t>
-                      </a:r>
-                      <a:endParaRPr lang="zh-CN" altLang="en-US" b="0" dirty="0">
-                        <a:solidFill>
-                          <a:schemeClr val="tx1"/>
-                        </a:solidFill>
-                        <a:latin typeface="Times New Roman" panose="02020603050405020304" pitchFamily="18" charset="0"/>
-                        <a:cs typeface="Times New Roman" panose="02020603050405020304" pitchFamily="18" charset="0"/>
-                      </a:endParaRPr>
-                    </a:p>
-                  </a:txBody>
-                  <a:tcPr>
-                    <a:lnL w="12700" cmpd="sng">
-                      <a:noFill/>
-                    </a:lnL>
-                    <a:lnR w="12700" cmpd="sng">
-                      <a:noFill/>
-                    </a:lnR>
-                    <a:lnT w="38100" cmpd="sng">
-                      <a:noFill/>
-                    </a:lnT>
-                    <a:lnB w="12700" cmpd="sng">
-                      <a:noFill/>
-                    </a:lnB>
-                    <a:lnTlToBr w="12700" cmpd="sng">
-                      <a:noFill/>
-                      <a:prstDash val="solid"/>
-                    </a:lnTlToBr>
-                    <a:lnBlToTr w="12700" cmpd="sng">
-                      <a:noFill/>
-                      <a:prstDash val="solid"/>
-                    </a:lnBlToTr>
-                    <a:solidFill>
-                      <a:schemeClr val="bg2"/>
-                    </a:solidFill>
-                  </a:tcPr>
-                </a:tc>
-                <a:tc>
-                  <a:txBody>
-                    <a:bodyPr/>
-                    <a:lstStyle/>
-                    <a:p>
-                      <a:pPr algn="ctr"/>
-                      <a:r>
-                        <a:rPr lang="en-US" altLang="zh-CN" b="0" dirty="0">
-                          <a:solidFill>
-                            <a:schemeClr val="tx1"/>
-                          </a:solidFill>
-                          <a:latin typeface="Times New Roman" panose="02020603050405020304" pitchFamily="18" charset="0"/>
-                          <a:cs typeface="Times New Roman" panose="02020603050405020304" pitchFamily="18" charset="0"/>
-                        </a:rPr>
-                        <a:t>7</a:t>
-                      </a:r>
-                      <a:endParaRPr lang="zh-CN" altLang="en-US" b="0" dirty="0">
-                        <a:solidFill>
-                          <a:schemeClr val="tx1"/>
-                        </a:solidFill>
-                        <a:latin typeface="Times New Roman" panose="02020603050405020304" pitchFamily="18" charset="0"/>
-                        <a:cs typeface="Times New Roman" panose="02020603050405020304" pitchFamily="18" charset="0"/>
-                      </a:endParaRPr>
-                    </a:p>
-                  </a:txBody>
-                  <a:tcPr>
-                    <a:lnL w="12700" cmpd="sng">
-                      <a:noFill/>
-                    </a:lnL>
-                    <a:lnR w="12700" cmpd="sng">
-                      <a:noFill/>
-                    </a:lnR>
-                    <a:lnT w="38100" cmpd="sng">
-                      <a:noFill/>
-                    </a:lnT>
-                    <a:lnB w="12700" cmpd="sng">
-                      <a:noFill/>
-                    </a:lnB>
-                    <a:lnTlToBr w="12700" cmpd="sng">
-                      <a:noFill/>
-                      <a:prstDash val="solid"/>
-                    </a:lnTlToBr>
-                    <a:lnBlToTr w="12700" cmpd="sng">
-                      <a:noFill/>
-                      <a:prstDash val="solid"/>
-                    </a:lnBlToTr>
-                    <a:solidFill>
-                      <a:schemeClr val="bg2"/>
-                    </a:solidFill>
-                  </a:tcPr>
-                </a:tc>
+              </p:cNvPr>
+              <p:cNvSpPr/>
+              <p:nvPr/>
+            </p:nvSpPr>
+            <p:spPr>
+              <a:xfrm>
+                <a:off x="6528048" y="3861048"/>
+                <a:ext cx="1944000" cy="1944216"/>
+              </a:xfrm>
+              <a:prstGeom prst="rect">
+                <a:avLst/>
+              </a:prstGeom>
+              <a:noFill/>
+            </p:spPr>
+            <p:style>
+              <a:lnRef idx="2">
+                <a:schemeClr val="accent1">
+                  <a:shade val="50000"/>
+                </a:schemeClr>
+              </a:lnRef>
+              <a:fillRef idx="1">
+                <a:schemeClr val="accent1"/>
+              </a:fillRef>
+              <a:effectRef idx="0">
+                <a:schemeClr val="accent1"/>
+              </a:effectRef>
+              <a:fontRef idx="minor">
+                <a:schemeClr val="lt1"/>
+              </a:fontRef>
+            </p:style>
+            <p:txBody>
+              <a:bodyPr rtlCol="0" anchor="ctr"/>
+              <a:lstStyle/>
+              <a:p>
+                <a:pPr algn="ctr"/>
+                <a:endParaRPr lang="zh-CN" altLang="en-US"/>
+              </a:p>
+            </p:txBody>
+          </p:sp>
+          <p:cxnSp>
+            <p:nvCxnSpPr>
+              <p:cNvPr id="172" name="直接连接符 171">
                 <a:extLst>
-                  <a:ext uri="{0D108BD9-81ED-4DB2-BD59-A6C34878D82A}">
-                    <a16:rowId xmlns:a16="http://schemas.microsoft.com/office/drawing/2014/main" val="3532094026"/>
+                  <a:ext uri="{FF2B5EF4-FFF2-40B4-BE49-F238E27FC236}">
+                    <a16:creationId xmlns:a16="http://schemas.microsoft.com/office/drawing/2014/main" id="{99505A73-F935-42F5-BF27-834680F11A35}"/>
                   </a:ext>
                 </a:extLst>
-              </a:tr>
-            </a:tbl>
-          </a:graphicData>
-        </a:graphic>
-      </p:graphicFrame>
+              </p:cNvPr>
+              <p:cNvCxnSpPr>
+                <a:stCxn id="171" idx="1"/>
+                <a:endCxn id="171" idx="3"/>
+              </p:cNvCxnSpPr>
+              <p:nvPr/>
+            </p:nvCxnSpPr>
+            <p:spPr>
+              <a:xfrm>
+                <a:off x="6528048" y="4833156"/>
+                <a:ext cx="1944000" cy="0"/>
+              </a:xfrm>
+              <a:prstGeom prst="line">
+                <a:avLst/>
+              </a:prstGeom>
+              <a:ln w="28575"/>
+            </p:spPr>
+            <p:style>
+              <a:lnRef idx="1">
+                <a:schemeClr val="accent1"/>
+              </a:lnRef>
+              <a:fillRef idx="0">
+                <a:schemeClr val="accent1"/>
+              </a:fillRef>
+              <a:effectRef idx="0">
+                <a:schemeClr val="accent1"/>
+              </a:effectRef>
+              <a:fontRef idx="minor">
+                <a:schemeClr val="tx1"/>
+              </a:fontRef>
+            </p:style>
+          </p:cxnSp>
+          <p:cxnSp>
+            <p:nvCxnSpPr>
+              <p:cNvPr id="174" name="直接连接符 173">
+                <a:extLst>
+                  <a:ext uri="{FF2B5EF4-FFF2-40B4-BE49-F238E27FC236}">
+                    <a16:creationId xmlns:a16="http://schemas.microsoft.com/office/drawing/2014/main" id="{C9F9A06F-4230-45E4-B661-E3C272F74A2B}"/>
+                  </a:ext>
+                </a:extLst>
+              </p:cNvPr>
+              <p:cNvCxnSpPr>
+                <a:stCxn id="171" idx="0"/>
+                <a:endCxn id="171" idx="2"/>
+              </p:cNvCxnSpPr>
+              <p:nvPr/>
+            </p:nvCxnSpPr>
+            <p:spPr>
+              <a:xfrm>
+                <a:off x="7500048" y="3861048"/>
+                <a:ext cx="0" cy="1944216"/>
+              </a:xfrm>
+              <a:prstGeom prst="line">
+                <a:avLst/>
+              </a:prstGeom>
+              <a:ln w="28575"/>
+            </p:spPr>
+            <p:style>
+              <a:lnRef idx="1">
+                <a:schemeClr val="accent1"/>
+              </a:lnRef>
+              <a:fillRef idx="0">
+                <a:schemeClr val="accent1"/>
+              </a:fillRef>
+              <a:effectRef idx="0">
+                <a:schemeClr val="accent1"/>
+              </a:effectRef>
+              <a:fontRef idx="minor">
+                <a:schemeClr val="tx1"/>
+              </a:fontRef>
+            </p:style>
+          </p:cxnSp>
+          <p:sp>
+            <p:nvSpPr>
+              <p:cNvPr id="175" name="矩形 174">
+                <a:extLst>
+                  <a:ext uri="{FF2B5EF4-FFF2-40B4-BE49-F238E27FC236}">
+                    <a16:creationId xmlns:a16="http://schemas.microsoft.com/office/drawing/2014/main" id="{3FACF52D-8D3F-4AEF-A346-EAF50A2B10F9}"/>
+                  </a:ext>
+                </a:extLst>
+              </p:cNvPr>
+              <p:cNvSpPr/>
+              <p:nvPr/>
+            </p:nvSpPr>
+            <p:spPr>
+              <a:xfrm>
+                <a:off x="6725463" y="4005064"/>
+                <a:ext cx="558669" cy="288032"/>
+              </a:xfrm>
+              <a:prstGeom prst="rect">
+                <a:avLst/>
+              </a:prstGeom>
+            </p:spPr>
+            <p:style>
+              <a:lnRef idx="2">
+                <a:schemeClr val="accent5">
+                  <a:shade val="50000"/>
+                </a:schemeClr>
+              </a:lnRef>
+              <a:fillRef idx="1">
+                <a:schemeClr val="accent5"/>
+              </a:fillRef>
+              <a:effectRef idx="0">
+                <a:schemeClr val="accent5"/>
+              </a:effectRef>
+              <a:fontRef idx="minor">
+                <a:schemeClr val="lt1"/>
+              </a:fontRef>
+            </p:style>
+            <p:txBody>
+              <a:bodyPr rtlCol="0" anchor="ctr"/>
+              <a:lstStyle/>
+              <a:p>
+                <a:pPr algn="ctr"/>
+                <a:r>
+                  <a:rPr lang="en-US" altLang="zh-CN" dirty="0"/>
+                  <a:t>4</a:t>
+                </a:r>
+                <a:endParaRPr lang="zh-CN" altLang="en-US" dirty="0"/>
+              </a:p>
+            </p:txBody>
+          </p:sp>
+          <p:sp>
+            <p:nvSpPr>
+              <p:cNvPr id="176" name="矩形 175">
+                <a:extLst>
+                  <a:ext uri="{FF2B5EF4-FFF2-40B4-BE49-F238E27FC236}">
+                    <a16:creationId xmlns:a16="http://schemas.microsoft.com/office/drawing/2014/main" id="{9E0D1AD3-0CED-4DF0-8A24-0CBD796B32E9}"/>
+                  </a:ext>
+                </a:extLst>
+              </p:cNvPr>
+              <p:cNvSpPr/>
+              <p:nvPr/>
+            </p:nvSpPr>
+            <p:spPr>
+              <a:xfrm>
+                <a:off x="6725463" y="5319209"/>
+                <a:ext cx="558669" cy="288032"/>
+              </a:xfrm>
+              <a:prstGeom prst="rect">
+                <a:avLst/>
+              </a:prstGeom>
+            </p:spPr>
+            <p:style>
+              <a:lnRef idx="2">
+                <a:schemeClr val="accent5">
+                  <a:shade val="50000"/>
+                </a:schemeClr>
+              </a:lnRef>
+              <a:fillRef idx="1">
+                <a:schemeClr val="accent5"/>
+              </a:fillRef>
+              <a:effectRef idx="0">
+                <a:schemeClr val="accent5"/>
+              </a:effectRef>
+              <a:fontRef idx="minor">
+                <a:schemeClr val="lt1"/>
+              </a:fontRef>
+            </p:style>
+            <p:txBody>
+              <a:bodyPr rtlCol="0" anchor="ctr"/>
+              <a:lstStyle/>
+              <a:p>
+                <a:pPr algn="ctr"/>
+                <a:r>
+                  <a:rPr lang="en-US" altLang="zh-CN" dirty="0"/>
+                  <a:t>5</a:t>
+                </a:r>
+                <a:endParaRPr lang="zh-CN" altLang="en-US" dirty="0"/>
+              </a:p>
+            </p:txBody>
+          </p:sp>
+          <p:sp>
+            <p:nvSpPr>
+              <p:cNvPr id="177" name="矩形 176">
+                <a:extLst>
+                  <a:ext uri="{FF2B5EF4-FFF2-40B4-BE49-F238E27FC236}">
+                    <a16:creationId xmlns:a16="http://schemas.microsoft.com/office/drawing/2014/main" id="{CF32E8D3-A193-4BB2-9D60-CB7E0A7ACF54}"/>
+                  </a:ext>
+                </a:extLst>
+              </p:cNvPr>
+              <p:cNvSpPr/>
+              <p:nvPr/>
+            </p:nvSpPr>
+            <p:spPr>
+              <a:xfrm>
+                <a:off x="7706714" y="4005064"/>
+                <a:ext cx="558669" cy="288032"/>
+              </a:xfrm>
+              <a:prstGeom prst="rect">
+                <a:avLst/>
+              </a:prstGeom>
+            </p:spPr>
+            <p:style>
+              <a:lnRef idx="2">
+                <a:schemeClr val="accent5">
+                  <a:shade val="50000"/>
+                </a:schemeClr>
+              </a:lnRef>
+              <a:fillRef idx="1">
+                <a:schemeClr val="accent5"/>
+              </a:fillRef>
+              <a:effectRef idx="0">
+                <a:schemeClr val="accent5"/>
+              </a:effectRef>
+              <a:fontRef idx="minor">
+                <a:schemeClr val="lt1"/>
+              </a:fontRef>
+            </p:style>
+            <p:txBody>
+              <a:bodyPr rtlCol="0" anchor="ctr"/>
+              <a:lstStyle/>
+              <a:p>
+                <a:pPr algn="ctr"/>
+                <a:r>
+                  <a:rPr lang="en-US" altLang="zh-CN" dirty="0"/>
+                  <a:t>6</a:t>
+                </a:r>
+                <a:endParaRPr lang="zh-CN" altLang="en-US" dirty="0"/>
+              </a:p>
+            </p:txBody>
+          </p:sp>
+          <p:sp>
+            <p:nvSpPr>
+              <p:cNvPr id="178" name="矩形 177">
+                <a:extLst>
+                  <a:ext uri="{FF2B5EF4-FFF2-40B4-BE49-F238E27FC236}">
+                    <a16:creationId xmlns:a16="http://schemas.microsoft.com/office/drawing/2014/main" id="{012C4F78-5E3B-4038-825C-D9C7E73698B9}"/>
+                  </a:ext>
+                </a:extLst>
+              </p:cNvPr>
+              <p:cNvSpPr/>
+              <p:nvPr/>
+            </p:nvSpPr>
+            <p:spPr>
+              <a:xfrm>
+                <a:off x="7706714" y="5319209"/>
+                <a:ext cx="558669" cy="288032"/>
+              </a:xfrm>
+              <a:prstGeom prst="rect">
+                <a:avLst/>
+              </a:prstGeom>
+            </p:spPr>
+            <p:style>
+              <a:lnRef idx="2">
+                <a:schemeClr val="accent5">
+                  <a:shade val="50000"/>
+                </a:schemeClr>
+              </a:lnRef>
+              <a:fillRef idx="1">
+                <a:schemeClr val="accent5"/>
+              </a:fillRef>
+              <a:effectRef idx="0">
+                <a:schemeClr val="accent5"/>
+              </a:effectRef>
+              <a:fontRef idx="minor">
+                <a:schemeClr val="lt1"/>
+              </a:fontRef>
+            </p:style>
+            <p:txBody>
+              <a:bodyPr rtlCol="0" anchor="ctr"/>
+              <a:lstStyle/>
+              <a:p>
+                <a:pPr algn="ctr"/>
+                <a:r>
+                  <a:rPr lang="en-US" altLang="zh-CN" dirty="0"/>
+                  <a:t>7</a:t>
+                </a:r>
+                <a:endParaRPr lang="zh-CN" altLang="en-US" dirty="0"/>
+              </a:p>
+            </p:txBody>
+          </p:sp>
+        </p:grpSp>
+        <p:sp>
+          <p:nvSpPr>
+            <p:cNvPr id="179" name="椭圆 178">
+              <a:extLst>
+                <a:ext uri="{FF2B5EF4-FFF2-40B4-BE49-F238E27FC236}">
+                  <a16:creationId xmlns:a16="http://schemas.microsoft.com/office/drawing/2014/main" id="{E1061FB0-D36A-4577-A230-F54F2E254B0B}"/>
+                </a:ext>
+              </a:extLst>
+            </p:cNvPr>
+            <p:cNvSpPr/>
+            <p:nvPr/>
+          </p:nvSpPr>
+          <p:spPr>
+            <a:xfrm>
+              <a:off x="10664288" y="5147068"/>
+              <a:ext cx="432048" cy="422337"/>
+            </a:xfrm>
+            <a:prstGeom prst="ellipse">
+              <a:avLst/>
+            </a:prstGeom>
+            <a:solidFill>
+              <a:srgbClr val="4F81BD">
+                <a:alpha val="16863"/>
+              </a:srgbClr>
+            </a:solidFill>
+            <a:ln>
+              <a:solidFill>
+                <a:schemeClr val="accent3">
+                  <a:lumMod val="60000"/>
+                  <a:lumOff val="40000"/>
+                </a:schemeClr>
+              </a:solidFill>
+            </a:ln>
+          </p:spPr>
+          <p:style>
+            <a:lnRef idx="2">
+              <a:schemeClr val="accent1">
+                <a:shade val="50000"/>
+              </a:schemeClr>
+            </a:lnRef>
+            <a:fillRef idx="1">
+              <a:schemeClr val="accent1"/>
+            </a:fillRef>
+            <a:effectRef idx="0">
+              <a:schemeClr val="accent1"/>
+            </a:effectRef>
+            <a:fontRef idx="minor">
+              <a:schemeClr val="lt1"/>
+            </a:fontRef>
+          </p:style>
+          <p:txBody>
+            <a:bodyPr rot="0" spcFirstLastPara="0" vertOverflow="overflow" horzOverflow="overflow" vert="horz" wrap="square" lIns="91440" tIns="45720" rIns="91440" bIns="45720" numCol="1" spcCol="0" rtlCol="0" fromWordArt="0" anchor="ctr" anchorCtr="0" forceAA="0" compatLnSpc="1">
+              <a:prstTxWarp prst="textNoShape">
+                <a:avLst/>
+              </a:prstTxWarp>
+              <a:noAutofit/>
+            </a:bodyPr>
+            <a:lstStyle/>
+            <a:p>
+              <a:pPr algn="ctr"/>
+              <a:r>
+                <a:rPr lang="en-US" altLang="zh-CN" dirty="0"/>
+                <a:t>1</a:t>
+              </a:r>
+              <a:endParaRPr lang="zh-CN" altLang="en-US" dirty="0"/>
+            </a:p>
+          </p:txBody>
+        </p:sp>
+        <p:sp>
+          <p:nvSpPr>
+            <p:cNvPr id="180" name="椭圆 179">
+              <a:extLst>
+                <a:ext uri="{FF2B5EF4-FFF2-40B4-BE49-F238E27FC236}">
+                  <a16:creationId xmlns:a16="http://schemas.microsoft.com/office/drawing/2014/main" id="{233771B1-BCDD-4EC9-9E97-B87FF451D816}"/>
+                </a:ext>
+              </a:extLst>
+            </p:cNvPr>
+            <p:cNvSpPr/>
+            <p:nvPr/>
+          </p:nvSpPr>
+          <p:spPr>
+            <a:xfrm>
+              <a:off x="11689139" y="5147068"/>
+              <a:ext cx="432048" cy="422337"/>
+            </a:xfrm>
+            <a:prstGeom prst="ellipse">
+              <a:avLst/>
+            </a:prstGeom>
+            <a:solidFill>
+              <a:srgbClr val="4F81BD">
+                <a:alpha val="16863"/>
+              </a:srgbClr>
+            </a:solidFill>
+            <a:ln>
+              <a:solidFill>
+                <a:schemeClr val="accent3">
+                  <a:lumMod val="60000"/>
+                  <a:lumOff val="40000"/>
+                </a:schemeClr>
+              </a:solidFill>
+            </a:ln>
+          </p:spPr>
+          <p:style>
+            <a:lnRef idx="2">
+              <a:schemeClr val="accent1">
+                <a:shade val="50000"/>
+              </a:schemeClr>
+            </a:lnRef>
+            <a:fillRef idx="1">
+              <a:schemeClr val="accent1"/>
+            </a:fillRef>
+            <a:effectRef idx="0">
+              <a:schemeClr val="accent1"/>
+            </a:effectRef>
+            <a:fontRef idx="minor">
+              <a:schemeClr val="lt1"/>
+            </a:fontRef>
+          </p:style>
+          <p:txBody>
+            <a:bodyPr rot="0" spcFirstLastPara="0" vertOverflow="overflow" horzOverflow="overflow" vert="horz" wrap="square" lIns="91440" tIns="45720" rIns="91440" bIns="45720" numCol="1" spcCol="0" rtlCol="0" fromWordArt="0" anchor="ctr" anchorCtr="0" forceAA="0" compatLnSpc="1">
+              <a:prstTxWarp prst="textNoShape">
+                <a:avLst/>
+              </a:prstTxWarp>
+              <a:noAutofit/>
+            </a:bodyPr>
+            <a:lstStyle/>
+            <a:p>
+              <a:pPr algn="ctr"/>
+              <a:r>
+                <a:rPr lang="en-US" altLang="zh-CN" dirty="0"/>
+                <a:t>3</a:t>
+              </a:r>
+              <a:endParaRPr lang="zh-CN" altLang="en-US" dirty="0"/>
+            </a:p>
+          </p:txBody>
+        </p:sp>
+        <p:sp>
+          <p:nvSpPr>
+            <p:cNvPr id="181" name="椭圆 180">
+              <a:extLst>
+                <a:ext uri="{FF2B5EF4-FFF2-40B4-BE49-F238E27FC236}">
+                  <a16:creationId xmlns:a16="http://schemas.microsoft.com/office/drawing/2014/main" id="{2680C67D-6477-4B64-89B8-30DD44A0B596}"/>
+                </a:ext>
+              </a:extLst>
+            </p:cNvPr>
+            <p:cNvSpPr/>
+            <p:nvPr/>
+          </p:nvSpPr>
+          <p:spPr>
+            <a:xfrm>
+              <a:off x="10663079" y="4238843"/>
+              <a:ext cx="432048" cy="422337"/>
+            </a:xfrm>
+            <a:prstGeom prst="ellipse">
+              <a:avLst/>
+            </a:prstGeom>
+            <a:solidFill>
+              <a:srgbClr val="4F81BD">
+                <a:alpha val="16863"/>
+              </a:srgbClr>
+            </a:solidFill>
+            <a:ln>
+              <a:solidFill>
+                <a:schemeClr val="accent3">
+                  <a:lumMod val="60000"/>
+                  <a:lumOff val="40000"/>
+                </a:schemeClr>
+              </a:solidFill>
+            </a:ln>
+          </p:spPr>
+          <p:style>
+            <a:lnRef idx="2">
+              <a:schemeClr val="accent1">
+                <a:shade val="50000"/>
+              </a:schemeClr>
+            </a:lnRef>
+            <a:fillRef idx="1">
+              <a:schemeClr val="accent1"/>
+            </a:fillRef>
+            <a:effectRef idx="0">
+              <a:schemeClr val="accent1"/>
+            </a:effectRef>
+            <a:fontRef idx="minor">
+              <a:schemeClr val="lt1"/>
+            </a:fontRef>
+          </p:style>
+          <p:txBody>
+            <a:bodyPr rot="0" spcFirstLastPara="0" vertOverflow="overflow" horzOverflow="overflow" vert="horz" wrap="square" lIns="91440" tIns="45720" rIns="91440" bIns="45720" numCol="1" spcCol="0" rtlCol="0" fromWordArt="0" anchor="ctr" anchorCtr="0" forceAA="0" compatLnSpc="1">
+              <a:prstTxWarp prst="textNoShape">
+                <a:avLst/>
+              </a:prstTxWarp>
+              <a:noAutofit/>
+            </a:bodyPr>
+            <a:lstStyle/>
+            <a:p>
+              <a:pPr algn="ctr"/>
+              <a:r>
+                <a:rPr lang="en-US" altLang="zh-CN" dirty="0"/>
+                <a:t>0</a:t>
+              </a:r>
+              <a:endParaRPr lang="zh-CN" altLang="en-US" dirty="0"/>
+            </a:p>
+          </p:txBody>
+        </p:sp>
+        <p:sp>
+          <p:nvSpPr>
+            <p:cNvPr id="182" name="椭圆 181">
+              <a:extLst>
+                <a:ext uri="{FF2B5EF4-FFF2-40B4-BE49-F238E27FC236}">
+                  <a16:creationId xmlns:a16="http://schemas.microsoft.com/office/drawing/2014/main" id="{3166E67A-28F8-468A-B71E-A6C9EEEB1FB6}"/>
+                </a:ext>
+              </a:extLst>
+            </p:cNvPr>
+            <p:cNvSpPr/>
+            <p:nvPr/>
+          </p:nvSpPr>
+          <p:spPr>
+            <a:xfrm>
+              <a:off x="11653242" y="4249408"/>
+              <a:ext cx="432048" cy="422337"/>
+            </a:xfrm>
+            <a:prstGeom prst="ellipse">
+              <a:avLst/>
+            </a:prstGeom>
+            <a:solidFill>
+              <a:srgbClr val="4F81BD">
+                <a:alpha val="16863"/>
+              </a:srgbClr>
+            </a:solidFill>
+            <a:ln>
+              <a:solidFill>
+                <a:schemeClr val="accent3">
+                  <a:lumMod val="60000"/>
+                  <a:lumOff val="40000"/>
+                </a:schemeClr>
+              </a:solidFill>
+            </a:ln>
+          </p:spPr>
+          <p:style>
+            <a:lnRef idx="2">
+              <a:schemeClr val="accent1">
+                <a:shade val="50000"/>
+              </a:schemeClr>
+            </a:lnRef>
+            <a:fillRef idx="1">
+              <a:schemeClr val="accent1"/>
+            </a:fillRef>
+            <a:effectRef idx="0">
+              <a:schemeClr val="accent1"/>
+            </a:effectRef>
+            <a:fontRef idx="minor">
+              <a:schemeClr val="lt1"/>
+            </a:fontRef>
+          </p:style>
+          <p:txBody>
+            <a:bodyPr rot="0" spcFirstLastPara="0" vertOverflow="overflow" horzOverflow="overflow" vert="horz" wrap="square" lIns="91440" tIns="45720" rIns="91440" bIns="45720" numCol="1" spcCol="0" rtlCol="0" fromWordArt="0" anchor="ctr" anchorCtr="0" forceAA="0" compatLnSpc="1">
+              <a:prstTxWarp prst="textNoShape">
+                <a:avLst/>
+              </a:prstTxWarp>
+              <a:noAutofit/>
+            </a:bodyPr>
+            <a:lstStyle/>
+            <a:p>
+              <a:pPr algn="ctr"/>
+              <a:r>
+                <a:rPr lang="en-US" altLang="zh-CN" dirty="0"/>
+                <a:t>2</a:t>
+              </a:r>
+              <a:endParaRPr lang="zh-CN" altLang="en-US" dirty="0"/>
+            </a:p>
+          </p:txBody>
+        </p:sp>
+      </p:grpSp>
     </p:spTree>
     <p:extLst>
       <p:ext uri="{BB962C8B-B14F-4D97-AF65-F5344CB8AC3E}">
@@ -22746,7 +23492,7 @@
           <a:p>
             <a:fld id="{F138C28D-461B-46EA-B3D2-4CEA4CCF97FD}" type="datetime1">
               <a:rPr lang="zh-CN" altLang="en-US" smtClean="0"/>
-              <a:t>2017/10/18</a:t>
+              <a:t>2017/10/24</a:t>
             </a:fld>
             <a:endParaRPr lang="zh-CN" altLang="en-US"/>
           </a:p>
@@ -22952,7 +23698,7 @@
           <a:p>
             <a:fld id="{F138C28D-461B-46EA-B3D2-4CEA4CCF97FD}" type="datetime1">
               <a:rPr lang="zh-CN" altLang="en-US" smtClean="0"/>
-              <a:t>2017/10/18</a:t>
+              <a:t>2017/10/24</a:t>
             </a:fld>
             <a:endParaRPr lang="zh-CN" altLang="en-US"/>
           </a:p>
@@ -23944,7 +24690,7 @@
           <a:p>
             <a:fld id="{4C59F49D-EEE6-4EC6-B33B-6C7AD1AA5DC5}" type="datetime1">
               <a:rPr lang="zh-CN" altLang="en-US" smtClean="0"/>
-              <a:t>2017/10/18</a:t>
+              <a:t>2017/10/24</a:t>
             </a:fld>
             <a:endParaRPr lang="zh-CN" altLang="en-US"/>
           </a:p>
@@ -24160,7 +24906,7 @@
           <a:p>
             <a:fld id="{F138C28D-461B-46EA-B3D2-4CEA4CCF97FD}" type="datetime1">
               <a:rPr lang="zh-CN" altLang="en-US" smtClean="0"/>
-              <a:t>2017/10/18</a:t>
+              <a:t>2017/10/24</a:t>
             </a:fld>
             <a:endParaRPr lang="zh-CN" altLang="en-US"/>
           </a:p>
@@ -24382,7 +25128,7 @@
           <a:p>
             <a:fld id="{F138C28D-461B-46EA-B3D2-4CEA4CCF97FD}" type="datetime1">
               <a:rPr lang="zh-CN" altLang="en-US" smtClean="0"/>
-              <a:t>2017/10/18</a:t>
+              <a:t>2017/10/24</a:t>
             </a:fld>
             <a:endParaRPr lang="zh-CN" altLang="en-US"/>
           </a:p>
@@ -25277,7 +26023,7 @@
           <a:p>
             <a:fld id="{AD4383D2-8C55-4FC0-9B0B-549F41BCB586}" type="datetime1">
               <a:rPr lang="zh-CN" altLang="en-US" smtClean="0"/>
-              <a:t>2017/10/18</a:t>
+              <a:t>2017/10/24</a:t>
             </a:fld>
             <a:endParaRPr lang="zh-CN" altLang="en-US"/>
           </a:p>
@@ -25516,7 +26262,7 @@
           <a:p>
             <a:fld id="{F138C28D-461B-46EA-B3D2-4CEA4CCF97FD}" type="datetime1">
               <a:rPr lang="zh-CN" altLang="en-US" smtClean="0"/>
-              <a:t>2017/10/18</a:t>
+              <a:t>2017/10/24</a:t>
             </a:fld>
             <a:endParaRPr lang="zh-CN" altLang="en-US"/>
           </a:p>
@@ -26603,7 +27349,7 @@
           <a:p>
             <a:fld id="{F138C28D-461B-46EA-B3D2-4CEA4CCF97FD}" type="datetime1">
               <a:rPr lang="zh-CN" altLang="en-US" smtClean="0"/>
-              <a:t>2017/10/18</a:t>
+              <a:t>2017/10/24</a:t>
             </a:fld>
             <a:endParaRPr lang="zh-CN" altLang="en-US"/>
           </a:p>
@@ -28428,7 +29174,7 @@
           <a:p>
             <a:fld id="{AD4383D2-8C55-4FC0-9B0B-549F41BCB586}" type="datetime1">
               <a:rPr lang="zh-CN" altLang="en-US" smtClean="0"/>
-              <a:t>2017/10/18</a:t>
+              <a:t>2017/10/24</a:t>
             </a:fld>
             <a:endParaRPr lang="zh-CN" altLang="en-US" dirty="0"/>
           </a:p>
@@ -29564,7 +30310,7 @@
           <a:p>
             <a:fld id="{F138C28D-461B-46EA-B3D2-4CEA4CCF97FD}" type="datetime1">
               <a:rPr lang="zh-CN" altLang="en-US" smtClean="0"/>
-              <a:t>2017/10/18</a:t>
+              <a:t>2017/10/24</a:t>
             </a:fld>
             <a:endParaRPr lang="zh-CN" altLang="en-US"/>
           </a:p>

--- a/docs/Scene/SceneExplanation.pptx
+++ b/docs/Scene/SceneExplanation.pptx
@@ -246,7 +246,7 @@
           <a:p>
             <a:fld id="{6D7FE9F8-2CA7-468D-9335-DE6E4EE2CFE0}" type="datetimeFigureOut">
               <a:rPr lang="zh-CN" altLang="en-US" smtClean="0"/>
-              <a:t>2017/10/24</a:t>
+              <a:t>2017/10/25</a:t>
             </a:fld>
             <a:endParaRPr lang="zh-CN" altLang="en-US"/>
           </a:p>
@@ -423,7 +423,7 @@
           <a:p>
             <a:fld id="{2E3B1B48-C3D3-44FD-8F18-EE819032FA56}" type="datetimeFigureOut">
               <a:rPr lang="zh-CN" altLang="en-US" smtClean="0"/>
-              <a:t>2017/10/24</a:t>
+              <a:t>2017/10/25</a:t>
             </a:fld>
             <a:endParaRPr lang="zh-CN" altLang="en-US"/>
           </a:p>
@@ -884,7 +884,7 @@
           <a:p>
             <a:fld id="{9082C258-E36B-4428-9EBE-3D66F397061D}" type="datetime1">
               <a:rPr lang="zh-CN" altLang="en-US" smtClean="0"/>
-              <a:t>2017/10/24</a:t>
+              <a:t>2017/10/25</a:t>
             </a:fld>
             <a:endParaRPr lang="zh-CN" altLang="en-US"/>
           </a:p>
@@ -1134,7 +1134,7 @@
           <a:p>
             <a:fld id="{6C74CE78-F553-4499-92C2-23A3FC286B13}" type="datetime1">
               <a:rPr lang="zh-CN" altLang="en-US" smtClean="0"/>
-              <a:t>2017/10/24</a:t>
+              <a:t>2017/10/25</a:t>
             </a:fld>
             <a:endParaRPr lang="zh-CN" altLang="en-US"/>
           </a:p>
@@ -1300,7 +1300,7 @@
           <a:p>
             <a:fld id="{61040DCD-6B6B-467E-B707-39CD5F9CB825}" type="datetime1">
               <a:rPr lang="zh-CN" altLang="en-US" smtClean="0"/>
-              <a:t>2017/10/24</a:t>
+              <a:t>2017/10/25</a:t>
             </a:fld>
             <a:endParaRPr lang="zh-CN" altLang="en-US"/>
           </a:p>
@@ -1476,7 +1476,7 @@
           <a:p>
             <a:fld id="{8D983A4A-2C2A-4D8E-A43C-BC6DD092E5EC}" type="datetime1">
               <a:rPr lang="zh-CN" altLang="en-US" smtClean="0"/>
-              <a:t>2017/10/24</a:t>
+              <a:t>2017/10/25</a:t>
             </a:fld>
             <a:endParaRPr lang="zh-CN" altLang="en-US"/>
           </a:p>
@@ -1569,7 +1569,7 @@
           <a:p>
             <a:fld id="{AD4383D2-8C55-4FC0-9B0B-549F41BCB586}" type="datetime1">
               <a:rPr lang="zh-CN" altLang="en-US" smtClean="0"/>
-              <a:t>2017/10/24</a:t>
+              <a:t>2017/10/25</a:t>
             </a:fld>
             <a:endParaRPr lang="zh-CN" altLang="en-US"/>
           </a:p>
@@ -3689,7 +3689,7 @@
           <a:p>
             <a:fld id="{F138C28D-461B-46EA-B3D2-4CEA4CCF97FD}" type="datetime1">
               <a:rPr lang="zh-CN" altLang="en-US" smtClean="0"/>
-              <a:t>2017/10/24</a:t>
+              <a:t>2017/10/25</a:t>
             </a:fld>
             <a:endParaRPr lang="zh-CN" altLang="en-US"/>
           </a:p>
@@ -3918,7 +3918,7 @@
           <a:p>
             <a:fld id="{F138C28D-461B-46EA-B3D2-4CEA4CCF97FD}" type="datetime1">
               <a:rPr lang="zh-CN" altLang="en-US" smtClean="0"/>
-              <a:t>2017/10/24</a:t>
+              <a:t>2017/10/25</a:t>
             </a:fld>
             <a:endParaRPr lang="zh-CN" altLang="en-US"/>
           </a:p>
@@ -4313,7 +4313,7 @@
           <a:p>
             <a:fld id="{34E4DED1-77D9-4993-B7E5-C145AD9B215D}" type="datetime1">
               <a:rPr lang="zh-CN" altLang="en-US" smtClean="0"/>
-              <a:t>2017/10/24</a:t>
+              <a:t>2017/10/25</a:t>
             </a:fld>
             <a:endParaRPr lang="zh-CN" altLang="en-US"/>
           </a:p>
@@ -4730,7 +4730,7 @@
           <a:p>
             <a:fld id="{CB18C625-6BB2-4F84-B1CE-FBF94B9F79BE}" type="datetime1">
               <a:rPr lang="zh-CN" altLang="en-US" smtClean="0"/>
-              <a:t>2017/10/24</a:t>
+              <a:t>2017/10/25</a:t>
             </a:fld>
             <a:endParaRPr lang="zh-CN" altLang="en-US"/>
           </a:p>
@@ -4845,7 +4845,7 @@
           <a:p>
             <a:fld id="{AFB4DA66-5C86-4F23-BA06-D44CFE63E251}" type="datetime1">
               <a:rPr lang="zh-CN" altLang="en-US" smtClean="0"/>
-              <a:t>2017/10/24</a:t>
+              <a:t>2017/10/25</a:t>
             </a:fld>
             <a:endParaRPr lang="zh-CN" altLang="en-US"/>
           </a:p>
@@ -4938,7 +4938,7 @@
           <a:p>
             <a:fld id="{0CC55E60-CF45-4A5A-BD1C-DE3F0FBBE8F7}" type="datetime1">
               <a:rPr lang="zh-CN" altLang="en-US" smtClean="0"/>
-              <a:t>2017/10/24</a:t>
+              <a:t>2017/10/25</a:t>
             </a:fld>
             <a:endParaRPr lang="zh-CN" altLang="en-US"/>
           </a:p>
@@ -5211,7 +5211,7 @@
           <a:p>
             <a:fld id="{34741085-45D3-4EE8-874F-28448E75DCCF}" type="datetime1">
               <a:rPr lang="zh-CN" altLang="en-US" smtClean="0"/>
-              <a:t>2017/10/24</a:t>
+              <a:t>2017/10/25</a:t>
             </a:fld>
             <a:endParaRPr lang="zh-CN" altLang="en-US"/>
           </a:p>
@@ -5420,7 +5420,7 @@
           <a:p>
             <a:fld id="{1DA76A01-8161-42EC-A09B-C09924CBD308}" type="datetime1">
               <a:rPr lang="zh-CN" altLang="en-US" smtClean="0"/>
-              <a:t>2017/10/24</a:t>
+              <a:t>2017/10/25</a:t>
             </a:fld>
             <a:endParaRPr lang="zh-CN" altLang="en-US"/>
           </a:p>
@@ -5898,7 +5898,7 @@
           <a:p>
             <a:fld id="{D0BD8123-259D-4263-9F09-52A2460CC7EC}" type="datetime1">
               <a:rPr lang="zh-CN" altLang="en-US" smtClean="0"/>
-              <a:t>2017/10/24</a:t>
+              <a:t>2017/10/25</a:t>
             </a:fld>
             <a:endParaRPr lang="zh-CN" altLang="en-US"/>
           </a:p>
@@ -6014,7 +6014,7 @@
           <a:p>
             <a:fld id="{F138C28D-461B-46EA-B3D2-4CEA4CCF97FD}" type="datetime1">
               <a:rPr lang="zh-CN" altLang="en-US" smtClean="0"/>
-              <a:t>2017/10/24</a:t>
+              <a:t>2017/10/25</a:t>
             </a:fld>
             <a:endParaRPr lang="zh-CN" altLang="en-US" dirty="0"/>
           </a:p>
@@ -7791,7 +7791,7 @@
           <a:p>
             <a:fld id="{F138C28D-461B-46EA-B3D2-4CEA4CCF97FD}" type="datetime1">
               <a:rPr lang="zh-CN" altLang="en-US" smtClean="0"/>
-              <a:t>2017/10/24</a:t>
+              <a:t>2017/10/25</a:t>
             </a:fld>
             <a:endParaRPr lang="zh-CN" altLang="en-US"/>
           </a:p>
@@ -7901,7 +7901,7 @@
           <p:nvPr>
             <p:extLst>
               <p:ext uri="{D42A27DB-BD31-4B8C-83A1-F6EECF244321}">
-                <p14:modId xmlns:p14="http://schemas.microsoft.com/office/powerpoint/2010/main" val="3223902649"/>
+                <p14:modId xmlns:p14="http://schemas.microsoft.com/office/powerpoint/2010/main" val="586539658"/>
               </p:ext>
             </p:extLst>
           </p:nvPr>
@@ -8456,6 +8456,9 @@
                       </a:r>
                       <a:r>
                         <a:rPr lang="en-US" altLang="zh-CN" sz="1600" dirty="0">
+                          <a:solidFill>
+                            <a:srgbClr val="FF0000"/>
+                          </a:solidFill>
                           <a:latin typeface="Times New Roman" panose="02020603050405020304" pitchFamily="18" charset="0"/>
                           <a:cs typeface="Times New Roman" panose="02020603050405020304" pitchFamily="18" charset="0"/>
                         </a:rPr>
@@ -8463,6 +8466,9 @@
                       </a:r>
                       <a:r>
                         <a:rPr lang="zh-CN" altLang="en-US" sz="1600" dirty="0">
+                          <a:solidFill>
+                            <a:srgbClr val="FF0000"/>
+                          </a:solidFill>
                           <a:latin typeface="Times New Roman" panose="02020603050405020304" pitchFamily="18" charset="0"/>
                           <a:cs typeface="Times New Roman" panose="02020603050405020304" pitchFamily="18" charset="0"/>
                         </a:rPr>
@@ -8470,12 +8476,18 @@
                       </a:r>
                       <a:r>
                         <a:rPr lang="en-US" altLang="zh-CN" sz="1600" dirty="0">
+                          <a:solidFill>
+                            <a:srgbClr val="FF0000"/>
+                          </a:solidFill>
                           <a:latin typeface="Times New Roman" panose="02020603050405020304" pitchFamily="18" charset="0"/>
                           <a:cs typeface="Times New Roman" panose="02020603050405020304" pitchFamily="18" charset="0"/>
                         </a:rPr>
                         <a:t>z</a:t>
                       </a:r>
                       <a:endParaRPr lang="zh-CN" altLang="en-US" sz="1600" dirty="0">
+                        <a:solidFill>
+                          <a:srgbClr val="FF0000"/>
+                        </a:solidFill>
                         <a:latin typeface="Times New Roman" panose="02020603050405020304" pitchFamily="18" charset="0"/>
                         <a:cs typeface="Times New Roman" panose="02020603050405020304" pitchFamily="18" charset="0"/>
                       </a:endParaRPr>
@@ -10158,7 +10170,7 @@
           <a:p>
             <a:fld id="{F138C28D-461B-46EA-B3D2-4CEA4CCF97FD}" type="datetime1">
               <a:rPr lang="zh-CN" altLang="en-US" smtClean="0"/>
-              <a:t>2017/10/24</a:t>
+              <a:t>2017/10/25</a:t>
             </a:fld>
             <a:endParaRPr lang="zh-CN" altLang="en-US"/>
           </a:p>
@@ -14407,7 +14419,7 @@
           <a:p>
             <a:fld id="{AD4383D2-8C55-4FC0-9B0B-549F41BCB586}" type="datetime1">
               <a:rPr lang="zh-CN" altLang="en-US" smtClean="0"/>
-              <a:t>2017/10/24</a:t>
+              <a:t>2017/10/25</a:t>
             </a:fld>
             <a:endParaRPr lang="zh-CN" altLang="en-US"/>
           </a:p>
@@ -14646,7 +14658,7 @@
           <a:p>
             <a:fld id="{F138C28D-461B-46EA-B3D2-4CEA4CCF97FD}" type="datetime1">
               <a:rPr lang="zh-CN" altLang="en-US" smtClean="0"/>
-              <a:t>2017/10/24</a:t>
+              <a:t>2017/10/25</a:t>
             </a:fld>
             <a:endParaRPr lang="zh-CN" altLang="en-US"/>
           </a:p>
@@ -16164,7 +16176,7 @@
           <a:p>
             <a:fld id="{F138C28D-461B-46EA-B3D2-4CEA4CCF97FD}" type="datetime1">
               <a:rPr lang="zh-CN" altLang="en-US" smtClean="0"/>
-              <a:t>2017/10/24</a:t>
+              <a:t>2017/10/25</a:t>
             </a:fld>
             <a:endParaRPr lang="zh-CN" altLang="en-US"/>
           </a:p>
@@ -23492,7 +23504,7 @@
           <a:p>
             <a:fld id="{F138C28D-461B-46EA-B3D2-4CEA4CCF97FD}" type="datetime1">
               <a:rPr lang="zh-CN" altLang="en-US" smtClean="0"/>
-              <a:t>2017/10/24</a:t>
+              <a:t>2017/10/25</a:t>
             </a:fld>
             <a:endParaRPr lang="zh-CN" altLang="en-US"/>
           </a:p>
@@ -23698,7 +23710,7 @@
           <a:p>
             <a:fld id="{F138C28D-461B-46EA-B3D2-4CEA4CCF97FD}" type="datetime1">
               <a:rPr lang="zh-CN" altLang="en-US" smtClean="0"/>
-              <a:t>2017/10/24</a:t>
+              <a:t>2017/10/25</a:t>
             </a:fld>
             <a:endParaRPr lang="zh-CN" altLang="en-US"/>
           </a:p>
@@ -24690,7 +24702,7 @@
           <a:p>
             <a:fld id="{4C59F49D-EEE6-4EC6-B33B-6C7AD1AA5DC5}" type="datetime1">
               <a:rPr lang="zh-CN" altLang="en-US" smtClean="0"/>
-              <a:t>2017/10/24</a:t>
+              <a:t>2017/10/25</a:t>
             </a:fld>
             <a:endParaRPr lang="zh-CN" altLang="en-US"/>
           </a:p>
@@ -24906,7 +24918,7 @@
           <a:p>
             <a:fld id="{F138C28D-461B-46EA-B3D2-4CEA4CCF97FD}" type="datetime1">
               <a:rPr lang="zh-CN" altLang="en-US" smtClean="0"/>
-              <a:t>2017/10/24</a:t>
+              <a:t>2017/10/25</a:t>
             </a:fld>
             <a:endParaRPr lang="zh-CN" altLang="en-US"/>
           </a:p>
@@ -25128,7 +25140,7 @@
           <a:p>
             <a:fld id="{F138C28D-461B-46EA-B3D2-4CEA4CCF97FD}" type="datetime1">
               <a:rPr lang="zh-CN" altLang="en-US" smtClean="0"/>
-              <a:t>2017/10/24</a:t>
+              <a:t>2017/10/25</a:t>
             </a:fld>
             <a:endParaRPr lang="zh-CN" altLang="en-US"/>
           </a:p>
@@ -26023,7 +26035,7 @@
           <a:p>
             <a:fld id="{AD4383D2-8C55-4FC0-9B0B-549F41BCB586}" type="datetime1">
               <a:rPr lang="zh-CN" altLang="en-US" smtClean="0"/>
-              <a:t>2017/10/24</a:t>
+              <a:t>2017/10/25</a:t>
             </a:fld>
             <a:endParaRPr lang="zh-CN" altLang="en-US"/>
           </a:p>
@@ -26262,7 +26274,7 @@
           <a:p>
             <a:fld id="{F138C28D-461B-46EA-B3D2-4CEA4CCF97FD}" type="datetime1">
               <a:rPr lang="zh-CN" altLang="en-US" smtClean="0"/>
-              <a:t>2017/10/24</a:t>
+              <a:t>2017/10/25</a:t>
             </a:fld>
             <a:endParaRPr lang="zh-CN" altLang="en-US"/>
           </a:p>
@@ -27349,7 +27361,7 @@
           <a:p>
             <a:fld id="{F138C28D-461B-46EA-B3D2-4CEA4CCF97FD}" type="datetime1">
               <a:rPr lang="zh-CN" altLang="en-US" smtClean="0"/>
-              <a:t>2017/10/24</a:t>
+              <a:t>2017/10/25</a:t>
             </a:fld>
             <a:endParaRPr lang="zh-CN" altLang="en-US"/>
           </a:p>
@@ -29174,7 +29186,7 @@
           <a:p>
             <a:fld id="{AD4383D2-8C55-4FC0-9B0B-549F41BCB586}" type="datetime1">
               <a:rPr lang="zh-CN" altLang="en-US" smtClean="0"/>
-              <a:t>2017/10/24</a:t>
+              <a:t>2017/10/25</a:t>
             </a:fld>
             <a:endParaRPr lang="zh-CN" altLang="en-US" dirty="0"/>
           </a:p>
@@ -30310,7 +30322,7 @@
           <a:p>
             <a:fld id="{F138C28D-461B-46EA-B3D2-4CEA4CCF97FD}" type="datetime1">
               <a:rPr lang="zh-CN" altLang="en-US" smtClean="0"/>
-              <a:t>2017/10/24</a:t>
+              <a:t>2017/10/25</a:t>
             </a:fld>
             <a:endParaRPr lang="zh-CN" altLang="en-US"/>
           </a:p>
